--- a/draft-gandhi-ippm-stamp-srpm-02.pptx
+++ b/draft-gandhi-ippm-stamp-srpm-02.pptx
@@ -253,7 +253,7 @@
           <a:p>
             <a:fld id="{E8FA3DB5-7722-3F4F-947D-12B203669AD7}" type="datetimeFigureOut">
               <a:rPr lang="en-US" smtClean="0"/>
-              <a:t>1/25/21</a:t>
+              <a:t>1/26/21</a:t>
             </a:fld>
             <a:endParaRPr lang="en-US"/>
           </a:p>
@@ -5339,17 +5339,7 @@
             </a:pPr>
             <a:r>
               <a:rPr lang="en-US" sz="1600" dirty="0"/>
-              <a:t>Support in-band Performance Measurement </a:t>
-            </a:r>
-          </a:p>
-          <a:p>
-            <a:pPr lvl="1">
-              <a:buFont typeface="Wingdings" charset="2"/>
-              <a:buChar char="§"/>
-            </a:pPr>
-            <a:r>
-              <a:rPr lang="en-US" sz="1600" dirty="0"/>
-              <a:t>Support links and SR paths</a:t>
+              <a:t>Support in-band Performance Measurement for links and SR paths</a:t>
             </a:r>
           </a:p>
           <a:p>
@@ -5743,7 +5733,7 @@
                 <a:latin typeface="Calibri" panose="020F0502020204030204" pitchFamily="34" charset="0"/>
                 <a:cs typeface="Calibri" panose="020F0502020204030204" pitchFamily="34" charset="0"/>
               </a:rPr>
-              <a:t>Indicates that this test packet has been sent over a bidirectional path and the reply is required in-band over the same path in the reverse direction.</a:t>
+              <a:t>Indicates that this test packet has been sent over a bidirectional path and the reply is required in-band over the same interface in the reverse direction.</a:t>
             </a:r>
           </a:p>
           <a:p>
@@ -6759,22 +6749,14 @@
           <a:p>
             <a:r>
               <a:rPr lang="en-US" sz="1600" dirty="0"/>
-              <a:t>Two-way measurement mode for links</a:t>
+              <a:t>Two-way delay measurement mode for links</a:t>
             </a:r>
           </a:p>
           <a:p>
             <a:pPr lvl="1"/>
             <a:r>
               <a:rPr lang="en-US" sz="1600" dirty="0"/>
-              <a:t>Reflector needs to send reply on the same link (</a:t>
-            </a:r>
-            <a:r>
-              <a:rPr lang="en-US" sz="1600" b="1" dirty="0"/>
-              <a:t>in-band</a:t>
-            </a:r>
-            <a:r>
-              <a:rPr lang="en-US" sz="1600" dirty="0"/>
-              <a:t>) (symmetric delay on forward and reverse link)</a:t>
+              <a:t>Reflector needs to send reply on the same interface (symmetric delay on forward and reverse link)</a:t>
             </a:r>
           </a:p>
           <a:p>
@@ -6787,7 +6769,7 @@
           <a:p>
             <a:r>
               <a:rPr lang="en-US" sz="1600" dirty="0"/>
-              <a:t>Not scalable to configure for each (session id, source-address) on session-reflector (can have an order of 1K links)</a:t>
+              <a:t>Avoid configuring each (session id, source-address) on session-reflector (can have an order of 1K links)</a:t>
             </a:r>
           </a:p>
           <a:p>
@@ -7156,7 +7138,7 @@
         </p:nvSpPr>
         <p:spPr>
           <a:xfrm>
-            <a:off x="152400" y="985158"/>
+            <a:off x="228600" y="871808"/>
             <a:ext cx="4114800" cy="3698761"/>
           </a:xfrm>
         </p:spPr>
@@ -7562,7 +7544,7 @@
         <p:spPr>
           <a:xfrm>
             <a:off x="533400" y="1047750"/>
-            <a:ext cx="8229600" cy="3230165"/>
+            <a:ext cx="8077200" cy="3230165"/>
           </a:xfrm>
         </p:spPr>
         <p:txBody>
@@ -7579,15 +7561,7 @@
             </a:r>
             <a:r>
               <a:rPr lang="en-US" sz="1600" dirty="0"/>
-              <a:t> SR Policy, reply test packet needs to be sent (</a:t>
-            </a:r>
-            <a:r>
-              <a:rPr lang="en-US" sz="1600" b="1" dirty="0"/>
-              <a:t>in-band)</a:t>
-            </a:r>
-            <a:r>
-              <a:rPr lang="en-US" sz="1600" dirty="0"/>
-              <a:t> on the reverse SR Policy</a:t>
+              <a:t> SR Policy, reply test packet needs to be sent on the reverse SR Policy</a:t>
             </a:r>
           </a:p>
           <a:p>
@@ -7616,7 +7590,7 @@
           <a:p>
             <a:r>
               <a:rPr lang="en-US" sz="1600" dirty="0"/>
-              <a:t>Need per session state on session-reflector node to store reverse paths (each session-id, source-address) </a:t>
+              <a:t>Avoid per session state on session-reflector node to store reverse paths (each session-id, source-address) </a:t>
             </a:r>
           </a:p>
           <a:p>
@@ -8085,7 +8059,7 @@
                 <a:ea typeface="Calibri" panose="020F0502020204030204" pitchFamily="34" charset="0"/>
                 <a:cs typeface="Consolas" panose="020B0609020204030204" pitchFamily="49" charset="0"/>
               </a:rPr>
-              <a:t>Indicates the address of the intended recipient node of the session-sender test packet.  </a:t>
+              <a:t>Indicates the address of the intended destination node of the session-sender test packet.  </a:t>
             </a:r>
           </a:p>
           <a:p>

--- a/draft-gandhi-ippm-stamp-srpm-02.pptx
+++ b/draft-gandhi-ippm-stamp-srpm-02.pptx
@@ -253,7 +253,7 @@
           <a:p>
             <a:fld id="{E8FA3DB5-7722-3F4F-947D-12B203669AD7}" type="datetimeFigureOut">
               <a:rPr lang="en-US" smtClean="0"/>
-              <a:t>1/26/21</a:t>
+              <a:t>1/28/21</a:t>
             </a:fld>
             <a:endParaRPr lang="en-US"/>
           </a:p>
@@ -5358,7 +5358,7 @@
             </a:pPr>
             <a:r>
               <a:rPr lang="en-US" sz="1600" dirty="0"/>
-              <a:t>Avoid per session provisioning on Session-Reflector</a:t>
+              <a:t>Avoid provisioning sessions on Session-Reflector for links and SR paths for stateless mode</a:t>
             </a:r>
           </a:p>
           <a:p>
@@ -5368,7 +5368,7 @@
             </a:pPr>
             <a:r>
               <a:rPr lang="en-US" sz="1600" dirty="0"/>
-              <a:t>Avoid control-channel signaling for sessions</a:t>
+              <a:t>Avoid control-channel signaling for dynamic parameters for link and SR path sessions</a:t>
             </a:r>
           </a:p>
           <a:p>
@@ -5563,7 +5563,7 @@
                 <a:latin typeface="Calibri Light" panose="020F0302020204030204" pitchFamily="34" charset="0"/>
                 <a:cs typeface="Calibri Light" panose="020F0302020204030204" pitchFamily="34" charset="0"/>
               </a:rPr>
-              <a:t>STAMP - Session-Sender Control Code Field</a:t>
+              <a:t>STAMP Session-Sender Control Code Field</a:t>
             </a:r>
           </a:p>
         </p:txBody>
@@ -5733,7 +5733,7 @@
                 <a:latin typeface="Calibri" panose="020F0502020204030204" pitchFamily="34" charset="0"/>
                 <a:cs typeface="Calibri" panose="020F0502020204030204" pitchFamily="34" charset="0"/>
               </a:rPr>
-              <a:t>Indicates that this test packet has been sent over a bidirectional path and the reply is required in-band over the same interface in the reverse direction.</a:t>
+              <a:t>Indicates that this test packet has been sent over a bidirectional path and the reply is required in-band over the same link in the reverse direction.</a:t>
             </a:r>
           </a:p>
           <a:p>
@@ -6715,7 +6715,7 @@
                 <a:latin typeface="Calibri Light" panose="020F0302020204030204" pitchFamily="34" charset="0"/>
                 <a:cs typeface="Calibri Light" panose="020F0302020204030204" pitchFamily="34" charset="0"/>
               </a:rPr>
-              <a:t>STAMP - Session-Sender Control Code Field - Usage</a:t>
+              <a:t>STAMP Session-Sender Control Code Field - Usage</a:t>
             </a:r>
             <a:endParaRPr lang="en-US" sz="3200" dirty="0"/>
           </a:p>
@@ -6739,8 +6739,8 @@
         </p:nvSpPr>
         <p:spPr>
           <a:xfrm>
-            <a:off x="457200" y="960281"/>
-            <a:ext cx="8229600" cy="3394472"/>
+            <a:off x="457200" y="1200149"/>
+            <a:ext cx="8229600" cy="3154603"/>
           </a:xfrm>
         </p:spPr>
         <p:txBody>
@@ -6748,40 +6748,42 @@
           <a:lstStyle/>
           <a:p>
             <a:r>
-              <a:rPr lang="en-US" sz="1600" dirty="0"/>
+              <a:rPr lang="en-US" sz="2000" dirty="0"/>
               <a:t>Two-way delay measurement mode for links</a:t>
             </a:r>
           </a:p>
           <a:p>
             <a:pPr lvl="1"/>
             <a:r>
-              <a:rPr lang="en-US" sz="1600" dirty="0"/>
-              <a:t>Reflector needs to send reply on the same interface (symmetric delay on forward and reverse link)</a:t>
+              <a:rPr lang="en-US" sz="2000" dirty="0"/>
+              <a:t>Reflector needs to send reply on the same link (symmetric delay on forward and reverse link)</a:t>
             </a:r>
           </a:p>
           <a:p>
             <a:pPr lvl="1"/>
             <a:r>
-              <a:rPr lang="en-US" sz="1600" dirty="0"/>
-              <a:t>Link can be LAG (bundle) member</a:t>
-            </a:r>
-          </a:p>
-          <a:p>
-            <a:r>
-              <a:rPr lang="en-US" sz="1600" dirty="0"/>
-              <a:t>Avoid configuring each (session id, source-address) on session-reflector (can have an order of 1K links)</a:t>
+              <a:rPr lang="en-US" sz="2000" dirty="0"/>
+              <a:t>Link can be Virtual, LAG or LAG member</a:t>
+            </a:r>
+          </a:p>
+          <a:p>
+            <a:r>
+              <a:rPr lang="en-US" sz="2000" dirty="0"/>
+              <a:t>Avoid provisioning each session (session id, source-address) on Session-Reflector (can have an order of 1K links) </a:t>
             </a:r>
           </a:p>
           <a:p>
             <a:pPr lvl="1"/>
             <a:r>
-              <a:rPr lang="en-US" sz="1600" dirty="0"/>
-              <a:t>Cannot always send reply on the same incoming interface as the STAMP test packet reply may need to be IP routed</a:t>
-            </a:r>
-          </a:p>
-          <a:p>
-            <a:pPr lvl="1"/>
-            <a:endParaRPr lang="en-US" sz="1600" dirty="0"/>
+              <a:rPr lang="en-US" sz="2000" dirty="0"/>
+              <a:t>Stateless mode of STAMP Session-Reflector as defined in RFC 8762</a:t>
+            </a:r>
+          </a:p>
+          <a:p>
+            <a:pPr marL="457200" lvl="1" indent="0">
+              <a:buNone/>
+            </a:pPr>
+            <a:endParaRPr lang="en-US" sz="2000" dirty="0"/>
           </a:p>
         </p:txBody>
       </p:sp>
@@ -6928,7 +6930,7 @@
                 <a:latin typeface="Calibri Light" panose="020F0302020204030204" pitchFamily="34" charset="0"/>
                 <a:cs typeface="Calibri Light" panose="020F0302020204030204" pitchFamily="34" charset="0"/>
               </a:rPr>
-              <a:t>STAMP - Return Path TLV</a:t>
+              <a:t>STAMP Return Path TLV</a:t>
             </a:r>
           </a:p>
         </p:txBody>
@@ -7519,7 +7521,7 @@
                 <a:latin typeface="Calibri Light" panose="020F0302020204030204" pitchFamily="34" charset="0"/>
                 <a:cs typeface="Calibri Light" panose="020F0302020204030204" pitchFamily="34" charset="0"/>
               </a:rPr>
-              <a:t>STAMP - Return Path TLV - Usage</a:t>
+              <a:t>STAMP Return Path TLV - Usage</a:t>
             </a:r>
             <a:endParaRPr lang="en-US" sz="3200" dirty="0"/>
           </a:p>
@@ -7552,62 +7554,54 @@
           <a:lstStyle/>
           <a:p>
             <a:r>
-              <a:rPr lang="en-US" sz="1600" dirty="0"/>
-              <a:t>For </a:t>
-            </a:r>
-            <a:r>
-              <a:rPr lang="en-US" sz="1600" dirty="0" err="1"/>
+              <a:rPr lang="en-US" sz="1800" dirty="0"/>
+              <a:t>For SR path, reply test packet may need to be sent on the reverse SR Policy</a:t>
+            </a:r>
+          </a:p>
+          <a:p>
+            <a:r>
+              <a:rPr lang="en-US" sz="1800" dirty="0" err="1"/>
               <a:t>Bidir</a:t>
             </a:r>
             <a:r>
-              <a:rPr lang="en-US" sz="1600" dirty="0"/>
-              <a:t> SR Policy, reply test packet needs to be sent on the reverse SR Policy</a:t>
-            </a:r>
-          </a:p>
-          <a:p>
-            <a:r>
-              <a:rPr lang="en-US" sz="1600" dirty="0" err="1"/>
-              <a:t>Bidir</a:t>
-            </a:r>
-            <a:r>
-              <a:rPr lang="en-US" sz="1600" dirty="0"/>
+              <a:rPr lang="en-US" sz="1800" dirty="0"/>
               <a:t> SR Path (forward and reverse) dynamically computed using CSPF by the head-end node</a:t>
             </a:r>
           </a:p>
           <a:p>
             <a:pPr lvl="1"/>
             <a:r>
-              <a:rPr lang="en-US" sz="1600" dirty="0"/>
+              <a:rPr lang="en-US" sz="1800" dirty="0"/>
               <a:t>Path can change often based on topology change, link/node failure in the network, etc.</a:t>
             </a:r>
           </a:p>
           <a:p>
             <a:r>
-              <a:rPr lang="en-US" sz="1600" dirty="0"/>
+              <a:rPr lang="en-US" sz="1800" dirty="0"/>
               <a:t>No signaling in SR, possible to use PCE</a:t>
             </a:r>
           </a:p>
           <a:p>
             <a:r>
-              <a:rPr lang="en-US" sz="1600" dirty="0"/>
-              <a:t>Avoid per session state on session-reflector node to store reverse paths (each session-id, source-address) </a:t>
+              <a:rPr lang="en-US" sz="1800" dirty="0"/>
+              <a:t>Avoid dynamic state on Session-Reflector node to store reverse paths for each session (each session-id, source-address) </a:t>
             </a:r>
           </a:p>
           <a:p>
             <a:pPr lvl="1"/>
             <a:r>
-              <a:rPr lang="en-US" sz="1600" dirty="0"/>
-              <a:t>order of 10Ks SR Policy (that can have active and standby candidate-paths and each can have multiple segment-lists)</a:t>
-            </a:r>
-          </a:p>
-          <a:p>
-            <a:endParaRPr lang="en-US" sz="1600" dirty="0"/>
-          </a:p>
-          <a:p>
-            <a:endParaRPr lang="en-US" sz="1600" dirty="0"/>
-          </a:p>
-          <a:p>
-            <a:endParaRPr lang="en-US" sz="1600" dirty="0"/>
+              <a:rPr lang="en-US" sz="1800" dirty="0"/>
+              <a:t>Order of 10Ks SR Policy (that can have active and standby candidate-path and each can have multiple segment-lists)</a:t>
+            </a:r>
+          </a:p>
+          <a:p>
+            <a:endParaRPr lang="en-US" sz="1800" dirty="0"/>
+          </a:p>
+          <a:p>
+            <a:endParaRPr lang="en-US" sz="1800" dirty="0"/>
+          </a:p>
+          <a:p>
+            <a:endParaRPr lang="en-US" sz="1800" dirty="0"/>
           </a:p>
         </p:txBody>
       </p:sp>
@@ -7686,7 +7680,7 @@
               </a:pPr>
               <a:t>7</a:t>
             </a:fld>
-            <a:endParaRPr lang="en-US" altLang="zh-CN"/>
+            <a:endParaRPr lang="en-US" altLang="zh-CN" dirty="0"/>
           </a:p>
         </p:txBody>
       </p:sp>
@@ -7754,7 +7748,7 @@
                 <a:latin typeface="Calibri Light" panose="020F0302020204030204" pitchFamily="34" charset="0"/>
                 <a:cs typeface="Calibri Light" panose="020F0302020204030204" pitchFamily="34" charset="0"/>
               </a:rPr>
-              <a:t>STAMP - Destination Node Address TLV</a:t>
+              <a:t>STAMP Destination Node Address TLV</a:t>
             </a:r>
           </a:p>
         </p:txBody>
@@ -8059,7 +8053,7 @@
                 <a:ea typeface="Calibri" panose="020F0502020204030204" pitchFamily="34" charset="0"/>
                 <a:cs typeface="Consolas" panose="020B0609020204030204" pitchFamily="49" charset="0"/>
               </a:rPr>
-              <a:t>Indicates the address of the intended destination node of the session-sender test packet.  </a:t>
+              <a:t>Indicates the address of the intended destination node of the Session-Sender test packet.  </a:t>
             </a:r>
           </a:p>
           <a:p>

--- a/draft-gandhi-ippm-stamp-srpm-02.pptx
+++ b/draft-gandhi-ippm-stamp-srpm-02.pptx
@@ -5358,7 +5358,7 @@
             </a:pPr>
             <a:r>
               <a:rPr lang="en-US" sz="1600" dirty="0"/>
-              <a:t>Avoid provisioning sessions on Session-Reflector for links and SR paths for stateless mode</a:t>
+              <a:t>Avoid provisioning sessions on Session-Reflector for stateless mode</a:t>
             </a:r>
           </a:p>
           <a:p>
@@ -5368,7 +5368,7 @@
             </a:pPr>
             <a:r>
               <a:rPr lang="en-US" sz="1600" dirty="0"/>
-              <a:t>Avoid control-channel signaling for dynamic parameters for link and SR path sessions</a:t>
+              <a:t>Avoid control-channel signaling for dynamic parameters</a:t>
             </a:r>
           </a:p>
           <a:p>
@@ -7591,7 +7591,7 @@
             <a:pPr lvl="1"/>
             <a:r>
               <a:rPr lang="en-US" sz="1800" dirty="0"/>
-              <a:t>Order of 10Ks SR Policy (that can have active and standby candidate-path and each can have multiple segment-lists)</a:t>
+              <a:t>Order of 10K SR Policy (that can have active and standby candidate-path and each can have multiple segment-lists)</a:t>
             </a:r>
           </a:p>
           <a:p>

--- a/draft-gandhi-ippm-stamp-srpm-02.pptx
+++ b/draft-gandhi-ippm-stamp-srpm-02.pptx
@@ -253,7 +253,7 @@
           <a:p>
             <a:fld id="{E8FA3DB5-7722-3F4F-947D-12B203669AD7}" type="datetimeFigureOut">
               <a:rPr lang="en-US" smtClean="0"/>
-              <a:t>1/28/21</a:t>
+              <a:t>1/29/21</a:t>
             </a:fld>
             <a:endParaRPr lang="en-US"/>
           </a:p>
@@ -5700,7 +5700,7 @@
                 <a:latin typeface="Calibri" panose="020F0502020204030204" pitchFamily="34" charset="0"/>
                 <a:cs typeface="Calibri" panose="020F0502020204030204" pitchFamily="34" charset="0"/>
               </a:rPr>
-              <a:t>0x0: Existing default behavior as defined in RFC 8762.</a:t>
+              <a:t>0x0: Existing (default) behavior as defined in RFC 8762.</a:t>
             </a:r>
           </a:p>
           <a:p>
@@ -5733,7 +5733,7 @@
                 <a:latin typeface="Calibri" panose="020F0502020204030204" pitchFamily="34" charset="0"/>
                 <a:cs typeface="Calibri" panose="020F0502020204030204" pitchFamily="34" charset="0"/>
               </a:rPr>
-              <a:t>Indicates that this test packet has been sent over a bidirectional path and the reply is required in-band over the same link in the reverse direction.</a:t>
+              <a:t>Indicates that this test packet has been sent over a bidirectional path and the reply is required in-band over the same incoming link in the reverse direction.</a:t>
             </a:r>
           </a:p>
           <a:p>
@@ -6749,7 +6749,7 @@
           <a:p>
             <a:r>
               <a:rPr lang="en-US" sz="2000" dirty="0"/>
-              <a:t>Two-way delay measurement mode for links</a:t>
+              <a:t>For delay measurement mode for links</a:t>
             </a:r>
           </a:p>
           <a:p>
@@ -7230,7 +7230,7 @@
             </a:r>
             <a:r>
               <a:rPr lang="en-CA" sz="1400" dirty="0"/>
-              <a:t>] of the Reverse SR Policy</a:t>
+              <a:t>] of the Return SR Policy</a:t>
             </a:r>
           </a:p>
           <a:p>
@@ -7276,7 +7276,7 @@
             </a:r>
             <a:r>
               <a:rPr lang="en-CA" sz="1400" dirty="0"/>
-              <a:t>] of the Reverse SR Policy</a:t>
+              <a:t>] of the Return SR Policy</a:t>
             </a:r>
             <a:endParaRPr lang="en-US" sz="1400" dirty="0">
               <a:latin typeface="Calibri" charset="0"/>
@@ -7555,7 +7555,7 @@
           <a:p>
             <a:r>
               <a:rPr lang="en-US" sz="1800" dirty="0"/>
-              <a:t>For SR path, reply test packet may need to be sent on the reverse SR Policy</a:t>
+              <a:t>For SR path, reply test packet may need to be sent on the return SR path</a:t>
             </a:r>
           </a:p>
           <a:p>
@@ -7584,7 +7584,7 @@
           <a:p>
             <a:r>
               <a:rPr lang="en-US" sz="1800" dirty="0"/>
-              <a:t>Avoid dynamic state on Session-Reflector node to store reverse paths for each session (each session-id, source-address) </a:t>
+              <a:t>Avoid signaling and maintaining dynamic state on Session-Reflector node to store return paths for each session (each session-id, source-address) </a:t>
             </a:r>
           </a:p>
           <a:p>

--- a/draft-gandhi-ippm-stamp-srpm-02.pptx
+++ b/draft-gandhi-ippm-stamp-srpm-02.pptx
@@ -253,7 +253,7 @@
           <a:p>
             <a:fld id="{E8FA3DB5-7722-3F4F-947D-12B203669AD7}" type="datetimeFigureOut">
               <a:rPr lang="en-US" smtClean="0"/>
-              <a:t>1/29/21</a:t>
+              <a:t>2/2/21</a:t>
             </a:fld>
             <a:endParaRPr lang="en-US"/>
           </a:p>
@@ -5358,7 +5358,7 @@
             </a:pPr>
             <a:r>
               <a:rPr lang="en-US" sz="1600" dirty="0"/>
-              <a:t>Avoid provisioning sessions on Session-Reflector for stateless mode</a:t>
+              <a:t>Avoid provisioning test sessions on Session-Reflector for stateless mode</a:t>
             </a:r>
           </a:p>
           <a:p>
@@ -5368,7 +5368,7 @@
             </a:pPr>
             <a:r>
               <a:rPr lang="en-US" sz="1600" dirty="0"/>
-              <a:t>Avoid control-channel signaling for dynamic parameters</a:t>
+              <a:t>Avoid control protocol for signaling dynamic parameters</a:t>
             </a:r>
           </a:p>
           <a:p>
@@ -5378,7 +5378,15 @@
             </a:pPr>
             <a:r>
               <a:rPr lang="en-US" sz="1600" dirty="0"/>
-              <a:t>Very high scale for number of sessions and faster detection interval</a:t>
+              <a:t>High scale for number </a:t>
+            </a:r>
+            <a:r>
+              <a:rPr lang="en-US" sz="1600"/>
+              <a:t>of test </a:t>
+            </a:r>
+            <a:r>
+              <a:rPr lang="en-US" sz="1600" dirty="0"/>
+              <a:t>sessions and faster detection interval</a:t>
             </a:r>
           </a:p>
           <a:p>
@@ -5679,7 +5687,7 @@
                 <a:latin typeface="Calibri" panose="020F0502020204030204" pitchFamily="34" charset="0"/>
                 <a:cs typeface="Calibri" panose="020F0502020204030204" pitchFamily="34" charset="0"/>
               </a:rPr>
-              <a:t>Session-Sender Control Code (8-bit) Flags:</a:t>
+              <a:t>Control Code (8-bit) Flags:</a:t>
             </a:r>
           </a:p>
           <a:p>
@@ -6749,14 +6757,14 @@
           <a:p>
             <a:r>
               <a:rPr lang="en-US" sz="2000" dirty="0"/>
-              <a:t>For delay measurement mode for links</a:t>
+              <a:t>For link delay measurement</a:t>
             </a:r>
           </a:p>
           <a:p>
             <a:pPr lvl="1"/>
             <a:r>
               <a:rPr lang="en-US" sz="2000" dirty="0"/>
-              <a:t>Reflector needs to send reply on the same link (symmetric delay on forward and reverse link)</a:t>
+              <a:t>Reflector needs to send reply on the same incoming link (symmetric delay on forward and reverse link)</a:t>
             </a:r>
           </a:p>
           <a:p>
@@ -6769,7 +6777,7 @@
           <a:p>
             <a:r>
               <a:rPr lang="en-US" sz="2000" dirty="0"/>
-              <a:t>Avoid provisioning each session (session id, source-address) on Session-Reflector (can have an order of 1K links) </a:t>
+              <a:t>Avoid provisioning each test session (session id, source-address) on Session-Reflector (can have an order of 1K links) </a:t>
             </a:r>
           </a:p>
           <a:p>
@@ -7555,7 +7563,7 @@
           <a:p>
             <a:r>
               <a:rPr lang="en-US" sz="1800" dirty="0"/>
-              <a:t>For SR path, reply test packet may need to be sent on the return SR path</a:t>
+              <a:t>For SR path, reply test packet may need to be sent on a specific return SR path</a:t>
             </a:r>
           </a:p>
           <a:p>
@@ -7578,13 +7586,13 @@
           <a:p>
             <a:r>
               <a:rPr lang="en-US" sz="1800" dirty="0"/>
-              <a:t>No signaling in SR, possible to use PCE</a:t>
+              <a:t>No signaling in SR</a:t>
             </a:r>
           </a:p>
           <a:p>
             <a:r>
               <a:rPr lang="en-US" sz="1800" dirty="0"/>
-              <a:t>Avoid signaling and maintaining dynamic state on Session-Reflector node to store return paths for each session (each session-id, source-address) </a:t>
+              <a:t>Avoid signaling and maintaining dynamic state on Session-Reflector to store return paths for each test session (each session-id, source-address) </a:t>
             </a:r>
           </a:p>
           <a:p>

--- a/draft-gandhi-ippm-stamp-srpm-02.pptx
+++ b/draft-gandhi-ippm-stamp-srpm-02.pptx
@@ -253,7 +253,7 @@
           <a:p>
             <a:fld id="{E8FA3DB5-7722-3F4F-947D-12B203669AD7}" type="datetimeFigureOut">
               <a:rPr lang="en-US" smtClean="0"/>
-              <a:t>2/2/21</a:t>
+              <a:t>2/3/21</a:t>
             </a:fld>
             <a:endParaRPr lang="en-US"/>
           </a:p>
@@ -5378,15 +5378,7 @@
             </a:pPr>
             <a:r>
               <a:rPr lang="en-US" sz="1600" dirty="0"/>
-              <a:t>High scale for number </a:t>
-            </a:r>
-            <a:r>
-              <a:rPr lang="en-US" sz="1600"/>
-              <a:t>of test </a:t>
-            </a:r>
-            <a:r>
-              <a:rPr lang="en-US" sz="1600" dirty="0"/>
-              <a:t>sessions and faster detection interval</a:t>
+              <a:t>High scale for number of test sessions and faster detection interval</a:t>
             </a:r>
           </a:p>
           <a:p>
@@ -5437,7 +5429,7 @@
             </a:r>
             <a:r>
               <a:rPr lang="en-CA" sz="1600" dirty="0"/>
-              <a:t>RFC8972]</a:t>
+              <a:t>RFC 8972]</a:t>
             </a:r>
             <a:endParaRPr lang="en-US" sz="1600" dirty="0"/>
           </a:p>
@@ -7573,7 +7565,7 @@
             </a:r>
             <a:r>
               <a:rPr lang="en-US" sz="1800" dirty="0"/>
-              <a:t> SR Path (forward and reverse) dynamically computed using CSPF by the head-end node</a:t>
+              <a:t> SR path (forward and reverse) dynamically computed using CSPF by the head-end node</a:t>
             </a:r>
           </a:p>
           <a:p>

--- a/draft-gandhi-ippm-stamp-srpm-02.pptx
+++ b/draft-gandhi-ippm-stamp-srpm-02.pptx
@@ -5,22 +5,21 @@
     <p:sldMasterId id="2147483648" r:id="rId1"/>
   </p:sldMasterIdLst>
   <p:notesMasterIdLst>
-    <p:notesMasterId r:id="rId12"/>
+    <p:notesMasterId r:id="rId11"/>
   </p:notesMasterIdLst>
   <p:handoutMasterIdLst>
-    <p:handoutMasterId r:id="rId13"/>
+    <p:handoutMasterId r:id="rId12"/>
   </p:handoutMasterIdLst>
   <p:sldIdLst>
     <p:sldId id="1661" r:id="rId2"/>
     <p:sldId id="1662" r:id="rId3"/>
     <p:sldId id="1663" r:id="rId4"/>
-    <p:sldId id="1666" r:id="rId5"/>
-    <p:sldId id="1673" r:id="rId6"/>
-    <p:sldId id="1669" r:id="rId7"/>
+    <p:sldId id="1668" r:id="rId5"/>
+    <p:sldId id="1669" r:id="rId6"/>
+    <p:sldId id="1673" r:id="rId7"/>
     <p:sldId id="1674" r:id="rId8"/>
-    <p:sldId id="1668" r:id="rId9"/>
-    <p:sldId id="1670" r:id="rId10"/>
-    <p:sldId id="1671" r:id="rId11"/>
+    <p:sldId id="1670" r:id="rId9"/>
+    <p:sldId id="1671" r:id="rId10"/>
   </p:sldIdLst>
   <p:sldSz cx="9144000" cy="5143500" type="screen16x9"/>
   <p:notesSz cx="6858000" cy="9144000"/>
@@ -253,7 +252,7 @@
           <a:p>
             <a:fld id="{E8FA3DB5-7722-3F4F-947D-12B203669AD7}" type="datetimeFigureOut">
               <a:rPr lang="en-US" smtClean="0"/>
-              <a:t>2/3/21</a:t>
+              <a:t>2/4/21</a:t>
             </a:fld>
             <a:endParaRPr lang="en-US"/>
           </a:p>
@@ -1121,7 +1120,7 @@
               <a:pPr>
                 <a:defRPr/>
               </a:pPr>
-              <a:t>9</a:t>
+              <a:t>8</a:t>
             </a:fld>
             <a:endParaRPr lang="en-US" altLang="zh-CN"/>
           </a:p>
@@ -1211,7 +1210,7 @@
               <a:pPr>
                 <a:defRPr/>
               </a:pPr>
-              <a:t>10</a:t>
+              <a:t>9</a:t>
             </a:fld>
             <a:endParaRPr lang="en-US" altLang="zh-CN"/>
           </a:p>
@@ -4805,7 +4804,2118 @@
 </p:sld>
 </file>
 
-<file path=ppt/slides/slide10.xml><?xml version="1.0" encoding="utf-8"?>
+<file path=ppt/slides/slide2.xml><?xml version="1.0" encoding="utf-8"?>
+<p:sld xmlns:a="http://schemas.openxmlformats.org/drawingml/2006/main" xmlns:r="http://schemas.openxmlformats.org/officeDocument/2006/relationships" xmlns:p="http://schemas.openxmlformats.org/presentationml/2006/main">
+  <p:cSld>
+    <p:spTree>
+      <p:nvGrpSpPr>
+        <p:cNvPr id="1" name=""/>
+        <p:cNvGrpSpPr/>
+        <p:nvPr/>
+      </p:nvGrpSpPr>
+      <p:grpSpPr>
+        <a:xfrm>
+          <a:off x="0" y="0"/>
+          <a:ext cx="0" cy="0"/>
+          <a:chOff x="0" y="0"/>
+          <a:chExt cx="0" cy="0"/>
+        </a:xfrm>
+      </p:grpSpPr>
+      <p:sp>
+        <p:nvSpPr>
+          <p:cNvPr id="2" name="Title 1"/>
+          <p:cNvSpPr>
+            <a:spLocks noGrp="1"/>
+          </p:cNvSpPr>
+          <p:nvPr>
+            <p:ph type="title"/>
+          </p:nvPr>
+        </p:nvSpPr>
+        <p:spPr>
+          <a:xfrm>
+            <a:off x="457200" y="98823"/>
+            <a:ext cx="8229600" cy="857250"/>
+          </a:xfrm>
+        </p:spPr>
+        <p:txBody>
+          <a:bodyPr/>
+          <a:lstStyle/>
+          <a:p>
+            <a:r>
+              <a:rPr lang="en-US" sz="3600" dirty="0">
+                <a:solidFill>
+                  <a:srgbClr val="0070C0"/>
+                </a:solidFill>
+                <a:latin typeface="Calibri Light" panose="020F0302020204030204" pitchFamily="34" charset="0"/>
+                <a:cs typeface="Calibri Light" panose="020F0302020204030204" pitchFamily="34" charset="0"/>
+              </a:rPr>
+              <a:t>Agenda</a:t>
+            </a:r>
+          </a:p>
+        </p:txBody>
+      </p:sp>
+      <p:sp>
+        <p:nvSpPr>
+          <p:cNvPr id="3" name="Content Placeholder 2"/>
+          <p:cNvSpPr>
+            <a:spLocks noGrp="1"/>
+          </p:cNvSpPr>
+          <p:nvPr>
+            <p:ph idx="1"/>
+          </p:nvPr>
+        </p:nvSpPr>
+        <p:spPr>
+          <a:xfrm>
+            <a:off x="573741" y="1157288"/>
+            <a:ext cx="8113059" cy="3124200"/>
+          </a:xfrm>
+        </p:spPr>
+        <p:txBody>
+          <a:bodyPr/>
+          <a:lstStyle/>
+          <a:p>
+            <a:r>
+              <a:rPr lang="en-US" sz="2400" dirty="0"/>
+              <a:t>Requirements and Scope</a:t>
+            </a:r>
+          </a:p>
+          <a:p>
+            <a:r>
+              <a:rPr lang="en-US" sz="2400" dirty="0"/>
+              <a:t>Summary of Extensions</a:t>
+            </a:r>
+          </a:p>
+          <a:p>
+            <a:r>
+              <a:rPr lang="en-US" sz="2400" dirty="0"/>
+              <a:t>Next Steps</a:t>
+            </a:r>
+          </a:p>
+        </p:txBody>
+      </p:sp>
+      <p:sp>
+        <p:nvSpPr>
+          <p:cNvPr id="4" name="Footer Placeholder 3"/>
+          <p:cNvSpPr>
+            <a:spLocks noGrp="1"/>
+          </p:cNvSpPr>
+          <p:nvPr>
+            <p:ph type="ftr" sz="quarter" idx="11"/>
+          </p:nvPr>
+        </p:nvSpPr>
+        <p:spPr>
+          <a:xfrm>
+            <a:off x="3124200" y="4786312"/>
+            <a:ext cx="2895600" cy="357188"/>
+          </a:xfrm>
+        </p:spPr>
+        <p:txBody>
+          <a:bodyPr/>
+          <a:lstStyle/>
+          <a:p>
+            <a:r>
+              <a:rPr lang="en-CA" dirty="0"/>
+              <a:t>110</a:t>
+            </a:r>
+            <a:r>
+              <a:rPr lang="en-CA" baseline="30000" dirty="0"/>
+              <a:t>th</a:t>
+            </a:r>
+            <a:r>
+              <a:rPr lang="en-CA" dirty="0"/>
+              <a:t> IETF Online</a:t>
+            </a:r>
+          </a:p>
+        </p:txBody>
+      </p:sp>
+      <p:sp>
+        <p:nvSpPr>
+          <p:cNvPr id="5" name="Slide Number Placeholder 4"/>
+          <p:cNvSpPr>
+            <a:spLocks noGrp="1"/>
+          </p:cNvSpPr>
+          <p:nvPr>
+            <p:ph type="sldNum" sz="quarter" idx="12"/>
+          </p:nvPr>
+        </p:nvSpPr>
+        <p:spPr/>
+        <p:txBody>
+          <a:bodyPr/>
+          <a:lstStyle/>
+          <a:p>
+            <a:pPr>
+              <a:defRPr/>
+            </a:pPr>
+            <a:fld id="{BD6E0F59-1DD8-40FC-9C92-B6295CBA6CCA}" type="slidenum">
+              <a:rPr lang="en-US" altLang="zh-CN" smtClean="0"/>
+              <a:pPr>
+                <a:defRPr/>
+              </a:pPr>
+              <a:t>2</a:t>
+            </a:fld>
+            <a:endParaRPr lang="en-US" altLang="zh-CN"/>
+          </a:p>
+        </p:txBody>
+      </p:sp>
+    </p:spTree>
+    <p:extLst>
+      <p:ext uri="{BB962C8B-B14F-4D97-AF65-F5344CB8AC3E}">
+        <p14:creationId xmlns:p14="http://schemas.microsoft.com/office/powerpoint/2010/main" val="3204099515"/>
+      </p:ext>
+    </p:extLst>
+  </p:cSld>
+  <p:clrMapOvr>
+    <a:masterClrMapping/>
+  </p:clrMapOvr>
+</p:sld>
+</file>
+
+<file path=ppt/slides/slide3.xml><?xml version="1.0" encoding="utf-8"?>
+<p:sld xmlns:a="http://schemas.openxmlformats.org/drawingml/2006/main" xmlns:r="http://schemas.openxmlformats.org/officeDocument/2006/relationships" xmlns:p="http://schemas.openxmlformats.org/presentationml/2006/main">
+  <p:cSld>
+    <p:spTree>
+      <p:nvGrpSpPr>
+        <p:cNvPr id="1" name=""/>
+        <p:cNvGrpSpPr/>
+        <p:nvPr/>
+      </p:nvGrpSpPr>
+      <p:grpSpPr>
+        <a:xfrm>
+          <a:off x="0" y="0"/>
+          <a:ext cx="0" cy="0"/>
+          <a:chOff x="0" y="0"/>
+          <a:chExt cx="0" cy="0"/>
+        </a:xfrm>
+      </p:grpSpPr>
+      <p:sp>
+        <p:nvSpPr>
+          <p:cNvPr id="2" name="Title 1"/>
+          <p:cNvSpPr>
+            <a:spLocks noGrp="1"/>
+          </p:cNvSpPr>
+          <p:nvPr>
+            <p:ph type="title"/>
+          </p:nvPr>
+        </p:nvSpPr>
+        <p:spPr>
+          <a:xfrm>
+            <a:off x="457200" y="0"/>
+            <a:ext cx="8229600" cy="857250"/>
+          </a:xfrm>
+        </p:spPr>
+        <p:txBody>
+          <a:bodyPr/>
+          <a:lstStyle/>
+          <a:p>
+            <a:r>
+              <a:rPr lang="en-US" sz="3600" dirty="0">
+                <a:solidFill>
+                  <a:srgbClr val="0070C0"/>
+                </a:solidFill>
+                <a:latin typeface="Calibri Light" panose="020F0302020204030204" pitchFamily="34" charset="0"/>
+                <a:cs typeface="Calibri Light" panose="020F0302020204030204" pitchFamily="34" charset="0"/>
+              </a:rPr>
+              <a:t>Requirements and Scope</a:t>
+            </a:r>
+          </a:p>
+        </p:txBody>
+      </p:sp>
+      <p:sp>
+        <p:nvSpPr>
+          <p:cNvPr id="3" name="Content Placeholder 2"/>
+          <p:cNvSpPr>
+            <a:spLocks noGrp="1"/>
+          </p:cNvSpPr>
+          <p:nvPr>
+            <p:ph idx="1"/>
+          </p:nvPr>
+        </p:nvSpPr>
+        <p:spPr>
+          <a:xfrm>
+            <a:off x="685800" y="971550"/>
+            <a:ext cx="7772400" cy="3581399"/>
+          </a:xfrm>
+        </p:spPr>
+        <p:txBody>
+          <a:bodyPr/>
+          <a:lstStyle/>
+          <a:p>
+            <a:pPr marL="0" indent="0">
+              <a:buNone/>
+            </a:pPr>
+            <a:r>
+              <a:rPr lang="en-US" sz="1600" dirty="0"/>
+              <a:t>Requirements:</a:t>
+            </a:r>
+          </a:p>
+          <a:p>
+            <a:pPr lvl="1">
+              <a:buFont typeface="Wingdings" charset="2"/>
+              <a:buChar char="§"/>
+            </a:pPr>
+            <a:r>
+              <a:rPr lang="en-US" sz="1600" dirty="0"/>
+              <a:t>Support in-band Performance Measurement for links and SR paths</a:t>
+            </a:r>
+          </a:p>
+          <a:p>
+            <a:pPr marL="0" indent="0">
+              <a:buNone/>
+            </a:pPr>
+            <a:r>
+              <a:rPr lang="en-US" sz="1600" dirty="0"/>
+              <a:t>Goals: </a:t>
+            </a:r>
+          </a:p>
+          <a:p>
+            <a:pPr lvl="1">
+              <a:buFont typeface="Wingdings" charset="2"/>
+              <a:buChar char="§"/>
+            </a:pPr>
+            <a:r>
+              <a:rPr lang="en-US" sz="1600" dirty="0"/>
+              <a:t>Avoid provisioning test sessions on Session-Reflector for stateless mode</a:t>
+            </a:r>
+          </a:p>
+          <a:p>
+            <a:pPr lvl="1">
+              <a:buFont typeface="Wingdings" charset="2"/>
+              <a:buChar char="§"/>
+            </a:pPr>
+            <a:r>
+              <a:rPr lang="en-US" sz="1600" dirty="0"/>
+              <a:t>Avoid control protocol for signaling dynamic parameters</a:t>
+            </a:r>
+          </a:p>
+          <a:p>
+            <a:pPr lvl="1">
+              <a:buFont typeface="Wingdings" charset="2"/>
+              <a:buChar char="§"/>
+            </a:pPr>
+            <a:r>
+              <a:rPr lang="en-US" sz="1600" dirty="0"/>
+              <a:t>High scale for number of test sessions and faster detection interval</a:t>
+            </a:r>
+          </a:p>
+          <a:p>
+            <a:pPr lvl="2">
+              <a:buFont typeface="Wingdings" charset="2"/>
+              <a:buChar char="§"/>
+            </a:pPr>
+            <a:r>
+              <a:rPr lang="en-US" sz="1600" dirty="0"/>
+              <a:t>Support hardware implementation</a:t>
+            </a:r>
+          </a:p>
+          <a:p>
+            <a:pPr marL="0" lvl="1" indent="0">
+              <a:buNone/>
+            </a:pPr>
+            <a:r>
+              <a:rPr lang="en-US" sz="1600" dirty="0"/>
+              <a:t>Scope:</a:t>
+            </a:r>
+          </a:p>
+          <a:p>
+            <a:pPr lvl="1">
+              <a:buFont typeface="Wingdings" pitchFamily="2" charset="2"/>
+              <a:buChar char="§"/>
+            </a:pPr>
+            <a:r>
+              <a:rPr lang="en-US" sz="1600" dirty="0"/>
+              <a:t>STAMP [</a:t>
+            </a:r>
+            <a:r>
+              <a:rPr lang="en-CA" sz="1600" dirty="0"/>
+              <a:t>RFC 8762</a:t>
+            </a:r>
+            <a:r>
+              <a:rPr lang="en-US" sz="1600" dirty="0"/>
+              <a:t>]</a:t>
+            </a:r>
+          </a:p>
+          <a:p>
+            <a:pPr lvl="1">
+              <a:buFont typeface="Wingdings" charset="2"/>
+              <a:buChar char="§"/>
+            </a:pPr>
+            <a:r>
+              <a:rPr lang="en-US" sz="1600" dirty="0"/>
+              <a:t>STAMP Extensions [</a:t>
+            </a:r>
+            <a:r>
+              <a:rPr lang="en-CA" sz="1600" dirty="0"/>
+              <a:t>RFC 8972]</a:t>
+            </a:r>
+            <a:endParaRPr lang="en-US" sz="1600" dirty="0"/>
+          </a:p>
+        </p:txBody>
+      </p:sp>
+      <p:sp>
+        <p:nvSpPr>
+          <p:cNvPr id="4" name="Footer Placeholder 3"/>
+          <p:cNvSpPr>
+            <a:spLocks noGrp="1"/>
+          </p:cNvSpPr>
+          <p:nvPr>
+            <p:ph type="ftr" sz="quarter" idx="11"/>
+          </p:nvPr>
+        </p:nvSpPr>
+        <p:spPr>
+          <a:xfrm>
+            <a:off x="3124200" y="4786312"/>
+            <a:ext cx="2895600" cy="357188"/>
+          </a:xfrm>
+        </p:spPr>
+        <p:txBody>
+          <a:bodyPr/>
+          <a:lstStyle/>
+          <a:p>
+            <a:r>
+              <a:rPr lang="en-CA" dirty="0"/>
+              <a:t>110</a:t>
+            </a:r>
+            <a:r>
+              <a:rPr lang="en-CA" baseline="30000" dirty="0"/>
+              <a:t>th</a:t>
+            </a:r>
+            <a:r>
+              <a:rPr lang="en-CA" dirty="0"/>
+              <a:t> IETF Online</a:t>
+            </a:r>
+          </a:p>
+        </p:txBody>
+      </p:sp>
+      <p:sp>
+        <p:nvSpPr>
+          <p:cNvPr id="5" name="Slide Number Placeholder 4"/>
+          <p:cNvSpPr>
+            <a:spLocks noGrp="1"/>
+          </p:cNvSpPr>
+          <p:nvPr>
+            <p:ph type="sldNum" sz="quarter" idx="12"/>
+          </p:nvPr>
+        </p:nvSpPr>
+        <p:spPr/>
+        <p:txBody>
+          <a:bodyPr/>
+          <a:lstStyle/>
+          <a:p>
+            <a:pPr>
+              <a:defRPr/>
+            </a:pPr>
+            <a:fld id="{BD6E0F59-1DD8-40FC-9C92-B6295CBA6CCA}" type="slidenum">
+              <a:rPr lang="en-US" altLang="zh-CN" smtClean="0"/>
+              <a:pPr>
+                <a:defRPr/>
+              </a:pPr>
+              <a:t>3</a:t>
+            </a:fld>
+            <a:endParaRPr lang="en-US" altLang="zh-CN" dirty="0"/>
+          </a:p>
+        </p:txBody>
+      </p:sp>
+    </p:spTree>
+    <p:extLst>
+      <p:ext uri="{BB962C8B-B14F-4D97-AF65-F5344CB8AC3E}">
+        <p14:creationId xmlns:p14="http://schemas.microsoft.com/office/powerpoint/2010/main" val="1576110362"/>
+      </p:ext>
+    </p:extLst>
+  </p:cSld>
+  <p:clrMapOvr>
+    <a:masterClrMapping/>
+  </p:clrMapOvr>
+</p:sld>
+</file>
+
+<file path=ppt/slides/slide4.xml><?xml version="1.0" encoding="utf-8"?>
+<p:sld xmlns:a="http://schemas.openxmlformats.org/drawingml/2006/main" xmlns:r="http://schemas.openxmlformats.org/officeDocument/2006/relationships" xmlns:p="http://schemas.openxmlformats.org/presentationml/2006/main">
+  <p:cSld>
+    <p:spTree>
+      <p:nvGrpSpPr>
+        <p:cNvPr id="1" name=""/>
+        <p:cNvGrpSpPr/>
+        <p:nvPr/>
+      </p:nvGrpSpPr>
+      <p:grpSpPr>
+        <a:xfrm>
+          <a:off x="0" y="0"/>
+          <a:ext cx="0" cy="0"/>
+          <a:chOff x="0" y="0"/>
+          <a:chExt cx="0" cy="0"/>
+        </a:xfrm>
+      </p:grpSpPr>
+      <p:sp>
+        <p:nvSpPr>
+          <p:cNvPr id="2" name="Title 1">
+            <a:extLst>
+              <a:ext uri="{FF2B5EF4-FFF2-40B4-BE49-F238E27FC236}">
+                <a16:creationId xmlns:a16="http://schemas.microsoft.com/office/drawing/2014/main" id="{9A6F4236-AC14-394A-A36C-F2BD8CED3237}"/>
+              </a:ext>
+            </a:extLst>
+          </p:cNvPr>
+          <p:cNvSpPr>
+            <a:spLocks noGrp="1"/>
+          </p:cNvSpPr>
+          <p:nvPr>
+            <p:ph type="title"/>
+          </p:nvPr>
+        </p:nvSpPr>
+        <p:spPr>
+          <a:xfrm>
+            <a:off x="228600" y="-20187"/>
+            <a:ext cx="8686800" cy="857250"/>
+          </a:xfrm>
+        </p:spPr>
+        <p:txBody>
+          <a:bodyPr/>
+          <a:lstStyle/>
+          <a:p>
+            <a:r>
+              <a:rPr lang="en-US" sz="3200" dirty="0">
+                <a:solidFill>
+                  <a:srgbClr val="0070C0"/>
+                </a:solidFill>
+                <a:latin typeface="Calibri Light" panose="020F0302020204030204" pitchFamily="34" charset="0"/>
+                <a:cs typeface="Calibri Light" panose="020F0302020204030204" pitchFamily="34" charset="0"/>
+              </a:rPr>
+              <a:t>STAMP Destination Node Address TLV</a:t>
+            </a:r>
+          </a:p>
+        </p:txBody>
+      </p:sp>
+      <p:sp>
+        <p:nvSpPr>
+          <p:cNvPr id="4" name="Footer Placeholder 3">
+            <a:extLst>
+              <a:ext uri="{FF2B5EF4-FFF2-40B4-BE49-F238E27FC236}">
+                <a16:creationId xmlns:a16="http://schemas.microsoft.com/office/drawing/2014/main" id="{643D160E-CC3C-EB46-A6F1-43B8E2996F46}"/>
+              </a:ext>
+            </a:extLst>
+          </p:cNvPr>
+          <p:cNvSpPr>
+            <a:spLocks noGrp="1"/>
+          </p:cNvSpPr>
+          <p:nvPr>
+            <p:ph type="ftr" sz="quarter" idx="11"/>
+          </p:nvPr>
+        </p:nvSpPr>
+        <p:spPr>
+          <a:xfrm>
+            <a:off x="3124200" y="4805362"/>
+            <a:ext cx="2895600" cy="357188"/>
+          </a:xfrm>
+        </p:spPr>
+        <p:txBody>
+          <a:bodyPr/>
+          <a:lstStyle/>
+          <a:p>
+            <a:r>
+              <a:rPr lang="en-CA" dirty="0"/>
+              <a:t>110</a:t>
+            </a:r>
+            <a:r>
+              <a:rPr lang="en-CA" baseline="30000" dirty="0"/>
+              <a:t>th</a:t>
+            </a:r>
+            <a:r>
+              <a:rPr lang="en-CA" dirty="0"/>
+              <a:t> IETF Online</a:t>
+            </a:r>
+          </a:p>
+        </p:txBody>
+      </p:sp>
+      <p:sp>
+        <p:nvSpPr>
+          <p:cNvPr id="5" name="Slide Number Placeholder 4">
+            <a:extLst>
+              <a:ext uri="{FF2B5EF4-FFF2-40B4-BE49-F238E27FC236}">
+                <a16:creationId xmlns:a16="http://schemas.microsoft.com/office/drawing/2014/main" id="{A8B868AE-B105-7547-A646-14FCDF91C2DD}"/>
+              </a:ext>
+            </a:extLst>
+          </p:cNvPr>
+          <p:cNvSpPr>
+            <a:spLocks noGrp="1"/>
+          </p:cNvSpPr>
+          <p:nvPr>
+            <p:ph type="sldNum" sz="quarter" idx="12"/>
+          </p:nvPr>
+        </p:nvSpPr>
+        <p:spPr/>
+        <p:txBody>
+          <a:bodyPr/>
+          <a:lstStyle/>
+          <a:p>
+            <a:pPr>
+              <a:defRPr/>
+            </a:pPr>
+            <a:fld id="{BD6E0F59-1DD8-40FC-9C92-B6295CBA6CCA}" type="slidenum">
+              <a:rPr lang="en-US" altLang="zh-CN" smtClean="0"/>
+              <a:pPr>
+                <a:defRPr/>
+              </a:pPr>
+              <a:t>4</a:t>
+            </a:fld>
+            <a:endParaRPr lang="en-US" altLang="zh-CN"/>
+          </a:p>
+        </p:txBody>
+      </p:sp>
+      <p:sp>
+        <p:nvSpPr>
+          <p:cNvPr id="7" name="Rectangle 6">
+            <a:extLst>
+              <a:ext uri="{FF2B5EF4-FFF2-40B4-BE49-F238E27FC236}">
+                <a16:creationId xmlns:a16="http://schemas.microsoft.com/office/drawing/2014/main" id="{AA6E66CA-28BC-2C4A-BC04-4600D8FEBF3B}"/>
+              </a:ext>
+            </a:extLst>
+          </p:cNvPr>
+          <p:cNvSpPr/>
+          <p:nvPr/>
+        </p:nvSpPr>
+        <p:spPr>
+          <a:xfrm>
+            <a:off x="4223657" y="1712824"/>
+            <a:ext cx="4648200" cy="1615827"/>
+          </a:xfrm>
+          <a:prstGeom prst="rect">
+            <a:avLst/>
+          </a:prstGeom>
+          <a:solidFill>
+            <a:schemeClr val="accent6">
+              <a:lumMod val="20000"/>
+              <a:lumOff val="80000"/>
+            </a:schemeClr>
+          </a:solidFill>
+        </p:spPr>
+        <p:txBody>
+          <a:bodyPr wrap="square">
+            <a:spAutoFit/>
+          </a:bodyPr>
+          <a:lstStyle/>
+          <a:p>
+            <a:r>
+              <a:rPr lang="en-CA" sz="900" dirty="0">
+                <a:latin typeface="Courier" pitchFamily="2" charset="0"/>
+                <a:cs typeface="Courier New" panose="02070309020205020404" pitchFamily="49" charset="0"/>
+              </a:rPr>
+              <a:t>0                   1                   2                   3</a:t>
+            </a:r>
+          </a:p>
+          <a:p>
+            <a:r>
+              <a:rPr lang="en-CA" sz="900" dirty="0">
+                <a:latin typeface="Courier" pitchFamily="2" charset="0"/>
+                <a:cs typeface="Courier New" panose="02070309020205020404" pitchFamily="49" charset="0"/>
+              </a:rPr>
+              <a:t>0 1 2 3 4 5 6 7 8 9 0 1 2 3 4 5 6 7 8 9 0 1 2 3 4 5 6 7 8 9 0 1</a:t>
+            </a:r>
+          </a:p>
+          <a:p>
+            <a:r>
+              <a:rPr lang="en-CA" sz="900" dirty="0">
+                <a:latin typeface="Courier" pitchFamily="2" charset="0"/>
+                <a:cs typeface="Courier New" panose="02070309020205020404" pitchFamily="49" charset="0"/>
+              </a:rPr>
+              <a:t>+-+-+-+-+-+-+-+-+-+-+-+-+-+-+-+-+-+-+-+-+-+-+-+-+-+-+-+-+-+-+-+-+</a:t>
+            </a:r>
+          </a:p>
+          <a:p>
+            <a:r>
+              <a:rPr lang="en-CA" sz="900" dirty="0">
+                <a:latin typeface="Courier" pitchFamily="2" charset="0"/>
+              </a:rPr>
+              <a:t>|STAMP TLV Flags|  Type = TBA1  |     Length                    |</a:t>
+            </a:r>
+          </a:p>
+          <a:p>
+            <a:r>
+              <a:rPr lang="en-CA" sz="900" dirty="0">
+                <a:latin typeface="Courier" pitchFamily="2" charset="0"/>
+                <a:cs typeface="Courier New" panose="02070309020205020404" pitchFamily="49" charset="0"/>
+              </a:rPr>
+              <a:t>+-+-+-+-+-+-+-+-+-+-+-+-+-+-+-+-+-+-+-+-+-+-+-+-+-+-+-+-+-+-+-+-+</a:t>
+            </a:r>
+          </a:p>
+          <a:p>
+            <a:r>
+              <a:rPr lang="en-CA" sz="900" dirty="0">
+                <a:latin typeface="Courier" pitchFamily="2" charset="0"/>
+                <a:cs typeface="Courier New" panose="02070309020205020404" pitchFamily="49" charset="0"/>
+              </a:rPr>
+              <a:t>|     Reserved                  |        Address Family         |</a:t>
+            </a:r>
+          </a:p>
+          <a:p>
+            <a:r>
+              <a:rPr lang="en-CA" sz="900" dirty="0">
+                <a:latin typeface="Courier" pitchFamily="2" charset="0"/>
+                <a:cs typeface="Courier New" panose="02070309020205020404" pitchFamily="49" charset="0"/>
+              </a:rPr>
+              <a:t>+-+-+-+-+-+-+-+-+-+-+-+-+-+-+-+-+-+-+-+-+-+-+-+-+-+-+-+-+-+-+-+-+</a:t>
+            </a:r>
+          </a:p>
+          <a:p>
+            <a:r>
+              <a:rPr lang="en-CA" sz="900" dirty="0">
+                <a:latin typeface="Courier" pitchFamily="2" charset="0"/>
+                <a:cs typeface="Courier New" panose="02070309020205020404" pitchFamily="49" charset="0"/>
+              </a:rPr>
+              <a:t>~                           Address                             ~</a:t>
+            </a:r>
+          </a:p>
+          <a:p>
+            <a:r>
+              <a:rPr lang="en-CA" sz="900" dirty="0">
+                <a:latin typeface="Courier" pitchFamily="2" charset="0"/>
+                <a:cs typeface="Courier New" panose="02070309020205020404" pitchFamily="49" charset="0"/>
+              </a:rPr>
+              <a:t>+-+-+-+-+-+-+-+-+-+-+-+-+-+-+-+-+-+-+-+-+-+-+-+-+-+-+-+-+-+-+-+-+</a:t>
+            </a:r>
+          </a:p>
+          <a:p>
+            <a:r>
+              <a:rPr lang="en-CA" sz="900" dirty="0">
+                <a:latin typeface="Courier" pitchFamily="2" charset="0"/>
+                <a:cs typeface="Courier New" panose="02070309020205020404" pitchFamily="49" charset="0"/>
+              </a:rPr>
+              <a:t> </a:t>
+            </a:r>
+          </a:p>
+          <a:p>
+            <a:r>
+              <a:rPr lang="en-CA" sz="900" dirty="0">
+                <a:latin typeface="Courier" pitchFamily="2" charset="0"/>
+                <a:cs typeface="Courier New" panose="02070309020205020404" pitchFamily="49" charset="0"/>
+              </a:rPr>
+              <a:t>            Figure: Destination Node Address TLV Format </a:t>
+            </a:r>
+            <a:endParaRPr lang="en-US" sz="900" dirty="0">
+              <a:latin typeface="Courier" pitchFamily="2" charset="0"/>
+              <a:cs typeface="Courier New" panose="02070309020205020404" pitchFamily="49" charset="0"/>
+            </a:endParaRPr>
+          </a:p>
+        </p:txBody>
+      </p:sp>
+      <p:sp>
+        <p:nvSpPr>
+          <p:cNvPr id="9" name="Rectangle 8">
+            <a:extLst>
+              <a:ext uri="{FF2B5EF4-FFF2-40B4-BE49-F238E27FC236}">
+                <a16:creationId xmlns:a16="http://schemas.microsoft.com/office/drawing/2014/main" id="{8BD4B8E2-831D-5C4C-9AA6-259F0AB5BE90}"/>
+              </a:ext>
+            </a:extLst>
+          </p:cNvPr>
+          <p:cNvSpPr/>
+          <p:nvPr/>
+        </p:nvSpPr>
+        <p:spPr>
+          <a:xfrm>
+            <a:off x="299357" y="1149180"/>
+            <a:ext cx="3924300" cy="3041538"/>
+          </a:xfrm>
+          <a:prstGeom prst="rect">
+            <a:avLst/>
+          </a:prstGeom>
+        </p:spPr>
+        <p:txBody>
+          <a:bodyPr wrap="square">
+            <a:spAutoFit/>
+          </a:bodyPr>
+          <a:lstStyle/>
+          <a:p>
+            <a:pPr>
+              <a:lnSpc>
+                <a:spcPts val="2120"/>
+              </a:lnSpc>
+              <a:spcAft>
+                <a:spcPts val="0"/>
+              </a:spcAft>
+            </a:pPr>
+            <a:r>
+              <a:rPr lang="en-CA" sz="1600" b="1" dirty="0">
+                <a:solidFill>
+                  <a:schemeClr val="tx2"/>
+                </a:solidFill>
+                <a:latin typeface="Calibri" panose="020F0502020204030204" pitchFamily="34" charset="0"/>
+                <a:ea typeface="Calibri" panose="020F0502020204030204" pitchFamily="34" charset="0"/>
+                <a:cs typeface="Consolas" panose="020B0609020204030204" pitchFamily="49" charset="0"/>
+              </a:rPr>
+              <a:t>Destination Node Address TLV (value TBA1):</a:t>
+            </a:r>
+          </a:p>
+          <a:p>
+            <a:pPr>
+              <a:lnSpc>
+                <a:spcPts val="2120"/>
+              </a:lnSpc>
+              <a:spcAft>
+                <a:spcPts val="0"/>
+              </a:spcAft>
+            </a:pPr>
+            <a:r>
+              <a:rPr lang="en-CA" sz="1600" dirty="0">
+                <a:solidFill>
+                  <a:schemeClr val="tx2"/>
+                </a:solidFill>
+                <a:latin typeface="Calibri" panose="020F0502020204030204" pitchFamily="34" charset="0"/>
+                <a:ea typeface="Calibri" panose="020F0502020204030204" pitchFamily="34" charset="0"/>
+                <a:cs typeface="Consolas" panose="020B0609020204030204" pitchFamily="49" charset="0"/>
+              </a:rPr>
+              <a:t> </a:t>
+            </a:r>
+          </a:p>
+          <a:p>
+            <a:pPr marL="285750" indent="-285750">
+              <a:lnSpc>
+                <a:spcPts val="2120"/>
+              </a:lnSpc>
+              <a:spcAft>
+                <a:spcPts val="0"/>
+              </a:spcAft>
+              <a:buFont typeface="Arial" panose="020B0604020202020204" pitchFamily="34" charset="0"/>
+              <a:buChar char="•"/>
+            </a:pPr>
+            <a:r>
+              <a:rPr lang="en-CA" sz="1600" dirty="0">
+                <a:solidFill>
+                  <a:schemeClr val="tx2"/>
+                </a:solidFill>
+                <a:latin typeface="Calibri" panose="020F0502020204030204" pitchFamily="34" charset="0"/>
+                <a:ea typeface="Calibri" panose="020F0502020204030204" pitchFamily="34" charset="0"/>
+                <a:cs typeface="Consolas" panose="020B0609020204030204" pitchFamily="49" charset="0"/>
+              </a:rPr>
+              <a:t>Indicates the address of the intended destination node of the Session-Sender test packet.  </a:t>
+            </a:r>
+          </a:p>
+          <a:p>
+            <a:pPr marL="285750" indent="-285750">
+              <a:lnSpc>
+                <a:spcPts val="2120"/>
+              </a:lnSpc>
+              <a:spcAft>
+                <a:spcPts val="0"/>
+              </a:spcAft>
+              <a:buFont typeface="Arial" panose="020B0604020202020204" pitchFamily="34" charset="0"/>
+              <a:buChar char="•"/>
+            </a:pPr>
+            <a:r>
+              <a:rPr lang="en-CA" sz="1600" dirty="0">
+                <a:solidFill>
+                  <a:schemeClr val="tx2"/>
+                </a:solidFill>
+                <a:latin typeface="Calibri" panose="020F0502020204030204" pitchFamily="34" charset="0"/>
+                <a:ea typeface="Calibri" panose="020F0502020204030204" pitchFamily="34" charset="0"/>
+                <a:cs typeface="Consolas" panose="020B0609020204030204" pitchFamily="49" charset="0"/>
+              </a:rPr>
+              <a:t>The Session-Reflector node </a:t>
+            </a:r>
+            <a:r>
+              <a:rPr lang="en-CA" sz="1600" b="1" dirty="0">
+                <a:solidFill>
+                  <a:schemeClr val="tx2"/>
+                </a:solidFill>
+                <a:latin typeface="Calibri" panose="020F0502020204030204" pitchFamily="34" charset="0"/>
+                <a:ea typeface="Calibri" panose="020F0502020204030204" pitchFamily="34" charset="0"/>
+                <a:cs typeface="Consolas" panose="020B0609020204030204" pitchFamily="49" charset="0"/>
+              </a:rPr>
+              <a:t>MUST NOT </a:t>
+            </a:r>
+            <a:r>
+              <a:rPr lang="en-CA" sz="1600" dirty="0">
+                <a:solidFill>
+                  <a:schemeClr val="tx2"/>
+                </a:solidFill>
+                <a:latin typeface="Calibri" panose="020F0502020204030204" pitchFamily="34" charset="0"/>
+                <a:ea typeface="Calibri" panose="020F0502020204030204" pitchFamily="34" charset="0"/>
+                <a:cs typeface="Consolas" panose="020B0609020204030204" pitchFamily="49" charset="0"/>
+              </a:rPr>
+              <a:t>send reply if it is not the intended destination node of the test packet.</a:t>
+            </a:r>
+          </a:p>
+          <a:p>
+            <a:pPr marL="285750" indent="-285750">
+              <a:lnSpc>
+                <a:spcPts val="2120"/>
+              </a:lnSpc>
+              <a:spcAft>
+                <a:spcPts val="0"/>
+              </a:spcAft>
+              <a:buFont typeface="Arial" panose="020B0604020202020204" pitchFamily="34" charset="0"/>
+              <a:buChar char="•"/>
+            </a:pPr>
+            <a:r>
+              <a:rPr lang="en-CA" sz="1600" dirty="0">
+                <a:solidFill>
+                  <a:schemeClr val="tx2"/>
+                </a:solidFill>
+                <a:latin typeface="Calibri" panose="020F0502020204030204" pitchFamily="34" charset="0"/>
+                <a:ea typeface="Calibri" panose="020F0502020204030204" pitchFamily="34" charset="0"/>
+                <a:cs typeface="Consolas" panose="020B0609020204030204" pitchFamily="49" charset="0"/>
+              </a:rPr>
+              <a:t>Useful when test packet is sent with 127/8 destination address (e.g. sweeping ECMP paths).</a:t>
+            </a:r>
+          </a:p>
+        </p:txBody>
+      </p:sp>
+    </p:spTree>
+    <p:extLst>
+      <p:ext uri="{BB962C8B-B14F-4D97-AF65-F5344CB8AC3E}">
+        <p14:creationId xmlns:p14="http://schemas.microsoft.com/office/powerpoint/2010/main" val="762066554"/>
+      </p:ext>
+    </p:extLst>
+  </p:cSld>
+  <p:clrMapOvr>
+    <a:masterClrMapping/>
+  </p:clrMapOvr>
+</p:sld>
+</file>
+
+<file path=ppt/slides/slide5.xml><?xml version="1.0" encoding="utf-8"?>
+<p:sld xmlns:a="http://schemas.openxmlformats.org/drawingml/2006/main" xmlns:r="http://schemas.openxmlformats.org/officeDocument/2006/relationships" xmlns:p="http://schemas.openxmlformats.org/presentationml/2006/main">
+  <p:cSld>
+    <p:spTree>
+      <p:nvGrpSpPr>
+        <p:cNvPr id="1" name=""/>
+        <p:cNvGrpSpPr/>
+        <p:nvPr/>
+      </p:nvGrpSpPr>
+      <p:grpSpPr>
+        <a:xfrm>
+          <a:off x="0" y="0"/>
+          <a:ext cx="0" cy="0"/>
+          <a:chOff x="0" y="0"/>
+          <a:chExt cx="0" cy="0"/>
+        </a:xfrm>
+      </p:grpSpPr>
+      <p:sp>
+        <p:nvSpPr>
+          <p:cNvPr id="2" name="Title 1">
+            <a:extLst>
+              <a:ext uri="{FF2B5EF4-FFF2-40B4-BE49-F238E27FC236}">
+                <a16:creationId xmlns:a16="http://schemas.microsoft.com/office/drawing/2014/main" id="{9A6F4236-AC14-394A-A36C-F2BD8CED3237}"/>
+              </a:ext>
+            </a:extLst>
+          </p:cNvPr>
+          <p:cNvSpPr>
+            <a:spLocks noGrp="1"/>
+          </p:cNvSpPr>
+          <p:nvPr>
+            <p:ph type="title"/>
+          </p:nvPr>
+        </p:nvSpPr>
+        <p:spPr>
+          <a:xfrm>
+            <a:off x="228600" y="-8968"/>
+            <a:ext cx="8686800" cy="857250"/>
+          </a:xfrm>
+        </p:spPr>
+        <p:txBody>
+          <a:bodyPr/>
+          <a:lstStyle/>
+          <a:p>
+            <a:r>
+              <a:rPr lang="en-US" sz="3200" dirty="0">
+                <a:solidFill>
+                  <a:srgbClr val="0070C0"/>
+                </a:solidFill>
+                <a:latin typeface="Calibri Light" panose="020F0302020204030204" pitchFamily="34" charset="0"/>
+                <a:cs typeface="Calibri Light" panose="020F0302020204030204" pitchFamily="34" charset="0"/>
+              </a:rPr>
+              <a:t>STAMP Return Path TLV</a:t>
+            </a:r>
+          </a:p>
+        </p:txBody>
+      </p:sp>
+      <p:sp>
+        <p:nvSpPr>
+          <p:cNvPr id="4" name="Footer Placeholder 3">
+            <a:extLst>
+              <a:ext uri="{FF2B5EF4-FFF2-40B4-BE49-F238E27FC236}">
+                <a16:creationId xmlns:a16="http://schemas.microsoft.com/office/drawing/2014/main" id="{643D160E-CC3C-EB46-A6F1-43B8E2996F46}"/>
+              </a:ext>
+            </a:extLst>
+          </p:cNvPr>
+          <p:cNvSpPr>
+            <a:spLocks noGrp="1"/>
+          </p:cNvSpPr>
+          <p:nvPr>
+            <p:ph type="ftr" sz="quarter" idx="11"/>
+          </p:nvPr>
+        </p:nvSpPr>
+        <p:spPr>
+          <a:xfrm>
+            <a:off x="3124200" y="4805362"/>
+            <a:ext cx="2895600" cy="357188"/>
+          </a:xfrm>
+        </p:spPr>
+        <p:txBody>
+          <a:bodyPr/>
+          <a:lstStyle/>
+          <a:p>
+            <a:r>
+              <a:rPr lang="en-CA" dirty="0"/>
+              <a:t>110</a:t>
+            </a:r>
+            <a:r>
+              <a:rPr lang="en-CA" baseline="30000" dirty="0"/>
+              <a:t>th</a:t>
+            </a:r>
+            <a:r>
+              <a:rPr lang="en-CA" dirty="0"/>
+              <a:t> IETF Online</a:t>
+            </a:r>
+          </a:p>
+        </p:txBody>
+      </p:sp>
+      <p:sp>
+        <p:nvSpPr>
+          <p:cNvPr id="5" name="Slide Number Placeholder 4">
+            <a:extLst>
+              <a:ext uri="{FF2B5EF4-FFF2-40B4-BE49-F238E27FC236}">
+                <a16:creationId xmlns:a16="http://schemas.microsoft.com/office/drawing/2014/main" id="{A8B868AE-B105-7547-A646-14FCDF91C2DD}"/>
+              </a:ext>
+            </a:extLst>
+          </p:cNvPr>
+          <p:cNvSpPr>
+            <a:spLocks noGrp="1"/>
+          </p:cNvSpPr>
+          <p:nvPr>
+            <p:ph type="sldNum" sz="quarter" idx="12"/>
+          </p:nvPr>
+        </p:nvSpPr>
+        <p:spPr/>
+        <p:txBody>
+          <a:bodyPr/>
+          <a:lstStyle/>
+          <a:p>
+            <a:pPr>
+              <a:defRPr/>
+            </a:pPr>
+            <a:fld id="{BD6E0F59-1DD8-40FC-9C92-B6295CBA6CCA}" type="slidenum">
+              <a:rPr lang="en-US" altLang="zh-CN" smtClean="0"/>
+              <a:pPr>
+                <a:defRPr/>
+              </a:pPr>
+              <a:t>5</a:t>
+            </a:fld>
+            <a:endParaRPr lang="en-US" altLang="zh-CN"/>
+          </a:p>
+        </p:txBody>
+      </p:sp>
+      <p:sp>
+        <p:nvSpPr>
+          <p:cNvPr id="7" name="Rectangle 6">
+            <a:extLst>
+              <a:ext uri="{FF2B5EF4-FFF2-40B4-BE49-F238E27FC236}">
+                <a16:creationId xmlns:a16="http://schemas.microsoft.com/office/drawing/2014/main" id="{AA6E66CA-28BC-2C4A-BC04-4600D8FEBF3B}"/>
+              </a:ext>
+            </a:extLst>
+          </p:cNvPr>
+          <p:cNvSpPr/>
+          <p:nvPr/>
+        </p:nvSpPr>
+        <p:spPr>
+          <a:xfrm>
+            <a:off x="4343400" y="837063"/>
+            <a:ext cx="4419600" cy="1323439"/>
+          </a:xfrm>
+          <a:prstGeom prst="rect">
+            <a:avLst/>
+          </a:prstGeom>
+          <a:solidFill>
+            <a:schemeClr val="accent6">
+              <a:lumMod val="20000"/>
+              <a:lumOff val="80000"/>
+            </a:schemeClr>
+          </a:solidFill>
+        </p:spPr>
+        <p:txBody>
+          <a:bodyPr wrap="square">
+            <a:spAutoFit/>
+          </a:bodyPr>
+          <a:lstStyle/>
+          <a:p>
+            <a:r>
+              <a:rPr lang="en-CA" sz="800" dirty="0">
+                <a:latin typeface="Courier" pitchFamily="2" charset="0"/>
+              </a:rPr>
+              <a:t>    0                   1                   2                   3</a:t>
+            </a:r>
+          </a:p>
+          <a:p>
+            <a:r>
+              <a:rPr lang="en-CA" sz="800" dirty="0">
+                <a:latin typeface="Courier" pitchFamily="2" charset="0"/>
+              </a:rPr>
+              <a:t>    0 1 2 3 4 5 6 7 8 9 0 1 2 3 4 5 6 7 8 9 0 1 2 3 4 5 6 7 8 9 0 1</a:t>
+            </a:r>
+          </a:p>
+          <a:p>
+            <a:r>
+              <a:rPr lang="en-CA" sz="800" dirty="0">
+                <a:latin typeface="Courier" pitchFamily="2" charset="0"/>
+              </a:rPr>
+              <a:t>    +-+-+-+-+-+-+-+-+-+-+-+-+-+-+-+-+-+-+-+-+-+-+-+-+-+-+-+-+-+-+-+-+</a:t>
+            </a:r>
+          </a:p>
+          <a:p>
+            <a:r>
+              <a:rPr lang="en-CA" sz="800" dirty="0">
+                <a:latin typeface="Courier" pitchFamily="2" charset="0"/>
+              </a:rPr>
+              <a:t>    |STAMP TLV Flags|  Type = TBA2  |     Length                    |</a:t>
+            </a:r>
+          </a:p>
+          <a:p>
+            <a:r>
+              <a:rPr lang="en-CA" sz="800" dirty="0">
+                <a:latin typeface="Courier" pitchFamily="2" charset="0"/>
+              </a:rPr>
+              <a:t>    +-+-+-+-+-+-+-+-+-+-+-+-+-+-+-+-+-+-+-+-+-+-+-+-+-+-+-+-+-+-+-+-+</a:t>
+            </a:r>
+          </a:p>
+          <a:p>
+            <a:r>
+              <a:rPr lang="en-CA" sz="800" dirty="0">
+                <a:latin typeface="Courier" pitchFamily="2" charset="0"/>
+              </a:rPr>
+              <a:t>    |                    Return Path Sub-TLV                        |</a:t>
+            </a:r>
+          </a:p>
+          <a:p>
+            <a:r>
+              <a:rPr lang="en-CA" sz="800" dirty="0">
+                <a:latin typeface="Courier" pitchFamily="2" charset="0"/>
+              </a:rPr>
+              <a:t>    .                                                               .</a:t>
+            </a:r>
+          </a:p>
+          <a:p>
+            <a:r>
+              <a:rPr lang="en-CA" sz="800" dirty="0">
+                <a:latin typeface="Courier" pitchFamily="2" charset="0"/>
+              </a:rPr>
+              <a:t>    +-+-+-+-+-+-+-+-+-+-+-+-+-+-+-+-+-+-+-+-+-+-+-+-+-+-+-+-+-+-+-+-+</a:t>
+            </a:r>
+          </a:p>
+          <a:p>
+            <a:endParaRPr lang="en-CA" sz="800" dirty="0">
+              <a:latin typeface="Courier" pitchFamily="2" charset="0"/>
+            </a:endParaRPr>
+          </a:p>
+          <a:p>
+            <a:r>
+              <a:rPr lang="en-CA" sz="800" dirty="0">
+                <a:latin typeface="Courier" pitchFamily="2" charset="0"/>
+              </a:rPr>
+              <a:t>                         Figure: Return Path TLV</a:t>
+            </a:r>
+          </a:p>
+        </p:txBody>
+      </p:sp>
+      <p:sp>
+        <p:nvSpPr>
+          <p:cNvPr id="6" name="Content Placeholder 2">
+            <a:extLst>
+              <a:ext uri="{FF2B5EF4-FFF2-40B4-BE49-F238E27FC236}">
+                <a16:creationId xmlns:a16="http://schemas.microsoft.com/office/drawing/2014/main" id="{23AC919A-376F-2044-ADF3-0CCFB1FD964A}"/>
+              </a:ext>
+            </a:extLst>
+          </p:cNvPr>
+          <p:cNvSpPr>
+            <a:spLocks noGrp="1"/>
+          </p:cNvSpPr>
+          <p:nvPr>
+            <p:ph idx="1"/>
+          </p:nvPr>
+        </p:nvSpPr>
+        <p:spPr>
+          <a:xfrm>
+            <a:off x="228600" y="871809"/>
+            <a:ext cx="3962400" cy="3528742"/>
+          </a:xfrm>
+        </p:spPr>
+        <p:txBody>
+          <a:bodyPr/>
+          <a:lstStyle/>
+          <a:p>
+            <a:pPr marL="0" indent="0">
+              <a:spcBef>
+                <a:spcPts val="600"/>
+              </a:spcBef>
+              <a:buNone/>
+            </a:pPr>
+            <a:r>
+              <a:rPr lang="en-CA" sz="1200" b="1" dirty="0">
+                <a:latin typeface="Calibri" panose="020F0502020204030204" pitchFamily="34" charset="0"/>
+                <a:ea typeface="Calibri" panose="020F0502020204030204" pitchFamily="34" charset="0"/>
+                <a:cs typeface="Consolas" panose="020B0609020204030204" pitchFamily="49" charset="0"/>
+              </a:rPr>
+              <a:t>Return Path TLV (value TBA2) to carry one Sub-TLV for return path:</a:t>
+            </a:r>
+            <a:endParaRPr lang="en-CA" sz="1200" b="1" dirty="0"/>
+          </a:p>
+          <a:p>
+            <a:pPr marL="0" indent="0">
+              <a:spcBef>
+                <a:spcPts val="600"/>
+              </a:spcBef>
+              <a:buNone/>
+            </a:pPr>
+            <a:r>
+              <a:rPr lang="en-CA" sz="1200" dirty="0"/>
+              <a:t>Sub-TLVs Types:</a:t>
+            </a:r>
+          </a:p>
+          <a:p>
+            <a:pPr>
+              <a:spcBef>
+                <a:spcPts val="600"/>
+              </a:spcBef>
+            </a:pPr>
+            <a:r>
+              <a:rPr lang="en-CA" sz="1200" dirty="0"/>
+              <a:t>Type (value 1): Return Path Control Code. Reply test packet based on the control code flags.</a:t>
+            </a:r>
+          </a:p>
+          <a:p>
+            <a:pPr lvl="1"/>
+            <a:r>
+              <a:rPr lang="en-US" sz="1200" dirty="0">
+                <a:solidFill>
+                  <a:schemeClr val="tx2"/>
+                </a:solidFill>
+                <a:latin typeface="Calibri" panose="020F0502020204030204" pitchFamily="34" charset="0"/>
+                <a:cs typeface="Calibri" panose="020F0502020204030204" pitchFamily="34" charset="0"/>
+              </a:rPr>
+              <a:t>0x0: No Reply Requested.</a:t>
+            </a:r>
+          </a:p>
+          <a:p>
+            <a:pPr lvl="1"/>
+            <a:r>
+              <a:rPr lang="en-US" sz="1200" dirty="0">
+                <a:solidFill>
+                  <a:schemeClr val="tx2"/>
+                </a:solidFill>
+                <a:latin typeface="Calibri" panose="020F0502020204030204" pitchFamily="34" charset="0"/>
+                <a:cs typeface="Calibri" panose="020F0502020204030204" pitchFamily="34" charset="0"/>
+              </a:rPr>
+              <a:t>0x1: In-band Reply Requested.  </a:t>
+            </a:r>
+            <a:endParaRPr lang="en-CA" sz="1200" dirty="0"/>
+          </a:p>
+          <a:p>
+            <a:pPr>
+              <a:spcBef>
+                <a:spcPts val="600"/>
+              </a:spcBef>
+            </a:pPr>
+            <a:r>
+              <a:rPr lang="en-CA" sz="1200" dirty="0"/>
+              <a:t>Type (value 2): Return Address. Destination node address for the reply; different than the Source Address in the test packet</a:t>
+            </a:r>
+          </a:p>
+          <a:p>
+            <a:pPr>
+              <a:spcBef>
+                <a:spcPts val="600"/>
+              </a:spcBef>
+            </a:pPr>
+            <a:r>
+              <a:rPr lang="en-CA" sz="1200" dirty="0"/>
+              <a:t>Type (value 3): SR-MPLS Label Stack of the Return SR Path</a:t>
+            </a:r>
+          </a:p>
+          <a:p>
+            <a:pPr>
+              <a:spcBef>
+                <a:spcPts val="600"/>
+              </a:spcBef>
+            </a:pPr>
+            <a:r>
+              <a:rPr lang="en-CA" sz="1200" dirty="0"/>
+              <a:t>Type (value 4): SR-MPLS Binding SID [draft-</a:t>
+            </a:r>
+            <a:r>
+              <a:rPr lang="en-CA" sz="1200" dirty="0" err="1"/>
+              <a:t>ietf</a:t>
+            </a:r>
+            <a:r>
+              <a:rPr lang="en-CA" sz="1200" dirty="0"/>
+              <a:t>-</a:t>
+            </a:r>
+            <a:r>
+              <a:rPr lang="en-CA" sz="1200" dirty="0" err="1"/>
+              <a:t>pce</a:t>
+            </a:r>
+            <a:r>
+              <a:rPr lang="en-CA" sz="1200" dirty="0"/>
+              <a:t>-binding-label-</a:t>
+            </a:r>
+            <a:r>
+              <a:rPr lang="en-CA" sz="1200" dirty="0" err="1"/>
+              <a:t>sid</a:t>
+            </a:r>
+            <a:r>
+              <a:rPr lang="en-CA" sz="1200" dirty="0"/>
+              <a:t>] of the Return SR Policy</a:t>
+            </a:r>
+          </a:p>
+          <a:p>
+            <a:pPr>
+              <a:spcBef>
+                <a:spcPts val="600"/>
+              </a:spcBef>
+            </a:pPr>
+            <a:r>
+              <a:rPr lang="en-CA" sz="1200" dirty="0"/>
+              <a:t>Type (value 5): SRv6 Segment List of the Return SR Path</a:t>
+            </a:r>
+          </a:p>
+          <a:p>
+            <a:pPr>
+              <a:spcBef>
+                <a:spcPts val="600"/>
+              </a:spcBef>
+            </a:pPr>
+            <a:r>
+              <a:rPr lang="en-CA" sz="1200" dirty="0"/>
+              <a:t>Type (value 6): SRv6 Binding SID [draft-</a:t>
+            </a:r>
+            <a:r>
+              <a:rPr lang="en-CA" sz="1200" dirty="0" err="1"/>
+              <a:t>ietf</a:t>
+            </a:r>
+            <a:r>
+              <a:rPr lang="en-CA" sz="1200" dirty="0"/>
+              <a:t>-</a:t>
+            </a:r>
+            <a:r>
+              <a:rPr lang="en-CA" sz="1200" dirty="0" err="1"/>
+              <a:t>pce</a:t>
+            </a:r>
+            <a:r>
+              <a:rPr lang="en-CA" sz="1200" dirty="0"/>
+              <a:t>-binding-label-</a:t>
+            </a:r>
+            <a:r>
+              <a:rPr lang="en-CA" sz="1200" dirty="0" err="1"/>
+              <a:t>sid</a:t>
+            </a:r>
+            <a:r>
+              <a:rPr lang="en-CA" sz="1200" dirty="0"/>
+              <a:t>] of the Return SR Policy</a:t>
+            </a:r>
+            <a:endParaRPr lang="en-US" sz="1200" dirty="0">
+              <a:latin typeface="Calibri" charset="0"/>
+              <a:ea typeface="Calibri" charset="0"/>
+              <a:cs typeface="Calibri" charset="0"/>
+            </a:endParaRPr>
+          </a:p>
+        </p:txBody>
+      </p:sp>
+      <p:sp>
+        <p:nvSpPr>
+          <p:cNvPr id="9" name="Rectangle 8">
+            <a:extLst>
+              <a:ext uri="{FF2B5EF4-FFF2-40B4-BE49-F238E27FC236}">
+                <a16:creationId xmlns:a16="http://schemas.microsoft.com/office/drawing/2014/main" id="{B04D7E52-9ADA-114D-877F-E1C7CA482275}"/>
+              </a:ext>
+            </a:extLst>
+          </p:cNvPr>
+          <p:cNvSpPr/>
+          <p:nvPr/>
+        </p:nvSpPr>
+        <p:spPr>
+          <a:xfrm>
+            <a:off x="4343400" y="2385355"/>
+            <a:ext cx="4419600" cy="2185214"/>
+          </a:xfrm>
+          <a:prstGeom prst="rect">
+            <a:avLst/>
+          </a:prstGeom>
+          <a:solidFill>
+            <a:schemeClr val="accent6">
+              <a:lumMod val="20000"/>
+              <a:lumOff val="80000"/>
+            </a:schemeClr>
+          </a:solidFill>
+        </p:spPr>
+        <p:txBody>
+          <a:bodyPr wrap="square">
+            <a:spAutoFit/>
+          </a:bodyPr>
+          <a:lstStyle/>
+          <a:p>
+            <a:r>
+              <a:rPr lang="en-CA" sz="800" dirty="0">
+                <a:latin typeface="Courier" pitchFamily="2" charset="0"/>
+              </a:rPr>
+              <a:t>    0                   1                   2                   3</a:t>
+            </a:r>
+          </a:p>
+          <a:p>
+            <a:r>
+              <a:rPr lang="en-CA" sz="800" dirty="0">
+                <a:latin typeface="Courier" pitchFamily="2" charset="0"/>
+              </a:rPr>
+              <a:t>    0 1 2 3 4 5 6 7 8 9 0 1 2 3 4 5 6 7 8 9 0 1 2 3 4 5 6 7 8 9 0 1</a:t>
+            </a:r>
+          </a:p>
+          <a:p>
+            <a:r>
+              <a:rPr lang="en-CA" sz="800" dirty="0">
+                <a:latin typeface="Courier" pitchFamily="2" charset="0"/>
+              </a:rPr>
+              <a:t>    +-+-+-+-+-+-+-+-+-+-+-+-+-+-+-+-+-+-+-+-+-+-+-+-+-+-+-+-+-+-+-+-+</a:t>
+            </a:r>
+          </a:p>
+          <a:p>
+            <a:r>
+              <a:rPr lang="en-CA" sz="800" dirty="0">
+                <a:latin typeface="Courier" pitchFamily="2" charset="0"/>
+              </a:rPr>
+              <a:t>    |STAMP TLV Flags|  Type         |     Length                    |</a:t>
+            </a:r>
+          </a:p>
+          <a:p>
+            <a:r>
+              <a:rPr lang="en-CA" sz="800" dirty="0">
+                <a:latin typeface="Courier" pitchFamily="2" charset="0"/>
+              </a:rPr>
+              <a:t>    +-+-+-+-+-+-+-+-+-+-+-+-+-+-+-+-+-+-+-+-+-+-+-+-+-+-+-+-+-+-+-+-+</a:t>
+            </a:r>
+          </a:p>
+          <a:p>
+            <a:r>
+              <a:rPr lang="en-CA" sz="800" dirty="0">
+                <a:latin typeface="Courier" pitchFamily="2" charset="0"/>
+              </a:rPr>
+              <a:t>    |                    Segment(1)                                 |</a:t>
+            </a:r>
+          </a:p>
+          <a:p>
+            <a:r>
+              <a:rPr lang="en-CA" sz="800" dirty="0">
+                <a:latin typeface="Courier" pitchFamily="2" charset="0"/>
+              </a:rPr>
+              <a:t>    .                                                               .</a:t>
+            </a:r>
+          </a:p>
+          <a:p>
+            <a:r>
+              <a:rPr lang="en-CA" sz="800" dirty="0">
+                <a:latin typeface="Courier" pitchFamily="2" charset="0"/>
+              </a:rPr>
+              <a:t>    +-+-+-+-+-+-+-+-+-+-+-+-+-+-+-+-+-+-+-+-+-+-+-+-+-+-+-+-+-+-+-+-+</a:t>
+            </a:r>
+          </a:p>
+          <a:p>
+            <a:r>
+              <a:rPr lang="en-CA" sz="800" dirty="0">
+                <a:latin typeface="Courier" pitchFamily="2" charset="0"/>
+              </a:rPr>
+              <a:t>    .                                                               .</a:t>
+            </a:r>
+          </a:p>
+          <a:p>
+            <a:r>
+              <a:rPr lang="en-CA" sz="800" dirty="0">
+                <a:latin typeface="Courier" pitchFamily="2" charset="0"/>
+              </a:rPr>
+              <a:t>    .                                                               .</a:t>
+            </a:r>
+          </a:p>
+          <a:p>
+            <a:r>
+              <a:rPr lang="en-CA" sz="800" dirty="0">
+                <a:latin typeface="Courier" pitchFamily="2" charset="0"/>
+              </a:rPr>
+              <a:t>    .                                                               .</a:t>
+            </a:r>
+          </a:p>
+          <a:p>
+            <a:r>
+              <a:rPr lang="en-CA" sz="800" dirty="0">
+                <a:latin typeface="Courier" pitchFamily="2" charset="0"/>
+              </a:rPr>
+              <a:t>    +-+-+-+-+-+-+-+-+-+-+-+-+-+-+-+-+-+-+-+-+-+-+-+-+-+-+-+-+-+-+-+-+</a:t>
+            </a:r>
+          </a:p>
+          <a:p>
+            <a:r>
+              <a:rPr lang="en-CA" sz="800" dirty="0">
+                <a:latin typeface="Courier" pitchFamily="2" charset="0"/>
+              </a:rPr>
+              <a:t>    |                    Segment(n)                                 |</a:t>
+            </a:r>
+          </a:p>
+          <a:p>
+            <a:r>
+              <a:rPr lang="en-CA" sz="800" dirty="0">
+                <a:latin typeface="Courier" pitchFamily="2" charset="0"/>
+              </a:rPr>
+              <a:t>    .                                                               .</a:t>
+            </a:r>
+          </a:p>
+          <a:p>
+            <a:r>
+              <a:rPr lang="en-CA" sz="800" dirty="0">
+                <a:latin typeface="Courier" pitchFamily="2" charset="0"/>
+              </a:rPr>
+              <a:t>    +-+-+-+-+-+-+-+-+-+-+-+-+-+-+-+-+-+-+-+-+-+-+-+-+-+-+-+-+-+-+-+-+</a:t>
+            </a:r>
+          </a:p>
+          <a:p>
+            <a:endParaRPr lang="en-CA" sz="800" dirty="0">
+              <a:latin typeface="Courier" pitchFamily="2" charset="0"/>
+            </a:endParaRPr>
+          </a:p>
+          <a:p>
+            <a:r>
+              <a:rPr lang="en-CA" sz="800" dirty="0">
+                <a:latin typeface="Courier" pitchFamily="2" charset="0"/>
+              </a:rPr>
+              <a:t>              Figure: Segment List Sub-TLV in Return Path TLV</a:t>
+            </a:r>
+            <a:endParaRPr lang="en-US" sz="800" dirty="0">
+              <a:latin typeface="Courier" pitchFamily="2" charset="0"/>
+              <a:cs typeface="Courier New" panose="02070309020205020404" pitchFamily="49" charset="0"/>
+            </a:endParaRPr>
+          </a:p>
+        </p:txBody>
+      </p:sp>
+    </p:spTree>
+    <p:extLst>
+      <p:ext uri="{BB962C8B-B14F-4D97-AF65-F5344CB8AC3E}">
+        <p14:creationId xmlns:p14="http://schemas.microsoft.com/office/powerpoint/2010/main" val="720098633"/>
+      </p:ext>
+    </p:extLst>
+  </p:cSld>
+  <p:clrMapOvr>
+    <a:masterClrMapping/>
+  </p:clrMapOvr>
+</p:sld>
+</file>
+
+<file path=ppt/slides/slide6.xml><?xml version="1.0" encoding="utf-8"?>
+<p:sld xmlns:a="http://schemas.openxmlformats.org/drawingml/2006/main" xmlns:r="http://schemas.openxmlformats.org/officeDocument/2006/relationships" xmlns:p="http://schemas.openxmlformats.org/presentationml/2006/main">
+  <p:cSld>
+    <p:spTree>
+      <p:nvGrpSpPr>
+        <p:cNvPr id="1" name=""/>
+        <p:cNvGrpSpPr/>
+        <p:nvPr/>
+      </p:nvGrpSpPr>
+      <p:grpSpPr>
+        <a:xfrm>
+          <a:off x="0" y="0"/>
+          <a:ext cx="0" cy="0"/>
+          <a:chOff x="0" y="0"/>
+          <a:chExt cx="0" cy="0"/>
+        </a:xfrm>
+      </p:grpSpPr>
+      <p:sp>
+        <p:nvSpPr>
+          <p:cNvPr id="2" name="Title 1">
+            <a:extLst>
+              <a:ext uri="{FF2B5EF4-FFF2-40B4-BE49-F238E27FC236}">
+                <a16:creationId xmlns:a16="http://schemas.microsoft.com/office/drawing/2014/main" id="{E196D926-6462-6147-8D6F-5C80A37CA43D}"/>
+              </a:ext>
+            </a:extLst>
+          </p:cNvPr>
+          <p:cNvSpPr>
+            <a:spLocks noGrp="1"/>
+          </p:cNvSpPr>
+          <p:nvPr>
+            <p:ph type="title"/>
+          </p:nvPr>
+        </p:nvSpPr>
+        <p:spPr>
+          <a:xfrm>
+            <a:off x="5254" y="103031"/>
+            <a:ext cx="9062545" cy="857250"/>
+          </a:xfrm>
+        </p:spPr>
+        <p:txBody>
+          <a:bodyPr/>
+          <a:lstStyle/>
+          <a:p>
+            <a:r>
+              <a:rPr lang="en-US" sz="3200" dirty="0">
+                <a:solidFill>
+                  <a:srgbClr val="0070C0"/>
+                </a:solidFill>
+                <a:latin typeface="Calibri Light" panose="020F0302020204030204" pitchFamily="34" charset="0"/>
+                <a:cs typeface="Calibri Light" panose="020F0302020204030204" pitchFamily="34" charset="0"/>
+              </a:rPr>
+              <a:t>Return Path Control Code Field - Usage</a:t>
+            </a:r>
+            <a:endParaRPr lang="en-US" sz="3200" dirty="0"/>
+          </a:p>
+        </p:txBody>
+      </p:sp>
+      <p:sp>
+        <p:nvSpPr>
+          <p:cNvPr id="3" name="Content Placeholder 2">
+            <a:extLst>
+              <a:ext uri="{FF2B5EF4-FFF2-40B4-BE49-F238E27FC236}">
+                <a16:creationId xmlns:a16="http://schemas.microsoft.com/office/drawing/2014/main" id="{FAD97578-5975-5644-B374-459176F950CB}"/>
+              </a:ext>
+            </a:extLst>
+          </p:cNvPr>
+          <p:cNvSpPr>
+            <a:spLocks noGrp="1"/>
+          </p:cNvSpPr>
+          <p:nvPr>
+            <p:ph idx="1"/>
+          </p:nvPr>
+        </p:nvSpPr>
+        <p:spPr>
+          <a:xfrm>
+            <a:off x="457200" y="1200149"/>
+            <a:ext cx="8229600" cy="3154603"/>
+          </a:xfrm>
+        </p:spPr>
+        <p:txBody>
+          <a:bodyPr/>
+          <a:lstStyle/>
+          <a:p>
+            <a:r>
+              <a:rPr lang="en-US" sz="2000" dirty="0"/>
+              <a:t>For link delay measurement</a:t>
+            </a:r>
+          </a:p>
+          <a:p>
+            <a:pPr lvl="1"/>
+            <a:r>
+              <a:rPr lang="en-US" sz="2000" dirty="0"/>
+              <a:t>Session-Reflector needs to send reply on the same incoming link (symmetric delay on forward and reverse link)</a:t>
+            </a:r>
+          </a:p>
+          <a:p>
+            <a:pPr lvl="1"/>
+            <a:r>
+              <a:rPr lang="en-US" sz="2000" dirty="0"/>
+              <a:t>Link can be Virtual, LAG or LAG member</a:t>
+            </a:r>
+          </a:p>
+          <a:p>
+            <a:r>
+              <a:rPr lang="en-US" sz="2000" dirty="0"/>
+              <a:t>Avoid provisioning each test session (session id, source-address) on Session-Reflector (can have an order of 1K links) </a:t>
+            </a:r>
+          </a:p>
+          <a:p>
+            <a:pPr lvl="1"/>
+            <a:r>
+              <a:rPr lang="en-US" sz="2000" dirty="0"/>
+              <a:t>Stateless mode of STAMP Session-Reflector as defined in RFC 8762</a:t>
+            </a:r>
+          </a:p>
+          <a:p>
+            <a:pPr marL="457200" lvl="1" indent="0">
+              <a:buNone/>
+            </a:pPr>
+            <a:endParaRPr lang="en-US" sz="2000" dirty="0"/>
+          </a:p>
+        </p:txBody>
+      </p:sp>
+      <p:sp>
+        <p:nvSpPr>
+          <p:cNvPr id="4" name="Footer Placeholder 3">
+            <a:extLst>
+              <a:ext uri="{FF2B5EF4-FFF2-40B4-BE49-F238E27FC236}">
+                <a16:creationId xmlns:a16="http://schemas.microsoft.com/office/drawing/2014/main" id="{ED92B1FC-C461-8C49-AF5F-4F33A15BFAA9}"/>
+              </a:ext>
+            </a:extLst>
+          </p:cNvPr>
+          <p:cNvSpPr>
+            <a:spLocks noGrp="1"/>
+          </p:cNvSpPr>
+          <p:nvPr>
+            <p:ph type="ftr" sz="quarter" idx="11"/>
+          </p:nvPr>
+        </p:nvSpPr>
+        <p:spPr>
+          <a:xfrm>
+            <a:off x="3124200" y="4786312"/>
+            <a:ext cx="2895600" cy="357188"/>
+          </a:xfrm>
+        </p:spPr>
+        <p:txBody>
+          <a:bodyPr/>
+          <a:lstStyle/>
+          <a:p>
+            <a:pPr>
+              <a:defRPr/>
+            </a:pPr>
+            <a:r>
+              <a:rPr lang="en-US" altLang="zh-CN" dirty="0"/>
+              <a:t>110</a:t>
+            </a:r>
+            <a:r>
+              <a:rPr lang="en-US" altLang="zh-CN" baseline="30000" dirty="0"/>
+              <a:t>th</a:t>
+            </a:r>
+            <a:r>
+              <a:rPr lang="en-US" altLang="zh-CN" dirty="0"/>
+              <a:t> IETF Online</a:t>
+            </a:r>
+          </a:p>
+        </p:txBody>
+      </p:sp>
+      <p:sp>
+        <p:nvSpPr>
+          <p:cNvPr id="5" name="Slide Number Placeholder 4">
+            <a:extLst>
+              <a:ext uri="{FF2B5EF4-FFF2-40B4-BE49-F238E27FC236}">
+                <a16:creationId xmlns:a16="http://schemas.microsoft.com/office/drawing/2014/main" id="{BAF4415C-5D53-634A-99AA-27A073C5C9EA}"/>
+              </a:ext>
+            </a:extLst>
+          </p:cNvPr>
+          <p:cNvSpPr>
+            <a:spLocks noGrp="1"/>
+          </p:cNvSpPr>
+          <p:nvPr>
+            <p:ph type="sldNum" sz="quarter" idx="12"/>
+          </p:nvPr>
+        </p:nvSpPr>
+        <p:spPr/>
+        <p:txBody>
+          <a:bodyPr/>
+          <a:lstStyle/>
+          <a:p>
+            <a:pPr>
+              <a:defRPr/>
+            </a:pPr>
+            <a:fld id="{BD6E0F59-1DD8-40FC-9C92-B6295CBA6CCA}" type="slidenum">
+              <a:rPr lang="en-US" altLang="zh-CN" smtClean="0"/>
+              <a:pPr>
+                <a:defRPr/>
+              </a:pPr>
+              <a:t>6</a:t>
+            </a:fld>
+            <a:endParaRPr lang="en-US" altLang="zh-CN"/>
+          </a:p>
+        </p:txBody>
+      </p:sp>
+    </p:spTree>
+    <p:extLst>
+      <p:ext uri="{BB962C8B-B14F-4D97-AF65-F5344CB8AC3E}">
+        <p14:creationId xmlns:p14="http://schemas.microsoft.com/office/powerpoint/2010/main" val="448857647"/>
+      </p:ext>
+    </p:extLst>
+  </p:cSld>
+  <p:clrMapOvr>
+    <a:masterClrMapping/>
+  </p:clrMapOvr>
+</p:sld>
+</file>
+
+<file path=ppt/slides/slide7.xml><?xml version="1.0" encoding="utf-8"?>
+<p:sld xmlns:a="http://schemas.openxmlformats.org/drawingml/2006/main" xmlns:r="http://schemas.openxmlformats.org/officeDocument/2006/relationships" xmlns:p="http://schemas.openxmlformats.org/presentationml/2006/main">
+  <p:cSld>
+    <p:spTree>
+      <p:nvGrpSpPr>
+        <p:cNvPr id="1" name=""/>
+        <p:cNvGrpSpPr/>
+        <p:nvPr/>
+      </p:nvGrpSpPr>
+      <p:grpSpPr>
+        <a:xfrm>
+          <a:off x="0" y="0"/>
+          <a:ext cx="0" cy="0"/>
+          <a:chOff x="0" y="0"/>
+          <a:chExt cx="0" cy="0"/>
+        </a:xfrm>
+      </p:grpSpPr>
+      <p:sp>
+        <p:nvSpPr>
+          <p:cNvPr id="2" name="Title 1">
+            <a:extLst>
+              <a:ext uri="{FF2B5EF4-FFF2-40B4-BE49-F238E27FC236}">
+                <a16:creationId xmlns:a16="http://schemas.microsoft.com/office/drawing/2014/main" id="{E196D926-6462-6147-8D6F-5C80A37CA43D}"/>
+              </a:ext>
+            </a:extLst>
+          </p:cNvPr>
+          <p:cNvSpPr>
+            <a:spLocks noGrp="1"/>
+          </p:cNvSpPr>
+          <p:nvPr>
+            <p:ph type="title"/>
+          </p:nvPr>
+        </p:nvSpPr>
+        <p:spPr>
+          <a:xfrm>
+            <a:off x="457200" y="102393"/>
+            <a:ext cx="8229600" cy="857250"/>
+          </a:xfrm>
+        </p:spPr>
+        <p:txBody>
+          <a:bodyPr/>
+          <a:lstStyle/>
+          <a:p>
+            <a:r>
+              <a:rPr lang="en-US" sz="3200" dirty="0">
+                <a:solidFill>
+                  <a:srgbClr val="0070C0"/>
+                </a:solidFill>
+                <a:latin typeface="Calibri Light" panose="020F0302020204030204" pitchFamily="34" charset="0"/>
+                <a:cs typeface="Calibri Light" panose="020F0302020204030204" pitchFamily="34" charset="0"/>
+              </a:rPr>
+              <a:t>STAMP Return Segment List - Usage</a:t>
+            </a:r>
+            <a:endParaRPr lang="en-US" sz="3200" dirty="0"/>
+          </a:p>
+        </p:txBody>
+      </p:sp>
+      <p:sp>
+        <p:nvSpPr>
+          <p:cNvPr id="3" name="Content Placeholder 2">
+            <a:extLst>
+              <a:ext uri="{FF2B5EF4-FFF2-40B4-BE49-F238E27FC236}">
+                <a16:creationId xmlns:a16="http://schemas.microsoft.com/office/drawing/2014/main" id="{FAD97578-5975-5644-B374-459176F950CB}"/>
+              </a:ext>
+            </a:extLst>
+          </p:cNvPr>
+          <p:cNvSpPr>
+            <a:spLocks noGrp="1"/>
+          </p:cNvSpPr>
+          <p:nvPr>
+            <p:ph idx="1"/>
+          </p:nvPr>
+        </p:nvSpPr>
+        <p:spPr>
+          <a:xfrm>
+            <a:off x="533400" y="1047750"/>
+            <a:ext cx="8077200" cy="3230165"/>
+          </a:xfrm>
+        </p:spPr>
+        <p:txBody>
+          <a:bodyPr/>
+          <a:lstStyle/>
+          <a:p>
+            <a:r>
+              <a:rPr lang="en-US" sz="1800" dirty="0"/>
+              <a:t>For SR path, reply test packet may need to be sent on a specific return SR path</a:t>
+            </a:r>
+          </a:p>
+          <a:p>
+            <a:r>
+              <a:rPr lang="en-US" sz="1800" dirty="0"/>
+              <a:t>Bidirectional SR path (forward and reverse) dynamically computed using CSPF by the head-end node</a:t>
+            </a:r>
+          </a:p>
+          <a:p>
+            <a:pPr lvl="1"/>
+            <a:r>
+              <a:rPr lang="en-US" sz="1800" dirty="0"/>
+              <a:t>Path can change often based on topology change, link/node failure in the network, etc.</a:t>
+            </a:r>
+          </a:p>
+          <a:p>
+            <a:r>
+              <a:rPr lang="en-US" sz="1800" dirty="0"/>
+              <a:t>No signaling in SR</a:t>
+            </a:r>
+          </a:p>
+          <a:p>
+            <a:r>
+              <a:rPr lang="en-US" sz="1800" dirty="0"/>
+              <a:t>Avoid signaling and maintaining dynamic state on Session-Reflector to store return paths for each test session (each session-id, source-address) </a:t>
+            </a:r>
+          </a:p>
+          <a:p>
+            <a:pPr lvl="1"/>
+            <a:r>
+              <a:rPr lang="en-US" sz="1800" dirty="0"/>
+              <a:t>Order of 10K SR Policy (that can have active and standby candidate-path and each can have multiple segment-lists)</a:t>
+            </a:r>
+          </a:p>
+          <a:p>
+            <a:endParaRPr lang="en-US" sz="1800" dirty="0"/>
+          </a:p>
+          <a:p>
+            <a:endParaRPr lang="en-US" sz="1800" dirty="0"/>
+          </a:p>
+          <a:p>
+            <a:endParaRPr lang="en-US" sz="1800" dirty="0"/>
+          </a:p>
+        </p:txBody>
+      </p:sp>
+      <p:sp>
+        <p:nvSpPr>
+          <p:cNvPr id="4" name="Footer Placeholder 3">
+            <a:extLst>
+              <a:ext uri="{FF2B5EF4-FFF2-40B4-BE49-F238E27FC236}">
+                <a16:creationId xmlns:a16="http://schemas.microsoft.com/office/drawing/2014/main" id="{ED92B1FC-C461-8C49-AF5F-4F33A15BFAA9}"/>
+              </a:ext>
+            </a:extLst>
+          </p:cNvPr>
+          <p:cNvSpPr>
+            <a:spLocks noGrp="1"/>
+          </p:cNvSpPr>
+          <p:nvPr>
+            <p:ph type="ftr" sz="quarter" idx="11"/>
+          </p:nvPr>
+        </p:nvSpPr>
+        <p:spPr>
+          <a:xfrm>
+            <a:off x="3124200" y="4786312"/>
+            <a:ext cx="2895600" cy="357188"/>
+          </a:xfrm>
+        </p:spPr>
+        <p:txBody>
+          <a:bodyPr/>
+          <a:lstStyle/>
+          <a:p>
+            <a:pPr>
+              <a:defRPr/>
+            </a:pPr>
+            <a:r>
+              <a:rPr lang="en-US" altLang="zh-CN" dirty="0"/>
+              <a:t>110</a:t>
+            </a:r>
+            <a:r>
+              <a:rPr lang="en-US" altLang="zh-CN" baseline="30000" dirty="0"/>
+              <a:t>th</a:t>
+            </a:r>
+            <a:r>
+              <a:rPr lang="en-US" altLang="zh-CN" dirty="0"/>
+              <a:t> IETF Online</a:t>
+            </a:r>
+          </a:p>
+        </p:txBody>
+      </p:sp>
+      <p:sp>
+        <p:nvSpPr>
+          <p:cNvPr id="5" name="Slide Number Placeholder 4">
+            <a:extLst>
+              <a:ext uri="{FF2B5EF4-FFF2-40B4-BE49-F238E27FC236}">
+                <a16:creationId xmlns:a16="http://schemas.microsoft.com/office/drawing/2014/main" id="{BAF4415C-5D53-634A-99AA-27A073C5C9EA}"/>
+              </a:ext>
+            </a:extLst>
+          </p:cNvPr>
+          <p:cNvSpPr>
+            <a:spLocks noGrp="1"/>
+          </p:cNvSpPr>
+          <p:nvPr>
+            <p:ph type="sldNum" sz="quarter" idx="12"/>
+          </p:nvPr>
+        </p:nvSpPr>
+        <p:spPr/>
+        <p:txBody>
+          <a:bodyPr/>
+          <a:lstStyle/>
+          <a:p>
+            <a:pPr>
+              <a:defRPr/>
+            </a:pPr>
+            <a:fld id="{BD6E0F59-1DD8-40FC-9C92-B6295CBA6CCA}" type="slidenum">
+              <a:rPr lang="en-US" altLang="zh-CN" smtClean="0"/>
+              <a:pPr>
+                <a:defRPr/>
+              </a:pPr>
+              <a:t>7</a:t>
+            </a:fld>
+            <a:endParaRPr lang="en-US" altLang="zh-CN" dirty="0"/>
+          </a:p>
+        </p:txBody>
+      </p:sp>
+    </p:spTree>
+    <p:extLst>
+      <p:ext uri="{BB962C8B-B14F-4D97-AF65-F5344CB8AC3E}">
+        <p14:creationId xmlns:p14="http://schemas.microsoft.com/office/powerpoint/2010/main" val="2937341344"/>
+      </p:ext>
+    </p:extLst>
+  </p:cSld>
+  <p:clrMapOvr>
+    <a:masterClrMapping/>
+  </p:clrMapOvr>
+</p:sld>
+</file>
+
+<file path=ppt/slides/slide8.xml><?xml version="1.0" encoding="utf-8"?>
+<p:sld xmlns:a="http://schemas.openxmlformats.org/drawingml/2006/main" xmlns:r="http://schemas.openxmlformats.org/officeDocument/2006/relationships" xmlns:p="http://schemas.openxmlformats.org/presentationml/2006/main">
+  <p:cSld>
+    <p:spTree>
+      <p:nvGrpSpPr>
+        <p:cNvPr id="1" name=""/>
+        <p:cNvGrpSpPr/>
+        <p:nvPr/>
+      </p:nvGrpSpPr>
+      <p:grpSpPr>
+        <a:xfrm>
+          <a:off x="0" y="0"/>
+          <a:ext cx="0" cy="0"/>
+          <a:chOff x="0" y="0"/>
+          <a:chExt cx="0" cy="0"/>
+        </a:xfrm>
+      </p:grpSpPr>
+      <p:sp>
+        <p:nvSpPr>
+          <p:cNvPr id="2" name="Title 1"/>
+          <p:cNvSpPr>
+            <a:spLocks noGrp="1"/>
+          </p:cNvSpPr>
+          <p:nvPr>
+            <p:ph type="title"/>
+          </p:nvPr>
+        </p:nvSpPr>
+        <p:spPr>
+          <a:xfrm>
+            <a:off x="457200" y="0"/>
+            <a:ext cx="8229600" cy="857250"/>
+          </a:xfrm>
+        </p:spPr>
+        <p:txBody>
+          <a:bodyPr/>
+          <a:lstStyle/>
+          <a:p>
+            <a:r>
+              <a:rPr lang="en-US" sz="3600" dirty="0">
+                <a:solidFill>
+                  <a:srgbClr val="0070C0"/>
+                </a:solidFill>
+                <a:latin typeface="Calibri Light" panose="020F0302020204030204" pitchFamily="34" charset="0"/>
+                <a:cs typeface="Calibri Light" panose="020F0302020204030204" pitchFamily="34" charset="0"/>
+              </a:rPr>
+              <a:t>Next Steps</a:t>
+            </a:r>
+          </a:p>
+        </p:txBody>
+      </p:sp>
+      <p:sp>
+        <p:nvSpPr>
+          <p:cNvPr id="3" name="Content Placeholder 2"/>
+          <p:cNvSpPr>
+            <a:spLocks noGrp="1"/>
+          </p:cNvSpPr>
+          <p:nvPr>
+            <p:ph idx="1"/>
+          </p:nvPr>
+        </p:nvSpPr>
+        <p:spPr>
+          <a:xfrm>
+            <a:off x="685800" y="1123950"/>
+            <a:ext cx="8001000" cy="2514599"/>
+          </a:xfrm>
+        </p:spPr>
+        <p:txBody>
+          <a:bodyPr/>
+          <a:lstStyle/>
+          <a:p>
+            <a:pPr lvl="0"/>
+            <a:r>
+              <a:rPr lang="en-US" sz="2400" dirty="0">
+                <a:latin typeface="Calibri" charset="0"/>
+                <a:ea typeface="Calibri" charset="0"/>
+                <a:cs typeface="Calibri" charset="0"/>
+              </a:rPr>
+              <a:t>Welcome your comments and suggestions</a:t>
+            </a:r>
+          </a:p>
+          <a:p>
+            <a:pPr lvl="0"/>
+            <a:r>
+              <a:rPr lang="en-US" sz="2400" dirty="0"/>
+              <a:t>Requesting WG adoption</a:t>
+            </a:r>
+            <a:endParaRPr lang="en-US" sz="2400" dirty="0">
+              <a:latin typeface="Calibri" charset="0"/>
+              <a:ea typeface="Calibri" charset="0"/>
+              <a:cs typeface="Calibri" charset="0"/>
+            </a:endParaRPr>
+          </a:p>
+          <a:p>
+            <a:endParaRPr lang="en-US" sz="2400" dirty="0">
+              <a:latin typeface="Calibri" charset="0"/>
+              <a:ea typeface="Calibri" charset="0"/>
+              <a:cs typeface="Calibri" charset="0"/>
+            </a:endParaRPr>
+          </a:p>
+        </p:txBody>
+      </p:sp>
+      <p:sp>
+        <p:nvSpPr>
+          <p:cNvPr id="4" name="Footer Placeholder 3"/>
+          <p:cNvSpPr>
+            <a:spLocks noGrp="1"/>
+          </p:cNvSpPr>
+          <p:nvPr>
+            <p:ph type="ftr" sz="quarter" idx="11"/>
+          </p:nvPr>
+        </p:nvSpPr>
+        <p:spPr>
+          <a:xfrm>
+            <a:off x="3048000" y="4786312"/>
+            <a:ext cx="2895600" cy="357188"/>
+          </a:xfrm>
+        </p:spPr>
+        <p:txBody>
+          <a:bodyPr/>
+          <a:lstStyle/>
+          <a:p>
+            <a:r>
+              <a:rPr lang="en-CA" dirty="0"/>
+              <a:t>110</a:t>
+            </a:r>
+            <a:r>
+              <a:rPr lang="en-CA" baseline="30000" dirty="0"/>
+              <a:t>th</a:t>
+            </a:r>
+            <a:r>
+              <a:rPr lang="en-CA" dirty="0"/>
+              <a:t> IETF Online</a:t>
+            </a:r>
+          </a:p>
+        </p:txBody>
+      </p:sp>
+      <p:sp>
+        <p:nvSpPr>
+          <p:cNvPr id="5" name="Slide Number Placeholder 4"/>
+          <p:cNvSpPr>
+            <a:spLocks noGrp="1"/>
+          </p:cNvSpPr>
+          <p:nvPr>
+            <p:ph type="sldNum" sz="quarter" idx="12"/>
+          </p:nvPr>
+        </p:nvSpPr>
+        <p:spPr/>
+        <p:txBody>
+          <a:bodyPr/>
+          <a:lstStyle/>
+          <a:p>
+            <a:pPr>
+              <a:defRPr/>
+            </a:pPr>
+            <a:fld id="{BD6E0F59-1DD8-40FC-9C92-B6295CBA6CCA}" type="slidenum">
+              <a:rPr lang="en-US" altLang="zh-CN" smtClean="0"/>
+              <a:pPr>
+                <a:defRPr/>
+              </a:pPr>
+              <a:t>8</a:t>
+            </a:fld>
+            <a:endParaRPr lang="en-US" altLang="zh-CN" dirty="0"/>
+          </a:p>
+        </p:txBody>
+      </p:sp>
+    </p:spTree>
+    <p:extLst>
+      <p:ext uri="{BB962C8B-B14F-4D97-AF65-F5344CB8AC3E}">
+        <p14:creationId xmlns:p14="http://schemas.microsoft.com/office/powerpoint/2010/main" val="256002898"/>
+      </p:ext>
+    </p:extLst>
+  </p:cSld>
+  <p:clrMapOvr>
+    <a:masterClrMapping/>
+  </p:clrMapOvr>
+</p:sld>
+</file>
+
+<file path=ppt/slides/slide9.xml><?xml version="1.0" encoding="utf-8"?>
 <p:sld xmlns:a="http://schemas.openxmlformats.org/drawingml/2006/main" xmlns:r="http://schemas.openxmlformats.org/officeDocument/2006/relationships" xmlns:p="http://schemas.openxmlformats.org/presentationml/2006/main">
   <p:cSld>
     <p:spTree>
@@ -5069,7 +7179,7 @@
               <a:pPr>
                 <a:defRPr/>
               </a:pPr>
-              <a:t>10</a:t>
+              <a:t>9</a:t>
             </a:fld>
             <a:endParaRPr lang="en-US" altLang="zh-CN" dirty="0"/>
           </a:p>
@@ -5079,3235 +7189,6 @@
     <p:extLst>
       <p:ext uri="{BB962C8B-B14F-4D97-AF65-F5344CB8AC3E}">
         <p14:creationId xmlns:p14="http://schemas.microsoft.com/office/powerpoint/2010/main" val="1091639292"/>
-      </p:ext>
-    </p:extLst>
-  </p:cSld>
-  <p:clrMapOvr>
-    <a:masterClrMapping/>
-  </p:clrMapOvr>
-</p:sld>
-</file>
-
-<file path=ppt/slides/slide2.xml><?xml version="1.0" encoding="utf-8"?>
-<p:sld xmlns:a="http://schemas.openxmlformats.org/drawingml/2006/main" xmlns:r="http://schemas.openxmlformats.org/officeDocument/2006/relationships" xmlns:p="http://schemas.openxmlformats.org/presentationml/2006/main">
-  <p:cSld>
-    <p:spTree>
-      <p:nvGrpSpPr>
-        <p:cNvPr id="1" name=""/>
-        <p:cNvGrpSpPr/>
-        <p:nvPr/>
-      </p:nvGrpSpPr>
-      <p:grpSpPr>
-        <a:xfrm>
-          <a:off x="0" y="0"/>
-          <a:ext cx="0" cy="0"/>
-          <a:chOff x="0" y="0"/>
-          <a:chExt cx="0" cy="0"/>
-        </a:xfrm>
-      </p:grpSpPr>
-      <p:sp>
-        <p:nvSpPr>
-          <p:cNvPr id="2" name="Title 1"/>
-          <p:cNvSpPr>
-            <a:spLocks noGrp="1"/>
-          </p:cNvSpPr>
-          <p:nvPr>
-            <p:ph type="title"/>
-          </p:nvPr>
-        </p:nvSpPr>
-        <p:spPr>
-          <a:xfrm>
-            <a:off x="457200" y="98823"/>
-            <a:ext cx="8229600" cy="857250"/>
-          </a:xfrm>
-        </p:spPr>
-        <p:txBody>
-          <a:bodyPr/>
-          <a:lstStyle/>
-          <a:p>
-            <a:r>
-              <a:rPr lang="en-US" sz="3600" dirty="0">
-                <a:solidFill>
-                  <a:srgbClr val="0070C0"/>
-                </a:solidFill>
-                <a:latin typeface="Calibri Light" panose="020F0302020204030204" pitchFamily="34" charset="0"/>
-                <a:cs typeface="Calibri Light" panose="020F0302020204030204" pitchFamily="34" charset="0"/>
-              </a:rPr>
-              <a:t>Agenda</a:t>
-            </a:r>
-          </a:p>
-        </p:txBody>
-      </p:sp>
-      <p:sp>
-        <p:nvSpPr>
-          <p:cNvPr id="3" name="Content Placeholder 2"/>
-          <p:cNvSpPr>
-            <a:spLocks noGrp="1"/>
-          </p:cNvSpPr>
-          <p:nvPr>
-            <p:ph idx="1"/>
-          </p:nvPr>
-        </p:nvSpPr>
-        <p:spPr>
-          <a:xfrm>
-            <a:off x="573741" y="1157288"/>
-            <a:ext cx="8113059" cy="3124200"/>
-          </a:xfrm>
-        </p:spPr>
-        <p:txBody>
-          <a:bodyPr/>
-          <a:lstStyle/>
-          <a:p>
-            <a:r>
-              <a:rPr lang="en-US" sz="2400" dirty="0"/>
-              <a:t>Requirements and Scope</a:t>
-            </a:r>
-          </a:p>
-          <a:p>
-            <a:r>
-              <a:rPr lang="en-US" sz="2400" dirty="0"/>
-              <a:t>Summary of Extensions</a:t>
-            </a:r>
-          </a:p>
-          <a:p>
-            <a:r>
-              <a:rPr lang="en-US" sz="2400" dirty="0"/>
-              <a:t>Next Steps</a:t>
-            </a:r>
-          </a:p>
-        </p:txBody>
-      </p:sp>
-      <p:sp>
-        <p:nvSpPr>
-          <p:cNvPr id="4" name="Footer Placeholder 3"/>
-          <p:cNvSpPr>
-            <a:spLocks noGrp="1"/>
-          </p:cNvSpPr>
-          <p:nvPr>
-            <p:ph type="ftr" sz="quarter" idx="11"/>
-          </p:nvPr>
-        </p:nvSpPr>
-        <p:spPr>
-          <a:xfrm>
-            <a:off x="3124200" y="4786312"/>
-            <a:ext cx="2895600" cy="357188"/>
-          </a:xfrm>
-        </p:spPr>
-        <p:txBody>
-          <a:bodyPr/>
-          <a:lstStyle/>
-          <a:p>
-            <a:r>
-              <a:rPr lang="en-CA" dirty="0"/>
-              <a:t>110</a:t>
-            </a:r>
-            <a:r>
-              <a:rPr lang="en-CA" baseline="30000" dirty="0"/>
-              <a:t>th</a:t>
-            </a:r>
-            <a:r>
-              <a:rPr lang="en-CA" dirty="0"/>
-              <a:t> IETF Online</a:t>
-            </a:r>
-          </a:p>
-        </p:txBody>
-      </p:sp>
-      <p:sp>
-        <p:nvSpPr>
-          <p:cNvPr id="5" name="Slide Number Placeholder 4"/>
-          <p:cNvSpPr>
-            <a:spLocks noGrp="1"/>
-          </p:cNvSpPr>
-          <p:nvPr>
-            <p:ph type="sldNum" sz="quarter" idx="12"/>
-          </p:nvPr>
-        </p:nvSpPr>
-        <p:spPr/>
-        <p:txBody>
-          <a:bodyPr/>
-          <a:lstStyle/>
-          <a:p>
-            <a:pPr>
-              <a:defRPr/>
-            </a:pPr>
-            <a:fld id="{BD6E0F59-1DD8-40FC-9C92-B6295CBA6CCA}" type="slidenum">
-              <a:rPr lang="en-US" altLang="zh-CN" smtClean="0"/>
-              <a:pPr>
-                <a:defRPr/>
-              </a:pPr>
-              <a:t>2</a:t>
-            </a:fld>
-            <a:endParaRPr lang="en-US" altLang="zh-CN"/>
-          </a:p>
-        </p:txBody>
-      </p:sp>
-    </p:spTree>
-    <p:extLst>
-      <p:ext uri="{BB962C8B-B14F-4D97-AF65-F5344CB8AC3E}">
-        <p14:creationId xmlns:p14="http://schemas.microsoft.com/office/powerpoint/2010/main" val="3204099515"/>
-      </p:ext>
-    </p:extLst>
-  </p:cSld>
-  <p:clrMapOvr>
-    <a:masterClrMapping/>
-  </p:clrMapOvr>
-</p:sld>
-</file>
-
-<file path=ppt/slides/slide3.xml><?xml version="1.0" encoding="utf-8"?>
-<p:sld xmlns:a="http://schemas.openxmlformats.org/drawingml/2006/main" xmlns:r="http://schemas.openxmlformats.org/officeDocument/2006/relationships" xmlns:p="http://schemas.openxmlformats.org/presentationml/2006/main">
-  <p:cSld>
-    <p:spTree>
-      <p:nvGrpSpPr>
-        <p:cNvPr id="1" name=""/>
-        <p:cNvGrpSpPr/>
-        <p:nvPr/>
-      </p:nvGrpSpPr>
-      <p:grpSpPr>
-        <a:xfrm>
-          <a:off x="0" y="0"/>
-          <a:ext cx="0" cy="0"/>
-          <a:chOff x="0" y="0"/>
-          <a:chExt cx="0" cy="0"/>
-        </a:xfrm>
-      </p:grpSpPr>
-      <p:sp>
-        <p:nvSpPr>
-          <p:cNvPr id="2" name="Title 1"/>
-          <p:cNvSpPr>
-            <a:spLocks noGrp="1"/>
-          </p:cNvSpPr>
-          <p:nvPr>
-            <p:ph type="title"/>
-          </p:nvPr>
-        </p:nvSpPr>
-        <p:spPr>
-          <a:xfrm>
-            <a:off x="457200" y="0"/>
-            <a:ext cx="8229600" cy="857250"/>
-          </a:xfrm>
-        </p:spPr>
-        <p:txBody>
-          <a:bodyPr/>
-          <a:lstStyle/>
-          <a:p>
-            <a:r>
-              <a:rPr lang="en-US" sz="3600" dirty="0">
-                <a:solidFill>
-                  <a:srgbClr val="0070C0"/>
-                </a:solidFill>
-                <a:latin typeface="Calibri Light" panose="020F0302020204030204" pitchFamily="34" charset="0"/>
-                <a:cs typeface="Calibri Light" panose="020F0302020204030204" pitchFamily="34" charset="0"/>
-              </a:rPr>
-              <a:t>Requirements and Scope</a:t>
-            </a:r>
-          </a:p>
-        </p:txBody>
-      </p:sp>
-      <p:sp>
-        <p:nvSpPr>
-          <p:cNvPr id="3" name="Content Placeholder 2"/>
-          <p:cNvSpPr>
-            <a:spLocks noGrp="1"/>
-          </p:cNvSpPr>
-          <p:nvPr>
-            <p:ph idx="1"/>
-          </p:nvPr>
-        </p:nvSpPr>
-        <p:spPr>
-          <a:xfrm>
-            <a:off x="685800" y="971550"/>
-            <a:ext cx="7772400" cy="3581399"/>
-          </a:xfrm>
-        </p:spPr>
-        <p:txBody>
-          <a:bodyPr/>
-          <a:lstStyle/>
-          <a:p>
-            <a:pPr marL="0" indent="0">
-              <a:buNone/>
-            </a:pPr>
-            <a:r>
-              <a:rPr lang="en-US" sz="1600" dirty="0"/>
-              <a:t>Requirements:</a:t>
-            </a:r>
-          </a:p>
-          <a:p>
-            <a:pPr lvl="1">
-              <a:buFont typeface="Wingdings" charset="2"/>
-              <a:buChar char="§"/>
-            </a:pPr>
-            <a:r>
-              <a:rPr lang="en-US" sz="1600" dirty="0"/>
-              <a:t>Support in-band Performance Measurement for links and SR paths</a:t>
-            </a:r>
-          </a:p>
-          <a:p>
-            <a:pPr marL="0" indent="0">
-              <a:buNone/>
-            </a:pPr>
-            <a:r>
-              <a:rPr lang="en-US" sz="1600" dirty="0"/>
-              <a:t>Goals: </a:t>
-            </a:r>
-          </a:p>
-          <a:p>
-            <a:pPr lvl="1">
-              <a:buFont typeface="Wingdings" charset="2"/>
-              <a:buChar char="§"/>
-            </a:pPr>
-            <a:r>
-              <a:rPr lang="en-US" sz="1600" dirty="0"/>
-              <a:t>Avoid provisioning test sessions on Session-Reflector for stateless mode</a:t>
-            </a:r>
-          </a:p>
-          <a:p>
-            <a:pPr lvl="1">
-              <a:buFont typeface="Wingdings" charset="2"/>
-              <a:buChar char="§"/>
-            </a:pPr>
-            <a:r>
-              <a:rPr lang="en-US" sz="1600" dirty="0"/>
-              <a:t>Avoid control protocol for signaling dynamic parameters</a:t>
-            </a:r>
-          </a:p>
-          <a:p>
-            <a:pPr lvl="1">
-              <a:buFont typeface="Wingdings" charset="2"/>
-              <a:buChar char="§"/>
-            </a:pPr>
-            <a:r>
-              <a:rPr lang="en-US" sz="1600" dirty="0"/>
-              <a:t>High scale for number of test sessions and faster detection interval</a:t>
-            </a:r>
-          </a:p>
-          <a:p>
-            <a:pPr lvl="2">
-              <a:buFont typeface="Wingdings" charset="2"/>
-              <a:buChar char="§"/>
-            </a:pPr>
-            <a:r>
-              <a:rPr lang="en-US" sz="1600" dirty="0"/>
-              <a:t>Support hardware implementation</a:t>
-            </a:r>
-          </a:p>
-          <a:p>
-            <a:pPr marL="0" lvl="1" indent="0">
-              <a:buNone/>
-            </a:pPr>
-            <a:r>
-              <a:rPr lang="en-US" sz="1600" dirty="0"/>
-              <a:t>Scope:</a:t>
-            </a:r>
-          </a:p>
-          <a:p>
-            <a:pPr lvl="1">
-              <a:buFont typeface="Wingdings" pitchFamily="2" charset="2"/>
-              <a:buChar char="§"/>
-            </a:pPr>
-            <a:r>
-              <a:rPr lang="en-US" sz="1600" dirty="0"/>
-              <a:t>STAMP [</a:t>
-            </a:r>
-            <a:r>
-              <a:rPr lang="en-CA" sz="1600" dirty="0"/>
-              <a:t>RFC 8762</a:t>
-            </a:r>
-            <a:r>
-              <a:rPr lang="en-US" sz="1600" dirty="0"/>
-              <a:t>]</a:t>
-            </a:r>
-          </a:p>
-          <a:p>
-            <a:pPr lvl="1">
-              <a:buFont typeface="Wingdings" charset="2"/>
-              <a:buChar char="§"/>
-            </a:pPr>
-            <a:r>
-              <a:rPr lang="en-US" sz="1600" dirty="0"/>
-              <a:t>STAMP Extensions [</a:t>
-            </a:r>
-            <a:r>
-              <a:rPr lang="en-CA" sz="1600" dirty="0"/>
-              <a:t>RFC 8972]</a:t>
-            </a:r>
-            <a:endParaRPr lang="en-US" sz="1600" dirty="0"/>
-          </a:p>
-        </p:txBody>
-      </p:sp>
-      <p:sp>
-        <p:nvSpPr>
-          <p:cNvPr id="4" name="Footer Placeholder 3"/>
-          <p:cNvSpPr>
-            <a:spLocks noGrp="1"/>
-          </p:cNvSpPr>
-          <p:nvPr>
-            <p:ph type="ftr" sz="quarter" idx="11"/>
-          </p:nvPr>
-        </p:nvSpPr>
-        <p:spPr>
-          <a:xfrm>
-            <a:off x="3124200" y="4786312"/>
-            <a:ext cx="2895600" cy="357188"/>
-          </a:xfrm>
-        </p:spPr>
-        <p:txBody>
-          <a:bodyPr/>
-          <a:lstStyle/>
-          <a:p>
-            <a:r>
-              <a:rPr lang="en-CA" dirty="0"/>
-              <a:t>110</a:t>
-            </a:r>
-            <a:r>
-              <a:rPr lang="en-CA" baseline="30000" dirty="0"/>
-              <a:t>th</a:t>
-            </a:r>
-            <a:r>
-              <a:rPr lang="en-CA" dirty="0"/>
-              <a:t> IETF Online</a:t>
-            </a:r>
-          </a:p>
-        </p:txBody>
-      </p:sp>
-      <p:sp>
-        <p:nvSpPr>
-          <p:cNvPr id="5" name="Slide Number Placeholder 4"/>
-          <p:cNvSpPr>
-            <a:spLocks noGrp="1"/>
-          </p:cNvSpPr>
-          <p:nvPr>
-            <p:ph type="sldNum" sz="quarter" idx="12"/>
-          </p:nvPr>
-        </p:nvSpPr>
-        <p:spPr/>
-        <p:txBody>
-          <a:bodyPr/>
-          <a:lstStyle/>
-          <a:p>
-            <a:pPr>
-              <a:defRPr/>
-            </a:pPr>
-            <a:fld id="{BD6E0F59-1DD8-40FC-9C92-B6295CBA6CCA}" type="slidenum">
-              <a:rPr lang="en-US" altLang="zh-CN" smtClean="0"/>
-              <a:pPr>
-                <a:defRPr/>
-              </a:pPr>
-              <a:t>3</a:t>
-            </a:fld>
-            <a:endParaRPr lang="en-US" altLang="zh-CN" dirty="0"/>
-          </a:p>
-        </p:txBody>
-      </p:sp>
-    </p:spTree>
-    <p:extLst>
-      <p:ext uri="{BB962C8B-B14F-4D97-AF65-F5344CB8AC3E}">
-        <p14:creationId xmlns:p14="http://schemas.microsoft.com/office/powerpoint/2010/main" val="1576110362"/>
-      </p:ext>
-    </p:extLst>
-  </p:cSld>
-  <p:clrMapOvr>
-    <a:masterClrMapping/>
-  </p:clrMapOvr>
-</p:sld>
-</file>
-
-<file path=ppt/slides/slide4.xml><?xml version="1.0" encoding="utf-8"?>
-<p:sld xmlns:a="http://schemas.openxmlformats.org/drawingml/2006/main" xmlns:r="http://schemas.openxmlformats.org/officeDocument/2006/relationships" xmlns:p="http://schemas.openxmlformats.org/presentationml/2006/main">
-  <p:cSld>
-    <p:spTree>
-      <p:nvGrpSpPr>
-        <p:cNvPr id="1" name=""/>
-        <p:cNvGrpSpPr/>
-        <p:nvPr/>
-      </p:nvGrpSpPr>
-      <p:grpSpPr>
-        <a:xfrm>
-          <a:off x="0" y="0"/>
-          <a:ext cx="0" cy="0"/>
-          <a:chOff x="0" y="0"/>
-          <a:chExt cx="0" cy="0"/>
-        </a:xfrm>
-      </p:grpSpPr>
-      <p:sp>
-        <p:nvSpPr>
-          <p:cNvPr id="2" name="Title 1">
-            <a:extLst>
-              <a:ext uri="{FF2B5EF4-FFF2-40B4-BE49-F238E27FC236}">
-                <a16:creationId xmlns:a16="http://schemas.microsoft.com/office/drawing/2014/main" id="{9A6F4236-AC14-394A-A36C-F2BD8CED3237}"/>
-              </a:ext>
-            </a:extLst>
-          </p:cNvPr>
-          <p:cNvSpPr>
-            <a:spLocks noGrp="1"/>
-          </p:cNvSpPr>
-          <p:nvPr>
-            <p:ph type="title"/>
-          </p:nvPr>
-        </p:nvSpPr>
-        <p:spPr>
-          <a:xfrm>
-            <a:off x="261523" y="0"/>
-            <a:ext cx="8686800" cy="857250"/>
-          </a:xfrm>
-        </p:spPr>
-        <p:txBody>
-          <a:bodyPr/>
-          <a:lstStyle/>
-          <a:p>
-            <a:r>
-              <a:rPr lang="en-US" sz="3200" dirty="0">
-                <a:solidFill>
-                  <a:srgbClr val="0070C0"/>
-                </a:solidFill>
-                <a:latin typeface="Calibri Light" panose="020F0302020204030204" pitchFamily="34" charset="0"/>
-                <a:cs typeface="Calibri Light" panose="020F0302020204030204" pitchFamily="34" charset="0"/>
-              </a:rPr>
-              <a:t>STAMP Session-Sender Control Code Field</a:t>
-            </a:r>
-          </a:p>
-        </p:txBody>
-      </p:sp>
-      <p:sp>
-        <p:nvSpPr>
-          <p:cNvPr id="4" name="Footer Placeholder 3">
-            <a:extLst>
-              <a:ext uri="{FF2B5EF4-FFF2-40B4-BE49-F238E27FC236}">
-                <a16:creationId xmlns:a16="http://schemas.microsoft.com/office/drawing/2014/main" id="{643D160E-CC3C-EB46-A6F1-43B8E2996F46}"/>
-              </a:ext>
-            </a:extLst>
-          </p:cNvPr>
-          <p:cNvSpPr>
-            <a:spLocks noGrp="1"/>
-          </p:cNvSpPr>
-          <p:nvPr>
-            <p:ph type="ftr" sz="quarter" idx="11"/>
-          </p:nvPr>
-        </p:nvSpPr>
-        <p:spPr>
-          <a:xfrm>
-            <a:off x="3124200" y="4805362"/>
-            <a:ext cx="2895600" cy="357188"/>
-          </a:xfrm>
-        </p:spPr>
-        <p:txBody>
-          <a:bodyPr/>
-          <a:lstStyle/>
-          <a:p>
-            <a:r>
-              <a:rPr lang="en-CA" dirty="0"/>
-              <a:t>110</a:t>
-            </a:r>
-            <a:r>
-              <a:rPr lang="en-CA" baseline="30000" dirty="0"/>
-              <a:t>th</a:t>
-            </a:r>
-            <a:r>
-              <a:rPr lang="en-CA" dirty="0"/>
-              <a:t> IETF Online</a:t>
-            </a:r>
-          </a:p>
-        </p:txBody>
-      </p:sp>
-      <p:sp>
-        <p:nvSpPr>
-          <p:cNvPr id="5" name="Slide Number Placeholder 4">
-            <a:extLst>
-              <a:ext uri="{FF2B5EF4-FFF2-40B4-BE49-F238E27FC236}">
-                <a16:creationId xmlns:a16="http://schemas.microsoft.com/office/drawing/2014/main" id="{A8B868AE-B105-7547-A646-14FCDF91C2DD}"/>
-              </a:ext>
-            </a:extLst>
-          </p:cNvPr>
-          <p:cNvSpPr>
-            <a:spLocks noGrp="1"/>
-          </p:cNvSpPr>
-          <p:nvPr>
-            <p:ph type="sldNum" sz="quarter" idx="12"/>
-          </p:nvPr>
-        </p:nvSpPr>
-        <p:spPr/>
-        <p:txBody>
-          <a:bodyPr/>
-          <a:lstStyle/>
-          <a:p>
-            <a:pPr>
-              <a:defRPr/>
-            </a:pPr>
-            <a:fld id="{BD6E0F59-1DD8-40FC-9C92-B6295CBA6CCA}" type="slidenum">
-              <a:rPr lang="en-US" altLang="zh-CN" smtClean="0"/>
-              <a:pPr>
-                <a:defRPr/>
-              </a:pPr>
-              <a:t>4</a:t>
-            </a:fld>
-            <a:endParaRPr lang="en-US" altLang="zh-CN"/>
-          </a:p>
-        </p:txBody>
-      </p:sp>
-      <p:sp>
-        <p:nvSpPr>
-          <p:cNvPr id="3" name="Rectangle 2">
-            <a:extLst>
-              <a:ext uri="{FF2B5EF4-FFF2-40B4-BE49-F238E27FC236}">
-                <a16:creationId xmlns:a16="http://schemas.microsoft.com/office/drawing/2014/main" id="{6F8B51A9-F47A-FA46-BE0D-7921BDF2E8D6}"/>
-              </a:ext>
-            </a:extLst>
-          </p:cNvPr>
-          <p:cNvSpPr/>
-          <p:nvPr/>
-        </p:nvSpPr>
-        <p:spPr>
-          <a:xfrm>
-            <a:off x="202324" y="1232922"/>
-            <a:ext cx="3439354" cy="2677656"/>
-          </a:xfrm>
-          <a:prstGeom prst="rect">
-            <a:avLst/>
-          </a:prstGeom>
-        </p:spPr>
-        <p:txBody>
-          <a:bodyPr wrap="square">
-            <a:spAutoFit/>
-          </a:bodyPr>
-          <a:lstStyle/>
-          <a:p>
-            <a:r>
-              <a:rPr lang="en-US" sz="1400" b="1" dirty="0">
-                <a:solidFill>
-                  <a:srgbClr val="0070C0"/>
-                </a:solidFill>
-                <a:latin typeface="Calibri" panose="020F0502020204030204" pitchFamily="34" charset="0"/>
-                <a:cs typeface="Calibri" panose="020F0502020204030204" pitchFamily="34" charset="0"/>
-              </a:rPr>
-              <a:t>Control Code (8-bit) Flags:</a:t>
-            </a:r>
-          </a:p>
-          <a:p>
-            <a:endParaRPr lang="en-US" sz="1400" dirty="0">
-              <a:solidFill>
-                <a:schemeClr val="tx2"/>
-              </a:solidFill>
-              <a:latin typeface="Calibri" panose="020F0502020204030204" pitchFamily="34" charset="0"/>
-              <a:cs typeface="Calibri" panose="020F0502020204030204" pitchFamily="34" charset="0"/>
-            </a:endParaRPr>
-          </a:p>
-          <a:p>
-            <a:r>
-              <a:rPr lang="en-US" sz="1400" dirty="0">
-                <a:solidFill>
-                  <a:schemeClr val="tx2"/>
-                </a:solidFill>
-                <a:latin typeface="Calibri" panose="020F0502020204030204" pitchFamily="34" charset="0"/>
-                <a:cs typeface="Calibri" panose="020F0502020204030204" pitchFamily="34" charset="0"/>
-              </a:rPr>
-              <a:t>0x0: Existing (default) behavior as defined in RFC 8762.</a:t>
-            </a:r>
-          </a:p>
-          <a:p>
-            <a:endParaRPr lang="en-US" sz="1400" dirty="0">
-              <a:solidFill>
-                <a:schemeClr val="tx2"/>
-              </a:solidFill>
-              <a:latin typeface="Calibri" panose="020F0502020204030204" pitchFamily="34" charset="0"/>
-              <a:cs typeface="Calibri" panose="020F0502020204030204" pitchFamily="34" charset="0"/>
-            </a:endParaRPr>
-          </a:p>
-          <a:p>
-            <a:r>
-              <a:rPr lang="en-US" sz="1400" dirty="0">
-                <a:solidFill>
-                  <a:schemeClr val="tx2"/>
-                </a:solidFill>
-                <a:latin typeface="Calibri" panose="020F0502020204030204" pitchFamily="34" charset="0"/>
-                <a:cs typeface="Calibri" panose="020F0502020204030204" pitchFamily="34" charset="0"/>
-              </a:rPr>
-              <a:t>0x1: In-band Reply Requested.  </a:t>
-            </a:r>
-          </a:p>
-          <a:p>
-            <a:r>
-              <a:rPr lang="en-US" sz="1400" dirty="0">
-                <a:solidFill>
-                  <a:schemeClr val="tx2"/>
-                </a:solidFill>
-                <a:latin typeface="Calibri" panose="020F0502020204030204" pitchFamily="34" charset="0"/>
-                <a:cs typeface="Calibri" panose="020F0502020204030204" pitchFamily="34" charset="0"/>
-              </a:rPr>
-              <a:t>Indicates that this test packet has been sent over a bidirectional path and the reply is required in-band over the same incoming link in the reverse direction.</a:t>
-            </a:r>
-          </a:p>
-          <a:p>
-            <a:endParaRPr lang="en-US" sz="1400" dirty="0">
-              <a:solidFill>
-                <a:schemeClr val="tx2"/>
-              </a:solidFill>
-              <a:latin typeface="Calibri" panose="020F0502020204030204" pitchFamily="34" charset="0"/>
-              <a:cs typeface="Calibri" panose="020F0502020204030204" pitchFamily="34" charset="0"/>
-            </a:endParaRPr>
-          </a:p>
-          <a:p>
-            <a:r>
-              <a:rPr lang="en-US" sz="1400" dirty="0">
-                <a:solidFill>
-                  <a:schemeClr val="tx2"/>
-                </a:solidFill>
-                <a:latin typeface="Calibri" panose="020F0502020204030204" pitchFamily="34" charset="0"/>
-                <a:cs typeface="Calibri" panose="020F0502020204030204" pitchFamily="34" charset="0"/>
-              </a:rPr>
-              <a:t>0x2: No Reply Requested.</a:t>
-            </a:r>
-          </a:p>
-        </p:txBody>
-      </p:sp>
-      <p:sp>
-        <p:nvSpPr>
-          <p:cNvPr id="10" name="Rectangle 3">
-            <a:extLst>
-              <a:ext uri="{FF2B5EF4-FFF2-40B4-BE49-F238E27FC236}">
-                <a16:creationId xmlns:a16="http://schemas.microsoft.com/office/drawing/2014/main" id="{842037ED-18C8-3A4C-9963-FA517B7E84E3}"/>
-              </a:ext>
-            </a:extLst>
-          </p:cNvPr>
-          <p:cNvSpPr>
-            <a:spLocks noChangeArrowheads="1"/>
-          </p:cNvSpPr>
-          <p:nvPr/>
-        </p:nvSpPr>
-        <p:spPr bwMode="auto">
-          <a:xfrm>
-            <a:off x="3667954" y="1042452"/>
-            <a:ext cx="5214523" cy="3123932"/>
-          </a:xfrm>
-          <a:prstGeom prst="rect">
-            <a:avLst/>
-          </a:prstGeom>
-          <a:solidFill>
-            <a:schemeClr val="accent6">
-              <a:lumMod val="20000"/>
-              <a:lumOff val="80000"/>
-            </a:schemeClr>
-          </a:solidFill>
-          <a:ln>
-            <a:noFill/>
-          </a:ln>
-          <a:effectLst/>
-        </p:spPr>
-        <p:txBody>
-          <a:bodyPr vert="horz" wrap="square" lIns="91440" tIns="45720" rIns="91440" bIns="0" numCol="1" anchor="ctr" anchorCtr="0" compatLnSpc="1">
-            <a:prstTxWarp prst="textNoShape">
-              <a:avLst/>
-            </a:prstTxWarp>
-            <a:spAutoFit/>
-          </a:bodyPr>
-          <a:lstStyle>
-            <a:lvl1pPr eaLnBrk="0" hangingPunct="0">
-              <a:tabLst>
-                <a:tab pos="581025" algn="l"/>
-                <a:tab pos="1163638" algn="l"/>
-                <a:tab pos="1744663" algn="l"/>
-                <a:tab pos="2327275" algn="l"/>
-                <a:tab pos="2908300" algn="l"/>
-                <a:tab pos="3489325" algn="l"/>
-                <a:tab pos="4071938" algn="l"/>
-                <a:tab pos="4652963" algn="l"/>
-                <a:tab pos="5235575" algn="l"/>
-                <a:tab pos="5816600" algn="l"/>
-                <a:tab pos="6397625" algn="l"/>
-                <a:tab pos="6980238" algn="l"/>
-                <a:tab pos="7561263" algn="l"/>
-                <a:tab pos="8143875" algn="l"/>
-                <a:tab pos="8724900" algn="l"/>
-                <a:tab pos="9305925" algn="l"/>
-              </a:tabLst>
-              <a:defRPr>
-                <a:solidFill>
-                  <a:schemeClr val="tx1"/>
-                </a:solidFill>
-                <a:latin typeface="Arial" panose="020B0604020202020204" pitchFamily="34" charset="0"/>
-              </a:defRPr>
-            </a:lvl1pPr>
-            <a:lvl2pPr eaLnBrk="0" hangingPunct="0">
-              <a:tabLst>
-                <a:tab pos="581025" algn="l"/>
-                <a:tab pos="1163638" algn="l"/>
-                <a:tab pos="1744663" algn="l"/>
-                <a:tab pos="2327275" algn="l"/>
-                <a:tab pos="2908300" algn="l"/>
-                <a:tab pos="3489325" algn="l"/>
-                <a:tab pos="4071938" algn="l"/>
-                <a:tab pos="4652963" algn="l"/>
-                <a:tab pos="5235575" algn="l"/>
-                <a:tab pos="5816600" algn="l"/>
-                <a:tab pos="6397625" algn="l"/>
-                <a:tab pos="6980238" algn="l"/>
-                <a:tab pos="7561263" algn="l"/>
-                <a:tab pos="8143875" algn="l"/>
-                <a:tab pos="8724900" algn="l"/>
-                <a:tab pos="9305925" algn="l"/>
-              </a:tabLst>
-              <a:defRPr>
-                <a:solidFill>
-                  <a:schemeClr val="tx1"/>
-                </a:solidFill>
-                <a:latin typeface="Arial" panose="020B0604020202020204" pitchFamily="34" charset="0"/>
-              </a:defRPr>
-            </a:lvl2pPr>
-            <a:lvl3pPr eaLnBrk="0" hangingPunct="0">
-              <a:tabLst>
-                <a:tab pos="581025" algn="l"/>
-                <a:tab pos="1163638" algn="l"/>
-                <a:tab pos="1744663" algn="l"/>
-                <a:tab pos="2327275" algn="l"/>
-                <a:tab pos="2908300" algn="l"/>
-                <a:tab pos="3489325" algn="l"/>
-                <a:tab pos="4071938" algn="l"/>
-                <a:tab pos="4652963" algn="l"/>
-                <a:tab pos="5235575" algn="l"/>
-                <a:tab pos="5816600" algn="l"/>
-                <a:tab pos="6397625" algn="l"/>
-                <a:tab pos="6980238" algn="l"/>
-                <a:tab pos="7561263" algn="l"/>
-                <a:tab pos="8143875" algn="l"/>
-                <a:tab pos="8724900" algn="l"/>
-                <a:tab pos="9305925" algn="l"/>
-              </a:tabLst>
-              <a:defRPr>
-                <a:solidFill>
-                  <a:schemeClr val="tx1"/>
-                </a:solidFill>
-                <a:latin typeface="Arial" panose="020B0604020202020204" pitchFamily="34" charset="0"/>
-              </a:defRPr>
-            </a:lvl3pPr>
-            <a:lvl4pPr eaLnBrk="0" hangingPunct="0">
-              <a:tabLst>
-                <a:tab pos="581025" algn="l"/>
-                <a:tab pos="1163638" algn="l"/>
-                <a:tab pos="1744663" algn="l"/>
-                <a:tab pos="2327275" algn="l"/>
-                <a:tab pos="2908300" algn="l"/>
-                <a:tab pos="3489325" algn="l"/>
-                <a:tab pos="4071938" algn="l"/>
-                <a:tab pos="4652963" algn="l"/>
-                <a:tab pos="5235575" algn="l"/>
-                <a:tab pos="5816600" algn="l"/>
-                <a:tab pos="6397625" algn="l"/>
-                <a:tab pos="6980238" algn="l"/>
-                <a:tab pos="7561263" algn="l"/>
-                <a:tab pos="8143875" algn="l"/>
-                <a:tab pos="8724900" algn="l"/>
-                <a:tab pos="9305925" algn="l"/>
-              </a:tabLst>
-              <a:defRPr>
-                <a:solidFill>
-                  <a:schemeClr val="tx1"/>
-                </a:solidFill>
-                <a:latin typeface="Arial" panose="020B0604020202020204" pitchFamily="34" charset="0"/>
-              </a:defRPr>
-            </a:lvl4pPr>
-            <a:lvl5pPr eaLnBrk="0" hangingPunct="0">
-              <a:tabLst>
-                <a:tab pos="581025" algn="l"/>
-                <a:tab pos="1163638" algn="l"/>
-                <a:tab pos="1744663" algn="l"/>
-                <a:tab pos="2327275" algn="l"/>
-                <a:tab pos="2908300" algn="l"/>
-                <a:tab pos="3489325" algn="l"/>
-                <a:tab pos="4071938" algn="l"/>
-                <a:tab pos="4652963" algn="l"/>
-                <a:tab pos="5235575" algn="l"/>
-                <a:tab pos="5816600" algn="l"/>
-                <a:tab pos="6397625" algn="l"/>
-                <a:tab pos="6980238" algn="l"/>
-                <a:tab pos="7561263" algn="l"/>
-                <a:tab pos="8143875" algn="l"/>
-                <a:tab pos="8724900" algn="l"/>
-                <a:tab pos="9305925" algn="l"/>
-              </a:tabLst>
-              <a:defRPr>
-                <a:solidFill>
-                  <a:schemeClr val="tx1"/>
-                </a:solidFill>
-                <a:latin typeface="Arial" panose="020B0604020202020204" pitchFamily="34" charset="0"/>
-              </a:defRPr>
-            </a:lvl5pPr>
-            <a:lvl6pPr eaLnBrk="0" fontAlgn="base" hangingPunct="0">
-              <a:spcBef>
-                <a:spcPct val="0"/>
-              </a:spcBef>
-              <a:spcAft>
-                <a:spcPct val="0"/>
-              </a:spcAft>
-              <a:tabLst>
-                <a:tab pos="581025" algn="l"/>
-                <a:tab pos="1163638" algn="l"/>
-                <a:tab pos="1744663" algn="l"/>
-                <a:tab pos="2327275" algn="l"/>
-                <a:tab pos="2908300" algn="l"/>
-                <a:tab pos="3489325" algn="l"/>
-                <a:tab pos="4071938" algn="l"/>
-                <a:tab pos="4652963" algn="l"/>
-                <a:tab pos="5235575" algn="l"/>
-                <a:tab pos="5816600" algn="l"/>
-                <a:tab pos="6397625" algn="l"/>
-                <a:tab pos="6980238" algn="l"/>
-                <a:tab pos="7561263" algn="l"/>
-                <a:tab pos="8143875" algn="l"/>
-                <a:tab pos="8724900" algn="l"/>
-                <a:tab pos="9305925" algn="l"/>
-              </a:tabLst>
-              <a:defRPr>
-                <a:solidFill>
-                  <a:schemeClr val="tx1"/>
-                </a:solidFill>
-                <a:latin typeface="Arial" panose="020B0604020202020204" pitchFamily="34" charset="0"/>
-              </a:defRPr>
-            </a:lvl6pPr>
-            <a:lvl7pPr eaLnBrk="0" fontAlgn="base" hangingPunct="0">
-              <a:spcBef>
-                <a:spcPct val="0"/>
-              </a:spcBef>
-              <a:spcAft>
-                <a:spcPct val="0"/>
-              </a:spcAft>
-              <a:tabLst>
-                <a:tab pos="581025" algn="l"/>
-                <a:tab pos="1163638" algn="l"/>
-                <a:tab pos="1744663" algn="l"/>
-                <a:tab pos="2327275" algn="l"/>
-                <a:tab pos="2908300" algn="l"/>
-                <a:tab pos="3489325" algn="l"/>
-                <a:tab pos="4071938" algn="l"/>
-                <a:tab pos="4652963" algn="l"/>
-                <a:tab pos="5235575" algn="l"/>
-                <a:tab pos="5816600" algn="l"/>
-                <a:tab pos="6397625" algn="l"/>
-                <a:tab pos="6980238" algn="l"/>
-                <a:tab pos="7561263" algn="l"/>
-                <a:tab pos="8143875" algn="l"/>
-                <a:tab pos="8724900" algn="l"/>
-                <a:tab pos="9305925" algn="l"/>
-              </a:tabLst>
-              <a:defRPr>
-                <a:solidFill>
-                  <a:schemeClr val="tx1"/>
-                </a:solidFill>
-                <a:latin typeface="Arial" panose="020B0604020202020204" pitchFamily="34" charset="0"/>
-              </a:defRPr>
-            </a:lvl7pPr>
-            <a:lvl8pPr eaLnBrk="0" fontAlgn="base" hangingPunct="0">
-              <a:spcBef>
-                <a:spcPct val="0"/>
-              </a:spcBef>
-              <a:spcAft>
-                <a:spcPct val="0"/>
-              </a:spcAft>
-              <a:tabLst>
-                <a:tab pos="581025" algn="l"/>
-                <a:tab pos="1163638" algn="l"/>
-                <a:tab pos="1744663" algn="l"/>
-                <a:tab pos="2327275" algn="l"/>
-                <a:tab pos="2908300" algn="l"/>
-                <a:tab pos="3489325" algn="l"/>
-                <a:tab pos="4071938" algn="l"/>
-                <a:tab pos="4652963" algn="l"/>
-                <a:tab pos="5235575" algn="l"/>
-                <a:tab pos="5816600" algn="l"/>
-                <a:tab pos="6397625" algn="l"/>
-                <a:tab pos="6980238" algn="l"/>
-                <a:tab pos="7561263" algn="l"/>
-                <a:tab pos="8143875" algn="l"/>
-                <a:tab pos="8724900" algn="l"/>
-                <a:tab pos="9305925" algn="l"/>
-              </a:tabLst>
-              <a:defRPr>
-                <a:solidFill>
-                  <a:schemeClr val="tx1"/>
-                </a:solidFill>
-                <a:latin typeface="Arial" panose="020B0604020202020204" pitchFamily="34" charset="0"/>
-              </a:defRPr>
-            </a:lvl8pPr>
-            <a:lvl9pPr eaLnBrk="0" fontAlgn="base" hangingPunct="0">
-              <a:spcBef>
-                <a:spcPct val="0"/>
-              </a:spcBef>
-              <a:spcAft>
-                <a:spcPct val="0"/>
-              </a:spcAft>
-              <a:tabLst>
-                <a:tab pos="581025" algn="l"/>
-                <a:tab pos="1163638" algn="l"/>
-                <a:tab pos="1744663" algn="l"/>
-                <a:tab pos="2327275" algn="l"/>
-                <a:tab pos="2908300" algn="l"/>
-                <a:tab pos="3489325" algn="l"/>
-                <a:tab pos="4071938" algn="l"/>
-                <a:tab pos="4652963" algn="l"/>
-                <a:tab pos="5235575" algn="l"/>
-                <a:tab pos="5816600" algn="l"/>
-                <a:tab pos="6397625" algn="l"/>
-                <a:tab pos="6980238" algn="l"/>
-                <a:tab pos="7561263" algn="l"/>
-                <a:tab pos="8143875" algn="l"/>
-                <a:tab pos="8724900" algn="l"/>
-                <a:tab pos="9305925" algn="l"/>
-              </a:tabLst>
-              <a:defRPr>
-                <a:solidFill>
-                  <a:schemeClr val="tx1"/>
-                </a:solidFill>
-                <a:latin typeface="Arial" panose="020B0604020202020204" pitchFamily="34" charset="0"/>
-              </a:defRPr>
-            </a:lvl9pPr>
-          </a:lstStyle>
-          <a:p>
-            <a:pPr marL="0" marR="0" lvl="0" indent="0" algn="l" defTabSz="914400" rtl="0" eaLnBrk="0" fontAlgn="base" latinLnBrk="0" hangingPunct="0">
-              <a:lnSpc>
-                <a:spcPct val="100000"/>
-              </a:lnSpc>
-              <a:spcBef>
-                <a:spcPct val="0"/>
-              </a:spcBef>
-              <a:spcAft>
-                <a:spcPct val="0"/>
-              </a:spcAft>
-              <a:buClrTx/>
-              <a:buSzTx/>
-              <a:buFontTx/>
-              <a:buNone/>
-              <a:tabLst>
-                <a:tab pos="581025" algn="l"/>
-                <a:tab pos="1163638" algn="l"/>
-                <a:tab pos="1744663" algn="l"/>
-                <a:tab pos="2327275" algn="l"/>
-                <a:tab pos="2908300" algn="l"/>
-                <a:tab pos="3489325" algn="l"/>
-                <a:tab pos="4071938" algn="l"/>
-                <a:tab pos="4652963" algn="l"/>
-                <a:tab pos="5235575" algn="l"/>
-                <a:tab pos="5816600" algn="l"/>
-                <a:tab pos="6397625" algn="l"/>
-                <a:tab pos="6980238" algn="l"/>
-                <a:tab pos="7561263" algn="l"/>
-                <a:tab pos="8143875" algn="l"/>
-                <a:tab pos="8724900" algn="l"/>
-                <a:tab pos="9305925" algn="l"/>
-              </a:tabLst>
-            </a:pPr>
-            <a:r>
-              <a:rPr lang="en-US" altLang="en-US" sz="1000" dirty="0">
-                <a:latin typeface="Courier" pitchFamily="2" charset="0"/>
-                <a:ea typeface="Times New Roman" panose="02020603050405020304" pitchFamily="18" charset="0"/>
-              </a:rPr>
-              <a:t>0 </a:t>
-            </a:r>
-            <a:r>
-              <a:rPr kumimoji="0" lang="en-US" altLang="en-US" sz="1000" u="none" strike="noStrike" cap="none" normalizeH="0" baseline="0" dirty="0">
-                <a:ln>
-                  <a:noFill/>
-                </a:ln>
-                <a:solidFill>
-                  <a:schemeClr val="tx1"/>
-                </a:solidFill>
-                <a:effectLst/>
-                <a:latin typeface="Courier" pitchFamily="2" charset="0"/>
-                <a:ea typeface="Times New Roman" panose="02020603050405020304" pitchFamily="18" charset="0"/>
-              </a:rPr>
-              <a:t>1 2 3 4 5 6 7 8 9 0 1 2 3 4 5 6 7 8 9 0 1 2 3 4 5 6 7 8 9 0 1  </a:t>
-            </a:r>
-          </a:p>
-          <a:p>
-            <a:pPr marL="0" marR="0" lvl="0" indent="0" algn="l" defTabSz="914400" rtl="0" eaLnBrk="0" fontAlgn="base" latinLnBrk="0" hangingPunct="0">
-              <a:lnSpc>
-                <a:spcPct val="100000"/>
-              </a:lnSpc>
-              <a:spcBef>
-                <a:spcPct val="0"/>
-              </a:spcBef>
-              <a:spcAft>
-                <a:spcPct val="0"/>
-              </a:spcAft>
-              <a:buClrTx/>
-              <a:buSzTx/>
-              <a:buFontTx/>
-              <a:buNone/>
-              <a:tabLst>
-                <a:tab pos="581025" algn="l"/>
-                <a:tab pos="1163638" algn="l"/>
-                <a:tab pos="1744663" algn="l"/>
-                <a:tab pos="2327275" algn="l"/>
-                <a:tab pos="2908300" algn="l"/>
-                <a:tab pos="3489325" algn="l"/>
-                <a:tab pos="4071938" algn="l"/>
-                <a:tab pos="4652963" algn="l"/>
-                <a:tab pos="5235575" algn="l"/>
-                <a:tab pos="5816600" algn="l"/>
-                <a:tab pos="6397625" algn="l"/>
-                <a:tab pos="6980238" algn="l"/>
-                <a:tab pos="7561263" algn="l"/>
-                <a:tab pos="8143875" algn="l"/>
-                <a:tab pos="8724900" algn="l"/>
-                <a:tab pos="9305925" algn="l"/>
-              </a:tabLst>
-            </a:pPr>
-            <a:r>
-              <a:rPr kumimoji="0" lang="en-US" altLang="en-US" sz="1000" u="none" strike="noStrike" cap="none" normalizeH="0" baseline="0" dirty="0">
-                <a:ln>
-                  <a:noFill/>
-                </a:ln>
-                <a:solidFill>
-                  <a:schemeClr val="tx1"/>
-                </a:solidFill>
-                <a:effectLst/>
-                <a:latin typeface="Courier" pitchFamily="2" charset="0"/>
-                <a:ea typeface="Times New Roman" panose="02020603050405020304" pitchFamily="18" charset="0"/>
-              </a:rPr>
-              <a:t>+-+-+-+-+-+-+-+-+-+-+-+-+-+-+-+-+-+-+-+-+-+-+-+-+-+-+-+-+-+-+-+-+ |                        Sequence Number                        | +-+-+-+-+-+-+-+-+-+-+-+-+-+-+-+-+-+-+-+-+-+-+-+-+-+-+-+-+-+-+-+-+ |                        Timestamp                              | |                                                               | +-+-+-+-+-+-+-+-+-+-+-+-+-+-+-+-+-+-+-+-+-+-+-+-+-+-+-+-+-+-+-+-+</a:t>
-            </a:r>
-            <a:endParaRPr kumimoji="0" lang="en-US" altLang="en-US" sz="1000" u="none" strike="noStrike" cap="none" normalizeH="0" baseline="0" dirty="0">
-              <a:ln>
-                <a:noFill/>
-              </a:ln>
-              <a:solidFill>
-                <a:schemeClr val="tx1"/>
-              </a:solidFill>
-              <a:effectLst/>
-              <a:latin typeface="Courier" pitchFamily="2" charset="0"/>
-            </a:endParaRPr>
-          </a:p>
-          <a:p>
-            <a:pPr marL="0" marR="0" lvl="0" indent="0" algn="l" defTabSz="914400" rtl="0" eaLnBrk="0" fontAlgn="base" latinLnBrk="0" hangingPunct="0">
-              <a:lnSpc>
-                <a:spcPct val="100000"/>
-              </a:lnSpc>
-              <a:spcBef>
-                <a:spcPct val="0"/>
-              </a:spcBef>
-              <a:spcAft>
-                <a:spcPct val="0"/>
-              </a:spcAft>
-              <a:buClrTx/>
-              <a:buSzTx/>
-              <a:buFontTx/>
-              <a:buNone/>
-              <a:tabLst>
-                <a:tab pos="581025" algn="l"/>
-                <a:tab pos="1163638" algn="l"/>
-                <a:tab pos="1744663" algn="l"/>
-                <a:tab pos="2327275" algn="l"/>
-                <a:tab pos="2908300" algn="l"/>
-                <a:tab pos="3489325" algn="l"/>
-                <a:tab pos="4071938" algn="l"/>
-                <a:tab pos="4652963" algn="l"/>
-                <a:tab pos="5235575" algn="l"/>
-                <a:tab pos="5816600" algn="l"/>
-                <a:tab pos="6397625" algn="l"/>
-                <a:tab pos="6980238" algn="l"/>
-                <a:tab pos="7561263" algn="l"/>
-                <a:tab pos="8143875" algn="l"/>
-                <a:tab pos="8724900" algn="l"/>
-                <a:tab pos="9305925" algn="l"/>
-              </a:tabLst>
-            </a:pPr>
-            <a:r>
-              <a:rPr kumimoji="0" lang="en-US" altLang="en-US" sz="1000" u="none" strike="noStrike" cap="none" normalizeH="0" baseline="0" dirty="0">
-                <a:ln>
-                  <a:noFill/>
-                </a:ln>
-                <a:solidFill>
-                  <a:schemeClr val="tx1"/>
-                </a:solidFill>
-                <a:effectLst/>
-                <a:latin typeface="Courier" pitchFamily="2" charset="0"/>
-                <a:ea typeface="Times New Roman" panose="02020603050405020304" pitchFamily="18" charset="0"/>
-                <a:cs typeface="Times New Roman" panose="02020603050405020304" pitchFamily="18" charset="0"/>
-              </a:rPr>
-              <a:t>|         Error Estimate        |            SSID               |</a:t>
-            </a:r>
-            <a:endParaRPr kumimoji="0" lang="en-US" altLang="en-US" sz="1000" u="none" strike="noStrike" cap="none" normalizeH="0" baseline="0" dirty="0">
-              <a:ln>
-                <a:noFill/>
-              </a:ln>
-              <a:solidFill>
-                <a:schemeClr val="tx1"/>
-              </a:solidFill>
-              <a:effectLst/>
-              <a:latin typeface="Courier" pitchFamily="2" charset="0"/>
-            </a:endParaRPr>
-          </a:p>
-          <a:p>
-            <a:pPr marL="0" marR="0" lvl="0" indent="0" algn="l" defTabSz="914400" rtl="0" eaLnBrk="0" fontAlgn="base" latinLnBrk="0" hangingPunct="0">
-              <a:lnSpc>
-                <a:spcPct val="100000"/>
-              </a:lnSpc>
-              <a:spcBef>
-                <a:spcPct val="0"/>
-              </a:spcBef>
-              <a:spcAft>
-                <a:spcPct val="0"/>
-              </a:spcAft>
-              <a:buClrTx/>
-              <a:buSzTx/>
-              <a:buFontTx/>
-              <a:buNone/>
-              <a:tabLst>
-                <a:tab pos="581025" algn="l"/>
-                <a:tab pos="1163638" algn="l"/>
-                <a:tab pos="1744663" algn="l"/>
-                <a:tab pos="2327275" algn="l"/>
-                <a:tab pos="2908300" algn="l"/>
-                <a:tab pos="3489325" algn="l"/>
-                <a:tab pos="4071938" algn="l"/>
-                <a:tab pos="4652963" algn="l"/>
-                <a:tab pos="5235575" algn="l"/>
-                <a:tab pos="5816600" algn="l"/>
-                <a:tab pos="6397625" algn="l"/>
-                <a:tab pos="6980238" algn="l"/>
-                <a:tab pos="7561263" algn="l"/>
-                <a:tab pos="8143875" algn="l"/>
-                <a:tab pos="8724900" algn="l"/>
-                <a:tab pos="9305925" algn="l"/>
-              </a:tabLst>
-            </a:pPr>
-            <a:r>
-              <a:rPr kumimoji="0" lang="en-US" altLang="en-US" sz="1000" u="none" strike="noStrike" cap="none" normalizeH="0" baseline="0" dirty="0">
-                <a:ln>
-                  <a:noFill/>
-                </a:ln>
-                <a:solidFill>
-                  <a:schemeClr val="tx1"/>
-                </a:solidFill>
-                <a:effectLst/>
-                <a:latin typeface="Courier" pitchFamily="2" charset="0"/>
-                <a:ea typeface="Times New Roman" panose="02020603050405020304" pitchFamily="18" charset="0"/>
-                <a:cs typeface="Times New Roman" panose="02020603050405020304" pitchFamily="18" charset="0"/>
-              </a:rPr>
-              <a:t>+-+-+-+-+-+-+-+-+-+-+-+-+-+-+-+-+-+-+-+-+-+-+-+-+-+-+-+-+-+-+-+-+</a:t>
-            </a:r>
-            <a:endParaRPr kumimoji="0" lang="en-US" altLang="en-US" sz="1000" u="none" strike="noStrike" cap="none" normalizeH="0" baseline="0" dirty="0">
-              <a:ln>
-                <a:noFill/>
-              </a:ln>
-              <a:solidFill>
-                <a:schemeClr val="tx1"/>
-              </a:solidFill>
-              <a:effectLst/>
-              <a:latin typeface="Courier" pitchFamily="2" charset="0"/>
-            </a:endParaRPr>
-          </a:p>
-          <a:p>
-            <a:pPr marL="0" marR="0" lvl="0" indent="0" algn="l" defTabSz="914400" rtl="0" eaLnBrk="0" fontAlgn="base" latinLnBrk="0" hangingPunct="0">
-              <a:lnSpc>
-                <a:spcPct val="100000"/>
-              </a:lnSpc>
-              <a:spcBef>
-                <a:spcPct val="0"/>
-              </a:spcBef>
-              <a:spcAft>
-                <a:spcPct val="0"/>
-              </a:spcAft>
-              <a:buClrTx/>
-              <a:buSzTx/>
-              <a:buFontTx/>
-              <a:buNone/>
-              <a:tabLst>
-                <a:tab pos="581025" algn="l"/>
-                <a:tab pos="1163638" algn="l"/>
-                <a:tab pos="1744663" algn="l"/>
-                <a:tab pos="2327275" algn="l"/>
-                <a:tab pos="2908300" algn="l"/>
-                <a:tab pos="3489325" algn="l"/>
-                <a:tab pos="4071938" algn="l"/>
-                <a:tab pos="4652963" algn="l"/>
-                <a:tab pos="5235575" algn="l"/>
-                <a:tab pos="5816600" algn="l"/>
-                <a:tab pos="6397625" algn="l"/>
-                <a:tab pos="6980238" algn="l"/>
-                <a:tab pos="7561263" algn="l"/>
-                <a:tab pos="8143875" algn="l"/>
-                <a:tab pos="8724900" algn="l"/>
-                <a:tab pos="9305925" algn="l"/>
-              </a:tabLst>
-            </a:pPr>
-            <a:r>
-              <a:rPr kumimoji="0" lang="en-US" altLang="en-US" sz="1000" u="none" strike="noStrike" cap="none" normalizeH="0" baseline="0" dirty="0">
-                <a:ln>
-                  <a:noFill/>
-                </a:ln>
-                <a:solidFill>
-                  <a:schemeClr val="tx1"/>
-                </a:solidFill>
-                <a:effectLst/>
-                <a:latin typeface="Courier" pitchFamily="2" charset="0"/>
-                <a:ea typeface="Times New Roman" panose="02020603050405020304" pitchFamily="18" charset="0"/>
-                <a:cs typeface="Times New Roman" panose="02020603050405020304" pitchFamily="18" charset="0"/>
-              </a:rPr>
-              <a:t>|         MBZ                                   |</a:t>
-            </a:r>
-            <a:r>
-              <a:rPr kumimoji="0" lang="en-US" altLang="en-US" sz="1000" b="1" u="none" strike="noStrike" cap="none" normalizeH="0" baseline="0" dirty="0">
-                <a:ln>
-                  <a:noFill/>
-                </a:ln>
-                <a:solidFill>
-                  <a:srgbClr val="0070C0"/>
-                </a:solidFill>
-                <a:effectLst/>
-                <a:latin typeface="Courier" pitchFamily="2" charset="0"/>
-                <a:ea typeface="Times New Roman" panose="02020603050405020304" pitchFamily="18" charset="0"/>
-                <a:cs typeface="Times New Roman" panose="02020603050405020304" pitchFamily="18" charset="0"/>
-              </a:rPr>
-              <a:t> Control Code  </a:t>
-            </a:r>
-            <a:r>
-              <a:rPr kumimoji="0" lang="en-US" altLang="en-US" sz="1000" u="none" strike="noStrike" cap="none" normalizeH="0" baseline="0" dirty="0">
-                <a:ln>
-                  <a:noFill/>
-                </a:ln>
-                <a:solidFill>
-                  <a:schemeClr val="tx1"/>
-                </a:solidFill>
-                <a:effectLst/>
-                <a:latin typeface="Courier" pitchFamily="2" charset="0"/>
-                <a:ea typeface="Times New Roman" panose="02020603050405020304" pitchFamily="18" charset="0"/>
-                <a:cs typeface="Times New Roman" panose="02020603050405020304" pitchFamily="18" charset="0"/>
-              </a:rPr>
-              <a:t>|</a:t>
-            </a:r>
-            <a:endParaRPr kumimoji="0" lang="en-US" altLang="en-US" sz="1000" u="none" strike="noStrike" cap="none" normalizeH="0" baseline="0" dirty="0">
-              <a:ln>
-                <a:noFill/>
-              </a:ln>
-              <a:solidFill>
-                <a:schemeClr val="tx1"/>
-              </a:solidFill>
-              <a:effectLst/>
-              <a:latin typeface="Courier" pitchFamily="2" charset="0"/>
-            </a:endParaRPr>
-          </a:p>
-          <a:p>
-            <a:pPr marL="0" marR="0" lvl="0" indent="0" algn="l" defTabSz="914400" rtl="0" eaLnBrk="0" fontAlgn="base" latinLnBrk="0" hangingPunct="0">
-              <a:lnSpc>
-                <a:spcPct val="100000"/>
-              </a:lnSpc>
-              <a:spcBef>
-                <a:spcPct val="0"/>
-              </a:spcBef>
-              <a:spcAft>
-                <a:spcPct val="0"/>
-              </a:spcAft>
-              <a:buClrTx/>
-              <a:buSzTx/>
-              <a:buFontTx/>
-              <a:buNone/>
-              <a:tabLst>
-                <a:tab pos="581025" algn="l"/>
-                <a:tab pos="1163638" algn="l"/>
-                <a:tab pos="1744663" algn="l"/>
-                <a:tab pos="2327275" algn="l"/>
-                <a:tab pos="2908300" algn="l"/>
-                <a:tab pos="3489325" algn="l"/>
-                <a:tab pos="4071938" algn="l"/>
-                <a:tab pos="4652963" algn="l"/>
-                <a:tab pos="5235575" algn="l"/>
-                <a:tab pos="5816600" algn="l"/>
-                <a:tab pos="6397625" algn="l"/>
-                <a:tab pos="6980238" algn="l"/>
-                <a:tab pos="7561263" algn="l"/>
-                <a:tab pos="8143875" algn="l"/>
-                <a:tab pos="8724900" algn="l"/>
-                <a:tab pos="9305925" algn="l"/>
-              </a:tabLst>
-            </a:pPr>
-            <a:r>
-              <a:rPr kumimoji="0" lang="en-US" altLang="en-US" sz="1000" u="none" strike="noStrike" cap="none" normalizeH="0" baseline="0" dirty="0">
-                <a:ln>
-                  <a:noFill/>
-                </a:ln>
-                <a:solidFill>
-                  <a:schemeClr val="tx1"/>
-                </a:solidFill>
-                <a:effectLst/>
-                <a:latin typeface="Courier" pitchFamily="2" charset="0"/>
-                <a:ea typeface="Times New Roman" panose="02020603050405020304" pitchFamily="18" charset="0"/>
-                <a:cs typeface="Times New Roman" panose="02020603050405020304" pitchFamily="18" charset="0"/>
-              </a:rPr>
-              <a:t>+-+-+-+-+-+-+-+-+-+-+-+-+-+-+-+-+-+-+-+-+-+-+-+-+-+-+-+-+-+-+-+-+</a:t>
-            </a:r>
-            <a:endParaRPr kumimoji="0" lang="en-US" altLang="en-US" sz="1000" u="none" strike="noStrike" cap="none" normalizeH="0" baseline="0" dirty="0">
-              <a:ln>
-                <a:noFill/>
-              </a:ln>
-              <a:solidFill>
-                <a:schemeClr val="tx1"/>
-              </a:solidFill>
-              <a:effectLst/>
-              <a:latin typeface="Courier" pitchFamily="2" charset="0"/>
-              <a:ea typeface="Times New Roman" panose="02020603050405020304" pitchFamily="18" charset="0"/>
-            </a:endParaRPr>
-          </a:p>
-          <a:p>
-            <a:pPr marL="0" marR="0" lvl="0" indent="0" algn="l" defTabSz="914400" rtl="0" eaLnBrk="0" fontAlgn="base" latinLnBrk="0" hangingPunct="0">
-              <a:lnSpc>
-                <a:spcPct val="100000"/>
-              </a:lnSpc>
-              <a:spcBef>
-                <a:spcPct val="0"/>
-              </a:spcBef>
-              <a:spcAft>
-                <a:spcPct val="0"/>
-              </a:spcAft>
-              <a:buClrTx/>
-              <a:buSzTx/>
-              <a:buFontTx/>
-              <a:buNone/>
-              <a:tabLst>
-                <a:tab pos="581025" algn="l"/>
-                <a:tab pos="1163638" algn="l"/>
-                <a:tab pos="1744663" algn="l"/>
-                <a:tab pos="2327275" algn="l"/>
-                <a:tab pos="2908300" algn="l"/>
-                <a:tab pos="3489325" algn="l"/>
-                <a:tab pos="4071938" algn="l"/>
-                <a:tab pos="4652963" algn="l"/>
-                <a:tab pos="5235575" algn="l"/>
-                <a:tab pos="5816600" algn="l"/>
-                <a:tab pos="6397625" algn="l"/>
-                <a:tab pos="6980238" algn="l"/>
-                <a:tab pos="7561263" algn="l"/>
-                <a:tab pos="8143875" algn="l"/>
-                <a:tab pos="8724900" algn="l"/>
-                <a:tab pos="9305925" algn="l"/>
-              </a:tabLst>
-            </a:pPr>
-            <a:r>
-              <a:rPr lang="en-US" altLang="en-US" sz="1000" dirty="0">
-                <a:latin typeface="Courier" pitchFamily="2" charset="0"/>
-                <a:ea typeface="Times New Roman" panose="02020603050405020304" pitchFamily="18" charset="0"/>
-              </a:rPr>
-              <a:t>|                                                               |</a:t>
-            </a:r>
-            <a:endParaRPr kumimoji="0" lang="en-US" altLang="en-US" sz="1000" u="none" strike="noStrike" cap="none" normalizeH="0" baseline="0" dirty="0">
-              <a:ln>
-                <a:noFill/>
-              </a:ln>
-              <a:solidFill>
-                <a:schemeClr val="tx1"/>
-              </a:solidFill>
-              <a:effectLst/>
-              <a:latin typeface="Courier" pitchFamily="2" charset="0"/>
-              <a:ea typeface="Times New Roman" panose="02020603050405020304" pitchFamily="18" charset="0"/>
-            </a:endParaRPr>
-          </a:p>
-          <a:p>
-            <a:r>
-              <a:rPr lang="en-US" altLang="en-US" sz="1000" dirty="0">
-                <a:latin typeface="Courier" pitchFamily="2" charset="0"/>
-                <a:ea typeface="Times New Roman" panose="02020603050405020304" pitchFamily="18" charset="0"/>
-              </a:rPr>
-              <a:t>|                        MBZ  (24 octets)                       |</a:t>
-            </a:r>
-          </a:p>
-          <a:p>
-            <a:r>
-              <a:rPr lang="en-US" altLang="en-US" sz="1000" dirty="0">
-                <a:latin typeface="Courier" pitchFamily="2" charset="0"/>
-                <a:ea typeface="Times New Roman" panose="02020603050405020304" pitchFamily="18" charset="0"/>
-              </a:rPr>
-              <a:t>|                                                               |</a:t>
-            </a:r>
-          </a:p>
-          <a:p>
-            <a:r>
-              <a:rPr lang="en-US" altLang="en-US" sz="1000" dirty="0">
-                <a:latin typeface="Courier" pitchFamily="2" charset="0"/>
-                <a:ea typeface="Times New Roman" panose="02020603050405020304" pitchFamily="18" charset="0"/>
-              </a:rPr>
-              <a:t>|                                                               |</a:t>
-            </a:r>
-          </a:p>
-          <a:p>
-            <a:r>
-              <a:rPr lang="en-US" altLang="en-US" sz="1000" dirty="0">
-                <a:latin typeface="Courier" pitchFamily="2" charset="0"/>
-                <a:ea typeface="Times New Roman" panose="02020603050405020304" pitchFamily="18" charset="0"/>
-              </a:rPr>
-              <a:t>|                                                               |</a:t>
-            </a:r>
-          </a:p>
-          <a:p>
-            <a:r>
-              <a:rPr lang="en-US" altLang="en-US" sz="1000" dirty="0">
-                <a:latin typeface="Courier" pitchFamily="2" charset="0"/>
-                <a:ea typeface="Times New Roman" panose="02020603050405020304" pitchFamily="18" charset="0"/>
-              </a:rPr>
-              <a:t>|                                                               |</a:t>
-            </a:r>
-          </a:p>
-          <a:p>
-            <a:pPr marL="0" marR="0" lvl="0" indent="0" algn="l" defTabSz="914400" rtl="0" eaLnBrk="0" fontAlgn="base" latinLnBrk="0" hangingPunct="0">
-              <a:lnSpc>
-                <a:spcPct val="100000"/>
-              </a:lnSpc>
-              <a:spcBef>
-                <a:spcPct val="0"/>
-              </a:spcBef>
-              <a:spcAft>
-                <a:spcPct val="0"/>
-              </a:spcAft>
-              <a:buClrTx/>
-              <a:buSzTx/>
-              <a:buFontTx/>
-              <a:buNone/>
-              <a:tabLst>
-                <a:tab pos="581025" algn="l"/>
-                <a:tab pos="1163638" algn="l"/>
-                <a:tab pos="1744663" algn="l"/>
-                <a:tab pos="2327275" algn="l"/>
-                <a:tab pos="2908300" algn="l"/>
-                <a:tab pos="3489325" algn="l"/>
-                <a:tab pos="4071938" algn="l"/>
-                <a:tab pos="4652963" algn="l"/>
-                <a:tab pos="5235575" algn="l"/>
-                <a:tab pos="5816600" algn="l"/>
-                <a:tab pos="6397625" algn="l"/>
-                <a:tab pos="6980238" algn="l"/>
-                <a:tab pos="7561263" algn="l"/>
-                <a:tab pos="8143875" algn="l"/>
-                <a:tab pos="8724900" algn="l"/>
-                <a:tab pos="9305925" algn="l"/>
-              </a:tabLst>
-            </a:pPr>
-            <a:r>
-              <a:rPr kumimoji="0" lang="en-US" altLang="en-US" sz="1000" u="none" strike="noStrike" cap="none" normalizeH="0" baseline="0" dirty="0">
-                <a:ln>
-                  <a:noFill/>
-                </a:ln>
-                <a:solidFill>
-                  <a:schemeClr val="tx1"/>
-                </a:solidFill>
-                <a:effectLst/>
-                <a:latin typeface="Courier" pitchFamily="2" charset="0"/>
-                <a:ea typeface="Times New Roman" panose="02020603050405020304" pitchFamily="18" charset="0"/>
-              </a:rPr>
-              <a:t>+-+-+-+-+-+-+-+-+-+-+-+-+-+-+-+-+-+-+-+-+-+-+-+-+-+-+-+-+-+-+-+-+</a:t>
-            </a:r>
-          </a:p>
-          <a:p>
-            <a:pPr marL="0" marR="0" lvl="0" indent="0" algn="l" defTabSz="914400" rtl="0" eaLnBrk="0" fontAlgn="base" latinLnBrk="0" hangingPunct="0">
-              <a:lnSpc>
-                <a:spcPct val="100000"/>
-              </a:lnSpc>
-              <a:spcBef>
-                <a:spcPct val="0"/>
-              </a:spcBef>
-              <a:spcAft>
-                <a:spcPct val="0"/>
-              </a:spcAft>
-              <a:buClrTx/>
-              <a:buSzTx/>
-              <a:buFontTx/>
-              <a:buNone/>
-              <a:tabLst>
-                <a:tab pos="581025" algn="l"/>
-                <a:tab pos="1163638" algn="l"/>
-                <a:tab pos="1744663" algn="l"/>
-                <a:tab pos="2327275" algn="l"/>
-                <a:tab pos="2908300" algn="l"/>
-                <a:tab pos="3489325" algn="l"/>
-                <a:tab pos="4071938" algn="l"/>
-                <a:tab pos="4652963" algn="l"/>
-                <a:tab pos="5235575" algn="l"/>
-                <a:tab pos="5816600" algn="l"/>
-                <a:tab pos="6397625" algn="l"/>
-                <a:tab pos="6980238" algn="l"/>
-                <a:tab pos="7561263" algn="l"/>
-                <a:tab pos="8143875" algn="l"/>
-                <a:tab pos="8724900" algn="l"/>
-                <a:tab pos="9305925" algn="l"/>
-              </a:tabLst>
-            </a:pPr>
-            <a:endParaRPr lang="en-US" altLang="en-US" sz="1000" dirty="0">
-              <a:latin typeface="Courier" pitchFamily="2" charset="0"/>
-            </a:endParaRPr>
-          </a:p>
-          <a:p>
-            <a:pPr lvl="0"/>
-            <a:r>
-              <a:rPr lang="en-CA" sz="1000" dirty="0">
-                <a:latin typeface="Courier" pitchFamily="2" charset="0"/>
-              </a:rPr>
-              <a:t>  Control Code in Session-Sender Test Packet – Unauthenticated </a:t>
-            </a:r>
-            <a:endParaRPr kumimoji="0" lang="en-US" altLang="en-US" sz="1000" u="none" strike="noStrike" cap="none" normalizeH="0" baseline="0" dirty="0">
-              <a:ln>
-                <a:noFill/>
-              </a:ln>
-              <a:solidFill>
-                <a:schemeClr val="tx1"/>
-              </a:solidFill>
-              <a:effectLst/>
-              <a:latin typeface="Courier" pitchFamily="2" charset="0"/>
-            </a:endParaRPr>
-          </a:p>
-        </p:txBody>
-      </p:sp>
-    </p:spTree>
-    <p:extLst>
-      <p:ext uri="{BB962C8B-B14F-4D97-AF65-F5344CB8AC3E}">
-        <p14:creationId xmlns:p14="http://schemas.microsoft.com/office/powerpoint/2010/main" val="2704808953"/>
-      </p:ext>
-    </p:extLst>
-  </p:cSld>
-  <p:clrMapOvr>
-    <a:masterClrMapping/>
-  </p:clrMapOvr>
-</p:sld>
-</file>
-
-<file path=ppt/slides/slide5.xml><?xml version="1.0" encoding="utf-8"?>
-<p:sld xmlns:a="http://schemas.openxmlformats.org/drawingml/2006/main" xmlns:r="http://schemas.openxmlformats.org/officeDocument/2006/relationships" xmlns:p="http://schemas.openxmlformats.org/presentationml/2006/main">
-  <p:cSld>
-    <p:spTree>
-      <p:nvGrpSpPr>
-        <p:cNvPr id="1" name=""/>
-        <p:cNvGrpSpPr/>
-        <p:nvPr/>
-      </p:nvGrpSpPr>
-      <p:grpSpPr>
-        <a:xfrm>
-          <a:off x="0" y="0"/>
-          <a:ext cx="0" cy="0"/>
-          <a:chOff x="0" y="0"/>
-          <a:chExt cx="0" cy="0"/>
-        </a:xfrm>
-      </p:grpSpPr>
-      <p:sp>
-        <p:nvSpPr>
-          <p:cNvPr id="2" name="Title 1">
-            <a:extLst>
-              <a:ext uri="{FF2B5EF4-FFF2-40B4-BE49-F238E27FC236}">
-                <a16:creationId xmlns:a16="http://schemas.microsoft.com/office/drawing/2014/main" id="{E196D926-6462-6147-8D6F-5C80A37CA43D}"/>
-              </a:ext>
-            </a:extLst>
-          </p:cNvPr>
-          <p:cNvSpPr>
-            <a:spLocks noGrp="1"/>
-          </p:cNvSpPr>
-          <p:nvPr>
-            <p:ph type="title"/>
-          </p:nvPr>
-        </p:nvSpPr>
-        <p:spPr>
-          <a:xfrm>
-            <a:off x="5254" y="103031"/>
-            <a:ext cx="9062545" cy="857250"/>
-          </a:xfrm>
-        </p:spPr>
-        <p:txBody>
-          <a:bodyPr/>
-          <a:lstStyle/>
-          <a:p>
-            <a:r>
-              <a:rPr lang="en-US" sz="3200" dirty="0">
-                <a:solidFill>
-                  <a:srgbClr val="0070C0"/>
-                </a:solidFill>
-                <a:latin typeface="Calibri Light" panose="020F0302020204030204" pitchFamily="34" charset="0"/>
-                <a:cs typeface="Calibri Light" panose="020F0302020204030204" pitchFamily="34" charset="0"/>
-              </a:rPr>
-              <a:t>STAMP Session-Sender Control Code Field - Usage</a:t>
-            </a:r>
-            <a:endParaRPr lang="en-US" sz="3200" dirty="0"/>
-          </a:p>
-        </p:txBody>
-      </p:sp>
-      <p:sp>
-        <p:nvSpPr>
-          <p:cNvPr id="3" name="Content Placeholder 2">
-            <a:extLst>
-              <a:ext uri="{FF2B5EF4-FFF2-40B4-BE49-F238E27FC236}">
-                <a16:creationId xmlns:a16="http://schemas.microsoft.com/office/drawing/2014/main" id="{FAD97578-5975-5644-B374-459176F950CB}"/>
-              </a:ext>
-            </a:extLst>
-          </p:cNvPr>
-          <p:cNvSpPr>
-            <a:spLocks noGrp="1"/>
-          </p:cNvSpPr>
-          <p:nvPr>
-            <p:ph idx="1"/>
-          </p:nvPr>
-        </p:nvSpPr>
-        <p:spPr>
-          <a:xfrm>
-            <a:off x="457200" y="1200149"/>
-            <a:ext cx="8229600" cy="3154603"/>
-          </a:xfrm>
-        </p:spPr>
-        <p:txBody>
-          <a:bodyPr/>
-          <a:lstStyle/>
-          <a:p>
-            <a:r>
-              <a:rPr lang="en-US" sz="2000" dirty="0"/>
-              <a:t>For link delay measurement</a:t>
-            </a:r>
-          </a:p>
-          <a:p>
-            <a:pPr lvl="1"/>
-            <a:r>
-              <a:rPr lang="en-US" sz="2000" dirty="0"/>
-              <a:t>Reflector needs to send reply on the same incoming link (symmetric delay on forward and reverse link)</a:t>
-            </a:r>
-          </a:p>
-          <a:p>
-            <a:pPr lvl="1"/>
-            <a:r>
-              <a:rPr lang="en-US" sz="2000" dirty="0"/>
-              <a:t>Link can be Virtual, LAG or LAG member</a:t>
-            </a:r>
-          </a:p>
-          <a:p>
-            <a:r>
-              <a:rPr lang="en-US" sz="2000" dirty="0"/>
-              <a:t>Avoid provisioning each test session (session id, source-address) on Session-Reflector (can have an order of 1K links) </a:t>
-            </a:r>
-          </a:p>
-          <a:p>
-            <a:pPr lvl="1"/>
-            <a:r>
-              <a:rPr lang="en-US" sz="2000" dirty="0"/>
-              <a:t>Stateless mode of STAMP Session-Reflector as defined in RFC 8762</a:t>
-            </a:r>
-          </a:p>
-          <a:p>
-            <a:pPr marL="457200" lvl="1" indent="0">
-              <a:buNone/>
-            </a:pPr>
-            <a:endParaRPr lang="en-US" sz="2000" dirty="0"/>
-          </a:p>
-        </p:txBody>
-      </p:sp>
-      <p:sp>
-        <p:nvSpPr>
-          <p:cNvPr id="4" name="Footer Placeholder 3">
-            <a:extLst>
-              <a:ext uri="{FF2B5EF4-FFF2-40B4-BE49-F238E27FC236}">
-                <a16:creationId xmlns:a16="http://schemas.microsoft.com/office/drawing/2014/main" id="{ED92B1FC-C461-8C49-AF5F-4F33A15BFAA9}"/>
-              </a:ext>
-            </a:extLst>
-          </p:cNvPr>
-          <p:cNvSpPr>
-            <a:spLocks noGrp="1"/>
-          </p:cNvSpPr>
-          <p:nvPr>
-            <p:ph type="ftr" sz="quarter" idx="11"/>
-          </p:nvPr>
-        </p:nvSpPr>
-        <p:spPr>
-          <a:xfrm>
-            <a:off x="3124200" y="4786312"/>
-            <a:ext cx="2895600" cy="357188"/>
-          </a:xfrm>
-        </p:spPr>
-        <p:txBody>
-          <a:bodyPr/>
-          <a:lstStyle/>
-          <a:p>
-            <a:pPr>
-              <a:defRPr/>
-            </a:pPr>
-            <a:r>
-              <a:rPr lang="en-US" altLang="zh-CN" dirty="0"/>
-              <a:t>110</a:t>
-            </a:r>
-            <a:r>
-              <a:rPr lang="en-US" altLang="zh-CN" baseline="30000" dirty="0"/>
-              <a:t>th</a:t>
-            </a:r>
-            <a:r>
-              <a:rPr lang="en-US" altLang="zh-CN" dirty="0"/>
-              <a:t> IETF Online</a:t>
-            </a:r>
-          </a:p>
-        </p:txBody>
-      </p:sp>
-      <p:sp>
-        <p:nvSpPr>
-          <p:cNvPr id="5" name="Slide Number Placeholder 4">
-            <a:extLst>
-              <a:ext uri="{FF2B5EF4-FFF2-40B4-BE49-F238E27FC236}">
-                <a16:creationId xmlns:a16="http://schemas.microsoft.com/office/drawing/2014/main" id="{BAF4415C-5D53-634A-99AA-27A073C5C9EA}"/>
-              </a:ext>
-            </a:extLst>
-          </p:cNvPr>
-          <p:cNvSpPr>
-            <a:spLocks noGrp="1"/>
-          </p:cNvSpPr>
-          <p:nvPr>
-            <p:ph type="sldNum" sz="quarter" idx="12"/>
-          </p:nvPr>
-        </p:nvSpPr>
-        <p:spPr/>
-        <p:txBody>
-          <a:bodyPr/>
-          <a:lstStyle/>
-          <a:p>
-            <a:pPr>
-              <a:defRPr/>
-            </a:pPr>
-            <a:fld id="{BD6E0F59-1DD8-40FC-9C92-B6295CBA6CCA}" type="slidenum">
-              <a:rPr lang="en-US" altLang="zh-CN" smtClean="0"/>
-              <a:pPr>
-                <a:defRPr/>
-              </a:pPr>
-              <a:t>5</a:t>
-            </a:fld>
-            <a:endParaRPr lang="en-US" altLang="zh-CN"/>
-          </a:p>
-        </p:txBody>
-      </p:sp>
-    </p:spTree>
-    <p:extLst>
-      <p:ext uri="{BB962C8B-B14F-4D97-AF65-F5344CB8AC3E}">
-        <p14:creationId xmlns:p14="http://schemas.microsoft.com/office/powerpoint/2010/main" val="448857647"/>
-      </p:ext>
-    </p:extLst>
-  </p:cSld>
-  <p:clrMapOvr>
-    <a:masterClrMapping/>
-  </p:clrMapOvr>
-</p:sld>
-</file>
-
-<file path=ppt/slides/slide6.xml><?xml version="1.0" encoding="utf-8"?>
-<p:sld xmlns:a="http://schemas.openxmlformats.org/drawingml/2006/main" xmlns:r="http://schemas.openxmlformats.org/officeDocument/2006/relationships" xmlns:p="http://schemas.openxmlformats.org/presentationml/2006/main">
-  <p:cSld>
-    <p:spTree>
-      <p:nvGrpSpPr>
-        <p:cNvPr id="1" name=""/>
-        <p:cNvGrpSpPr/>
-        <p:nvPr/>
-      </p:nvGrpSpPr>
-      <p:grpSpPr>
-        <a:xfrm>
-          <a:off x="0" y="0"/>
-          <a:ext cx="0" cy="0"/>
-          <a:chOff x="0" y="0"/>
-          <a:chExt cx="0" cy="0"/>
-        </a:xfrm>
-      </p:grpSpPr>
-      <p:sp>
-        <p:nvSpPr>
-          <p:cNvPr id="2" name="Title 1">
-            <a:extLst>
-              <a:ext uri="{FF2B5EF4-FFF2-40B4-BE49-F238E27FC236}">
-                <a16:creationId xmlns:a16="http://schemas.microsoft.com/office/drawing/2014/main" id="{9A6F4236-AC14-394A-A36C-F2BD8CED3237}"/>
-              </a:ext>
-            </a:extLst>
-          </p:cNvPr>
-          <p:cNvSpPr>
-            <a:spLocks noGrp="1"/>
-          </p:cNvSpPr>
-          <p:nvPr>
-            <p:ph type="title"/>
-          </p:nvPr>
-        </p:nvSpPr>
-        <p:spPr>
-          <a:xfrm>
-            <a:off x="228600" y="-8968"/>
-            <a:ext cx="8686800" cy="857250"/>
-          </a:xfrm>
-        </p:spPr>
-        <p:txBody>
-          <a:bodyPr/>
-          <a:lstStyle/>
-          <a:p>
-            <a:r>
-              <a:rPr lang="en-US" sz="3200" dirty="0">
-                <a:solidFill>
-                  <a:srgbClr val="0070C0"/>
-                </a:solidFill>
-                <a:latin typeface="Calibri Light" panose="020F0302020204030204" pitchFamily="34" charset="0"/>
-                <a:cs typeface="Calibri Light" panose="020F0302020204030204" pitchFamily="34" charset="0"/>
-              </a:rPr>
-              <a:t>STAMP Return Path TLV</a:t>
-            </a:r>
-          </a:p>
-        </p:txBody>
-      </p:sp>
-      <p:sp>
-        <p:nvSpPr>
-          <p:cNvPr id="4" name="Footer Placeholder 3">
-            <a:extLst>
-              <a:ext uri="{FF2B5EF4-FFF2-40B4-BE49-F238E27FC236}">
-                <a16:creationId xmlns:a16="http://schemas.microsoft.com/office/drawing/2014/main" id="{643D160E-CC3C-EB46-A6F1-43B8E2996F46}"/>
-              </a:ext>
-            </a:extLst>
-          </p:cNvPr>
-          <p:cNvSpPr>
-            <a:spLocks noGrp="1"/>
-          </p:cNvSpPr>
-          <p:nvPr>
-            <p:ph type="ftr" sz="quarter" idx="11"/>
-          </p:nvPr>
-        </p:nvSpPr>
-        <p:spPr>
-          <a:xfrm>
-            <a:off x="3124200" y="4805362"/>
-            <a:ext cx="2895600" cy="357188"/>
-          </a:xfrm>
-        </p:spPr>
-        <p:txBody>
-          <a:bodyPr/>
-          <a:lstStyle/>
-          <a:p>
-            <a:r>
-              <a:rPr lang="en-CA" dirty="0"/>
-              <a:t>110</a:t>
-            </a:r>
-            <a:r>
-              <a:rPr lang="en-CA" baseline="30000" dirty="0"/>
-              <a:t>th</a:t>
-            </a:r>
-            <a:r>
-              <a:rPr lang="en-CA" dirty="0"/>
-              <a:t> IETF Online</a:t>
-            </a:r>
-          </a:p>
-        </p:txBody>
-      </p:sp>
-      <p:sp>
-        <p:nvSpPr>
-          <p:cNvPr id="5" name="Slide Number Placeholder 4">
-            <a:extLst>
-              <a:ext uri="{FF2B5EF4-FFF2-40B4-BE49-F238E27FC236}">
-                <a16:creationId xmlns:a16="http://schemas.microsoft.com/office/drawing/2014/main" id="{A8B868AE-B105-7547-A646-14FCDF91C2DD}"/>
-              </a:ext>
-            </a:extLst>
-          </p:cNvPr>
-          <p:cNvSpPr>
-            <a:spLocks noGrp="1"/>
-          </p:cNvSpPr>
-          <p:nvPr>
-            <p:ph type="sldNum" sz="quarter" idx="12"/>
-          </p:nvPr>
-        </p:nvSpPr>
-        <p:spPr/>
-        <p:txBody>
-          <a:bodyPr/>
-          <a:lstStyle/>
-          <a:p>
-            <a:pPr>
-              <a:defRPr/>
-            </a:pPr>
-            <a:fld id="{BD6E0F59-1DD8-40FC-9C92-B6295CBA6CCA}" type="slidenum">
-              <a:rPr lang="en-US" altLang="zh-CN" smtClean="0"/>
-              <a:pPr>
-                <a:defRPr/>
-              </a:pPr>
-              <a:t>6</a:t>
-            </a:fld>
-            <a:endParaRPr lang="en-US" altLang="zh-CN"/>
-          </a:p>
-        </p:txBody>
-      </p:sp>
-      <p:sp>
-        <p:nvSpPr>
-          <p:cNvPr id="7" name="Rectangle 6">
-            <a:extLst>
-              <a:ext uri="{FF2B5EF4-FFF2-40B4-BE49-F238E27FC236}">
-                <a16:creationId xmlns:a16="http://schemas.microsoft.com/office/drawing/2014/main" id="{AA6E66CA-28BC-2C4A-BC04-4600D8FEBF3B}"/>
-              </a:ext>
-            </a:extLst>
-          </p:cNvPr>
-          <p:cNvSpPr/>
-          <p:nvPr/>
-        </p:nvSpPr>
-        <p:spPr>
-          <a:xfrm>
-            <a:off x="4343400" y="837063"/>
-            <a:ext cx="4419600" cy="1323439"/>
-          </a:xfrm>
-          <a:prstGeom prst="rect">
-            <a:avLst/>
-          </a:prstGeom>
-          <a:solidFill>
-            <a:schemeClr val="accent6">
-              <a:lumMod val="20000"/>
-              <a:lumOff val="80000"/>
-            </a:schemeClr>
-          </a:solidFill>
-        </p:spPr>
-        <p:txBody>
-          <a:bodyPr wrap="square">
-            <a:spAutoFit/>
-          </a:bodyPr>
-          <a:lstStyle/>
-          <a:p>
-            <a:r>
-              <a:rPr lang="en-CA" sz="800" dirty="0">
-                <a:latin typeface="Courier" pitchFamily="2" charset="0"/>
-              </a:rPr>
-              <a:t>    0                   1                   2                   3</a:t>
-            </a:r>
-          </a:p>
-          <a:p>
-            <a:r>
-              <a:rPr lang="en-CA" sz="800" dirty="0">
-                <a:latin typeface="Courier" pitchFamily="2" charset="0"/>
-              </a:rPr>
-              <a:t>    0 1 2 3 4 5 6 7 8 9 0 1 2 3 4 5 6 7 8 9 0 1 2 3 4 5 6 7 8 9 0 1</a:t>
-            </a:r>
-          </a:p>
-          <a:p>
-            <a:r>
-              <a:rPr lang="en-CA" sz="800" dirty="0">
-                <a:latin typeface="Courier" pitchFamily="2" charset="0"/>
-              </a:rPr>
-              <a:t>    +-+-+-+-+-+-+-+-+-+-+-+-+-+-+-+-+-+-+-+-+-+-+-+-+-+-+-+-+-+-+-+-+</a:t>
-            </a:r>
-          </a:p>
-          <a:p>
-            <a:r>
-              <a:rPr lang="en-CA" sz="800" dirty="0">
-                <a:latin typeface="Courier" pitchFamily="2" charset="0"/>
-              </a:rPr>
-              <a:t>    |STAMP TLV Flags|  Type = TBA2  |     Length                    |</a:t>
-            </a:r>
-          </a:p>
-          <a:p>
-            <a:r>
-              <a:rPr lang="en-CA" sz="800" dirty="0">
-                <a:latin typeface="Courier" pitchFamily="2" charset="0"/>
-              </a:rPr>
-              <a:t>    +-+-+-+-+-+-+-+-+-+-+-+-+-+-+-+-+-+-+-+-+-+-+-+-+-+-+-+-+-+-+-+-+</a:t>
-            </a:r>
-          </a:p>
-          <a:p>
-            <a:r>
-              <a:rPr lang="en-CA" sz="800" dirty="0">
-                <a:latin typeface="Courier" pitchFamily="2" charset="0"/>
-              </a:rPr>
-              <a:t>    |                    Return Path Sub-TLV                        |</a:t>
-            </a:r>
-          </a:p>
-          <a:p>
-            <a:r>
-              <a:rPr lang="en-CA" sz="800" dirty="0">
-                <a:latin typeface="Courier" pitchFamily="2" charset="0"/>
-              </a:rPr>
-              <a:t>    .                                                               .</a:t>
-            </a:r>
-          </a:p>
-          <a:p>
-            <a:r>
-              <a:rPr lang="en-CA" sz="800" dirty="0">
-                <a:latin typeface="Courier" pitchFamily="2" charset="0"/>
-              </a:rPr>
-              <a:t>    +-+-+-+-+-+-+-+-+-+-+-+-+-+-+-+-+-+-+-+-+-+-+-+-+-+-+-+-+-+-+-+-+</a:t>
-            </a:r>
-          </a:p>
-          <a:p>
-            <a:endParaRPr lang="en-CA" sz="800" dirty="0">
-              <a:latin typeface="Courier" pitchFamily="2" charset="0"/>
-            </a:endParaRPr>
-          </a:p>
-          <a:p>
-            <a:r>
-              <a:rPr lang="en-CA" sz="800" dirty="0">
-                <a:latin typeface="Courier" pitchFamily="2" charset="0"/>
-              </a:rPr>
-              <a:t>                         Figure: Return Path TLV</a:t>
-            </a:r>
-          </a:p>
-        </p:txBody>
-      </p:sp>
-      <p:sp>
-        <p:nvSpPr>
-          <p:cNvPr id="6" name="Content Placeholder 2">
-            <a:extLst>
-              <a:ext uri="{FF2B5EF4-FFF2-40B4-BE49-F238E27FC236}">
-                <a16:creationId xmlns:a16="http://schemas.microsoft.com/office/drawing/2014/main" id="{23AC919A-376F-2044-ADF3-0CCFB1FD964A}"/>
-              </a:ext>
-            </a:extLst>
-          </p:cNvPr>
-          <p:cNvSpPr>
-            <a:spLocks noGrp="1"/>
-          </p:cNvSpPr>
-          <p:nvPr>
-            <p:ph idx="1"/>
-          </p:nvPr>
-        </p:nvSpPr>
-        <p:spPr>
-          <a:xfrm>
-            <a:off x="228600" y="871808"/>
-            <a:ext cx="4114800" cy="3698761"/>
-          </a:xfrm>
-        </p:spPr>
-        <p:txBody>
-          <a:bodyPr/>
-          <a:lstStyle/>
-          <a:p>
-            <a:pPr marL="0" indent="0">
-              <a:spcBef>
-                <a:spcPts val="600"/>
-              </a:spcBef>
-              <a:buNone/>
-            </a:pPr>
-            <a:r>
-              <a:rPr lang="en-CA" sz="1400" b="1" dirty="0">
-                <a:latin typeface="Calibri" panose="020F0502020204030204" pitchFamily="34" charset="0"/>
-                <a:ea typeface="Calibri" panose="020F0502020204030204" pitchFamily="34" charset="0"/>
-                <a:cs typeface="Consolas" panose="020B0609020204030204" pitchFamily="49" charset="0"/>
-              </a:rPr>
-              <a:t>Return Path TLV (value TBA2) to carry one Sub-TLV for return path:</a:t>
-            </a:r>
-            <a:endParaRPr lang="en-CA" sz="1400" b="1" dirty="0"/>
-          </a:p>
-          <a:p>
-            <a:pPr marL="0" indent="0">
-              <a:spcBef>
-                <a:spcPts val="600"/>
-              </a:spcBef>
-              <a:buNone/>
-            </a:pPr>
-            <a:r>
-              <a:rPr lang="en-CA" sz="1400" dirty="0"/>
-              <a:t>Sub-TLVs Types:</a:t>
-            </a:r>
-          </a:p>
-          <a:p>
-            <a:pPr>
-              <a:spcBef>
-                <a:spcPts val="600"/>
-              </a:spcBef>
-            </a:pPr>
-            <a:r>
-              <a:rPr lang="en-CA" sz="1400" dirty="0"/>
-              <a:t>Type (value 1): Return Address. Destination node address for the reply; different than the Source Address in the test packet</a:t>
-            </a:r>
-          </a:p>
-          <a:p>
-            <a:pPr>
-              <a:spcBef>
-                <a:spcPts val="600"/>
-              </a:spcBef>
-            </a:pPr>
-            <a:r>
-              <a:rPr lang="en-CA" sz="1400" dirty="0"/>
-              <a:t>Type (value 2): SR-MPLS Label Stack of the Return SR Path</a:t>
-            </a:r>
-          </a:p>
-          <a:p>
-            <a:pPr>
-              <a:spcBef>
-                <a:spcPts val="600"/>
-              </a:spcBef>
-            </a:pPr>
-            <a:r>
-              <a:rPr lang="en-CA" sz="1400" dirty="0"/>
-              <a:t>Type (value 3): SR-MPLS Binding SID [draft-</a:t>
-            </a:r>
-            <a:r>
-              <a:rPr lang="en-CA" sz="1400" dirty="0" err="1"/>
-              <a:t>ietf</a:t>
-            </a:r>
-            <a:r>
-              <a:rPr lang="en-CA" sz="1400" dirty="0"/>
-              <a:t>-</a:t>
-            </a:r>
-            <a:r>
-              <a:rPr lang="en-CA" sz="1400" dirty="0" err="1"/>
-              <a:t>pce</a:t>
-            </a:r>
-            <a:r>
-              <a:rPr lang="en-CA" sz="1400" dirty="0"/>
-              <a:t>-binding-label-</a:t>
-            </a:r>
-            <a:r>
-              <a:rPr lang="en-CA" sz="1400" dirty="0" err="1"/>
-              <a:t>sid</a:t>
-            </a:r>
-            <a:r>
-              <a:rPr lang="en-CA" sz="1400" dirty="0"/>
-              <a:t>] of the Return SR Policy</a:t>
-            </a:r>
-          </a:p>
-          <a:p>
-            <a:pPr>
-              <a:spcBef>
-                <a:spcPts val="600"/>
-              </a:spcBef>
-            </a:pPr>
-            <a:r>
-              <a:rPr lang="en-CA" sz="1400" dirty="0"/>
-              <a:t>Type (value 4): SRv6 Segment List of the Return SR Path</a:t>
-            </a:r>
-          </a:p>
-          <a:p>
-            <a:pPr>
-              <a:spcBef>
-                <a:spcPts val="600"/>
-              </a:spcBef>
-            </a:pPr>
-            <a:r>
-              <a:rPr lang="en-CA" sz="1400" dirty="0"/>
-              <a:t>Type (value 5): SRv6 Binding SID [draft-</a:t>
-            </a:r>
-            <a:r>
-              <a:rPr lang="en-CA" sz="1400" dirty="0" err="1"/>
-              <a:t>ietf</a:t>
-            </a:r>
-            <a:r>
-              <a:rPr lang="en-CA" sz="1400" dirty="0"/>
-              <a:t>-</a:t>
-            </a:r>
-            <a:r>
-              <a:rPr lang="en-CA" sz="1400" dirty="0" err="1"/>
-              <a:t>pce</a:t>
-            </a:r>
-            <a:r>
-              <a:rPr lang="en-CA" sz="1400" dirty="0"/>
-              <a:t>-binding-label-</a:t>
-            </a:r>
-            <a:r>
-              <a:rPr lang="en-CA" sz="1400" dirty="0" err="1"/>
-              <a:t>sid</a:t>
-            </a:r>
-            <a:r>
-              <a:rPr lang="en-CA" sz="1400" dirty="0"/>
-              <a:t>] of the Return SR Policy</a:t>
-            </a:r>
-            <a:endParaRPr lang="en-US" sz="1400" dirty="0">
-              <a:latin typeface="Calibri" charset="0"/>
-              <a:ea typeface="Calibri" charset="0"/>
-              <a:cs typeface="Calibri" charset="0"/>
-            </a:endParaRPr>
-          </a:p>
-        </p:txBody>
-      </p:sp>
-      <p:sp>
-        <p:nvSpPr>
-          <p:cNvPr id="9" name="Rectangle 8">
-            <a:extLst>
-              <a:ext uri="{FF2B5EF4-FFF2-40B4-BE49-F238E27FC236}">
-                <a16:creationId xmlns:a16="http://schemas.microsoft.com/office/drawing/2014/main" id="{B04D7E52-9ADA-114D-877F-E1C7CA482275}"/>
-              </a:ext>
-            </a:extLst>
-          </p:cNvPr>
-          <p:cNvSpPr/>
-          <p:nvPr/>
-        </p:nvSpPr>
-        <p:spPr>
-          <a:xfrm>
-            <a:off x="4343400" y="2385355"/>
-            <a:ext cx="4419600" cy="2185214"/>
-          </a:xfrm>
-          <a:prstGeom prst="rect">
-            <a:avLst/>
-          </a:prstGeom>
-          <a:solidFill>
-            <a:schemeClr val="accent6">
-              <a:lumMod val="20000"/>
-              <a:lumOff val="80000"/>
-            </a:schemeClr>
-          </a:solidFill>
-        </p:spPr>
-        <p:txBody>
-          <a:bodyPr wrap="square">
-            <a:spAutoFit/>
-          </a:bodyPr>
-          <a:lstStyle/>
-          <a:p>
-            <a:r>
-              <a:rPr lang="en-CA" sz="800" dirty="0">
-                <a:latin typeface="Courier" pitchFamily="2" charset="0"/>
-              </a:rPr>
-              <a:t>    0                   1                   2                   3</a:t>
-            </a:r>
-          </a:p>
-          <a:p>
-            <a:r>
-              <a:rPr lang="en-CA" sz="800" dirty="0">
-                <a:latin typeface="Courier" pitchFamily="2" charset="0"/>
-              </a:rPr>
-              <a:t>    0 1 2 3 4 5 6 7 8 9 0 1 2 3 4 5 6 7 8 9 0 1 2 3 4 5 6 7 8 9 0 1</a:t>
-            </a:r>
-          </a:p>
-          <a:p>
-            <a:r>
-              <a:rPr lang="en-CA" sz="800" dirty="0">
-                <a:latin typeface="Courier" pitchFamily="2" charset="0"/>
-              </a:rPr>
-              <a:t>    +-+-+-+-+-+-+-+-+-+-+-+-+-+-+-+-+-+-+-+-+-+-+-+-+-+-+-+-+-+-+-+-+</a:t>
-            </a:r>
-          </a:p>
-          <a:p>
-            <a:r>
-              <a:rPr lang="en-CA" sz="800" dirty="0">
-                <a:latin typeface="Courier" pitchFamily="2" charset="0"/>
-              </a:rPr>
-              <a:t>    |STAMP TLV Flags|  Type         |     Length                    |</a:t>
-            </a:r>
-          </a:p>
-          <a:p>
-            <a:r>
-              <a:rPr lang="en-CA" sz="800" dirty="0">
-                <a:latin typeface="Courier" pitchFamily="2" charset="0"/>
-              </a:rPr>
-              <a:t>    +-+-+-+-+-+-+-+-+-+-+-+-+-+-+-+-+-+-+-+-+-+-+-+-+-+-+-+-+-+-+-+-+</a:t>
-            </a:r>
-          </a:p>
-          <a:p>
-            <a:r>
-              <a:rPr lang="en-CA" sz="800" dirty="0">
-                <a:latin typeface="Courier" pitchFamily="2" charset="0"/>
-              </a:rPr>
-              <a:t>    |                    Segment(1)                                 |</a:t>
-            </a:r>
-          </a:p>
-          <a:p>
-            <a:r>
-              <a:rPr lang="en-CA" sz="800" dirty="0">
-                <a:latin typeface="Courier" pitchFamily="2" charset="0"/>
-              </a:rPr>
-              <a:t>    .                                                               .</a:t>
-            </a:r>
-          </a:p>
-          <a:p>
-            <a:r>
-              <a:rPr lang="en-CA" sz="800" dirty="0">
-                <a:latin typeface="Courier" pitchFamily="2" charset="0"/>
-              </a:rPr>
-              <a:t>    +-+-+-+-+-+-+-+-+-+-+-+-+-+-+-+-+-+-+-+-+-+-+-+-+-+-+-+-+-+-+-+-+</a:t>
-            </a:r>
-          </a:p>
-          <a:p>
-            <a:r>
-              <a:rPr lang="en-CA" sz="800" dirty="0">
-                <a:latin typeface="Courier" pitchFamily="2" charset="0"/>
-              </a:rPr>
-              <a:t>    .                                                               .</a:t>
-            </a:r>
-          </a:p>
-          <a:p>
-            <a:r>
-              <a:rPr lang="en-CA" sz="800" dirty="0">
-                <a:latin typeface="Courier" pitchFamily="2" charset="0"/>
-              </a:rPr>
-              <a:t>    .                                                               .</a:t>
-            </a:r>
-          </a:p>
-          <a:p>
-            <a:r>
-              <a:rPr lang="en-CA" sz="800" dirty="0">
-                <a:latin typeface="Courier" pitchFamily="2" charset="0"/>
-              </a:rPr>
-              <a:t>    .                                                               .</a:t>
-            </a:r>
-          </a:p>
-          <a:p>
-            <a:r>
-              <a:rPr lang="en-CA" sz="800" dirty="0">
-                <a:latin typeface="Courier" pitchFamily="2" charset="0"/>
-              </a:rPr>
-              <a:t>    +-+-+-+-+-+-+-+-+-+-+-+-+-+-+-+-+-+-+-+-+-+-+-+-+-+-+-+-+-+-+-+-+</a:t>
-            </a:r>
-          </a:p>
-          <a:p>
-            <a:r>
-              <a:rPr lang="en-CA" sz="800" dirty="0">
-                <a:latin typeface="Courier" pitchFamily="2" charset="0"/>
-              </a:rPr>
-              <a:t>    |                    Segment(n)                                 |</a:t>
-            </a:r>
-          </a:p>
-          <a:p>
-            <a:r>
-              <a:rPr lang="en-CA" sz="800" dirty="0">
-                <a:latin typeface="Courier" pitchFamily="2" charset="0"/>
-              </a:rPr>
-              <a:t>    .                                                               .</a:t>
-            </a:r>
-          </a:p>
-          <a:p>
-            <a:r>
-              <a:rPr lang="en-CA" sz="800" dirty="0">
-                <a:latin typeface="Courier" pitchFamily="2" charset="0"/>
-              </a:rPr>
-              <a:t>    +-+-+-+-+-+-+-+-+-+-+-+-+-+-+-+-+-+-+-+-+-+-+-+-+-+-+-+-+-+-+-+-+</a:t>
-            </a:r>
-          </a:p>
-          <a:p>
-            <a:endParaRPr lang="en-CA" sz="800" dirty="0">
-              <a:latin typeface="Courier" pitchFamily="2" charset="0"/>
-            </a:endParaRPr>
-          </a:p>
-          <a:p>
-            <a:r>
-              <a:rPr lang="en-CA" sz="800" dirty="0">
-                <a:latin typeface="Courier" pitchFamily="2" charset="0"/>
-              </a:rPr>
-              <a:t>              Figure: Segment List Sub-TLV in Return Path TLV</a:t>
-            </a:r>
-            <a:endParaRPr lang="en-US" sz="800" dirty="0">
-              <a:latin typeface="Courier" pitchFamily="2" charset="0"/>
-              <a:cs typeface="Courier New" panose="02070309020205020404" pitchFamily="49" charset="0"/>
-            </a:endParaRPr>
-          </a:p>
-        </p:txBody>
-      </p:sp>
-    </p:spTree>
-    <p:extLst>
-      <p:ext uri="{BB962C8B-B14F-4D97-AF65-F5344CB8AC3E}">
-        <p14:creationId xmlns:p14="http://schemas.microsoft.com/office/powerpoint/2010/main" val="720098633"/>
-      </p:ext>
-    </p:extLst>
-  </p:cSld>
-  <p:clrMapOvr>
-    <a:masterClrMapping/>
-  </p:clrMapOvr>
-</p:sld>
-</file>
-
-<file path=ppt/slides/slide7.xml><?xml version="1.0" encoding="utf-8"?>
-<p:sld xmlns:a="http://schemas.openxmlformats.org/drawingml/2006/main" xmlns:r="http://schemas.openxmlformats.org/officeDocument/2006/relationships" xmlns:p="http://schemas.openxmlformats.org/presentationml/2006/main">
-  <p:cSld>
-    <p:spTree>
-      <p:nvGrpSpPr>
-        <p:cNvPr id="1" name=""/>
-        <p:cNvGrpSpPr/>
-        <p:nvPr/>
-      </p:nvGrpSpPr>
-      <p:grpSpPr>
-        <a:xfrm>
-          <a:off x="0" y="0"/>
-          <a:ext cx="0" cy="0"/>
-          <a:chOff x="0" y="0"/>
-          <a:chExt cx="0" cy="0"/>
-        </a:xfrm>
-      </p:grpSpPr>
-      <p:sp>
-        <p:nvSpPr>
-          <p:cNvPr id="2" name="Title 1">
-            <a:extLst>
-              <a:ext uri="{FF2B5EF4-FFF2-40B4-BE49-F238E27FC236}">
-                <a16:creationId xmlns:a16="http://schemas.microsoft.com/office/drawing/2014/main" id="{E196D926-6462-6147-8D6F-5C80A37CA43D}"/>
-              </a:ext>
-            </a:extLst>
-          </p:cNvPr>
-          <p:cNvSpPr>
-            <a:spLocks noGrp="1"/>
-          </p:cNvSpPr>
-          <p:nvPr>
-            <p:ph type="title"/>
-          </p:nvPr>
-        </p:nvSpPr>
-        <p:spPr>
-          <a:xfrm>
-            <a:off x="457200" y="102393"/>
-            <a:ext cx="8229600" cy="857250"/>
-          </a:xfrm>
-        </p:spPr>
-        <p:txBody>
-          <a:bodyPr/>
-          <a:lstStyle/>
-          <a:p>
-            <a:r>
-              <a:rPr lang="en-US" sz="3200" dirty="0">
-                <a:solidFill>
-                  <a:srgbClr val="0070C0"/>
-                </a:solidFill>
-                <a:latin typeface="Calibri Light" panose="020F0302020204030204" pitchFamily="34" charset="0"/>
-                <a:cs typeface="Calibri Light" panose="020F0302020204030204" pitchFamily="34" charset="0"/>
-              </a:rPr>
-              <a:t>STAMP Return Path TLV - Usage</a:t>
-            </a:r>
-            <a:endParaRPr lang="en-US" sz="3200" dirty="0"/>
-          </a:p>
-        </p:txBody>
-      </p:sp>
-      <p:sp>
-        <p:nvSpPr>
-          <p:cNvPr id="3" name="Content Placeholder 2">
-            <a:extLst>
-              <a:ext uri="{FF2B5EF4-FFF2-40B4-BE49-F238E27FC236}">
-                <a16:creationId xmlns:a16="http://schemas.microsoft.com/office/drawing/2014/main" id="{FAD97578-5975-5644-B374-459176F950CB}"/>
-              </a:ext>
-            </a:extLst>
-          </p:cNvPr>
-          <p:cNvSpPr>
-            <a:spLocks noGrp="1"/>
-          </p:cNvSpPr>
-          <p:nvPr>
-            <p:ph idx="1"/>
-          </p:nvPr>
-        </p:nvSpPr>
-        <p:spPr>
-          <a:xfrm>
-            <a:off x="533400" y="1047750"/>
-            <a:ext cx="8077200" cy="3230165"/>
-          </a:xfrm>
-        </p:spPr>
-        <p:txBody>
-          <a:bodyPr/>
-          <a:lstStyle/>
-          <a:p>
-            <a:r>
-              <a:rPr lang="en-US" sz="1800" dirty="0"/>
-              <a:t>For SR path, reply test packet may need to be sent on a specific return SR path</a:t>
-            </a:r>
-          </a:p>
-          <a:p>
-            <a:r>
-              <a:rPr lang="en-US" sz="1800" dirty="0" err="1"/>
-              <a:t>Bidir</a:t>
-            </a:r>
-            <a:r>
-              <a:rPr lang="en-US" sz="1800" dirty="0"/>
-              <a:t> SR path (forward and reverse) dynamically computed using CSPF by the head-end node</a:t>
-            </a:r>
-          </a:p>
-          <a:p>
-            <a:pPr lvl="1"/>
-            <a:r>
-              <a:rPr lang="en-US" sz="1800" dirty="0"/>
-              <a:t>Path can change often based on topology change, link/node failure in the network, etc.</a:t>
-            </a:r>
-          </a:p>
-          <a:p>
-            <a:r>
-              <a:rPr lang="en-US" sz="1800" dirty="0"/>
-              <a:t>No signaling in SR</a:t>
-            </a:r>
-          </a:p>
-          <a:p>
-            <a:r>
-              <a:rPr lang="en-US" sz="1800" dirty="0"/>
-              <a:t>Avoid signaling and maintaining dynamic state on Session-Reflector to store return paths for each test session (each session-id, source-address) </a:t>
-            </a:r>
-          </a:p>
-          <a:p>
-            <a:pPr lvl="1"/>
-            <a:r>
-              <a:rPr lang="en-US" sz="1800" dirty="0"/>
-              <a:t>Order of 10K SR Policy (that can have active and standby candidate-path and each can have multiple segment-lists)</a:t>
-            </a:r>
-          </a:p>
-          <a:p>
-            <a:endParaRPr lang="en-US" sz="1800" dirty="0"/>
-          </a:p>
-          <a:p>
-            <a:endParaRPr lang="en-US" sz="1800" dirty="0"/>
-          </a:p>
-          <a:p>
-            <a:endParaRPr lang="en-US" sz="1800" dirty="0"/>
-          </a:p>
-        </p:txBody>
-      </p:sp>
-      <p:sp>
-        <p:nvSpPr>
-          <p:cNvPr id="4" name="Footer Placeholder 3">
-            <a:extLst>
-              <a:ext uri="{FF2B5EF4-FFF2-40B4-BE49-F238E27FC236}">
-                <a16:creationId xmlns:a16="http://schemas.microsoft.com/office/drawing/2014/main" id="{ED92B1FC-C461-8C49-AF5F-4F33A15BFAA9}"/>
-              </a:ext>
-            </a:extLst>
-          </p:cNvPr>
-          <p:cNvSpPr>
-            <a:spLocks noGrp="1"/>
-          </p:cNvSpPr>
-          <p:nvPr>
-            <p:ph type="ftr" sz="quarter" idx="11"/>
-          </p:nvPr>
-        </p:nvSpPr>
-        <p:spPr>
-          <a:xfrm>
-            <a:off x="3124200" y="4786312"/>
-            <a:ext cx="2895600" cy="357188"/>
-          </a:xfrm>
-        </p:spPr>
-        <p:txBody>
-          <a:bodyPr/>
-          <a:lstStyle/>
-          <a:p>
-            <a:pPr>
-              <a:defRPr/>
-            </a:pPr>
-            <a:r>
-              <a:rPr lang="en-US" altLang="zh-CN" dirty="0"/>
-              <a:t>110</a:t>
-            </a:r>
-            <a:r>
-              <a:rPr lang="en-US" altLang="zh-CN" baseline="30000" dirty="0"/>
-              <a:t>th</a:t>
-            </a:r>
-            <a:r>
-              <a:rPr lang="en-US" altLang="zh-CN" dirty="0"/>
-              <a:t> IETF Online</a:t>
-            </a:r>
-          </a:p>
-        </p:txBody>
-      </p:sp>
-      <p:sp>
-        <p:nvSpPr>
-          <p:cNvPr id="5" name="Slide Number Placeholder 4">
-            <a:extLst>
-              <a:ext uri="{FF2B5EF4-FFF2-40B4-BE49-F238E27FC236}">
-                <a16:creationId xmlns:a16="http://schemas.microsoft.com/office/drawing/2014/main" id="{BAF4415C-5D53-634A-99AA-27A073C5C9EA}"/>
-              </a:ext>
-            </a:extLst>
-          </p:cNvPr>
-          <p:cNvSpPr>
-            <a:spLocks noGrp="1"/>
-          </p:cNvSpPr>
-          <p:nvPr>
-            <p:ph type="sldNum" sz="quarter" idx="12"/>
-          </p:nvPr>
-        </p:nvSpPr>
-        <p:spPr/>
-        <p:txBody>
-          <a:bodyPr/>
-          <a:lstStyle/>
-          <a:p>
-            <a:pPr>
-              <a:defRPr/>
-            </a:pPr>
-            <a:fld id="{BD6E0F59-1DD8-40FC-9C92-B6295CBA6CCA}" type="slidenum">
-              <a:rPr lang="en-US" altLang="zh-CN" smtClean="0"/>
-              <a:pPr>
-                <a:defRPr/>
-              </a:pPr>
-              <a:t>7</a:t>
-            </a:fld>
-            <a:endParaRPr lang="en-US" altLang="zh-CN" dirty="0"/>
-          </a:p>
-        </p:txBody>
-      </p:sp>
-    </p:spTree>
-    <p:extLst>
-      <p:ext uri="{BB962C8B-B14F-4D97-AF65-F5344CB8AC3E}">
-        <p14:creationId xmlns:p14="http://schemas.microsoft.com/office/powerpoint/2010/main" val="2937341344"/>
-      </p:ext>
-    </p:extLst>
-  </p:cSld>
-  <p:clrMapOvr>
-    <a:masterClrMapping/>
-  </p:clrMapOvr>
-</p:sld>
-</file>
-
-<file path=ppt/slides/slide8.xml><?xml version="1.0" encoding="utf-8"?>
-<p:sld xmlns:a="http://schemas.openxmlformats.org/drawingml/2006/main" xmlns:r="http://schemas.openxmlformats.org/officeDocument/2006/relationships" xmlns:p="http://schemas.openxmlformats.org/presentationml/2006/main">
-  <p:cSld>
-    <p:spTree>
-      <p:nvGrpSpPr>
-        <p:cNvPr id="1" name=""/>
-        <p:cNvGrpSpPr/>
-        <p:nvPr/>
-      </p:nvGrpSpPr>
-      <p:grpSpPr>
-        <a:xfrm>
-          <a:off x="0" y="0"/>
-          <a:ext cx="0" cy="0"/>
-          <a:chOff x="0" y="0"/>
-          <a:chExt cx="0" cy="0"/>
-        </a:xfrm>
-      </p:grpSpPr>
-      <p:sp>
-        <p:nvSpPr>
-          <p:cNvPr id="2" name="Title 1">
-            <a:extLst>
-              <a:ext uri="{FF2B5EF4-FFF2-40B4-BE49-F238E27FC236}">
-                <a16:creationId xmlns:a16="http://schemas.microsoft.com/office/drawing/2014/main" id="{9A6F4236-AC14-394A-A36C-F2BD8CED3237}"/>
-              </a:ext>
-            </a:extLst>
-          </p:cNvPr>
-          <p:cNvSpPr>
-            <a:spLocks noGrp="1"/>
-          </p:cNvSpPr>
-          <p:nvPr>
-            <p:ph type="title"/>
-          </p:nvPr>
-        </p:nvSpPr>
-        <p:spPr>
-          <a:xfrm>
-            <a:off x="228600" y="-20187"/>
-            <a:ext cx="8686800" cy="857250"/>
-          </a:xfrm>
-        </p:spPr>
-        <p:txBody>
-          <a:bodyPr/>
-          <a:lstStyle/>
-          <a:p>
-            <a:r>
-              <a:rPr lang="en-US" sz="3200" dirty="0">
-                <a:solidFill>
-                  <a:srgbClr val="0070C0"/>
-                </a:solidFill>
-                <a:latin typeface="Calibri Light" panose="020F0302020204030204" pitchFamily="34" charset="0"/>
-                <a:cs typeface="Calibri Light" panose="020F0302020204030204" pitchFamily="34" charset="0"/>
-              </a:rPr>
-              <a:t>STAMP Destination Node Address TLV</a:t>
-            </a:r>
-          </a:p>
-        </p:txBody>
-      </p:sp>
-      <p:sp>
-        <p:nvSpPr>
-          <p:cNvPr id="4" name="Footer Placeholder 3">
-            <a:extLst>
-              <a:ext uri="{FF2B5EF4-FFF2-40B4-BE49-F238E27FC236}">
-                <a16:creationId xmlns:a16="http://schemas.microsoft.com/office/drawing/2014/main" id="{643D160E-CC3C-EB46-A6F1-43B8E2996F46}"/>
-              </a:ext>
-            </a:extLst>
-          </p:cNvPr>
-          <p:cNvSpPr>
-            <a:spLocks noGrp="1"/>
-          </p:cNvSpPr>
-          <p:nvPr>
-            <p:ph type="ftr" sz="quarter" idx="11"/>
-          </p:nvPr>
-        </p:nvSpPr>
-        <p:spPr>
-          <a:xfrm>
-            <a:off x="3124200" y="4805362"/>
-            <a:ext cx="2895600" cy="357188"/>
-          </a:xfrm>
-        </p:spPr>
-        <p:txBody>
-          <a:bodyPr/>
-          <a:lstStyle/>
-          <a:p>
-            <a:r>
-              <a:rPr lang="en-CA" dirty="0"/>
-              <a:t>110</a:t>
-            </a:r>
-            <a:r>
-              <a:rPr lang="en-CA" baseline="30000" dirty="0"/>
-              <a:t>th</a:t>
-            </a:r>
-            <a:r>
-              <a:rPr lang="en-CA" dirty="0"/>
-              <a:t> IETF Online</a:t>
-            </a:r>
-          </a:p>
-        </p:txBody>
-      </p:sp>
-      <p:sp>
-        <p:nvSpPr>
-          <p:cNvPr id="5" name="Slide Number Placeholder 4">
-            <a:extLst>
-              <a:ext uri="{FF2B5EF4-FFF2-40B4-BE49-F238E27FC236}">
-                <a16:creationId xmlns:a16="http://schemas.microsoft.com/office/drawing/2014/main" id="{A8B868AE-B105-7547-A646-14FCDF91C2DD}"/>
-              </a:ext>
-            </a:extLst>
-          </p:cNvPr>
-          <p:cNvSpPr>
-            <a:spLocks noGrp="1"/>
-          </p:cNvSpPr>
-          <p:nvPr>
-            <p:ph type="sldNum" sz="quarter" idx="12"/>
-          </p:nvPr>
-        </p:nvSpPr>
-        <p:spPr/>
-        <p:txBody>
-          <a:bodyPr/>
-          <a:lstStyle/>
-          <a:p>
-            <a:pPr>
-              <a:defRPr/>
-            </a:pPr>
-            <a:fld id="{BD6E0F59-1DD8-40FC-9C92-B6295CBA6CCA}" type="slidenum">
-              <a:rPr lang="en-US" altLang="zh-CN" smtClean="0"/>
-              <a:pPr>
-                <a:defRPr/>
-              </a:pPr>
-              <a:t>8</a:t>
-            </a:fld>
-            <a:endParaRPr lang="en-US" altLang="zh-CN"/>
-          </a:p>
-        </p:txBody>
-      </p:sp>
-      <p:sp>
-        <p:nvSpPr>
-          <p:cNvPr id="7" name="Rectangle 6">
-            <a:extLst>
-              <a:ext uri="{FF2B5EF4-FFF2-40B4-BE49-F238E27FC236}">
-                <a16:creationId xmlns:a16="http://schemas.microsoft.com/office/drawing/2014/main" id="{AA6E66CA-28BC-2C4A-BC04-4600D8FEBF3B}"/>
-              </a:ext>
-            </a:extLst>
-          </p:cNvPr>
-          <p:cNvSpPr/>
-          <p:nvPr/>
-        </p:nvSpPr>
-        <p:spPr>
-          <a:xfrm>
-            <a:off x="4223657" y="1712824"/>
-            <a:ext cx="4648200" cy="1615827"/>
-          </a:xfrm>
-          <a:prstGeom prst="rect">
-            <a:avLst/>
-          </a:prstGeom>
-          <a:solidFill>
-            <a:schemeClr val="accent6">
-              <a:lumMod val="20000"/>
-              <a:lumOff val="80000"/>
-            </a:schemeClr>
-          </a:solidFill>
-        </p:spPr>
-        <p:txBody>
-          <a:bodyPr wrap="square">
-            <a:spAutoFit/>
-          </a:bodyPr>
-          <a:lstStyle/>
-          <a:p>
-            <a:r>
-              <a:rPr lang="en-CA" sz="900" dirty="0">
-                <a:latin typeface="Courier" pitchFamily="2" charset="0"/>
-                <a:cs typeface="Courier New" panose="02070309020205020404" pitchFamily="49" charset="0"/>
-              </a:rPr>
-              <a:t>0                   1                   2                   3</a:t>
-            </a:r>
-          </a:p>
-          <a:p>
-            <a:r>
-              <a:rPr lang="en-CA" sz="900" dirty="0">
-                <a:latin typeface="Courier" pitchFamily="2" charset="0"/>
-                <a:cs typeface="Courier New" panose="02070309020205020404" pitchFamily="49" charset="0"/>
-              </a:rPr>
-              <a:t>0 1 2 3 4 5 6 7 8 9 0 1 2 3 4 5 6 7 8 9 0 1 2 3 4 5 6 7 8 9 0 1</a:t>
-            </a:r>
-          </a:p>
-          <a:p>
-            <a:r>
-              <a:rPr lang="en-CA" sz="900" dirty="0">
-                <a:latin typeface="Courier" pitchFamily="2" charset="0"/>
-                <a:cs typeface="Courier New" panose="02070309020205020404" pitchFamily="49" charset="0"/>
-              </a:rPr>
-              <a:t>+-+-+-+-+-+-+-+-+-+-+-+-+-+-+-+-+-+-+-+-+-+-+-+-+-+-+-+-+-+-+-+-+</a:t>
-            </a:r>
-          </a:p>
-          <a:p>
-            <a:r>
-              <a:rPr lang="en-CA" sz="900" dirty="0">
-                <a:latin typeface="Courier" pitchFamily="2" charset="0"/>
-              </a:rPr>
-              <a:t>|STAMP TLV Flags|  Type         |     Length                    |</a:t>
-            </a:r>
-          </a:p>
-          <a:p>
-            <a:r>
-              <a:rPr lang="en-CA" sz="900" dirty="0">
-                <a:latin typeface="Courier" pitchFamily="2" charset="0"/>
-                <a:cs typeface="Courier New" panose="02070309020205020404" pitchFamily="49" charset="0"/>
-              </a:rPr>
-              <a:t>+-+-+-+-+-+-+-+-+-+-+-+-+-+-+-+-+-+-+-+-+-+-+-+-+-+-+-+-+-+-+-+-+</a:t>
-            </a:r>
-          </a:p>
-          <a:p>
-            <a:r>
-              <a:rPr lang="en-CA" sz="900" dirty="0">
-                <a:latin typeface="Courier" pitchFamily="2" charset="0"/>
-                <a:cs typeface="Courier New" panose="02070309020205020404" pitchFamily="49" charset="0"/>
-              </a:rPr>
-              <a:t>|     Reserved                  |        Address Family         |</a:t>
-            </a:r>
-          </a:p>
-          <a:p>
-            <a:r>
-              <a:rPr lang="en-CA" sz="900" dirty="0">
-                <a:latin typeface="Courier" pitchFamily="2" charset="0"/>
-                <a:cs typeface="Courier New" panose="02070309020205020404" pitchFamily="49" charset="0"/>
-              </a:rPr>
-              <a:t>+-+-+-+-+-+-+-+-+-+-+-+-+-+-+-+-+-+-+-+-+-+-+-+-+-+-+-+-+-+-+-+-+</a:t>
-            </a:r>
-          </a:p>
-          <a:p>
-            <a:r>
-              <a:rPr lang="en-CA" sz="900" dirty="0">
-                <a:latin typeface="Courier" pitchFamily="2" charset="0"/>
-                <a:cs typeface="Courier New" panose="02070309020205020404" pitchFamily="49" charset="0"/>
-              </a:rPr>
-              <a:t>~                           Address                             ~</a:t>
-            </a:r>
-          </a:p>
-          <a:p>
-            <a:r>
-              <a:rPr lang="en-CA" sz="900" dirty="0">
-                <a:latin typeface="Courier" pitchFamily="2" charset="0"/>
-                <a:cs typeface="Courier New" panose="02070309020205020404" pitchFamily="49" charset="0"/>
-              </a:rPr>
-              <a:t>+-+-+-+-+-+-+-+-+-+-+-+-+-+-+-+-+-+-+-+-+-+-+-+-+-+-+-+-+-+-+-+-+</a:t>
-            </a:r>
-          </a:p>
-          <a:p>
-            <a:r>
-              <a:rPr lang="en-CA" sz="900" dirty="0">
-                <a:latin typeface="Courier" pitchFamily="2" charset="0"/>
-                <a:cs typeface="Courier New" panose="02070309020205020404" pitchFamily="49" charset="0"/>
-              </a:rPr>
-              <a:t> </a:t>
-            </a:r>
-          </a:p>
-          <a:p>
-            <a:r>
-              <a:rPr lang="en-CA" sz="900" dirty="0">
-                <a:latin typeface="Courier" pitchFamily="2" charset="0"/>
-                <a:cs typeface="Courier New" panose="02070309020205020404" pitchFamily="49" charset="0"/>
-              </a:rPr>
-              <a:t>            Figure: Destination Node Address TLV Format </a:t>
-            </a:r>
-            <a:endParaRPr lang="en-US" sz="900" dirty="0">
-              <a:latin typeface="Courier" pitchFamily="2" charset="0"/>
-              <a:cs typeface="Courier New" panose="02070309020205020404" pitchFamily="49" charset="0"/>
-            </a:endParaRPr>
-          </a:p>
-        </p:txBody>
-      </p:sp>
-      <p:sp>
-        <p:nvSpPr>
-          <p:cNvPr id="9" name="Rectangle 8">
-            <a:extLst>
-              <a:ext uri="{FF2B5EF4-FFF2-40B4-BE49-F238E27FC236}">
-                <a16:creationId xmlns:a16="http://schemas.microsoft.com/office/drawing/2014/main" id="{8BD4B8E2-831D-5C4C-9AA6-259F0AB5BE90}"/>
-              </a:ext>
-            </a:extLst>
-          </p:cNvPr>
-          <p:cNvSpPr/>
-          <p:nvPr/>
-        </p:nvSpPr>
-        <p:spPr>
-          <a:xfrm>
-            <a:off x="299357" y="1149180"/>
-            <a:ext cx="3924300" cy="3041538"/>
-          </a:xfrm>
-          <a:prstGeom prst="rect">
-            <a:avLst/>
-          </a:prstGeom>
-        </p:spPr>
-        <p:txBody>
-          <a:bodyPr wrap="square">
-            <a:spAutoFit/>
-          </a:bodyPr>
-          <a:lstStyle/>
-          <a:p>
-            <a:pPr>
-              <a:lnSpc>
-                <a:spcPts val="2120"/>
-              </a:lnSpc>
-              <a:spcAft>
-                <a:spcPts val="0"/>
-              </a:spcAft>
-            </a:pPr>
-            <a:r>
-              <a:rPr lang="en-CA" sz="1600" b="1" dirty="0">
-                <a:solidFill>
-                  <a:schemeClr val="tx2"/>
-                </a:solidFill>
-                <a:latin typeface="Calibri" panose="020F0502020204030204" pitchFamily="34" charset="0"/>
-                <a:ea typeface="Calibri" panose="020F0502020204030204" pitchFamily="34" charset="0"/>
-                <a:cs typeface="Consolas" panose="020B0609020204030204" pitchFamily="49" charset="0"/>
-              </a:rPr>
-              <a:t>Destination Node Address TLV (value TBA1):</a:t>
-            </a:r>
-          </a:p>
-          <a:p>
-            <a:pPr>
-              <a:lnSpc>
-                <a:spcPts val="2120"/>
-              </a:lnSpc>
-              <a:spcAft>
-                <a:spcPts val="0"/>
-              </a:spcAft>
-            </a:pPr>
-            <a:r>
-              <a:rPr lang="en-CA" sz="1600" dirty="0">
-                <a:solidFill>
-                  <a:schemeClr val="tx2"/>
-                </a:solidFill>
-                <a:latin typeface="Calibri" panose="020F0502020204030204" pitchFamily="34" charset="0"/>
-                <a:ea typeface="Calibri" panose="020F0502020204030204" pitchFamily="34" charset="0"/>
-                <a:cs typeface="Consolas" panose="020B0609020204030204" pitchFamily="49" charset="0"/>
-              </a:rPr>
-              <a:t> </a:t>
-            </a:r>
-          </a:p>
-          <a:p>
-            <a:pPr marL="285750" indent="-285750">
-              <a:lnSpc>
-                <a:spcPts val="2120"/>
-              </a:lnSpc>
-              <a:spcAft>
-                <a:spcPts val="0"/>
-              </a:spcAft>
-              <a:buFont typeface="Arial" panose="020B0604020202020204" pitchFamily="34" charset="0"/>
-              <a:buChar char="•"/>
-            </a:pPr>
-            <a:r>
-              <a:rPr lang="en-CA" sz="1600" dirty="0">
-                <a:solidFill>
-                  <a:schemeClr val="tx2"/>
-                </a:solidFill>
-                <a:latin typeface="Calibri" panose="020F0502020204030204" pitchFamily="34" charset="0"/>
-                <a:ea typeface="Calibri" panose="020F0502020204030204" pitchFamily="34" charset="0"/>
-                <a:cs typeface="Consolas" panose="020B0609020204030204" pitchFamily="49" charset="0"/>
-              </a:rPr>
-              <a:t>Indicates the address of the intended destination node of the Session-Sender test packet.  </a:t>
-            </a:r>
-          </a:p>
-          <a:p>
-            <a:pPr marL="285750" indent="-285750">
-              <a:lnSpc>
-                <a:spcPts val="2120"/>
-              </a:lnSpc>
-              <a:spcAft>
-                <a:spcPts val="0"/>
-              </a:spcAft>
-              <a:buFont typeface="Arial" panose="020B0604020202020204" pitchFamily="34" charset="0"/>
-              <a:buChar char="•"/>
-            </a:pPr>
-            <a:r>
-              <a:rPr lang="en-CA" sz="1600" dirty="0">
-                <a:solidFill>
-                  <a:schemeClr val="tx2"/>
-                </a:solidFill>
-                <a:latin typeface="Calibri" panose="020F0502020204030204" pitchFamily="34" charset="0"/>
-                <a:ea typeface="Calibri" panose="020F0502020204030204" pitchFamily="34" charset="0"/>
-                <a:cs typeface="Consolas" panose="020B0609020204030204" pitchFamily="49" charset="0"/>
-              </a:rPr>
-              <a:t>The Session-Reflector node </a:t>
-            </a:r>
-            <a:r>
-              <a:rPr lang="en-CA" sz="1600" b="1" dirty="0">
-                <a:solidFill>
-                  <a:schemeClr val="tx2"/>
-                </a:solidFill>
-                <a:latin typeface="Calibri" panose="020F0502020204030204" pitchFamily="34" charset="0"/>
-                <a:ea typeface="Calibri" panose="020F0502020204030204" pitchFamily="34" charset="0"/>
-                <a:cs typeface="Consolas" panose="020B0609020204030204" pitchFamily="49" charset="0"/>
-              </a:rPr>
-              <a:t>MUST NOT </a:t>
-            </a:r>
-            <a:r>
-              <a:rPr lang="en-CA" sz="1600" dirty="0">
-                <a:solidFill>
-                  <a:schemeClr val="tx2"/>
-                </a:solidFill>
-                <a:latin typeface="Calibri" panose="020F0502020204030204" pitchFamily="34" charset="0"/>
-                <a:ea typeface="Calibri" panose="020F0502020204030204" pitchFamily="34" charset="0"/>
-                <a:cs typeface="Consolas" panose="020B0609020204030204" pitchFamily="49" charset="0"/>
-              </a:rPr>
-              <a:t>send reply if it is not the intended destination node of the test packet.</a:t>
-            </a:r>
-          </a:p>
-          <a:p>
-            <a:pPr marL="285750" indent="-285750">
-              <a:lnSpc>
-                <a:spcPts val="2120"/>
-              </a:lnSpc>
-              <a:spcAft>
-                <a:spcPts val="0"/>
-              </a:spcAft>
-              <a:buFont typeface="Arial" panose="020B0604020202020204" pitchFamily="34" charset="0"/>
-              <a:buChar char="•"/>
-            </a:pPr>
-            <a:r>
-              <a:rPr lang="en-CA" sz="1600" dirty="0">
-                <a:solidFill>
-                  <a:schemeClr val="tx2"/>
-                </a:solidFill>
-                <a:latin typeface="Calibri" panose="020F0502020204030204" pitchFamily="34" charset="0"/>
-                <a:ea typeface="Calibri" panose="020F0502020204030204" pitchFamily="34" charset="0"/>
-                <a:cs typeface="Consolas" panose="020B0609020204030204" pitchFamily="49" charset="0"/>
-              </a:rPr>
-              <a:t>Useful when test packet is sent with 127/8 destination address (e.g. sweeping ECMP paths).</a:t>
-            </a:r>
-          </a:p>
-        </p:txBody>
-      </p:sp>
-    </p:spTree>
-    <p:extLst>
-      <p:ext uri="{BB962C8B-B14F-4D97-AF65-F5344CB8AC3E}">
-        <p14:creationId xmlns:p14="http://schemas.microsoft.com/office/powerpoint/2010/main" val="2343000683"/>
-      </p:ext>
-    </p:extLst>
-  </p:cSld>
-  <p:clrMapOvr>
-    <a:masterClrMapping/>
-  </p:clrMapOvr>
-</p:sld>
-</file>
-
-<file path=ppt/slides/slide9.xml><?xml version="1.0" encoding="utf-8"?>
-<p:sld xmlns:a="http://schemas.openxmlformats.org/drawingml/2006/main" xmlns:r="http://schemas.openxmlformats.org/officeDocument/2006/relationships" xmlns:p="http://schemas.openxmlformats.org/presentationml/2006/main">
-  <p:cSld>
-    <p:spTree>
-      <p:nvGrpSpPr>
-        <p:cNvPr id="1" name=""/>
-        <p:cNvGrpSpPr/>
-        <p:nvPr/>
-      </p:nvGrpSpPr>
-      <p:grpSpPr>
-        <a:xfrm>
-          <a:off x="0" y="0"/>
-          <a:ext cx="0" cy="0"/>
-          <a:chOff x="0" y="0"/>
-          <a:chExt cx="0" cy="0"/>
-        </a:xfrm>
-      </p:grpSpPr>
-      <p:sp>
-        <p:nvSpPr>
-          <p:cNvPr id="2" name="Title 1"/>
-          <p:cNvSpPr>
-            <a:spLocks noGrp="1"/>
-          </p:cNvSpPr>
-          <p:nvPr>
-            <p:ph type="title"/>
-          </p:nvPr>
-        </p:nvSpPr>
-        <p:spPr>
-          <a:xfrm>
-            <a:off x="457200" y="0"/>
-            <a:ext cx="8229600" cy="857250"/>
-          </a:xfrm>
-        </p:spPr>
-        <p:txBody>
-          <a:bodyPr/>
-          <a:lstStyle/>
-          <a:p>
-            <a:r>
-              <a:rPr lang="en-US" sz="3600" dirty="0">
-                <a:solidFill>
-                  <a:srgbClr val="0070C0"/>
-                </a:solidFill>
-                <a:latin typeface="Calibri Light" panose="020F0302020204030204" pitchFamily="34" charset="0"/>
-                <a:cs typeface="Calibri Light" panose="020F0302020204030204" pitchFamily="34" charset="0"/>
-              </a:rPr>
-              <a:t>Next Steps</a:t>
-            </a:r>
-          </a:p>
-        </p:txBody>
-      </p:sp>
-      <p:sp>
-        <p:nvSpPr>
-          <p:cNvPr id="3" name="Content Placeholder 2"/>
-          <p:cNvSpPr>
-            <a:spLocks noGrp="1"/>
-          </p:cNvSpPr>
-          <p:nvPr>
-            <p:ph idx="1"/>
-          </p:nvPr>
-        </p:nvSpPr>
-        <p:spPr>
-          <a:xfrm>
-            <a:off x="685800" y="1123950"/>
-            <a:ext cx="8001000" cy="2514599"/>
-          </a:xfrm>
-        </p:spPr>
-        <p:txBody>
-          <a:bodyPr/>
-          <a:lstStyle/>
-          <a:p>
-            <a:pPr lvl="0"/>
-            <a:r>
-              <a:rPr lang="en-US" sz="2400" dirty="0">
-                <a:latin typeface="Calibri" charset="0"/>
-                <a:ea typeface="Calibri" charset="0"/>
-                <a:cs typeface="Calibri" charset="0"/>
-              </a:rPr>
-              <a:t>Welcome your comments and suggestions</a:t>
-            </a:r>
-          </a:p>
-          <a:p>
-            <a:pPr lvl="0"/>
-            <a:r>
-              <a:rPr lang="en-US" sz="2400" dirty="0"/>
-              <a:t>Requesting WG adoption</a:t>
-            </a:r>
-            <a:endParaRPr lang="en-US" sz="2400" dirty="0">
-              <a:latin typeface="Calibri" charset="0"/>
-              <a:ea typeface="Calibri" charset="0"/>
-              <a:cs typeface="Calibri" charset="0"/>
-            </a:endParaRPr>
-          </a:p>
-          <a:p>
-            <a:endParaRPr lang="en-US" sz="2400" dirty="0">
-              <a:latin typeface="Calibri" charset="0"/>
-              <a:ea typeface="Calibri" charset="0"/>
-              <a:cs typeface="Calibri" charset="0"/>
-            </a:endParaRPr>
-          </a:p>
-        </p:txBody>
-      </p:sp>
-      <p:sp>
-        <p:nvSpPr>
-          <p:cNvPr id="4" name="Footer Placeholder 3"/>
-          <p:cNvSpPr>
-            <a:spLocks noGrp="1"/>
-          </p:cNvSpPr>
-          <p:nvPr>
-            <p:ph type="ftr" sz="quarter" idx="11"/>
-          </p:nvPr>
-        </p:nvSpPr>
-        <p:spPr>
-          <a:xfrm>
-            <a:off x="3048000" y="4786312"/>
-            <a:ext cx="2895600" cy="357188"/>
-          </a:xfrm>
-        </p:spPr>
-        <p:txBody>
-          <a:bodyPr/>
-          <a:lstStyle/>
-          <a:p>
-            <a:r>
-              <a:rPr lang="en-CA" dirty="0"/>
-              <a:t>110</a:t>
-            </a:r>
-            <a:r>
-              <a:rPr lang="en-CA" baseline="30000" dirty="0"/>
-              <a:t>th</a:t>
-            </a:r>
-            <a:r>
-              <a:rPr lang="en-CA" dirty="0"/>
-              <a:t> IETF Online</a:t>
-            </a:r>
-          </a:p>
-        </p:txBody>
-      </p:sp>
-      <p:sp>
-        <p:nvSpPr>
-          <p:cNvPr id="5" name="Slide Number Placeholder 4"/>
-          <p:cNvSpPr>
-            <a:spLocks noGrp="1"/>
-          </p:cNvSpPr>
-          <p:nvPr>
-            <p:ph type="sldNum" sz="quarter" idx="12"/>
-          </p:nvPr>
-        </p:nvSpPr>
-        <p:spPr/>
-        <p:txBody>
-          <a:bodyPr/>
-          <a:lstStyle/>
-          <a:p>
-            <a:pPr>
-              <a:defRPr/>
-            </a:pPr>
-            <a:fld id="{BD6E0F59-1DD8-40FC-9C92-B6295CBA6CCA}" type="slidenum">
-              <a:rPr lang="en-US" altLang="zh-CN" smtClean="0"/>
-              <a:pPr>
-                <a:defRPr/>
-              </a:pPr>
-              <a:t>9</a:t>
-            </a:fld>
-            <a:endParaRPr lang="en-US" altLang="zh-CN" dirty="0"/>
-          </a:p>
-        </p:txBody>
-      </p:sp>
-    </p:spTree>
-    <p:extLst>
-      <p:ext uri="{BB962C8B-B14F-4D97-AF65-F5344CB8AC3E}">
-        <p14:creationId xmlns:p14="http://schemas.microsoft.com/office/powerpoint/2010/main" val="256002898"/>
       </p:ext>
     </p:extLst>
   </p:cSld>

--- a/draft-gandhi-ippm-stamp-srpm-02.pptx
+++ b/draft-gandhi-ippm-stamp-srpm-02.pptx
@@ -5982,9 +5982,6 @@
             <a:pPr lvl="1"/>
             <a:r>
               <a:rPr lang="en-US" sz="1200" dirty="0">
-                <a:solidFill>
-                  <a:schemeClr val="tx2"/>
-                </a:solidFill>
                 <a:latin typeface="Calibri" panose="020F0502020204030204" pitchFamily="34" charset="0"/>
                 <a:cs typeface="Calibri" panose="020F0502020204030204" pitchFamily="34" charset="0"/>
               </a:rPr>
@@ -5995,9 +5992,6 @@
             <a:pPr lvl="1"/>
             <a:r>
               <a:rPr lang="en-US" sz="1200" dirty="0">
-                <a:solidFill>
-                  <a:schemeClr val="tx2"/>
-                </a:solidFill>
                 <a:latin typeface="Calibri" panose="020F0502020204030204" pitchFamily="34" charset="0"/>
                 <a:cs typeface="Calibri" panose="020F0502020204030204" pitchFamily="34" charset="0"/>
               </a:rPr>
@@ -6350,7 +6344,7 @@
                 <a:latin typeface="Calibri Light" panose="020F0302020204030204" pitchFamily="34" charset="0"/>
                 <a:cs typeface="Calibri Light" panose="020F0302020204030204" pitchFamily="34" charset="0"/>
               </a:rPr>
-              <a:t>Return Path Control Code Field - Usage</a:t>
+              <a:t>Return Path Control Code Sub-TLV - Usage</a:t>
             </a:r>
             <a:endParaRPr lang="en-US" sz="3200" dirty="0"/>
           </a:p>
@@ -6549,8 +6543,8 @@
         </p:nvSpPr>
         <p:spPr>
           <a:xfrm>
-            <a:off x="457200" y="102393"/>
-            <a:ext cx="8229600" cy="857250"/>
+            <a:off x="228600" y="102393"/>
+            <a:ext cx="8610600" cy="857250"/>
           </a:xfrm>
         </p:spPr>
         <p:txBody>
@@ -6565,7 +6559,7 @@
                 <a:latin typeface="Calibri Light" panose="020F0302020204030204" pitchFamily="34" charset="0"/>
                 <a:cs typeface="Calibri Light" panose="020F0302020204030204" pitchFamily="34" charset="0"/>
               </a:rPr>
-              <a:t>STAMP Return Segment List - Usage</a:t>
+              <a:t>Return Path Segment List Sub-TLV - Usage</a:t>
             </a:r>
             <a:endParaRPr lang="en-US" sz="3200" dirty="0"/>
           </a:p>
@@ -6618,7 +6612,7 @@
           <a:p>
             <a:r>
               <a:rPr lang="en-US" sz="1800" dirty="0"/>
-              <a:t>No signaling in SR</a:t>
+              <a:t>No signaling in SR (PCE can be used)</a:t>
             </a:r>
           </a:p>
           <a:p>

--- a/draft-gandhi-ippm-stamp-srpm-02.pptx
+++ b/draft-gandhi-ippm-stamp-srpm-02.pptx
@@ -5,10 +5,10 @@
     <p:sldMasterId id="2147483648" r:id="rId1"/>
   </p:sldMasterIdLst>
   <p:notesMasterIdLst>
-    <p:notesMasterId r:id="rId11"/>
+    <p:notesMasterId r:id="rId12"/>
   </p:notesMasterIdLst>
   <p:handoutMasterIdLst>
-    <p:handoutMasterId r:id="rId12"/>
+    <p:handoutMasterId r:id="rId13"/>
   </p:handoutMasterIdLst>
   <p:sldIdLst>
     <p:sldId id="1661" r:id="rId2"/>
@@ -16,10 +16,11 @@
     <p:sldId id="1663" r:id="rId4"/>
     <p:sldId id="1668" r:id="rId5"/>
     <p:sldId id="1669" r:id="rId6"/>
-    <p:sldId id="1673" r:id="rId7"/>
-    <p:sldId id="1674" r:id="rId8"/>
-    <p:sldId id="1670" r:id="rId9"/>
-    <p:sldId id="1671" r:id="rId10"/>
+    <p:sldId id="1675" r:id="rId7"/>
+    <p:sldId id="1673" r:id="rId8"/>
+    <p:sldId id="1674" r:id="rId9"/>
+    <p:sldId id="1670" r:id="rId10"/>
+    <p:sldId id="1671" r:id="rId11"/>
   </p:sldIdLst>
   <p:sldSz cx="9144000" cy="5143500" type="screen16x9"/>
   <p:notesSz cx="6858000" cy="9144000"/>
@@ -252,7 +253,7 @@
           <a:p>
             <a:fld id="{E8FA3DB5-7722-3F4F-947D-12B203669AD7}" type="datetimeFigureOut">
               <a:rPr lang="en-US" smtClean="0"/>
-              <a:t>2/4/21</a:t>
+              <a:t>2/5/21</a:t>
             </a:fld>
             <a:endParaRPr lang="en-US"/>
           </a:p>
@@ -1120,7 +1121,7 @@
               <a:pPr>
                 <a:defRPr/>
               </a:pPr>
-              <a:t>8</a:t>
+              <a:t>9</a:t>
             </a:fld>
             <a:endParaRPr lang="en-US" altLang="zh-CN"/>
           </a:p>
@@ -1210,7 +1211,7 @@
               <a:pPr>
                 <a:defRPr/>
               </a:pPr>
-              <a:t>9</a:t>
+              <a:t>10</a:t>
             </a:fld>
             <a:endParaRPr lang="en-US" altLang="zh-CN"/>
           </a:p>
@@ -4804,2112 +4805,7 @@
 </p:sld>
 </file>
 
-<file path=ppt/slides/slide2.xml><?xml version="1.0" encoding="utf-8"?>
-<p:sld xmlns:a="http://schemas.openxmlformats.org/drawingml/2006/main" xmlns:r="http://schemas.openxmlformats.org/officeDocument/2006/relationships" xmlns:p="http://schemas.openxmlformats.org/presentationml/2006/main">
-  <p:cSld>
-    <p:spTree>
-      <p:nvGrpSpPr>
-        <p:cNvPr id="1" name=""/>
-        <p:cNvGrpSpPr/>
-        <p:nvPr/>
-      </p:nvGrpSpPr>
-      <p:grpSpPr>
-        <a:xfrm>
-          <a:off x="0" y="0"/>
-          <a:ext cx="0" cy="0"/>
-          <a:chOff x="0" y="0"/>
-          <a:chExt cx="0" cy="0"/>
-        </a:xfrm>
-      </p:grpSpPr>
-      <p:sp>
-        <p:nvSpPr>
-          <p:cNvPr id="2" name="Title 1"/>
-          <p:cNvSpPr>
-            <a:spLocks noGrp="1"/>
-          </p:cNvSpPr>
-          <p:nvPr>
-            <p:ph type="title"/>
-          </p:nvPr>
-        </p:nvSpPr>
-        <p:spPr>
-          <a:xfrm>
-            <a:off x="457200" y="98823"/>
-            <a:ext cx="8229600" cy="857250"/>
-          </a:xfrm>
-        </p:spPr>
-        <p:txBody>
-          <a:bodyPr/>
-          <a:lstStyle/>
-          <a:p>
-            <a:r>
-              <a:rPr lang="en-US" sz="3600" dirty="0">
-                <a:solidFill>
-                  <a:srgbClr val="0070C0"/>
-                </a:solidFill>
-                <a:latin typeface="Calibri Light" panose="020F0302020204030204" pitchFamily="34" charset="0"/>
-                <a:cs typeface="Calibri Light" panose="020F0302020204030204" pitchFamily="34" charset="0"/>
-              </a:rPr>
-              <a:t>Agenda</a:t>
-            </a:r>
-          </a:p>
-        </p:txBody>
-      </p:sp>
-      <p:sp>
-        <p:nvSpPr>
-          <p:cNvPr id="3" name="Content Placeholder 2"/>
-          <p:cNvSpPr>
-            <a:spLocks noGrp="1"/>
-          </p:cNvSpPr>
-          <p:nvPr>
-            <p:ph idx="1"/>
-          </p:nvPr>
-        </p:nvSpPr>
-        <p:spPr>
-          <a:xfrm>
-            <a:off x="573741" y="1157288"/>
-            <a:ext cx="8113059" cy="3124200"/>
-          </a:xfrm>
-        </p:spPr>
-        <p:txBody>
-          <a:bodyPr/>
-          <a:lstStyle/>
-          <a:p>
-            <a:r>
-              <a:rPr lang="en-US" sz="2400" dirty="0"/>
-              <a:t>Requirements and Scope</a:t>
-            </a:r>
-          </a:p>
-          <a:p>
-            <a:r>
-              <a:rPr lang="en-US" sz="2400" dirty="0"/>
-              <a:t>Summary of Extensions</a:t>
-            </a:r>
-          </a:p>
-          <a:p>
-            <a:r>
-              <a:rPr lang="en-US" sz="2400" dirty="0"/>
-              <a:t>Next Steps</a:t>
-            </a:r>
-          </a:p>
-        </p:txBody>
-      </p:sp>
-      <p:sp>
-        <p:nvSpPr>
-          <p:cNvPr id="4" name="Footer Placeholder 3"/>
-          <p:cNvSpPr>
-            <a:spLocks noGrp="1"/>
-          </p:cNvSpPr>
-          <p:nvPr>
-            <p:ph type="ftr" sz="quarter" idx="11"/>
-          </p:nvPr>
-        </p:nvSpPr>
-        <p:spPr>
-          <a:xfrm>
-            <a:off x="3124200" y="4786312"/>
-            <a:ext cx="2895600" cy="357188"/>
-          </a:xfrm>
-        </p:spPr>
-        <p:txBody>
-          <a:bodyPr/>
-          <a:lstStyle/>
-          <a:p>
-            <a:r>
-              <a:rPr lang="en-CA" dirty="0"/>
-              <a:t>110</a:t>
-            </a:r>
-            <a:r>
-              <a:rPr lang="en-CA" baseline="30000" dirty="0"/>
-              <a:t>th</a:t>
-            </a:r>
-            <a:r>
-              <a:rPr lang="en-CA" dirty="0"/>
-              <a:t> IETF Online</a:t>
-            </a:r>
-          </a:p>
-        </p:txBody>
-      </p:sp>
-      <p:sp>
-        <p:nvSpPr>
-          <p:cNvPr id="5" name="Slide Number Placeholder 4"/>
-          <p:cNvSpPr>
-            <a:spLocks noGrp="1"/>
-          </p:cNvSpPr>
-          <p:nvPr>
-            <p:ph type="sldNum" sz="quarter" idx="12"/>
-          </p:nvPr>
-        </p:nvSpPr>
-        <p:spPr/>
-        <p:txBody>
-          <a:bodyPr/>
-          <a:lstStyle/>
-          <a:p>
-            <a:pPr>
-              <a:defRPr/>
-            </a:pPr>
-            <a:fld id="{BD6E0F59-1DD8-40FC-9C92-B6295CBA6CCA}" type="slidenum">
-              <a:rPr lang="en-US" altLang="zh-CN" smtClean="0"/>
-              <a:pPr>
-                <a:defRPr/>
-              </a:pPr>
-              <a:t>2</a:t>
-            </a:fld>
-            <a:endParaRPr lang="en-US" altLang="zh-CN"/>
-          </a:p>
-        </p:txBody>
-      </p:sp>
-    </p:spTree>
-    <p:extLst>
-      <p:ext uri="{BB962C8B-B14F-4D97-AF65-F5344CB8AC3E}">
-        <p14:creationId xmlns:p14="http://schemas.microsoft.com/office/powerpoint/2010/main" val="3204099515"/>
-      </p:ext>
-    </p:extLst>
-  </p:cSld>
-  <p:clrMapOvr>
-    <a:masterClrMapping/>
-  </p:clrMapOvr>
-</p:sld>
-</file>
-
-<file path=ppt/slides/slide3.xml><?xml version="1.0" encoding="utf-8"?>
-<p:sld xmlns:a="http://schemas.openxmlformats.org/drawingml/2006/main" xmlns:r="http://schemas.openxmlformats.org/officeDocument/2006/relationships" xmlns:p="http://schemas.openxmlformats.org/presentationml/2006/main">
-  <p:cSld>
-    <p:spTree>
-      <p:nvGrpSpPr>
-        <p:cNvPr id="1" name=""/>
-        <p:cNvGrpSpPr/>
-        <p:nvPr/>
-      </p:nvGrpSpPr>
-      <p:grpSpPr>
-        <a:xfrm>
-          <a:off x="0" y="0"/>
-          <a:ext cx="0" cy="0"/>
-          <a:chOff x="0" y="0"/>
-          <a:chExt cx="0" cy="0"/>
-        </a:xfrm>
-      </p:grpSpPr>
-      <p:sp>
-        <p:nvSpPr>
-          <p:cNvPr id="2" name="Title 1"/>
-          <p:cNvSpPr>
-            <a:spLocks noGrp="1"/>
-          </p:cNvSpPr>
-          <p:nvPr>
-            <p:ph type="title"/>
-          </p:nvPr>
-        </p:nvSpPr>
-        <p:spPr>
-          <a:xfrm>
-            <a:off x="457200" y="0"/>
-            <a:ext cx="8229600" cy="857250"/>
-          </a:xfrm>
-        </p:spPr>
-        <p:txBody>
-          <a:bodyPr/>
-          <a:lstStyle/>
-          <a:p>
-            <a:r>
-              <a:rPr lang="en-US" sz="3600" dirty="0">
-                <a:solidFill>
-                  <a:srgbClr val="0070C0"/>
-                </a:solidFill>
-                <a:latin typeface="Calibri Light" panose="020F0302020204030204" pitchFamily="34" charset="0"/>
-                <a:cs typeface="Calibri Light" panose="020F0302020204030204" pitchFamily="34" charset="0"/>
-              </a:rPr>
-              <a:t>Requirements and Scope</a:t>
-            </a:r>
-          </a:p>
-        </p:txBody>
-      </p:sp>
-      <p:sp>
-        <p:nvSpPr>
-          <p:cNvPr id="3" name="Content Placeholder 2"/>
-          <p:cNvSpPr>
-            <a:spLocks noGrp="1"/>
-          </p:cNvSpPr>
-          <p:nvPr>
-            <p:ph idx="1"/>
-          </p:nvPr>
-        </p:nvSpPr>
-        <p:spPr>
-          <a:xfrm>
-            <a:off x="685800" y="971550"/>
-            <a:ext cx="7772400" cy="3581399"/>
-          </a:xfrm>
-        </p:spPr>
-        <p:txBody>
-          <a:bodyPr/>
-          <a:lstStyle/>
-          <a:p>
-            <a:pPr marL="0" indent="0">
-              <a:buNone/>
-            </a:pPr>
-            <a:r>
-              <a:rPr lang="en-US" sz="1600" dirty="0"/>
-              <a:t>Requirements:</a:t>
-            </a:r>
-          </a:p>
-          <a:p>
-            <a:pPr lvl="1">
-              <a:buFont typeface="Wingdings" charset="2"/>
-              <a:buChar char="§"/>
-            </a:pPr>
-            <a:r>
-              <a:rPr lang="en-US" sz="1600" dirty="0"/>
-              <a:t>Support in-band Performance Measurement for links and SR paths</a:t>
-            </a:r>
-          </a:p>
-          <a:p>
-            <a:pPr marL="0" indent="0">
-              <a:buNone/>
-            </a:pPr>
-            <a:r>
-              <a:rPr lang="en-US" sz="1600" dirty="0"/>
-              <a:t>Goals: </a:t>
-            </a:r>
-          </a:p>
-          <a:p>
-            <a:pPr lvl="1">
-              <a:buFont typeface="Wingdings" charset="2"/>
-              <a:buChar char="§"/>
-            </a:pPr>
-            <a:r>
-              <a:rPr lang="en-US" sz="1600" dirty="0"/>
-              <a:t>Avoid provisioning test sessions on Session-Reflector for stateless mode</a:t>
-            </a:r>
-          </a:p>
-          <a:p>
-            <a:pPr lvl="1">
-              <a:buFont typeface="Wingdings" charset="2"/>
-              <a:buChar char="§"/>
-            </a:pPr>
-            <a:r>
-              <a:rPr lang="en-US" sz="1600" dirty="0"/>
-              <a:t>Avoid control protocol for signaling dynamic parameters</a:t>
-            </a:r>
-          </a:p>
-          <a:p>
-            <a:pPr lvl="1">
-              <a:buFont typeface="Wingdings" charset="2"/>
-              <a:buChar char="§"/>
-            </a:pPr>
-            <a:r>
-              <a:rPr lang="en-US" sz="1600" dirty="0"/>
-              <a:t>High scale for number of test sessions and faster detection interval</a:t>
-            </a:r>
-          </a:p>
-          <a:p>
-            <a:pPr lvl="2">
-              <a:buFont typeface="Wingdings" charset="2"/>
-              <a:buChar char="§"/>
-            </a:pPr>
-            <a:r>
-              <a:rPr lang="en-US" sz="1600" dirty="0"/>
-              <a:t>Support hardware implementation</a:t>
-            </a:r>
-          </a:p>
-          <a:p>
-            <a:pPr marL="0" lvl="1" indent="0">
-              <a:buNone/>
-            </a:pPr>
-            <a:r>
-              <a:rPr lang="en-US" sz="1600" dirty="0"/>
-              <a:t>Scope:</a:t>
-            </a:r>
-          </a:p>
-          <a:p>
-            <a:pPr lvl="1">
-              <a:buFont typeface="Wingdings" pitchFamily="2" charset="2"/>
-              <a:buChar char="§"/>
-            </a:pPr>
-            <a:r>
-              <a:rPr lang="en-US" sz="1600" dirty="0"/>
-              <a:t>STAMP [</a:t>
-            </a:r>
-            <a:r>
-              <a:rPr lang="en-CA" sz="1600" dirty="0"/>
-              <a:t>RFC 8762</a:t>
-            </a:r>
-            <a:r>
-              <a:rPr lang="en-US" sz="1600" dirty="0"/>
-              <a:t>]</a:t>
-            </a:r>
-          </a:p>
-          <a:p>
-            <a:pPr lvl="1">
-              <a:buFont typeface="Wingdings" charset="2"/>
-              <a:buChar char="§"/>
-            </a:pPr>
-            <a:r>
-              <a:rPr lang="en-US" sz="1600" dirty="0"/>
-              <a:t>STAMP Extensions [</a:t>
-            </a:r>
-            <a:r>
-              <a:rPr lang="en-CA" sz="1600" dirty="0"/>
-              <a:t>RFC 8972]</a:t>
-            </a:r>
-            <a:endParaRPr lang="en-US" sz="1600" dirty="0"/>
-          </a:p>
-        </p:txBody>
-      </p:sp>
-      <p:sp>
-        <p:nvSpPr>
-          <p:cNvPr id="4" name="Footer Placeholder 3"/>
-          <p:cNvSpPr>
-            <a:spLocks noGrp="1"/>
-          </p:cNvSpPr>
-          <p:nvPr>
-            <p:ph type="ftr" sz="quarter" idx="11"/>
-          </p:nvPr>
-        </p:nvSpPr>
-        <p:spPr>
-          <a:xfrm>
-            <a:off x="3124200" y="4786312"/>
-            <a:ext cx="2895600" cy="357188"/>
-          </a:xfrm>
-        </p:spPr>
-        <p:txBody>
-          <a:bodyPr/>
-          <a:lstStyle/>
-          <a:p>
-            <a:r>
-              <a:rPr lang="en-CA" dirty="0"/>
-              <a:t>110</a:t>
-            </a:r>
-            <a:r>
-              <a:rPr lang="en-CA" baseline="30000" dirty="0"/>
-              <a:t>th</a:t>
-            </a:r>
-            <a:r>
-              <a:rPr lang="en-CA" dirty="0"/>
-              <a:t> IETF Online</a:t>
-            </a:r>
-          </a:p>
-        </p:txBody>
-      </p:sp>
-      <p:sp>
-        <p:nvSpPr>
-          <p:cNvPr id="5" name="Slide Number Placeholder 4"/>
-          <p:cNvSpPr>
-            <a:spLocks noGrp="1"/>
-          </p:cNvSpPr>
-          <p:nvPr>
-            <p:ph type="sldNum" sz="quarter" idx="12"/>
-          </p:nvPr>
-        </p:nvSpPr>
-        <p:spPr/>
-        <p:txBody>
-          <a:bodyPr/>
-          <a:lstStyle/>
-          <a:p>
-            <a:pPr>
-              <a:defRPr/>
-            </a:pPr>
-            <a:fld id="{BD6E0F59-1DD8-40FC-9C92-B6295CBA6CCA}" type="slidenum">
-              <a:rPr lang="en-US" altLang="zh-CN" smtClean="0"/>
-              <a:pPr>
-                <a:defRPr/>
-              </a:pPr>
-              <a:t>3</a:t>
-            </a:fld>
-            <a:endParaRPr lang="en-US" altLang="zh-CN" dirty="0"/>
-          </a:p>
-        </p:txBody>
-      </p:sp>
-    </p:spTree>
-    <p:extLst>
-      <p:ext uri="{BB962C8B-B14F-4D97-AF65-F5344CB8AC3E}">
-        <p14:creationId xmlns:p14="http://schemas.microsoft.com/office/powerpoint/2010/main" val="1576110362"/>
-      </p:ext>
-    </p:extLst>
-  </p:cSld>
-  <p:clrMapOvr>
-    <a:masterClrMapping/>
-  </p:clrMapOvr>
-</p:sld>
-</file>
-
-<file path=ppt/slides/slide4.xml><?xml version="1.0" encoding="utf-8"?>
-<p:sld xmlns:a="http://schemas.openxmlformats.org/drawingml/2006/main" xmlns:r="http://schemas.openxmlformats.org/officeDocument/2006/relationships" xmlns:p="http://schemas.openxmlformats.org/presentationml/2006/main">
-  <p:cSld>
-    <p:spTree>
-      <p:nvGrpSpPr>
-        <p:cNvPr id="1" name=""/>
-        <p:cNvGrpSpPr/>
-        <p:nvPr/>
-      </p:nvGrpSpPr>
-      <p:grpSpPr>
-        <a:xfrm>
-          <a:off x="0" y="0"/>
-          <a:ext cx="0" cy="0"/>
-          <a:chOff x="0" y="0"/>
-          <a:chExt cx="0" cy="0"/>
-        </a:xfrm>
-      </p:grpSpPr>
-      <p:sp>
-        <p:nvSpPr>
-          <p:cNvPr id="2" name="Title 1">
-            <a:extLst>
-              <a:ext uri="{FF2B5EF4-FFF2-40B4-BE49-F238E27FC236}">
-                <a16:creationId xmlns:a16="http://schemas.microsoft.com/office/drawing/2014/main" id="{9A6F4236-AC14-394A-A36C-F2BD8CED3237}"/>
-              </a:ext>
-            </a:extLst>
-          </p:cNvPr>
-          <p:cNvSpPr>
-            <a:spLocks noGrp="1"/>
-          </p:cNvSpPr>
-          <p:nvPr>
-            <p:ph type="title"/>
-          </p:nvPr>
-        </p:nvSpPr>
-        <p:spPr>
-          <a:xfrm>
-            <a:off x="228600" y="-20187"/>
-            <a:ext cx="8686800" cy="857250"/>
-          </a:xfrm>
-        </p:spPr>
-        <p:txBody>
-          <a:bodyPr/>
-          <a:lstStyle/>
-          <a:p>
-            <a:r>
-              <a:rPr lang="en-US" sz="3200" dirty="0">
-                <a:solidFill>
-                  <a:srgbClr val="0070C0"/>
-                </a:solidFill>
-                <a:latin typeface="Calibri Light" panose="020F0302020204030204" pitchFamily="34" charset="0"/>
-                <a:cs typeface="Calibri Light" panose="020F0302020204030204" pitchFamily="34" charset="0"/>
-              </a:rPr>
-              <a:t>STAMP Destination Node Address TLV</a:t>
-            </a:r>
-          </a:p>
-        </p:txBody>
-      </p:sp>
-      <p:sp>
-        <p:nvSpPr>
-          <p:cNvPr id="4" name="Footer Placeholder 3">
-            <a:extLst>
-              <a:ext uri="{FF2B5EF4-FFF2-40B4-BE49-F238E27FC236}">
-                <a16:creationId xmlns:a16="http://schemas.microsoft.com/office/drawing/2014/main" id="{643D160E-CC3C-EB46-A6F1-43B8E2996F46}"/>
-              </a:ext>
-            </a:extLst>
-          </p:cNvPr>
-          <p:cNvSpPr>
-            <a:spLocks noGrp="1"/>
-          </p:cNvSpPr>
-          <p:nvPr>
-            <p:ph type="ftr" sz="quarter" idx="11"/>
-          </p:nvPr>
-        </p:nvSpPr>
-        <p:spPr>
-          <a:xfrm>
-            <a:off x="3124200" y="4805362"/>
-            <a:ext cx="2895600" cy="357188"/>
-          </a:xfrm>
-        </p:spPr>
-        <p:txBody>
-          <a:bodyPr/>
-          <a:lstStyle/>
-          <a:p>
-            <a:r>
-              <a:rPr lang="en-CA" dirty="0"/>
-              <a:t>110</a:t>
-            </a:r>
-            <a:r>
-              <a:rPr lang="en-CA" baseline="30000" dirty="0"/>
-              <a:t>th</a:t>
-            </a:r>
-            <a:r>
-              <a:rPr lang="en-CA" dirty="0"/>
-              <a:t> IETF Online</a:t>
-            </a:r>
-          </a:p>
-        </p:txBody>
-      </p:sp>
-      <p:sp>
-        <p:nvSpPr>
-          <p:cNvPr id="5" name="Slide Number Placeholder 4">
-            <a:extLst>
-              <a:ext uri="{FF2B5EF4-FFF2-40B4-BE49-F238E27FC236}">
-                <a16:creationId xmlns:a16="http://schemas.microsoft.com/office/drawing/2014/main" id="{A8B868AE-B105-7547-A646-14FCDF91C2DD}"/>
-              </a:ext>
-            </a:extLst>
-          </p:cNvPr>
-          <p:cNvSpPr>
-            <a:spLocks noGrp="1"/>
-          </p:cNvSpPr>
-          <p:nvPr>
-            <p:ph type="sldNum" sz="quarter" idx="12"/>
-          </p:nvPr>
-        </p:nvSpPr>
-        <p:spPr/>
-        <p:txBody>
-          <a:bodyPr/>
-          <a:lstStyle/>
-          <a:p>
-            <a:pPr>
-              <a:defRPr/>
-            </a:pPr>
-            <a:fld id="{BD6E0F59-1DD8-40FC-9C92-B6295CBA6CCA}" type="slidenum">
-              <a:rPr lang="en-US" altLang="zh-CN" smtClean="0"/>
-              <a:pPr>
-                <a:defRPr/>
-              </a:pPr>
-              <a:t>4</a:t>
-            </a:fld>
-            <a:endParaRPr lang="en-US" altLang="zh-CN"/>
-          </a:p>
-        </p:txBody>
-      </p:sp>
-      <p:sp>
-        <p:nvSpPr>
-          <p:cNvPr id="7" name="Rectangle 6">
-            <a:extLst>
-              <a:ext uri="{FF2B5EF4-FFF2-40B4-BE49-F238E27FC236}">
-                <a16:creationId xmlns:a16="http://schemas.microsoft.com/office/drawing/2014/main" id="{AA6E66CA-28BC-2C4A-BC04-4600D8FEBF3B}"/>
-              </a:ext>
-            </a:extLst>
-          </p:cNvPr>
-          <p:cNvSpPr/>
-          <p:nvPr/>
-        </p:nvSpPr>
-        <p:spPr>
-          <a:xfrm>
-            <a:off x="4223657" y="1712824"/>
-            <a:ext cx="4648200" cy="1615827"/>
-          </a:xfrm>
-          <a:prstGeom prst="rect">
-            <a:avLst/>
-          </a:prstGeom>
-          <a:solidFill>
-            <a:schemeClr val="accent6">
-              <a:lumMod val="20000"/>
-              <a:lumOff val="80000"/>
-            </a:schemeClr>
-          </a:solidFill>
-        </p:spPr>
-        <p:txBody>
-          <a:bodyPr wrap="square">
-            <a:spAutoFit/>
-          </a:bodyPr>
-          <a:lstStyle/>
-          <a:p>
-            <a:r>
-              <a:rPr lang="en-CA" sz="900" dirty="0">
-                <a:latin typeface="Courier" pitchFamily="2" charset="0"/>
-                <a:cs typeface="Courier New" panose="02070309020205020404" pitchFamily="49" charset="0"/>
-              </a:rPr>
-              <a:t>0                   1                   2                   3</a:t>
-            </a:r>
-          </a:p>
-          <a:p>
-            <a:r>
-              <a:rPr lang="en-CA" sz="900" dirty="0">
-                <a:latin typeface="Courier" pitchFamily="2" charset="0"/>
-                <a:cs typeface="Courier New" panose="02070309020205020404" pitchFamily="49" charset="0"/>
-              </a:rPr>
-              <a:t>0 1 2 3 4 5 6 7 8 9 0 1 2 3 4 5 6 7 8 9 0 1 2 3 4 5 6 7 8 9 0 1</a:t>
-            </a:r>
-          </a:p>
-          <a:p>
-            <a:r>
-              <a:rPr lang="en-CA" sz="900" dirty="0">
-                <a:latin typeface="Courier" pitchFamily="2" charset="0"/>
-                <a:cs typeface="Courier New" panose="02070309020205020404" pitchFamily="49" charset="0"/>
-              </a:rPr>
-              <a:t>+-+-+-+-+-+-+-+-+-+-+-+-+-+-+-+-+-+-+-+-+-+-+-+-+-+-+-+-+-+-+-+-+</a:t>
-            </a:r>
-          </a:p>
-          <a:p>
-            <a:r>
-              <a:rPr lang="en-CA" sz="900" dirty="0">
-                <a:latin typeface="Courier" pitchFamily="2" charset="0"/>
-              </a:rPr>
-              <a:t>|STAMP TLV Flags|  Type = TBA1  |     Length                    |</a:t>
-            </a:r>
-          </a:p>
-          <a:p>
-            <a:r>
-              <a:rPr lang="en-CA" sz="900" dirty="0">
-                <a:latin typeface="Courier" pitchFamily="2" charset="0"/>
-                <a:cs typeface="Courier New" panose="02070309020205020404" pitchFamily="49" charset="0"/>
-              </a:rPr>
-              <a:t>+-+-+-+-+-+-+-+-+-+-+-+-+-+-+-+-+-+-+-+-+-+-+-+-+-+-+-+-+-+-+-+-+</a:t>
-            </a:r>
-          </a:p>
-          <a:p>
-            <a:r>
-              <a:rPr lang="en-CA" sz="900" dirty="0">
-                <a:latin typeface="Courier" pitchFamily="2" charset="0"/>
-                <a:cs typeface="Courier New" panose="02070309020205020404" pitchFamily="49" charset="0"/>
-              </a:rPr>
-              <a:t>|     Reserved                  |        Address Family         |</a:t>
-            </a:r>
-          </a:p>
-          <a:p>
-            <a:r>
-              <a:rPr lang="en-CA" sz="900" dirty="0">
-                <a:latin typeface="Courier" pitchFamily="2" charset="0"/>
-                <a:cs typeface="Courier New" panose="02070309020205020404" pitchFamily="49" charset="0"/>
-              </a:rPr>
-              <a:t>+-+-+-+-+-+-+-+-+-+-+-+-+-+-+-+-+-+-+-+-+-+-+-+-+-+-+-+-+-+-+-+-+</a:t>
-            </a:r>
-          </a:p>
-          <a:p>
-            <a:r>
-              <a:rPr lang="en-CA" sz="900" dirty="0">
-                <a:latin typeface="Courier" pitchFamily="2" charset="0"/>
-                <a:cs typeface="Courier New" panose="02070309020205020404" pitchFamily="49" charset="0"/>
-              </a:rPr>
-              <a:t>~                           Address                             ~</a:t>
-            </a:r>
-          </a:p>
-          <a:p>
-            <a:r>
-              <a:rPr lang="en-CA" sz="900" dirty="0">
-                <a:latin typeface="Courier" pitchFamily="2" charset="0"/>
-                <a:cs typeface="Courier New" panose="02070309020205020404" pitchFamily="49" charset="0"/>
-              </a:rPr>
-              <a:t>+-+-+-+-+-+-+-+-+-+-+-+-+-+-+-+-+-+-+-+-+-+-+-+-+-+-+-+-+-+-+-+-+</a:t>
-            </a:r>
-          </a:p>
-          <a:p>
-            <a:r>
-              <a:rPr lang="en-CA" sz="900" dirty="0">
-                <a:latin typeface="Courier" pitchFamily="2" charset="0"/>
-                <a:cs typeface="Courier New" panose="02070309020205020404" pitchFamily="49" charset="0"/>
-              </a:rPr>
-              <a:t> </a:t>
-            </a:r>
-          </a:p>
-          <a:p>
-            <a:r>
-              <a:rPr lang="en-CA" sz="900" dirty="0">
-                <a:latin typeface="Courier" pitchFamily="2" charset="0"/>
-                <a:cs typeface="Courier New" panose="02070309020205020404" pitchFamily="49" charset="0"/>
-              </a:rPr>
-              <a:t>            Figure: Destination Node Address TLV Format </a:t>
-            </a:r>
-            <a:endParaRPr lang="en-US" sz="900" dirty="0">
-              <a:latin typeface="Courier" pitchFamily="2" charset="0"/>
-              <a:cs typeface="Courier New" panose="02070309020205020404" pitchFamily="49" charset="0"/>
-            </a:endParaRPr>
-          </a:p>
-        </p:txBody>
-      </p:sp>
-      <p:sp>
-        <p:nvSpPr>
-          <p:cNvPr id="9" name="Rectangle 8">
-            <a:extLst>
-              <a:ext uri="{FF2B5EF4-FFF2-40B4-BE49-F238E27FC236}">
-                <a16:creationId xmlns:a16="http://schemas.microsoft.com/office/drawing/2014/main" id="{8BD4B8E2-831D-5C4C-9AA6-259F0AB5BE90}"/>
-              </a:ext>
-            </a:extLst>
-          </p:cNvPr>
-          <p:cNvSpPr/>
-          <p:nvPr/>
-        </p:nvSpPr>
-        <p:spPr>
-          <a:xfrm>
-            <a:off x="299357" y="1149180"/>
-            <a:ext cx="3924300" cy="3041538"/>
-          </a:xfrm>
-          <a:prstGeom prst="rect">
-            <a:avLst/>
-          </a:prstGeom>
-        </p:spPr>
-        <p:txBody>
-          <a:bodyPr wrap="square">
-            <a:spAutoFit/>
-          </a:bodyPr>
-          <a:lstStyle/>
-          <a:p>
-            <a:pPr>
-              <a:lnSpc>
-                <a:spcPts val="2120"/>
-              </a:lnSpc>
-              <a:spcAft>
-                <a:spcPts val="0"/>
-              </a:spcAft>
-            </a:pPr>
-            <a:r>
-              <a:rPr lang="en-CA" sz="1600" b="1" dirty="0">
-                <a:solidFill>
-                  <a:schemeClr val="tx2"/>
-                </a:solidFill>
-                <a:latin typeface="Calibri" panose="020F0502020204030204" pitchFamily="34" charset="0"/>
-                <a:ea typeface="Calibri" panose="020F0502020204030204" pitchFamily="34" charset="0"/>
-                <a:cs typeface="Consolas" panose="020B0609020204030204" pitchFamily="49" charset="0"/>
-              </a:rPr>
-              <a:t>Destination Node Address TLV (value TBA1):</a:t>
-            </a:r>
-          </a:p>
-          <a:p>
-            <a:pPr>
-              <a:lnSpc>
-                <a:spcPts val="2120"/>
-              </a:lnSpc>
-              <a:spcAft>
-                <a:spcPts val="0"/>
-              </a:spcAft>
-            </a:pPr>
-            <a:r>
-              <a:rPr lang="en-CA" sz="1600" dirty="0">
-                <a:solidFill>
-                  <a:schemeClr val="tx2"/>
-                </a:solidFill>
-                <a:latin typeface="Calibri" panose="020F0502020204030204" pitchFamily="34" charset="0"/>
-                <a:ea typeface="Calibri" panose="020F0502020204030204" pitchFamily="34" charset="0"/>
-                <a:cs typeface="Consolas" panose="020B0609020204030204" pitchFamily="49" charset="0"/>
-              </a:rPr>
-              <a:t> </a:t>
-            </a:r>
-          </a:p>
-          <a:p>
-            <a:pPr marL="285750" indent="-285750">
-              <a:lnSpc>
-                <a:spcPts val="2120"/>
-              </a:lnSpc>
-              <a:spcAft>
-                <a:spcPts val="0"/>
-              </a:spcAft>
-              <a:buFont typeface="Arial" panose="020B0604020202020204" pitchFamily="34" charset="0"/>
-              <a:buChar char="•"/>
-            </a:pPr>
-            <a:r>
-              <a:rPr lang="en-CA" sz="1600" dirty="0">
-                <a:solidFill>
-                  <a:schemeClr val="tx2"/>
-                </a:solidFill>
-                <a:latin typeface="Calibri" panose="020F0502020204030204" pitchFamily="34" charset="0"/>
-                <a:ea typeface="Calibri" panose="020F0502020204030204" pitchFamily="34" charset="0"/>
-                <a:cs typeface="Consolas" panose="020B0609020204030204" pitchFamily="49" charset="0"/>
-              </a:rPr>
-              <a:t>Indicates the address of the intended destination node of the Session-Sender test packet.  </a:t>
-            </a:r>
-          </a:p>
-          <a:p>
-            <a:pPr marL="285750" indent="-285750">
-              <a:lnSpc>
-                <a:spcPts val="2120"/>
-              </a:lnSpc>
-              <a:spcAft>
-                <a:spcPts val="0"/>
-              </a:spcAft>
-              <a:buFont typeface="Arial" panose="020B0604020202020204" pitchFamily="34" charset="0"/>
-              <a:buChar char="•"/>
-            </a:pPr>
-            <a:r>
-              <a:rPr lang="en-CA" sz="1600" dirty="0">
-                <a:solidFill>
-                  <a:schemeClr val="tx2"/>
-                </a:solidFill>
-                <a:latin typeface="Calibri" panose="020F0502020204030204" pitchFamily="34" charset="0"/>
-                <a:ea typeface="Calibri" panose="020F0502020204030204" pitchFamily="34" charset="0"/>
-                <a:cs typeface="Consolas" panose="020B0609020204030204" pitchFamily="49" charset="0"/>
-              </a:rPr>
-              <a:t>The Session-Reflector node </a:t>
-            </a:r>
-            <a:r>
-              <a:rPr lang="en-CA" sz="1600" b="1" dirty="0">
-                <a:solidFill>
-                  <a:schemeClr val="tx2"/>
-                </a:solidFill>
-                <a:latin typeface="Calibri" panose="020F0502020204030204" pitchFamily="34" charset="0"/>
-                <a:ea typeface="Calibri" panose="020F0502020204030204" pitchFamily="34" charset="0"/>
-                <a:cs typeface="Consolas" panose="020B0609020204030204" pitchFamily="49" charset="0"/>
-              </a:rPr>
-              <a:t>MUST NOT </a:t>
-            </a:r>
-            <a:r>
-              <a:rPr lang="en-CA" sz="1600" dirty="0">
-                <a:solidFill>
-                  <a:schemeClr val="tx2"/>
-                </a:solidFill>
-                <a:latin typeface="Calibri" panose="020F0502020204030204" pitchFamily="34" charset="0"/>
-                <a:ea typeface="Calibri" panose="020F0502020204030204" pitchFamily="34" charset="0"/>
-                <a:cs typeface="Consolas" panose="020B0609020204030204" pitchFamily="49" charset="0"/>
-              </a:rPr>
-              <a:t>send reply if it is not the intended destination node of the test packet.</a:t>
-            </a:r>
-          </a:p>
-          <a:p>
-            <a:pPr marL="285750" indent="-285750">
-              <a:lnSpc>
-                <a:spcPts val="2120"/>
-              </a:lnSpc>
-              <a:spcAft>
-                <a:spcPts val="0"/>
-              </a:spcAft>
-              <a:buFont typeface="Arial" panose="020B0604020202020204" pitchFamily="34" charset="0"/>
-              <a:buChar char="•"/>
-            </a:pPr>
-            <a:r>
-              <a:rPr lang="en-CA" sz="1600" dirty="0">
-                <a:solidFill>
-                  <a:schemeClr val="tx2"/>
-                </a:solidFill>
-                <a:latin typeface="Calibri" panose="020F0502020204030204" pitchFamily="34" charset="0"/>
-                <a:ea typeface="Calibri" panose="020F0502020204030204" pitchFamily="34" charset="0"/>
-                <a:cs typeface="Consolas" panose="020B0609020204030204" pitchFamily="49" charset="0"/>
-              </a:rPr>
-              <a:t>Useful when test packet is sent with 127/8 destination address (e.g. sweeping ECMP paths).</a:t>
-            </a:r>
-          </a:p>
-        </p:txBody>
-      </p:sp>
-    </p:spTree>
-    <p:extLst>
-      <p:ext uri="{BB962C8B-B14F-4D97-AF65-F5344CB8AC3E}">
-        <p14:creationId xmlns:p14="http://schemas.microsoft.com/office/powerpoint/2010/main" val="762066554"/>
-      </p:ext>
-    </p:extLst>
-  </p:cSld>
-  <p:clrMapOvr>
-    <a:masterClrMapping/>
-  </p:clrMapOvr>
-</p:sld>
-</file>
-
-<file path=ppt/slides/slide5.xml><?xml version="1.0" encoding="utf-8"?>
-<p:sld xmlns:a="http://schemas.openxmlformats.org/drawingml/2006/main" xmlns:r="http://schemas.openxmlformats.org/officeDocument/2006/relationships" xmlns:p="http://schemas.openxmlformats.org/presentationml/2006/main">
-  <p:cSld>
-    <p:spTree>
-      <p:nvGrpSpPr>
-        <p:cNvPr id="1" name=""/>
-        <p:cNvGrpSpPr/>
-        <p:nvPr/>
-      </p:nvGrpSpPr>
-      <p:grpSpPr>
-        <a:xfrm>
-          <a:off x="0" y="0"/>
-          <a:ext cx="0" cy="0"/>
-          <a:chOff x="0" y="0"/>
-          <a:chExt cx="0" cy="0"/>
-        </a:xfrm>
-      </p:grpSpPr>
-      <p:sp>
-        <p:nvSpPr>
-          <p:cNvPr id="2" name="Title 1">
-            <a:extLst>
-              <a:ext uri="{FF2B5EF4-FFF2-40B4-BE49-F238E27FC236}">
-                <a16:creationId xmlns:a16="http://schemas.microsoft.com/office/drawing/2014/main" id="{9A6F4236-AC14-394A-A36C-F2BD8CED3237}"/>
-              </a:ext>
-            </a:extLst>
-          </p:cNvPr>
-          <p:cNvSpPr>
-            <a:spLocks noGrp="1"/>
-          </p:cNvSpPr>
-          <p:nvPr>
-            <p:ph type="title"/>
-          </p:nvPr>
-        </p:nvSpPr>
-        <p:spPr>
-          <a:xfrm>
-            <a:off x="228600" y="-8968"/>
-            <a:ext cx="8686800" cy="857250"/>
-          </a:xfrm>
-        </p:spPr>
-        <p:txBody>
-          <a:bodyPr/>
-          <a:lstStyle/>
-          <a:p>
-            <a:r>
-              <a:rPr lang="en-US" sz="3200" dirty="0">
-                <a:solidFill>
-                  <a:srgbClr val="0070C0"/>
-                </a:solidFill>
-                <a:latin typeface="Calibri Light" panose="020F0302020204030204" pitchFamily="34" charset="0"/>
-                <a:cs typeface="Calibri Light" panose="020F0302020204030204" pitchFamily="34" charset="0"/>
-              </a:rPr>
-              <a:t>STAMP Return Path TLV</a:t>
-            </a:r>
-          </a:p>
-        </p:txBody>
-      </p:sp>
-      <p:sp>
-        <p:nvSpPr>
-          <p:cNvPr id="4" name="Footer Placeholder 3">
-            <a:extLst>
-              <a:ext uri="{FF2B5EF4-FFF2-40B4-BE49-F238E27FC236}">
-                <a16:creationId xmlns:a16="http://schemas.microsoft.com/office/drawing/2014/main" id="{643D160E-CC3C-EB46-A6F1-43B8E2996F46}"/>
-              </a:ext>
-            </a:extLst>
-          </p:cNvPr>
-          <p:cNvSpPr>
-            <a:spLocks noGrp="1"/>
-          </p:cNvSpPr>
-          <p:nvPr>
-            <p:ph type="ftr" sz="quarter" idx="11"/>
-          </p:nvPr>
-        </p:nvSpPr>
-        <p:spPr>
-          <a:xfrm>
-            <a:off x="3124200" y="4805362"/>
-            <a:ext cx="2895600" cy="357188"/>
-          </a:xfrm>
-        </p:spPr>
-        <p:txBody>
-          <a:bodyPr/>
-          <a:lstStyle/>
-          <a:p>
-            <a:r>
-              <a:rPr lang="en-CA" dirty="0"/>
-              <a:t>110</a:t>
-            </a:r>
-            <a:r>
-              <a:rPr lang="en-CA" baseline="30000" dirty="0"/>
-              <a:t>th</a:t>
-            </a:r>
-            <a:r>
-              <a:rPr lang="en-CA" dirty="0"/>
-              <a:t> IETF Online</a:t>
-            </a:r>
-          </a:p>
-        </p:txBody>
-      </p:sp>
-      <p:sp>
-        <p:nvSpPr>
-          <p:cNvPr id="5" name="Slide Number Placeholder 4">
-            <a:extLst>
-              <a:ext uri="{FF2B5EF4-FFF2-40B4-BE49-F238E27FC236}">
-                <a16:creationId xmlns:a16="http://schemas.microsoft.com/office/drawing/2014/main" id="{A8B868AE-B105-7547-A646-14FCDF91C2DD}"/>
-              </a:ext>
-            </a:extLst>
-          </p:cNvPr>
-          <p:cNvSpPr>
-            <a:spLocks noGrp="1"/>
-          </p:cNvSpPr>
-          <p:nvPr>
-            <p:ph type="sldNum" sz="quarter" idx="12"/>
-          </p:nvPr>
-        </p:nvSpPr>
-        <p:spPr/>
-        <p:txBody>
-          <a:bodyPr/>
-          <a:lstStyle/>
-          <a:p>
-            <a:pPr>
-              <a:defRPr/>
-            </a:pPr>
-            <a:fld id="{BD6E0F59-1DD8-40FC-9C92-B6295CBA6CCA}" type="slidenum">
-              <a:rPr lang="en-US" altLang="zh-CN" smtClean="0"/>
-              <a:pPr>
-                <a:defRPr/>
-              </a:pPr>
-              <a:t>5</a:t>
-            </a:fld>
-            <a:endParaRPr lang="en-US" altLang="zh-CN"/>
-          </a:p>
-        </p:txBody>
-      </p:sp>
-      <p:sp>
-        <p:nvSpPr>
-          <p:cNvPr id="7" name="Rectangle 6">
-            <a:extLst>
-              <a:ext uri="{FF2B5EF4-FFF2-40B4-BE49-F238E27FC236}">
-                <a16:creationId xmlns:a16="http://schemas.microsoft.com/office/drawing/2014/main" id="{AA6E66CA-28BC-2C4A-BC04-4600D8FEBF3B}"/>
-              </a:ext>
-            </a:extLst>
-          </p:cNvPr>
-          <p:cNvSpPr/>
-          <p:nvPr/>
-        </p:nvSpPr>
-        <p:spPr>
-          <a:xfrm>
-            <a:off x="4343400" y="837063"/>
-            <a:ext cx="4419600" cy="1323439"/>
-          </a:xfrm>
-          <a:prstGeom prst="rect">
-            <a:avLst/>
-          </a:prstGeom>
-          <a:solidFill>
-            <a:schemeClr val="accent6">
-              <a:lumMod val="20000"/>
-              <a:lumOff val="80000"/>
-            </a:schemeClr>
-          </a:solidFill>
-        </p:spPr>
-        <p:txBody>
-          <a:bodyPr wrap="square">
-            <a:spAutoFit/>
-          </a:bodyPr>
-          <a:lstStyle/>
-          <a:p>
-            <a:r>
-              <a:rPr lang="en-CA" sz="800" dirty="0">
-                <a:latin typeface="Courier" pitchFamily="2" charset="0"/>
-              </a:rPr>
-              <a:t>    0                   1                   2                   3</a:t>
-            </a:r>
-          </a:p>
-          <a:p>
-            <a:r>
-              <a:rPr lang="en-CA" sz="800" dirty="0">
-                <a:latin typeface="Courier" pitchFamily="2" charset="0"/>
-              </a:rPr>
-              <a:t>    0 1 2 3 4 5 6 7 8 9 0 1 2 3 4 5 6 7 8 9 0 1 2 3 4 5 6 7 8 9 0 1</a:t>
-            </a:r>
-          </a:p>
-          <a:p>
-            <a:r>
-              <a:rPr lang="en-CA" sz="800" dirty="0">
-                <a:latin typeface="Courier" pitchFamily="2" charset="0"/>
-              </a:rPr>
-              <a:t>    +-+-+-+-+-+-+-+-+-+-+-+-+-+-+-+-+-+-+-+-+-+-+-+-+-+-+-+-+-+-+-+-+</a:t>
-            </a:r>
-          </a:p>
-          <a:p>
-            <a:r>
-              <a:rPr lang="en-CA" sz="800" dirty="0">
-                <a:latin typeface="Courier" pitchFamily="2" charset="0"/>
-              </a:rPr>
-              <a:t>    |STAMP TLV Flags|  Type = TBA2  |     Length                    |</a:t>
-            </a:r>
-          </a:p>
-          <a:p>
-            <a:r>
-              <a:rPr lang="en-CA" sz="800" dirty="0">
-                <a:latin typeface="Courier" pitchFamily="2" charset="0"/>
-              </a:rPr>
-              <a:t>    +-+-+-+-+-+-+-+-+-+-+-+-+-+-+-+-+-+-+-+-+-+-+-+-+-+-+-+-+-+-+-+-+</a:t>
-            </a:r>
-          </a:p>
-          <a:p>
-            <a:r>
-              <a:rPr lang="en-CA" sz="800" dirty="0">
-                <a:latin typeface="Courier" pitchFamily="2" charset="0"/>
-              </a:rPr>
-              <a:t>    |                    Return Path Sub-TLV                        |</a:t>
-            </a:r>
-          </a:p>
-          <a:p>
-            <a:r>
-              <a:rPr lang="en-CA" sz="800" dirty="0">
-                <a:latin typeface="Courier" pitchFamily="2" charset="0"/>
-              </a:rPr>
-              <a:t>    .                                                               .</a:t>
-            </a:r>
-          </a:p>
-          <a:p>
-            <a:r>
-              <a:rPr lang="en-CA" sz="800" dirty="0">
-                <a:latin typeface="Courier" pitchFamily="2" charset="0"/>
-              </a:rPr>
-              <a:t>    +-+-+-+-+-+-+-+-+-+-+-+-+-+-+-+-+-+-+-+-+-+-+-+-+-+-+-+-+-+-+-+-+</a:t>
-            </a:r>
-          </a:p>
-          <a:p>
-            <a:endParaRPr lang="en-CA" sz="800" dirty="0">
-              <a:latin typeface="Courier" pitchFamily="2" charset="0"/>
-            </a:endParaRPr>
-          </a:p>
-          <a:p>
-            <a:r>
-              <a:rPr lang="en-CA" sz="800" dirty="0">
-                <a:latin typeface="Courier" pitchFamily="2" charset="0"/>
-              </a:rPr>
-              <a:t>                         Figure: Return Path TLV</a:t>
-            </a:r>
-          </a:p>
-        </p:txBody>
-      </p:sp>
-      <p:sp>
-        <p:nvSpPr>
-          <p:cNvPr id="6" name="Content Placeholder 2">
-            <a:extLst>
-              <a:ext uri="{FF2B5EF4-FFF2-40B4-BE49-F238E27FC236}">
-                <a16:creationId xmlns:a16="http://schemas.microsoft.com/office/drawing/2014/main" id="{23AC919A-376F-2044-ADF3-0CCFB1FD964A}"/>
-              </a:ext>
-            </a:extLst>
-          </p:cNvPr>
-          <p:cNvSpPr>
-            <a:spLocks noGrp="1"/>
-          </p:cNvSpPr>
-          <p:nvPr>
-            <p:ph idx="1"/>
-          </p:nvPr>
-        </p:nvSpPr>
-        <p:spPr>
-          <a:xfrm>
-            <a:off x="228600" y="871809"/>
-            <a:ext cx="3962400" cy="3528742"/>
-          </a:xfrm>
-        </p:spPr>
-        <p:txBody>
-          <a:bodyPr/>
-          <a:lstStyle/>
-          <a:p>
-            <a:pPr marL="0" indent="0">
-              <a:spcBef>
-                <a:spcPts val="600"/>
-              </a:spcBef>
-              <a:buNone/>
-            </a:pPr>
-            <a:r>
-              <a:rPr lang="en-CA" sz="1200" b="1" dirty="0">
-                <a:latin typeface="Calibri" panose="020F0502020204030204" pitchFamily="34" charset="0"/>
-                <a:ea typeface="Calibri" panose="020F0502020204030204" pitchFamily="34" charset="0"/>
-                <a:cs typeface="Consolas" panose="020B0609020204030204" pitchFamily="49" charset="0"/>
-              </a:rPr>
-              <a:t>Return Path TLV (value TBA2) to carry one Sub-TLV for return path:</a:t>
-            </a:r>
-            <a:endParaRPr lang="en-CA" sz="1200" b="1" dirty="0"/>
-          </a:p>
-          <a:p>
-            <a:pPr marL="0" indent="0">
-              <a:spcBef>
-                <a:spcPts val="600"/>
-              </a:spcBef>
-              <a:buNone/>
-            </a:pPr>
-            <a:r>
-              <a:rPr lang="en-CA" sz="1200" dirty="0"/>
-              <a:t>Sub-TLVs Types:</a:t>
-            </a:r>
-          </a:p>
-          <a:p>
-            <a:pPr>
-              <a:spcBef>
-                <a:spcPts val="600"/>
-              </a:spcBef>
-            </a:pPr>
-            <a:r>
-              <a:rPr lang="en-CA" sz="1200" dirty="0"/>
-              <a:t>Type (value 1): Return Path Control Code. Reply test packet based on the control code flags.</a:t>
-            </a:r>
-          </a:p>
-          <a:p>
-            <a:pPr lvl="1"/>
-            <a:r>
-              <a:rPr lang="en-US" sz="1200" dirty="0">
-                <a:latin typeface="Calibri" panose="020F0502020204030204" pitchFamily="34" charset="0"/>
-                <a:cs typeface="Calibri" panose="020F0502020204030204" pitchFamily="34" charset="0"/>
-              </a:rPr>
-              <a:t>0x0: No Reply Requested.</a:t>
-            </a:r>
-          </a:p>
-          <a:p>
-            <a:pPr lvl="1"/>
-            <a:r>
-              <a:rPr lang="en-US" sz="1200" dirty="0">
-                <a:latin typeface="Calibri" panose="020F0502020204030204" pitchFamily="34" charset="0"/>
-                <a:cs typeface="Calibri" panose="020F0502020204030204" pitchFamily="34" charset="0"/>
-              </a:rPr>
-              <a:t>0x1: In-band Reply Requested.  </a:t>
-            </a:r>
-            <a:endParaRPr lang="en-CA" sz="1200" dirty="0"/>
-          </a:p>
-          <a:p>
-            <a:pPr>
-              <a:spcBef>
-                <a:spcPts val="600"/>
-              </a:spcBef>
-            </a:pPr>
-            <a:r>
-              <a:rPr lang="en-CA" sz="1200" dirty="0"/>
-              <a:t>Type (value 2): Return Address. Destination node address for the reply; different than the Source Address in the test packet</a:t>
-            </a:r>
-          </a:p>
-          <a:p>
-            <a:pPr>
-              <a:spcBef>
-                <a:spcPts val="600"/>
-              </a:spcBef>
-            </a:pPr>
-            <a:r>
-              <a:rPr lang="en-CA" sz="1200" dirty="0"/>
-              <a:t>Type (value 3): SR-MPLS Label Stack of the Return SR Path</a:t>
-            </a:r>
-          </a:p>
-          <a:p>
-            <a:pPr>
-              <a:spcBef>
-                <a:spcPts val="600"/>
-              </a:spcBef>
-            </a:pPr>
-            <a:r>
-              <a:rPr lang="en-CA" sz="1200" dirty="0"/>
-              <a:t>Type (value 4): SR-MPLS Binding SID [draft-</a:t>
-            </a:r>
-            <a:r>
-              <a:rPr lang="en-CA" sz="1200" dirty="0" err="1"/>
-              <a:t>ietf</a:t>
-            </a:r>
-            <a:r>
-              <a:rPr lang="en-CA" sz="1200" dirty="0"/>
-              <a:t>-</a:t>
-            </a:r>
-            <a:r>
-              <a:rPr lang="en-CA" sz="1200" dirty="0" err="1"/>
-              <a:t>pce</a:t>
-            </a:r>
-            <a:r>
-              <a:rPr lang="en-CA" sz="1200" dirty="0"/>
-              <a:t>-binding-label-</a:t>
-            </a:r>
-            <a:r>
-              <a:rPr lang="en-CA" sz="1200" dirty="0" err="1"/>
-              <a:t>sid</a:t>
-            </a:r>
-            <a:r>
-              <a:rPr lang="en-CA" sz="1200" dirty="0"/>
-              <a:t>] of the Return SR Policy</a:t>
-            </a:r>
-          </a:p>
-          <a:p>
-            <a:pPr>
-              <a:spcBef>
-                <a:spcPts val="600"/>
-              </a:spcBef>
-            </a:pPr>
-            <a:r>
-              <a:rPr lang="en-CA" sz="1200" dirty="0"/>
-              <a:t>Type (value 5): SRv6 Segment List of the Return SR Path</a:t>
-            </a:r>
-          </a:p>
-          <a:p>
-            <a:pPr>
-              <a:spcBef>
-                <a:spcPts val="600"/>
-              </a:spcBef>
-            </a:pPr>
-            <a:r>
-              <a:rPr lang="en-CA" sz="1200" dirty="0"/>
-              <a:t>Type (value 6): SRv6 Binding SID [draft-</a:t>
-            </a:r>
-            <a:r>
-              <a:rPr lang="en-CA" sz="1200" dirty="0" err="1"/>
-              <a:t>ietf</a:t>
-            </a:r>
-            <a:r>
-              <a:rPr lang="en-CA" sz="1200" dirty="0"/>
-              <a:t>-</a:t>
-            </a:r>
-            <a:r>
-              <a:rPr lang="en-CA" sz="1200" dirty="0" err="1"/>
-              <a:t>pce</a:t>
-            </a:r>
-            <a:r>
-              <a:rPr lang="en-CA" sz="1200" dirty="0"/>
-              <a:t>-binding-label-</a:t>
-            </a:r>
-            <a:r>
-              <a:rPr lang="en-CA" sz="1200" dirty="0" err="1"/>
-              <a:t>sid</a:t>
-            </a:r>
-            <a:r>
-              <a:rPr lang="en-CA" sz="1200" dirty="0"/>
-              <a:t>] of the Return SR Policy</a:t>
-            </a:r>
-            <a:endParaRPr lang="en-US" sz="1200" dirty="0">
-              <a:latin typeface="Calibri" charset="0"/>
-              <a:ea typeface="Calibri" charset="0"/>
-              <a:cs typeface="Calibri" charset="0"/>
-            </a:endParaRPr>
-          </a:p>
-        </p:txBody>
-      </p:sp>
-      <p:sp>
-        <p:nvSpPr>
-          <p:cNvPr id="9" name="Rectangle 8">
-            <a:extLst>
-              <a:ext uri="{FF2B5EF4-FFF2-40B4-BE49-F238E27FC236}">
-                <a16:creationId xmlns:a16="http://schemas.microsoft.com/office/drawing/2014/main" id="{B04D7E52-9ADA-114D-877F-E1C7CA482275}"/>
-              </a:ext>
-            </a:extLst>
-          </p:cNvPr>
-          <p:cNvSpPr/>
-          <p:nvPr/>
-        </p:nvSpPr>
-        <p:spPr>
-          <a:xfrm>
-            <a:off x="4343400" y="2385355"/>
-            <a:ext cx="4419600" cy="2185214"/>
-          </a:xfrm>
-          <a:prstGeom prst="rect">
-            <a:avLst/>
-          </a:prstGeom>
-          <a:solidFill>
-            <a:schemeClr val="accent6">
-              <a:lumMod val="20000"/>
-              <a:lumOff val="80000"/>
-            </a:schemeClr>
-          </a:solidFill>
-        </p:spPr>
-        <p:txBody>
-          <a:bodyPr wrap="square">
-            <a:spAutoFit/>
-          </a:bodyPr>
-          <a:lstStyle/>
-          <a:p>
-            <a:r>
-              <a:rPr lang="en-CA" sz="800" dirty="0">
-                <a:latin typeface="Courier" pitchFamily="2" charset="0"/>
-              </a:rPr>
-              <a:t>    0                   1                   2                   3</a:t>
-            </a:r>
-          </a:p>
-          <a:p>
-            <a:r>
-              <a:rPr lang="en-CA" sz="800" dirty="0">
-                <a:latin typeface="Courier" pitchFamily="2" charset="0"/>
-              </a:rPr>
-              <a:t>    0 1 2 3 4 5 6 7 8 9 0 1 2 3 4 5 6 7 8 9 0 1 2 3 4 5 6 7 8 9 0 1</a:t>
-            </a:r>
-          </a:p>
-          <a:p>
-            <a:r>
-              <a:rPr lang="en-CA" sz="800" dirty="0">
-                <a:latin typeface="Courier" pitchFamily="2" charset="0"/>
-              </a:rPr>
-              <a:t>    +-+-+-+-+-+-+-+-+-+-+-+-+-+-+-+-+-+-+-+-+-+-+-+-+-+-+-+-+-+-+-+-+</a:t>
-            </a:r>
-          </a:p>
-          <a:p>
-            <a:r>
-              <a:rPr lang="en-CA" sz="800" dirty="0">
-                <a:latin typeface="Courier" pitchFamily="2" charset="0"/>
-              </a:rPr>
-              <a:t>    |STAMP TLV Flags|  Type         |     Length                    |</a:t>
-            </a:r>
-          </a:p>
-          <a:p>
-            <a:r>
-              <a:rPr lang="en-CA" sz="800" dirty="0">
-                <a:latin typeface="Courier" pitchFamily="2" charset="0"/>
-              </a:rPr>
-              <a:t>    +-+-+-+-+-+-+-+-+-+-+-+-+-+-+-+-+-+-+-+-+-+-+-+-+-+-+-+-+-+-+-+-+</a:t>
-            </a:r>
-          </a:p>
-          <a:p>
-            <a:r>
-              <a:rPr lang="en-CA" sz="800" dirty="0">
-                <a:latin typeface="Courier" pitchFamily="2" charset="0"/>
-              </a:rPr>
-              <a:t>    |                    Segment(1)                                 |</a:t>
-            </a:r>
-          </a:p>
-          <a:p>
-            <a:r>
-              <a:rPr lang="en-CA" sz="800" dirty="0">
-                <a:latin typeface="Courier" pitchFamily="2" charset="0"/>
-              </a:rPr>
-              <a:t>    .                                                               .</a:t>
-            </a:r>
-          </a:p>
-          <a:p>
-            <a:r>
-              <a:rPr lang="en-CA" sz="800" dirty="0">
-                <a:latin typeface="Courier" pitchFamily="2" charset="0"/>
-              </a:rPr>
-              <a:t>    +-+-+-+-+-+-+-+-+-+-+-+-+-+-+-+-+-+-+-+-+-+-+-+-+-+-+-+-+-+-+-+-+</a:t>
-            </a:r>
-          </a:p>
-          <a:p>
-            <a:r>
-              <a:rPr lang="en-CA" sz="800" dirty="0">
-                <a:latin typeface="Courier" pitchFamily="2" charset="0"/>
-              </a:rPr>
-              <a:t>    .                                                               .</a:t>
-            </a:r>
-          </a:p>
-          <a:p>
-            <a:r>
-              <a:rPr lang="en-CA" sz="800" dirty="0">
-                <a:latin typeface="Courier" pitchFamily="2" charset="0"/>
-              </a:rPr>
-              <a:t>    .                                                               .</a:t>
-            </a:r>
-          </a:p>
-          <a:p>
-            <a:r>
-              <a:rPr lang="en-CA" sz="800" dirty="0">
-                <a:latin typeface="Courier" pitchFamily="2" charset="0"/>
-              </a:rPr>
-              <a:t>    .                                                               .</a:t>
-            </a:r>
-          </a:p>
-          <a:p>
-            <a:r>
-              <a:rPr lang="en-CA" sz="800" dirty="0">
-                <a:latin typeface="Courier" pitchFamily="2" charset="0"/>
-              </a:rPr>
-              <a:t>    +-+-+-+-+-+-+-+-+-+-+-+-+-+-+-+-+-+-+-+-+-+-+-+-+-+-+-+-+-+-+-+-+</a:t>
-            </a:r>
-          </a:p>
-          <a:p>
-            <a:r>
-              <a:rPr lang="en-CA" sz="800" dirty="0">
-                <a:latin typeface="Courier" pitchFamily="2" charset="0"/>
-              </a:rPr>
-              <a:t>    |                    Segment(n)                                 |</a:t>
-            </a:r>
-          </a:p>
-          <a:p>
-            <a:r>
-              <a:rPr lang="en-CA" sz="800" dirty="0">
-                <a:latin typeface="Courier" pitchFamily="2" charset="0"/>
-              </a:rPr>
-              <a:t>    .                                                               .</a:t>
-            </a:r>
-          </a:p>
-          <a:p>
-            <a:r>
-              <a:rPr lang="en-CA" sz="800" dirty="0">
-                <a:latin typeface="Courier" pitchFamily="2" charset="0"/>
-              </a:rPr>
-              <a:t>    +-+-+-+-+-+-+-+-+-+-+-+-+-+-+-+-+-+-+-+-+-+-+-+-+-+-+-+-+-+-+-+-+</a:t>
-            </a:r>
-          </a:p>
-          <a:p>
-            <a:endParaRPr lang="en-CA" sz="800" dirty="0">
-              <a:latin typeface="Courier" pitchFamily="2" charset="0"/>
-            </a:endParaRPr>
-          </a:p>
-          <a:p>
-            <a:r>
-              <a:rPr lang="en-CA" sz="800" dirty="0">
-                <a:latin typeface="Courier" pitchFamily="2" charset="0"/>
-              </a:rPr>
-              <a:t>              Figure: Segment List Sub-TLV in Return Path TLV</a:t>
-            </a:r>
-            <a:endParaRPr lang="en-US" sz="800" dirty="0">
-              <a:latin typeface="Courier" pitchFamily="2" charset="0"/>
-              <a:cs typeface="Courier New" panose="02070309020205020404" pitchFamily="49" charset="0"/>
-            </a:endParaRPr>
-          </a:p>
-        </p:txBody>
-      </p:sp>
-    </p:spTree>
-    <p:extLst>
-      <p:ext uri="{BB962C8B-B14F-4D97-AF65-F5344CB8AC3E}">
-        <p14:creationId xmlns:p14="http://schemas.microsoft.com/office/powerpoint/2010/main" val="720098633"/>
-      </p:ext>
-    </p:extLst>
-  </p:cSld>
-  <p:clrMapOvr>
-    <a:masterClrMapping/>
-  </p:clrMapOvr>
-</p:sld>
-</file>
-
-<file path=ppt/slides/slide6.xml><?xml version="1.0" encoding="utf-8"?>
-<p:sld xmlns:a="http://schemas.openxmlformats.org/drawingml/2006/main" xmlns:r="http://schemas.openxmlformats.org/officeDocument/2006/relationships" xmlns:p="http://schemas.openxmlformats.org/presentationml/2006/main">
-  <p:cSld>
-    <p:spTree>
-      <p:nvGrpSpPr>
-        <p:cNvPr id="1" name=""/>
-        <p:cNvGrpSpPr/>
-        <p:nvPr/>
-      </p:nvGrpSpPr>
-      <p:grpSpPr>
-        <a:xfrm>
-          <a:off x="0" y="0"/>
-          <a:ext cx="0" cy="0"/>
-          <a:chOff x="0" y="0"/>
-          <a:chExt cx="0" cy="0"/>
-        </a:xfrm>
-      </p:grpSpPr>
-      <p:sp>
-        <p:nvSpPr>
-          <p:cNvPr id="2" name="Title 1">
-            <a:extLst>
-              <a:ext uri="{FF2B5EF4-FFF2-40B4-BE49-F238E27FC236}">
-                <a16:creationId xmlns:a16="http://schemas.microsoft.com/office/drawing/2014/main" id="{E196D926-6462-6147-8D6F-5C80A37CA43D}"/>
-              </a:ext>
-            </a:extLst>
-          </p:cNvPr>
-          <p:cNvSpPr>
-            <a:spLocks noGrp="1"/>
-          </p:cNvSpPr>
-          <p:nvPr>
-            <p:ph type="title"/>
-          </p:nvPr>
-        </p:nvSpPr>
-        <p:spPr>
-          <a:xfrm>
-            <a:off x="5254" y="103031"/>
-            <a:ext cx="9062545" cy="857250"/>
-          </a:xfrm>
-        </p:spPr>
-        <p:txBody>
-          <a:bodyPr/>
-          <a:lstStyle/>
-          <a:p>
-            <a:r>
-              <a:rPr lang="en-US" sz="3200" dirty="0">
-                <a:solidFill>
-                  <a:srgbClr val="0070C0"/>
-                </a:solidFill>
-                <a:latin typeface="Calibri Light" panose="020F0302020204030204" pitchFamily="34" charset="0"/>
-                <a:cs typeface="Calibri Light" panose="020F0302020204030204" pitchFamily="34" charset="0"/>
-              </a:rPr>
-              <a:t>Return Path Control Code Sub-TLV - Usage</a:t>
-            </a:r>
-            <a:endParaRPr lang="en-US" sz="3200" dirty="0"/>
-          </a:p>
-        </p:txBody>
-      </p:sp>
-      <p:sp>
-        <p:nvSpPr>
-          <p:cNvPr id="3" name="Content Placeholder 2">
-            <a:extLst>
-              <a:ext uri="{FF2B5EF4-FFF2-40B4-BE49-F238E27FC236}">
-                <a16:creationId xmlns:a16="http://schemas.microsoft.com/office/drawing/2014/main" id="{FAD97578-5975-5644-B374-459176F950CB}"/>
-              </a:ext>
-            </a:extLst>
-          </p:cNvPr>
-          <p:cNvSpPr>
-            <a:spLocks noGrp="1"/>
-          </p:cNvSpPr>
-          <p:nvPr>
-            <p:ph idx="1"/>
-          </p:nvPr>
-        </p:nvSpPr>
-        <p:spPr>
-          <a:xfrm>
-            <a:off x="457200" y="1200149"/>
-            <a:ext cx="8229600" cy="3154603"/>
-          </a:xfrm>
-        </p:spPr>
-        <p:txBody>
-          <a:bodyPr/>
-          <a:lstStyle/>
-          <a:p>
-            <a:r>
-              <a:rPr lang="en-US" sz="2000" dirty="0"/>
-              <a:t>For link delay measurement</a:t>
-            </a:r>
-          </a:p>
-          <a:p>
-            <a:pPr lvl="1"/>
-            <a:r>
-              <a:rPr lang="en-US" sz="2000" dirty="0"/>
-              <a:t>Session-Reflector needs to send reply on the same incoming link (symmetric delay on forward and reverse link)</a:t>
-            </a:r>
-          </a:p>
-          <a:p>
-            <a:pPr lvl="1"/>
-            <a:r>
-              <a:rPr lang="en-US" sz="2000" dirty="0"/>
-              <a:t>Link can be Virtual, LAG or LAG member</a:t>
-            </a:r>
-          </a:p>
-          <a:p>
-            <a:r>
-              <a:rPr lang="en-US" sz="2000" dirty="0"/>
-              <a:t>Avoid provisioning each test session (session id, source-address) on Session-Reflector (can have an order of 1K links) </a:t>
-            </a:r>
-          </a:p>
-          <a:p>
-            <a:pPr lvl="1"/>
-            <a:r>
-              <a:rPr lang="en-US" sz="2000" dirty="0"/>
-              <a:t>Stateless mode of STAMP Session-Reflector as defined in RFC 8762</a:t>
-            </a:r>
-          </a:p>
-          <a:p>
-            <a:pPr marL="457200" lvl="1" indent="0">
-              <a:buNone/>
-            </a:pPr>
-            <a:endParaRPr lang="en-US" sz="2000" dirty="0"/>
-          </a:p>
-        </p:txBody>
-      </p:sp>
-      <p:sp>
-        <p:nvSpPr>
-          <p:cNvPr id="4" name="Footer Placeholder 3">
-            <a:extLst>
-              <a:ext uri="{FF2B5EF4-FFF2-40B4-BE49-F238E27FC236}">
-                <a16:creationId xmlns:a16="http://schemas.microsoft.com/office/drawing/2014/main" id="{ED92B1FC-C461-8C49-AF5F-4F33A15BFAA9}"/>
-              </a:ext>
-            </a:extLst>
-          </p:cNvPr>
-          <p:cNvSpPr>
-            <a:spLocks noGrp="1"/>
-          </p:cNvSpPr>
-          <p:nvPr>
-            <p:ph type="ftr" sz="quarter" idx="11"/>
-          </p:nvPr>
-        </p:nvSpPr>
-        <p:spPr>
-          <a:xfrm>
-            <a:off x="3124200" y="4786312"/>
-            <a:ext cx="2895600" cy="357188"/>
-          </a:xfrm>
-        </p:spPr>
-        <p:txBody>
-          <a:bodyPr/>
-          <a:lstStyle/>
-          <a:p>
-            <a:pPr>
-              <a:defRPr/>
-            </a:pPr>
-            <a:r>
-              <a:rPr lang="en-US" altLang="zh-CN" dirty="0"/>
-              <a:t>110</a:t>
-            </a:r>
-            <a:r>
-              <a:rPr lang="en-US" altLang="zh-CN" baseline="30000" dirty="0"/>
-              <a:t>th</a:t>
-            </a:r>
-            <a:r>
-              <a:rPr lang="en-US" altLang="zh-CN" dirty="0"/>
-              <a:t> IETF Online</a:t>
-            </a:r>
-          </a:p>
-        </p:txBody>
-      </p:sp>
-      <p:sp>
-        <p:nvSpPr>
-          <p:cNvPr id="5" name="Slide Number Placeholder 4">
-            <a:extLst>
-              <a:ext uri="{FF2B5EF4-FFF2-40B4-BE49-F238E27FC236}">
-                <a16:creationId xmlns:a16="http://schemas.microsoft.com/office/drawing/2014/main" id="{BAF4415C-5D53-634A-99AA-27A073C5C9EA}"/>
-              </a:ext>
-            </a:extLst>
-          </p:cNvPr>
-          <p:cNvSpPr>
-            <a:spLocks noGrp="1"/>
-          </p:cNvSpPr>
-          <p:nvPr>
-            <p:ph type="sldNum" sz="quarter" idx="12"/>
-          </p:nvPr>
-        </p:nvSpPr>
-        <p:spPr/>
-        <p:txBody>
-          <a:bodyPr/>
-          <a:lstStyle/>
-          <a:p>
-            <a:pPr>
-              <a:defRPr/>
-            </a:pPr>
-            <a:fld id="{BD6E0F59-1DD8-40FC-9C92-B6295CBA6CCA}" type="slidenum">
-              <a:rPr lang="en-US" altLang="zh-CN" smtClean="0"/>
-              <a:pPr>
-                <a:defRPr/>
-              </a:pPr>
-              <a:t>6</a:t>
-            </a:fld>
-            <a:endParaRPr lang="en-US" altLang="zh-CN"/>
-          </a:p>
-        </p:txBody>
-      </p:sp>
-    </p:spTree>
-    <p:extLst>
-      <p:ext uri="{BB962C8B-B14F-4D97-AF65-F5344CB8AC3E}">
-        <p14:creationId xmlns:p14="http://schemas.microsoft.com/office/powerpoint/2010/main" val="448857647"/>
-      </p:ext>
-    </p:extLst>
-  </p:cSld>
-  <p:clrMapOvr>
-    <a:masterClrMapping/>
-  </p:clrMapOvr>
-</p:sld>
-</file>
-
-<file path=ppt/slides/slide7.xml><?xml version="1.0" encoding="utf-8"?>
-<p:sld xmlns:a="http://schemas.openxmlformats.org/drawingml/2006/main" xmlns:r="http://schemas.openxmlformats.org/officeDocument/2006/relationships" xmlns:p="http://schemas.openxmlformats.org/presentationml/2006/main">
-  <p:cSld>
-    <p:spTree>
-      <p:nvGrpSpPr>
-        <p:cNvPr id="1" name=""/>
-        <p:cNvGrpSpPr/>
-        <p:nvPr/>
-      </p:nvGrpSpPr>
-      <p:grpSpPr>
-        <a:xfrm>
-          <a:off x="0" y="0"/>
-          <a:ext cx="0" cy="0"/>
-          <a:chOff x="0" y="0"/>
-          <a:chExt cx="0" cy="0"/>
-        </a:xfrm>
-      </p:grpSpPr>
-      <p:sp>
-        <p:nvSpPr>
-          <p:cNvPr id="2" name="Title 1">
-            <a:extLst>
-              <a:ext uri="{FF2B5EF4-FFF2-40B4-BE49-F238E27FC236}">
-                <a16:creationId xmlns:a16="http://schemas.microsoft.com/office/drawing/2014/main" id="{E196D926-6462-6147-8D6F-5C80A37CA43D}"/>
-              </a:ext>
-            </a:extLst>
-          </p:cNvPr>
-          <p:cNvSpPr>
-            <a:spLocks noGrp="1"/>
-          </p:cNvSpPr>
-          <p:nvPr>
-            <p:ph type="title"/>
-          </p:nvPr>
-        </p:nvSpPr>
-        <p:spPr>
-          <a:xfrm>
-            <a:off x="228600" y="102393"/>
-            <a:ext cx="8610600" cy="857250"/>
-          </a:xfrm>
-        </p:spPr>
-        <p:txBody>
-          <a:bodyPr/>
-          <a:lstStyle/>
-          <a:p>
-            <a:r>
-              <a:rPr lang="en-US" sz="3200" dirty="0">
-                <a:solidFill>
-                  <a:srgbClr val="0070C0"/>
-                </a:solidFill>
-                <a:latin typeface="Calibri Light" panose="020F0302020204030204" pitchFamily="34" charset="0"/>
-                <a:cs typeface="Calibri Light" panose="020F0302020204030204" pitchFamily="34" charset="0"/>
-              </a:rPr>
-              <a:t>Return Path Segment List Sub-TLV - Usage</a:t>
-            </a:r>
-            <a:endParaRPr lang="en-US" sz="3200" dirty="0"/>
-          </a:p>
-        </p:txBody>
-      </p:sp>
-      <p:sp>
-        <p:nvSpPr>
-          <p:cNvPr id="3" name="Content Placeholder 2">
-            <a:extLst>
-              <a:ext uri="{FF2B5EF4-FFF2-40B4-BE49-F238E27FC236}">
-                <a16:creationId xmlns:a16="http://schemas.microsoft.com/office/drawing/2014/main" id="{FAD97578-5975-5644-B374-459176F950CB}"/>
-              </a:ext>
-            </a:extLst>
-          </p:cNvPr>
-          <p:cNvSpPr>
-            <a:spLocks noGrp="1"/>
-          </p:cNvSpPr>
-          <p:nvPr>
-            <p:ph idx="1"/>
-          </p:nvPr>
-        </p:nvSpPr>
-        <p:spPr>
-          <a:xfrm>
-            <a:off x="533400" y="1047750"/>
-            <a:ext cx="8077200" cy="3230165"/>
-          </a:xfrm>
-        </p:spPr>
-        <p:txBody>
-          <a:bodyPr/>
-          <a:lstStyle/>
-          <a:p>
-            <a:r>
-              <a:rPr lang="en-US" sz="1800" dirty="0"/>
-              <a:t>For SR path, reply test packet may need to be sent on a specific return SR path</a:t>
-            </a:r>
-          </a:p>
-          <a:p>
-            <a:r>
-              <a:rPr lang="en-US" sz="1800" dirty="0"/>
-              <a:t>Bidirectional SR path (forward and reverse) dynamically computed using CSPF by the head-end node</a:t>
-            </a:r>
-          </a:p>
-          <a:p>
-            <a:pPr lvl="1"/>
-            <a:r>
-              <a:rPr lang="en-US" sz="1800" dirty="0"/>
-              <a:t>Path can change often based on topology change, link/node failure in the network, etc.</a:t>
-            </a:r>
-          </a:p>
-          <a:p>
-            <a:r>
-              <a:rPr lang="en-US" sz="1800" dirty="0"/>
-              <a:t>No signaling in SR (PCE can be used)</a:t>
-            </a:r>
-          </a:p>
-          <a:p>
-            <a:r>
-              <a:rPr lang="en-US" sz="1800" dirty="0"/>
-              <a:t>Avoid signaling and maintaining dynamic state on Session-Reflector to store return paths for each test session (each session-id, source-address) </a:t>
-            </a:r>
-          </a:p>
-          <a:p>
-            <a:pPr lvl="1"/>
-            <a:r>
-              <a:rPr lang="en-US" sz="1800" dirty="0"/>
-              <a:t>Order of 10K SR Policy (that can have active and standby candidate-path and each can have multiple segment-lists)</a:t>
-            </a:r>
-          </a:p>
-          <a:p>
-            <a:endParaRPr lang="en-US" sz="1800" dirty="0"/>
-          </a:p>
-          <a:p>
-            <a:endParaRPr lang="en-US" sz="1800" dirty="0"/>
-          </a:p>
-          <a:p>
-            <a:endParaRPr lang="en-US" sz="1800" dirty="0"/>
-          </a:p>
-        </p:txBody>
-      </p:sp>
-      <p:sp>
-        <p:nvSpPr>
-          <p:cNvPr id="4" name="Footer Placeholder 3">
-            <a:extLst>
-              <a:ext uri="{FF2B5EF4-FFF2-40B4-BE49-F238E27FC236}">
-                <a16:creationId xmlns:a16="http://schemas.microsoft.com/office/drawing/2014/main" id="{ED92B1FC-C461-8C49-AF5F-4F33A15BFAA9}"/>
-              </a:ext>
-            </a:extLst>
-          </p:cNvPr>
-          <p:cNvSpPr>
-            <a:spLocks noGrp="1"/>
-          </p:cNvSpPr>
-          <p:nvPr>
-            <p:ph type="ftr" sz="quarter" idx="11"/>
-          </p:nvPr>
-        </p:nvSpPr>
-        <p:spPr>
-          <a:xfrm>
-            <a:off x="3124200" y="4786312"/>
-            <a:ext cx="2895600" cy="357188"/>
-          </a:xfrm>
-        </p:spPr>
-        <p:txBody>
-          <a:bodyPr/>
-          <a:lstStyle/>
-          <a:p>
-            <a:pPr>
-              <a:defRPr/>
-            </a:pPr>
-            <a:r>
-              <a:rPr lang="en-US" altLang="zh-CN" dirty="0"/>
-              <a:t>110</a:t>
-            </a:r>
-            <a:r>
-              <a:rPr lang="en-US" altLang="zh-CN" baseline="30000" dirty="0"/>
-              <a:t>th</a:t>
-            </a:r>
-            <a:r>
-              <a:rPr lang="en-US" altLang="zh-CN" dirty="0"/>
-              <a:t> IETF Online</a:t>
-            </a:r>
-          </a:p>
-        </p:txBody>
-      </p:sp>
-      <p:sp>
-        <p:nvSpPr>
-          <p:cNvPr id="5" name="Slide Number Placeholder 4">
-            <a:extLst>
-              <a:ext uri="{FF2B5EF4-FFF2-40B4-BE49-F238E27FC236}">
-                <a16:creationId xmlns:a16="http://schemas.microsoft.com/office/drawing/2014/main" id="{BAF4415C-5D53-634A-99AA-27A073C5C9EA}"/>
-              </a:ext>
-            </a:extLst>
-          </p:cNvPr>
-          <p:cNvSpPr>
-            <a:spLocks noGrp="1"/>
-          </p:cNvSpPr>
-          <p:nvPr>
-            <p:ph type="sldNum" sz="quarter" idx="12"/>
-          </p:nvPr>
-        </p:nvSpPr>
-        <p:spPr/>
-        <p:txBody>
-          <a:bodyPr/>
-          <a:lstStyle/>
-          <a:p>
-            <a:pPr>
-              <a:defRPr/>
-            </a:pPr>
-            <a:fld id="{BD6E0F59-1DD8-40FC-9C92-B6295CBA6CCA}" type="slidenum">
-              <a:rPr lang="en-US" altLang="zh-CN" smtClean="0"/>
-              <a:pPr>
-                <a:defRPr/>
-              </a:pPr>
-              <a:t>7</a:t>
-            </a:fld>
-            <a:endParaRPr lang="en-US" altLang="zh-CN" dirty="0"/>
-          </a:p>
-        </p:txBody>
-      </p:sp>
-    </p:spTree>
-    <p:extLst>
-      <p:ext uri="{BB962C8B-B14F-4D97-AF65-F5344CB8AC3E}">
-        <p14:creationId xmlns:p14="http://schemas.microsoft.com/office/powerpoint/2010/main" val="2937341344"/>
-      </p:ext>
-    </p:extLst>
-  </p:cSld>
-  <p:clrMapOvr>
-    <a:masterClrMapping/>
-  </p:clrMapOvr>
-</p:sld>
-</file>
-
-<file path=ppt/slides/slide8.xml><?xml version="1.0" encoding="utf-8"?>
-<p:sld xmlns:a="http://schemas.openxmlformats.org/drawingml/2006/main" xmlns:r="http://schemas.openxmlformats.org/officeDocument/2006/relationships" xmlns:p="http://schemas.openxmlformats.org/presentationml/2006/main">
-  <p:cSld>
-    <p:spTree>
-      <p:nvGrpSpPr>
-        <p:cNvPr id="1" name=""/>
-        <p:cNvGrpSpPr/>
-        <p:nvPr/>
-      </p:nvGrpSpPr>
-      <p:grpSpPr>
-        <a:xfrm>
-          <a:off x="0" y="0"/>
-          <a:ext cx="0" cy="0"/>
-          <a:chOff x="0" y="0"/>
-          <a:chExt cx="0" cy="0"/>
-        </a:xfrm>
-      </p:grpSpPr>
-      <p:sp>
-        <p:nvSpPr>
-          <p:cNvPr id="2" name="Title 1"/>
-          <p:cNvSpPr>
-            <a:spLocks noGrp="1"/>
-          </p:cNvSpPr>
-          <p:nvPr>
-            <p:ph type="title"/>
-          </p:nvPr>
-        </p:nvSpPr>
-        <p:spPr>
-          <a:xfrm>
-            <a:off x="457200" y="0"/>
-            <a:ext cx="8229600" cy="857250"/>
-          </a:xfrm>
-        </p:spPr>
-        <p:txBody>
-          <a:bodyPr/>
-          <a:lstStyle/>
-          <a:p>
-            <a:r>
-              <a:rPr lang="en-US" sz="3600" dirty="0">
-                <a:solidFill>
-                  <a:srgbClr val="0070C0"/>
-                </a:solidFill>
-                <a:latin typeface="Calibri Light" panose="020F0302020204030204" pitchFamily="34" charset="0"/>
-                <a:cs typeface="Calibri Light" panose="020F0302020204030204" pitchFamily="34" charset="0"/>
-              </a:rPr>
-              <a:t>Next Steps</a:t>
-            </a:r>
-          </a:p>
-        </p:txBody>
-      </p:sp>
-      <p:sp>
-        <p:nvSpPr>
-          <p:cNvPr id="3" name="Content Placeholder 2"/>
-          <p:cNvSpPr>
-            <a:spLocks noGrp="1"/>
-          </p:cNvSpPr>
-          <p:nvPr>
-            <p:ph idx="1"/>
-          </p:nvPr>
-        </p:nvSpPr>
-        <p:spPr>
-          <a:xfrm>
-            <a:off x="685800" y="1123950"/>
-            <a:ext cx="8001000" cy="2514599"/>
-          </a:xfrm>
-        </p:spPr>
-        <p:txBody>
-          <a:bodyPr/>
-          <a:lstStyle/>
-          <a:p>
-            <a:pPr lvl="0"/>
-            <a:r>
-              <a:rPr lang="en-US" sz="2400" dirty="0">
-                <a:latin typeface="Calibri" charset="0"/>
-                <a:ea typeface="Calibri" charset="0"/>
-                <a:cs typeface="Calibri" charset="0"/>
-              </a:rPr>
-              <a:t>Welcome your comments and suggestions</a:t>
-            </a:r>
-          </a:p>
-          <a:p>
-            <a:pPr lvl="0"/>
-            <a:r>
-              <a:rPr lang="en-US" sz="2400" dirty="0"/>
-              <a:t>Requesting WG adoption</a:t>
-            </a:r>
-            <a:endParaRPr lang="en-US" sz="2400" dirty="0">
-              <a:latin typeface="Calibri" charset="0"/>
-              <a:ea typeface="Calibri" charset="0"/>
-              <a:cs typeface="Calibri" charset="0"/>
-            </a:endParaRPr>
-          </a:p>
-          <a:p>
-            <a:endParaRPr lang="en-US" sz="2400" dirty="0">
-              <a:latin typeface="Calibri" charset="0"/>
-              <a:ea typeface="Calibri" charset="0"/>
-              <a:cs typeface="Calibri" charset="0"/>
-            </a:endParaRPr>
-          </a:p>
-        </p:txBody>
-      </p:sp>
-      <p:sp>
-        <p:nvSpPr>
-          <p:cNvPr id="4" name="Footer Placeholder 3"/>
-          <p:cNvSpPr>
-            <a:spLocks noGrp="1"/>
-          </p:cNvSpPr>
-          <p:nvPr>
-            <p:ph type="ftr" sz="quarter" idx="11"/>
-          </p:nvPr>
-        </p:nvSpPr>
-        <p:spPr>
-          <a:xfrm>
-            <a:off x="3048000" y="4786312"/>
-            <a:ext cx="2895600" cy="357188"/>
-          </a:xfrm>
-        </p:spPr>
-        <p:txBody>
-          <a:bodyPr/>
-          <a:lstStyle/>
-          <a:p>
-            <a:r>
-              <a:rPr lang="en-CA" dirty="0"/>
-              <a:t>110</a:t>
-            </a:r>
-            <a:r>
-              <a:rPr lang="en-CA" baseline="30000" dirty="0"/>
-              <a:t>th</a:t>
-            </a:r>
-            <a:r>
-              <a:rPr lang="en-CA" dirty="0"/>
-              <a:t> IETF Online</a:t>
-            </a:r>
-          </a:p>
-        </p:txBody>
-      </p:sp>
-      <p:sp>
-        <p:nvSpPr>
-          <p:cNvPr id="5" name="Slide Number Placeholder 4"/>
-          <p:cNvSpPr>
-            <a:spLocks noGrp="1"/>
-          </p:cNvSpPr>
-          <p:nvPr>
-            <p:ph type="sldNum" sz="quarter" idx="12"/>
-          </p:nvPr>
-        </p:nvSpPr>
-        <p:spPr/>
-        <p:txBody>
-          <a:bodyPr/>
-          <a:lstStyle/>
-          <a:p>
-            <a:pPr>
-              <a:defRPr/>
-            </a:pPr>
-            <a:fld id="{BD6E0F59-1DD8-40FC-9C92-B6295CBA6CCA}" type="slidenum">
-              <a:rPr lang="en-US" altLang="zh-CN" smtClean="0"/>
-              <a:pPr>
-                <a:defRPr/>
-              </a:pPr>
-              <a:t>8</a:t>
-            </a:fld>
-            <a:endParaRPr lang="en-US" altLang="zh-CN" dirty="0"/>
-          </a:p>
-        </p:txBody>
-      </p:sp>
-    </p:spTree>
-    <p:extLst>
-      <p:ext uri="{BB962C8B-B14F-4D97-AF65-F5344CB8AC3E}">
-        <p14:creationId xmlns:p14="http://schemas.microsoft.com/office/powerpoint/2010/main" val="256002898"/>
-      </p:ext>
-    </p:extLst>
-  </p:cSld>
-  <p:clrMapOvr>
-    <a:masterClrMapping/>
-  </p:clrMapOvr>
-</p:sld>
-</file>
-
-<file path=ppt/slides/slide9.xml><?xml version="1.0" encoding="utf-8"?>
+<file path=ppt/slides/slide10.xml><?xml version="1.0" encoding="utf-8"?>
 <p:sld xmlns:a="http://schemas.openxmlformats.org/drawingml/2006/main" xmlns:r="http://schemas.openxmlformats.org/officeDocument/2006/relationships" xmlns:p="http://schemas.openxmlformats.org/presentationml/2006/main">
   <p:cSld>
     <p:spTree>
@@ -7173,7 +5069,7 @@
               <a:pPr>
                 <a:defRPr/>
               </a:pPr>
-              <a:t>9</a:t>
+              <a:t>10</a:t>
             </a:fld>
             <a:endParaRPr lang="en-US" altLang="zh-CN" dirty="0"/>
           </a:p>
@@ -7183,6 +5079,2338 @@
     <p:extLst>
       <p:ext uri="{BB962C8B-B14F-4D97-AF65-F5344CB8AC3E}">
         <p14:creationId xmlns:p14="http://schemas.microsoft.com/office/powerpoint/2010/main" val="1091639292"/>
+      </p:ext>
+    </p:extLst>
+  </p:cSld>
+  <p:clrMapOvr>
+    <a:masterClrMapping/>
+  </p:clrMapOvr>
+</p:sld>
+</file>
+
+<file path=ppt/slides/slide2.xml><?xml version="1.0" encoding="utf-8"?>
+<p:sld xmlns:a="http://schemas.openxmlformats.org/drawingml/2006/main" xmlns:r="http://schemas.openxmlformats.org/officeDocument/2006/relationships" xmlns:p="http://schemas.openxmlformats.org/presentationml/2006/main">
+  <p:cSld>
+    <p:spTree>
+      <p:nvGrpSpPr>
+        <p:cNvPr id="1" name=""/>
+        <p:cNvGrpSpPr/>
+        <p:nvPr/>
+      </p:nvGrpSpPr>
+      <p:grpSpPr>
+        <a:xfrm>
+          <a:off x="0" y="0"/>
+          <a:ext cx="0" cy="0"/>
+          <a:chOff x="0" y="0"/>
+          <a:chExt cx="0" cy="0"/>
+        </a:xfrm>
+      </p:grpSpPr>
+      <p:sp>
+        <p:nvSpPr>
+          <p:cNvPr id="2" name="Title 1"/>
+          <p:cNvSpPr>
+            <a:spLocks noGrp="1"/>
+          </p:cNvSpPr>
+          <p:nvPr>
+            <p:ph type="title"/>
+          </p:nvPr>
+        </p:nvSpPr>
+        <p:spPr>
+          <a:xfrm>
+            <a:off x="457200" y="98823"/>
+            <a:ext cx="8229600" cy="857250"/>
+          </a:xfrm>
+        </p:spPr>
+        <p:txBody>
+          <a:bodyPr/>
+          <a:lstStyle/>
+          <a:p>
+            <a:r>
+              <a:rPr lang="en-US" sz="3600" dirty="0">
+                <a:solidFill>
+                  <a:srgbClr val="0070C0"/>
+                </a:solidFill>
+                <a:latin typeface="Calibri Light" panose="020F0302020204030204" pitchFamily="34" charset="0"/>
+                <a:cs typeface="Calibri Light" panose="020F0302020204030204" pitchFamily="34" charset="0"/>
+              </a:rPr>
+              <a:t>Agenda</a:t>
+            </a:r>
+          </a:p>
+        </p:txBody>
+      </p:sp>
+      <p:sp>
+        <p:nvSpPr>
+          <p:cNvPr id="3" name="Content Placeholder 2"/>
+          <p:cNvSpPr>
+            <a:spLocks noGrp="1"/>
+          </p:cNvSpPr>
+          <p:nvPr>
+            <p:ph idx="1"/>
+          </p:nvPr>
+        </p:nvSpPr>
+        <p:spPr>
+          <a:xfrm>
+            <a:off x="573741" y="1157288"/>
+            <a:ext cx="8113059" cy="3124200"/>
+          </a:xfrm>
+        </p:spPr>
+        <p:txBody>
+          <a:bodyPr/>
+          <a:lstStyle/>
+          <a:p>
+            <a:r>
+              <a:rPr lang="en-US" sz="2400" dirty="0"/>
+              <a:t>Requirements and Scope</a:t>
+            </a:r>
+          </a:p>
+          <a:p>
+            <a:r>
+              <a:rPr lang="en-US" sz="2400" dirty="0"/>
+              <a:t>Summary of Extensions</a:t>
+            </a:r>
+          </a:p>
+          <a:p>
+            <a:r>
+              <a:rPr lang="en-US" sz="2400" dirty="0"/>
+              <a:t>Next Steps</a:t>
+            </a:r>
+          </a:p>
+        </p:txBody>
+      </p:sp>
+      <p:sp>
+        <p:nvSpPr>
+          <p:cNvPr id="4" name="Footer Placeholder 3"/>
+          <p:cNvSpPr>
+            <a:spLocks noGrp="1"/>
+          </p:cNvSpPr>
+          <p:nvPr>
+            <p:ph type="ftr" sz="quarter" idx="11"/>
+          </p:nvPr>
+        </p:nvSpPr>
+        <p:spPr>
+          <a:xfrm>
+            <a:off x="3124200" y="4786312"/>
+            <a:ext cx="2895600" cy="357188"/>
+          </a:xfrm>
+        </p:spPr>
+        <p:txBody>
+          <a:bodyPr/>
+          <a:lstStyle/>
+          <a:p>
+            <a:r>
+              <a:rPr lang="en-CA" dirty="0"/>
+              <a:t>110</a:t>
+            </a:r>
+            <a:r>
+              <a:rPr lang="en-CA" baseline="30000" dirty="0"/>
+              <a:t>th</a:t>
+            </a:r>
+            <a:r>
+              <a:rPr lang="en-CA" dirty="0"/>
+              <a:t> IETF Online</a:t>
+            </a:r>
+          </a:p>
+        </p:txBody>
+      </p:sp>
+      <p:sp>
+        <p:nvSpPr>
+          <p:cNvPr id="5" name="Slide Number Placeholder 4"/>
+          <p:cNvSpPr>
+            <a:spLocks noGrp="1"/>
+          </p:cNvSpPr>
+          <p:nvPr>
+            <p:ph type="sldNum" sz="quarter" idx="12"/>
+          </p:nvPr>
+        </p:nvSpPr>
+        <p:spPr/>
+        <p:txBody>
+          <a:bodyPr/>
+          <a:lstStyle/>
+          <a:p>
+            <a:pPr>
+              <a:defRPr/>
+            </a:pPr>
+            <a:fld id="{BD6E0F59-1DD8-40FC-9C92-B6295CBA6CCA}" type="slidenum">
+              <a:rPr lang="en-US" altLang="zh-CN" smtClean="0"/>
+              <a:pPr>
+                <a:defRPr/>
+              </a:pPr>
+              <a:t>2</a:t>
+            </a:fld>
+            <a:endParaRPr lang="en-US" altLang="zh-CN"/>
+          </a:p>
+        </p:txBody>
+      </p:sp>
+    </p:spTree>
+    <p:extLst>
+      <p:ext uri="{BB962C8B-B14F-4D97-AF65-F5344CB8AC3E}">
+        <p14:creationId xmlns:p14="http://schemas.microsoft.com/office/powerpoint/2010/main" val="3204099515"/>
+      </p:ext>
+    </p:extLst>
+  </p:cSld>
+  <p:clrMapOvr>
+    <a:masterClrMapping/>
+  </p:clrMapOvr>
+</p:sld>
+</file>
+
+<file path=ppt/slides/slide3.xml><?xml version="1.0" encoding="utf-8"?>
+<p:sld xmlns:a="http://schemas.openxmlformats.org/drawingml/2006/main" xmlns:r="http://schemas.openxmlformats.org/officeDocument/2006/relationships" xmlns:p="http://schemas.openxmlformats.org/presentationml/2006/main">
+  <p:cSld>
+    <p:spTree>
+      <p:nvGrpSpPr>
+        <p:cNvPr id="1" name=""/>
+        <p:cNvGrpSpPr/>
+        <p:nvPr/>
+      </p:nvGrpSpPr>
+      <p:grpSpPr>
+        <a:xfrm>
+          <a:off x="0" y="0"/>
+          <a:ext cx="0" cy="0"/>
+          <a:chOff x="0" y="0"/>
+          <a:chExt cx="0" cy="0"/>
+        </a:xfrm>
+      </p:grpSpPr>
+      <p:sp>
+        <p:nvSpPr>
+          <p:cNvPr id="2" name="Title 1"/>
+          <p:cNvSpPr>
+            <a:spLocks noGrp="1"/>
+          </p:cNvSpPr>
+          <p:nvPr>
+            <p:ph type="title"/>
+          </p:nvPr>
+        </p:nvSpPr>
+        <p:spPr>
+          <a:xfrm>
+            <a:off x="457200" y="0"/>
+            <a:ext cx="8229600" cy="857250"/>
+          </a:xfrm>
+        </p:spPr>
+        <p:txBody>
+          <a:bodyPr/>
+          <a:lstStyle/>
+          <a:p>
+            <a:r>
+              <a:rPr lang="en-US" sz="3600" dirty="0">
+                <a:solidFill>
+                  <a:srgbClr val="0070C0"/>
+                </a:solidFill>
+                <a:latin typeface="Calibri Light" panose="020F0302020204030204" pitchFamily="34" charset="0"/>
+                <a:cs typeface="Calibri Light" panose="020F0302020204030204" pitchFamily="34" charset="0"/>
+              </a:rPr>
+              <a:t>Requirements and Scope</a:t>
+            </a:r>
+          </a:p>
+        </p:txBody>
+      </p:sp>
+      <p:sp>
+        <p:nvSpPr>
+          <p:cNvPr id="3" name="Content Placeholder 2"/>
+          <p:cNvSpPr>
+            <a:spLocks noGrp="1"/>
+          </p:cNvSpPr>
+          <p:nvPr>
+            <p:ph idx="1"/>
+          </p:nvPr>
+        </p:nvSpPr>
+        <p:spPr>
+          <a:xfrm>
+            <a:off x="685800" y="971550"/>
+            <a:ext cx="7772400" cy="3581399"/>
+          </a:xfrm>
+        </p:spPr>
+        <p:txBody>
+          <a:bodyPr/>
+          <a:lstStyle/>
+          <a:p>
+            <a:pPr marL="0" indent="0">
+              <a:buNone/>
+            </a:pPr>
+            <a:r>
+              <a:rPr lang="en-US" sz="1600" dirty="0"/>
+              <a:t>Requirements:</a:t>
+            </a:r>
+          </a:p>
+          <a:p>
+            <a:pPr lvl="1">
+              <a:buFont typeface="Wingdings" charset="2"/>
+              <a:buChar char="§"/>
+            </a:pPr>
+            <a:r>
+              <a:rPr lang="en-US" sz="1600" dirty="0"/>
+              <a:t>Support in-band Performance Measurement for links and SR paths</a:t>
+            </a:r>
+          </a:p>
+          <a:p>
+            <a:pPr marL="0" indent="0">
+              <a:buNone/>
+            </a:pPr>
+            <a:r>
+              <a:rPr lang="en-US" sz="1600" dirty="0"/>
+              <a:t>Goals: </a:t>
+            </a:r>
+          </a:p>
+          <a:p>
+            <a:pPr lvl="1">
+              <a:buFont typeface="Wingdings" charset="2"/>
+              <a:buChar char="§"/>
+            </a:pPr>
+            <a:r>
+              <a:rPr lang="en-US" sz="1600" dirty="0"/>
+              <a:t>Avoid provisioning test sessions on Session-Reflector for stateless mode</a:t>
+            </a:r>
+          </a:p>
+          <a:p>
+            <a:pPr lvl="1">
+              <a:buFont typeface="Wingdings" charset="2"/>
+              <a:buChar char="§"/>
+            </a:pPr>
+            <a:r>
+              <a:rPr lang="en-US" sz="1600" dirty="0"/>
+              <a:t>Avoid control protocol for signaling dynamic parameters</a:t>
+            </a:r>
+          </a:p>
+          <a:p>
+            <a:pPr lvl="1">
+              <a:buFont typeface="Wingdings" charset="2"/>
+              <a:buChar char="§"/>
+            </a:pPr>
+            <a:r>
+              <a:rPr lang="en-US" sz="1600" dirty="0"/>
+              <a:t>High scale for number of test sessions and faster detection interval</a:t>
+            </a:r>
+          </a:p>
+          <a:p>
+            <a:pPr lvl="2">
+              <a:buFont typeface="Wingdings" charset="2"/>
+              <a:buChar char="§"/>
+            </a:pPr>
+            <a:r>
+              <a:rPr lang="en-US" sz="1600" dirty="0"/>
+              <a:t>Support hardware implementation</a:t>
+            </a:r>
+          </a:p>
+          <a:p>
+            <a:pPr marL="0" lvl="1" indent="0">
+              <a:buNone/>
+            </a:pPr>
+            <a:r>
+              <a:rPr lang="en-US" sz="1600" dirty="0"/>
+              <a:t>Scope:</a:t>
+            </a:r>
+          </a:p>
+          <a:p>
+            <a:pPr lvl="1">
+              <a:buFont typeface="Wingdings" pitchFamily="2" charset="2"/>
+              <a:buChar char="§"/>
+            </a:pPr>
+            <a:r>
+              <a:rPr lang="en-US" sz="1600" dirty="0"/>
+              <a:t>STAMP [</a:t>
+            </a:r>
+            <a:r>
+              <a:rPr lang="en-CA" sz="1600" dirty="0"/>
+              <a:t>RFC 8762</a:t>
+            </a:r>
+            <a:r>
+              <a:rPr lang="en-US" sz="1600" dirty="0"/>
+              <a:t>]</a:t>
+            </a:r>
+          </a:p>
+          <a:p>
+            <a:pPr lvl="1">
+              <a:buFont typeface="Wingdings" charset="2"/>
+              <a:buChar char="§"/>
+            </a:pPr>
+            <a:r>
+              <a:rPr lang="en-US" sz="1600" dirty="0"/>
+              <a:t>STAMP Extensions [</a:t>
+            </a:r>
+            <a:r>
+              <a:rPr lang="en-CA" sz="1600" dirty="0"/>
+              <a:t>RFC 8972]</a:t>
+            </a:r>
+            <a:endParaRPr lang="en-US" sz="1600" dirty="0"/>
+          </a:p>
+        </p:txBody>
+      </p:sp>
+      <p:sp>
+        <p:nvSpPr>
+          <p:cNvPr id="4" name="Footer Placeholder 3"/>
+          <p:cNvSpPr>
+            <a:spLocks noGrp="1"/>
+          </p:cNvSpPr>
+          <p:nvPr>
+            <p:ph type="ftr" sz="quarter" idx="11"/>
+          </p:nvPr>
+        </p:nvSpPr>
+        <p:spPr>
+          <a:xfrm>
+            <a:off x="3124200" y="4786312"/>
+            <a:ext cx="2895600" cy="357188"/>
+          </a:xfrm>
+        </p:spPr>
+        <p:txBody>
+          <a:bodyPr/>
+          <a:lstStyle/>
+          <a:p>
+            <a:r>
+              <a:rPr lang="en-CA" dirty="0"/>
+              <a:t>110</a:t>
+            </a:r>
+            <a:r>
+              <a:rPr lang="en-CA" baseline="30000" dirty="0"/>
+              <a:t>th</a:t>
+            </a:r>
+            <a:r>
+              <a:rPr lang="en-CA" dirty="0"/>
+              <a:t> IETF Online</a:t>
+            </a:r>
+          </a:p>
+        </p:txBody>
+      </p:sp>
+      <p:sp>
+        <p:nvSpPr>
+          <p:cNvPr id="5" name="Slide Number Placeholder 4"/>
+          <p:cNvSpPr>
+            <a:spLocks noGrp="1"/>
+          </p:cNvSpPr>
+          <p:nvPr>
+            <p:ph type="sldNum" sz="quarter" idx="12"/>
+          </p:nvPr>
+        </p:nvSpPr>
+        <p:spPr/>
+        <p:txBody>
+          <a:bodyPr/>
+          <a:lstStyle/>
+          <a:p>
+            <a:pPr>
+              <a:defRPr/>
+            </a:pPr>
+            <a:fld id="{BD6E0F59-1DD8-40FC-9C92-B6295CBA6CCA}" type="slidenum">
+              <a:rPr lang="en-US" altLang="zh-CN" smtClean="0"/>
+              <a:pPr>
+                <a:defRPr/>
+              </a:pPr>
+              <a:t>3</a:t>
+            </a:fld>
+            <a:endParaRPr lang="en-US" altLang="zh-CN" dirty="0"/>
+          </a:p>
+        </p:txBody>
+      </p:sp>
+    </p:spTree>
+    <p:extLst>
+      <p:ext uri="{BB962C8B-B14F-4D97-AF65-F5344CB8AC3E}">
+        <p14:creationId xmlns:p14="http://schemas.microsoft.com/office/powerpoint/2010/main" val="1576110362"/>
+      </p:ext>
+    </p:extLst>
+  </p:cSld>
+  <p:clrMapOvr>
+    <a:masterClrMapping/>
+  </p:clrMapOvr>
+</p:sld>
+</file>
+
+<file path=ppt/slides/slide4.xml><?xml version="1.0" encoding="utf-8"?>
+<p:sld xmlns:a="http://schemas.openxmlformats.org/drawingml/2006/main" xmlns:r="http://schemas.openxmlformats.org/officeDocument/2006/relationships" xmlns:p="http://schemas.openxmlformats.org/presentationml/2006/main">
+  <p:cSld>
+    <p:spTree>
+      <p:nvGrpSpPr>
+        <p:cNvPr id="1" name=""/>
+        <p:cNvGrpSpPr/>
+        <p:nvPr/>
+      </p:nvGrpSpPr>
+      <p:grpSpPr>
+        <a:xfrm>
+          <a:off x="0" y="0"/>
+          <a:ext cx="0" cy="0"/>
+          <a:chOff x="0" y="0"/>
+          <a:chExt cx="0" cy="0"/>
+        </a:xfrm>
+      </p:grpSpPr>
+      <p:sp>
+        <p:nvSpPr>
+          <p:cNvPr id="2" name="Title 1">
+            <a:extLst>
+              <a:ext uri="{FF2B5EF4-FFF2-40B4-BE49-F238E27FC236}">
+                <a16:creationId xmlns:a16="http://schemas.microsoft.com/office/drawing/2014/main" id="{9A6F4236-AC14-394A-A36C-F2BD8CED3237}"/>
+              </a:ext>
+            </a:extLst>
+          </p:cNvPr>
+          <p:cNvSpPr>
+            <a:spLocks noGrp="1"/>
+          </p:cNvSpPr>
+          <p:nvPr>
+            <p:ph type="title"/>
+          </p:nvPr>
+        </p:nvSpPr>
+        <p:spPr>
+          <a:xfrm>
+            <a:off x="228600" y="-20187"/>
+            <a:ext cx="8686800" cy="857250"/>
+          </a:xfrm>
+        </p:spPr>
+        <p:txBody>
+          <a:bodyPr/>
+          <a:lstStyle/>
+          <a:p>
+            <a:r>
+              <a:rPr lang="en-US" sz="3200" dirty="0">
+                <a:solidFill>
+                  <a:srgbClr val="0070C0"/>
+                </a:solidFill>
+                <a:latin typeface="Calibri Light" panose="020F0302020204030204" pitchFamily="34" charset="0"/>
+                <a:cs typeface="Calibri Light" panose="020F0302020204030204" pitchFamily="34" charset="0"/>
+              </a:rPr>
+              <a:t>STAMP Destination Node Address TLV</a:t>
+            </a:r>
+          </a:p>
+        </p:txBody>
+      </p:sp>
+      <p:sp>
+        <p:nvSpPr>
+          <p:cNvPr id="4" name="Footer Placeholder 3">
+            <a:extLst>
+              <a:ext uri="{FF2B5EF4-FFF2-40B4-BE49-F238E27FC236}">
+                <a16:creationId xmlns:a16="http://schemas.microsoft.com/office/drawing/2014/main" id="{643D160E-CC3C-EB46-A6F1-43B8E2996F46}"/>
+              </a:ext>
+            </a:extLst>
+          </p:cNvPr>
+          <p:cNvSpPr>
+            <a:spLocks noGrp="1"/>
+          </p:cNvSpPr>
+          <p:nvPr>
+            <p:ph type="ftr" sz="quarter" idx="11"/>
+          </p:nvPr>
+        </p:nvSpPr>
+        <p:spPr>
+          <a:xfrm>
+            <a:off x="3124200" y="4805362"/>
+            <a:ext cx="2895600" cy="357188"/>
+          </a:xfrm>
+        </p:spPr>
+        <p:txBody>
+          <a:bodyPr/>
+          <a:lstStyle/>
+          <a:p>
+            <a:r>
+              <a:rPr lang="en-CA" dirty="0"/>
+              <a:t>110</a:t>
+            </a:r>
+            <a:r>
+              <a:rPr lang="en-CA" baseline="30000" dirty="0"/>
+              <a:t>th</a:t>
+            </a:r>
+            <a:r>
+              <a:rPr lang="en-CA" dirty="0"/>
+              <a:t> IETF Online</a:t>
+            </a:r>
+          </a:p>
+        </p:txBody>
+      </p:sp>
+      <p:sp>
+        <p:nvSpPr>
+          <p:cNvPr id="5" name="Slide Number Placeholder 4">
+            <a:extLst>
+              <a:ext uri="{FF2B5EF4-FFF2-40B4-BE49-F238E27FC236}">
+                <a16:creationId xmlns:a16="http://schemas.microsoft.com/office/drawing/2014/main" id="{A8B868AE-B105-7547-A646-14FCDF91C2DD}"/>
+              </a:ext>
+            </a:extLst>
+          </p:cNvPr>
+          <p:cNvSpPr>
+            <a:spLocks noGrp="1"/>
+          </p:cNvSpPr>
+          <p:nvPr>
+            <p:ph type="sldNum" sz="quarter" idx="12"/>
+          </p:nvPr>
+        </p:nvSpPr>
+        <p:spPr/>
+        <p:txBody>
+          <a:bodyPr/>
+          <a:lstStyle/>
+          <a:p>
+            <a:pPr>
+              <a:defRPr/>
+            </a:pPr>
+            <a:fld id="{BD6E0F59-1DD8-40FC-9C92-B6295CBA6CCA}" type="slidenum">
+              <a:rPr lang="en-US" altLang="zh-CN" smtClean="0"/>
+              <a:pPr>
+                <a:defRPr/>
+              </a:pPr>
+              <a:t>4</a:t>
+            </a:fld>
+            <a:endParaRPr lang="en-US" altLang="zh-CN"/>
+          </a:p>
+        </p:txBody>
+      </p:sp>
+      <p:sp>
+        <p:nvSpPr>
+          <p:cNvPr id="7" name="Rectangle 6">
+            <a:extLst>
+              <a:ext uri="{FF2B5EF4-FFF2-40B4-BE49-F238E27FC236}">
+                <a16:creationId xmlns:a16="http://schemas.microsoft.com/office/drawing/2014/main" id="{AA6E66CA-28BC-2C4A-BC04-4600D8FEBF3B}"/>
+              </a:ext>
+            </a:extLst>
+          </p:cNvPr>
+          <p:cNvSpPr/>
+          <p:nvPr/>
+        </p:nvSpPr>
+        <p:spPr>
+          <a:xfrm>
+            <a:off x="4223657" y="1712824"/>
+            <a:ext cx="4648200" cy="1615827"/>
+          </a:xfrm>
+          <a:prstGeom prst="rect">
+            <a:avLst/>
+          </a:prstGeom>
+          <a:solidFill>
+            <a:schemeClr val="accent6">
+              <a:lumMod val="20000"/>
+              <a:lumOff val="80000"/>
+            </a:schemeClr>
+          </a:solidFill>
+        </p:spPr>
+        <p:txBody>
+          <a:bodyPr wrap="square">
+            <a:spAutoFit/>
+          </a:bodyPr>
+          <a:lstStyle/>
+          <a:p>
+            <a:r>
+              <a:rPr lang="en-CA" sz="900" dirty="0">
+                <a:latin typeface="Courier" pitchFamily="2" charset="0"/>
+                <a:cs typeface="Courier New" panose="02070309020205020404" pitchFamily="49" charset="0"/>
+              </a:rPr>
+              <a:t>0                   1                   2                   3</a:t>
+            </a:r>
+          </a:p>
+          <a:p>
+            <a:r>
+              <a:rPr lang="en-CA" sz="900" dirty="0">
+                <a:latin typeface="Courier" pitchFamily="2" charset="0"/>
+                <a:cs typeface="Courier New" panose="02070309020205020404" pitchFamily="49" charset="0"/>
+              </a:rPr>
+              <a:t>0 1 2 3 4 5 6 7 8 9 0 1 2 3 4 5 6 7 8 9 0 1 2 3 4 5 6 7 8 9 0 1</a:t>
+            </a:r>
+          </a:p>
+          <a:p>
+            <a:r>
+              <a:rPr lang="en-CA" sz="900" dirty="0">
+                <a:latin typeface="Courier" pitchFamily="2" charset="0"/>
+                <a:cs typeface="Courier New" panose="02070309020205020404" pitchFamily="49" charset="0"/>
+              </a:rPr>
+              <a:t>+-+-+-+-+-+-+-+-+-+-+-+-+-+-+-+-+-+-+-+-+-+-+-+-+-+-+-+-+-+-+-+-+</a:t>
+            </a:r>
+          </a:p>
+          <a:p>
+            <a:r>
+              <a:rPr lang="en-CA" sz="900" dirty="0">
+                <a:latin typeface="Courier" pitchFamily="2" charset="0"/>
+              </a:rPr>
+              <a:t>|STAMP TLV Flags|  Type = TBA1  |     Length                    |</a:t>
+            </a:r>
+          </a:p>
+          <a:p>
+            <a:r>
+              <a:rPr lang="en-CA" sz="900" dirty="0">
+                <a:latin typeface="Courier" pitchFamily="2" charset="0"/>
+                <a:cs typeface="Courier New" panose="02070309020205020404" pitchFamily="49" charset="0"/>
+              </a:rPr>
+              <a:t>+-+-+-+-+-+-+-+-+-+-+-+-+-+-+-+-+-+-+-+-+-+-+-+-+-+-+-+-+-+-+-+-+</a:t>
+            </a:r>
+          </a:p>
+          <a:p>
+            <a:r>
+              <a:rPr lang="en-CA" sz="900" dirty="0">
+                <a:latin typeface="Courier" pitchFamily="2" charset="0"/>
+                <a:cs typeface="Courier New" panose="02070309020205020404" pitchFamily="49" charset="0"/>
+              </a:rPr>
+              <a:t>|     Reserved                  |        Address Family         |</a:t>
+            </a:r>
+          </a:p>
+          <a:p>
+            <a:r>
+              <a:rPr lang="en-CA" sz="900" dirty="0">
+                <a:latin typeface="Courier" pitchFamily="2" charset="0"/>
+                <a:cs typeface="Courier New" panose="02070309020205020404" pitchFamily="49" charset="0"/>
+              </a:rPr>
+              <a:t>+-+-+-+-+-+-+-+-+-+-+-+-+-+-+-+-+-+-+-+-+-+-+-+-+-+-+-+-+-+-+-+-+</a:t>
+            </a:r>
+          </a:p>
+          <a:p>
+            <a:r>
+              <a:rPr lang="en-CA" sz="900" dirty="0">
+                <a:latin typeface="Courier" pitchFamily="2" charset="0"/>
+                <a:cs typeface="Courier New" panose="02070309020205020404" pitchFamily="49" charset="0"/>
+              </a:rPr>
+              <a:t>~                           Address                             ~</a:t>
+            </a:r>
+          </a:p>
+          <a:p>
+            <a:r>
+              <a:rPr lang="en-CA" sz="900" dirty="0">
+                <a:latin typeface="Courier" pitchFamily="2" charset="0"/>
+                <a:cs typeface="Courier New" panose="02070309020205020404" pitchFamily="49" charset="0"/>
+              </a:rPr>
+              <a:t>+-+-+-+-+-+-+-+-+-+-+-+-+-+-+-+-+-+-+-+-+-+-+-+-+-+-+-+-+-+-+-+-+</a:t>
+            </a:r>
+          </a:p>
+          <a:p>
+            <a:r>
+              <a:rPr lang="en-CA" sz="900" dirty="0">
+                <a:latin typeface="Courier" pitchFamily="2" charset="0"/>
+                <a:cs typeface="Courier New" panose="02070309020205020404" pitchFamily="49" charset="0"/>
+              </a:rPr>
+              <a:t> </a:t>
+            </a:r>
+          </a:p>
+          <a:p>
+            <a:r>
+              <a:rPr lang="en-CA" sz="900" dirty="0">
+                <a:latin typeface="Courier" pitchFamily="2" charset="0"/>
+                <a:cs typeface="Courier New" panose="02070309020205020404" pitchFamily="49" charset="0"/>
+              </a:rPr>
+              <a:t>            Figure: Destination Node Address TLV Format </a:t>
+            </a:r>
+            <a:endParaRPr lang="en-US" sz="900" dirty="0">
+              <a:latin typeface="Courier" pitchFamily="2" charset="0"/>
+              <a:cs typeface="Courier New" panose="02070309020205020404" pitchFamily="49" charset="0"/>
+            </a:endParaRPr>
+          </a:p>
+        </p:txBody>
+      </p:sp>
+      <p:sp>
+        <p:nvSpPr>
+          <p:cNvPr id="9" name="Rectangle 8">
+            <a:extLst>
+              <a:ext uri="{FF2B5EF4-FFF2-40B4-BE49-F238E27FC236}">
+                <a16:creationId xmlns:a16="http://schemas.microsoft.com/office/drawing/2014/main" id="{8BD4B8E2-831D-5C4C-9AA6-259F0AB5BE90}"/>
+              </a:ext>
+            </a:extLst>
+          </p:cNvPr>
+          <p:cNvSpPr/>
+          <p:nvPr/>
+        </p:nvSpPr>
+        <p:spPr>
+          <a:xfrm>
+            <a:off x="299357" y="1149180"/>
+            <a:ext cx="3924300" cy="3041538"/>
+          </a:xfrm>
+          <a:prstGeom prst="rect">
+            <a:avLst/>
+          </a:prstGeom>
+        </p:spPr>
+        <p:txBody>
+          <a:bodyPr wrap="square">
+            <a:spAutoFit/>
+          </a:bodyPr>
+          <a:lstStyle/>
+          <a:p>
+            <a:pPr>
+              <a:lnSpc>
+                <a:spcPts val="2120"/>
+              </a:lnSpc>
+              <a:spcAft>
+                <a:spcPts val="0"/>
+              </a:spcAft>
+            </a:pPr>
+            <a:r>
+              <a:rPr lang="en-CA" sz="1600" b="1" dirty="0">
+                <a:solidFill>
+                  <a:schemeClr val="tx2"/>
+                </a:solidFill>
+                <a:latin typeface="Calibri" panose="020F0502020204030204" pitchFamily="34" charset="0"/>
+                <a:ea typeface="Calibri" panose="020F0502020204030204" pitchFamily="34" charset="0"/>
+                <a:cs typeface="Consolas" panose="020B0609020204030204" pitchFamily="49" charset="0"/>
+              </a:rPr>
+              <a:t>Destination Node Address TLV (value TBA1):</a:t>
+            </a:r>
+          </a:p>
+          <a:p>
+            <a:pPr>
+              <a:lnSpc>
+                <a:spcPts val="2120"/>
+              </a:lnSpc>
+              <a:spcAft>
+                <a:spcPts val="0"/>
+              </a:spcAft>
+            </a:pPr>
+            <a:r>
+              <a:rPr lang="en-CA" sz="1600" dirty="0">
+                <a:solidFill>
+                  <a:schemeClr val="tx2"/>
+                </a:solidFill>
+                <a:latin typeface="Calibri" panose="020F0502020204030204" pitchFamily="34" charset="0"/>
+                <a:ea typeface="Calibri" panose="020F0502020204030204" pitchFamily="34" charset="0"/>
+                <a:cs typeface="Consolas" panose="020B0609020204030204" pitchFamily="49" charset="0"/>
+              </a:rPr>
+              <a:t> </a:t>
+            </a:r>
+          </a:p>
+          <a:p>
+            <a:pPr marL="285750" indent="-285750">
+              <a:lnSpc>
+                <a:spcPts val="2120"/>
+              </a:lnSpc>
+              <a:spcAft>
+                <a:spcPts val="0"/>
+              </a:spcAft>
+              <a:buFont typeface="Arial" panose="020B0604020202020204" pitchFamily="34" charset="0"/>
+              <a:buChar char="•"/>
+            </a:pPr>
+            <a:r>
+              <a:rPr lang="en-CA" sz="1600" dirty="0">
+                <a:solidFill>
+                  <a:schemeClr val="tx2"/>
+                </a:solidFill>
+                <a:latin typeface="Calibri" panose="020F0502020204030204" pitchFamily="34" charset="0"/>
+                <a:ea typeface="Calibri" panose="020F0502020204030204" pitchFamily="34" charset="0"/>
+                <a:cs typeface="Consolas" panose="020B0609020204030204" pitchFamily="49" charset="0"/>
+              </a:rPr>
+              <a:t>Indicates the address of the intended destination node of the Session-Sender test packet.  </a:t>
+            </a:r>
+          </a:p>
+          <a:p>
+            <a:pPr marL="285750" indent="-285750">
+              <a:lnSpc>
+                <a:spcPts val="2120"/>
+              </a:lnSpc>
+              <a:spcAft>
+                <a:spcPts val="0"/>
+              </a:spcAft>
+              <a:buFont typeface="Arial" panose="020B0604020202020204" pitchFamily="34" charset="0"/>
+              <a:buChar char="•"/>
+            </a:pPr>
+            <a:r>
+              <a:rPr lang="en-CA" sz="1600" dirty="0">
+                <a:solidFill>
+                  <a:schemeClr val="tx2"/>
+                </a:solidFill>
+                <a:latin typeface="Calibri" panose="020F0502020204030204" pitchFamily="34" charset="0"/>
+                <a:ea typeface="Calibri" panose="020F0502020204030204" pitchFamily="34" charset="0"/>
+                <a:cs typeface="Consolas" panose="020B0609020204030204" pitchFamily="49" charset="0"/>
+              </a:rPr>
+              <a:t>The Session-Reflector node </a:t>
+            </a:r>
+            <a:r>
+              <a:rPr lang="en-CA" sz="1600" b="1" dirty="0">
+                <a:solidFill>
+                  <a:schemeClr val="tx2"/>
+                </a:solidFill>
+                <a:latin typeface="Calibri" panose="020F0502020204030204" pitchFamily="34" charset="0"/>
+                <a:ea typeface="Calibri" panose="020F0502020204030204" pitchFamily="34" charset="0"/>
+                <a:cs typeface="Consolas" panose="020B0609020204030204" pitchFamily="49" charset="0"/>
+              </a:rPr>
+              <a:t>MUST NOT </a:t>
+            </a:r>
+            <a:r>
+              <a:rPr lang="en-CA" sz="1600" dirty="0">
+                <a:solidFill>
+                  <a:schemeClr val="tx2"/>
+                </a:solidFill>
+                <a:latin typeface="Calibri" panose="020F0502020204030204" pitchFamily="34" charset="0"/>
+                <a:ea typeface="Calibri" panose="020F0502020204030204" pitchFamily="34" charset="0"/>
+                <a:cs typeface="Consolas" panose="020B0609020204030204" pitchFamily="49" charset="0"/>
+              </a:rPr>
+              <a:t>send reply if it is not the intended destination node of the test packet.</a:t>
+            </a:r>
+          </a:p>
+          <a:p>
+            <a:pPr marL="285750" indent="-285750">
+              <a:lnSpc>
+                <a:spcPts val="2120"/>
+              </a:lnSpc>
+              <a:spcAft>
+                <a:spcPts val="0"/>
+              </a:spcAft>
+              <a:buFont typeface="Arial" panose="020B0604020202020204" pitchFamily="34" charset="0"/>
+              <a:buChar char="•"/>
+            </a:pPr>
+            <a:r>
+              <a:rPr lang="en-CA" sz="1600" dirty="0">
+                <a:solidFill>
+                  <a:schemeClr val="tx2"/>
+                </a:solidFill>
+                <a:latin typeface="Calibri" panose="020F0502020204030204" pitchFamily="34" charset="0"/>
+                <a:ea typeface="Calibri" panose="020F0502020204030204" pitchFamily="34" charset="0"/>
+                <a:cs typeface="Consolas" panose="020B0609020204030204" pitchFamily="49" charset="0"/>
+              </a:rPr>
+              <a:t>Useful when test packet is sent with 127/8 destination address (e.g. sweeping ECMP paths).</a:t>
+            </a:r>
+          </a:p>
+        </p:txBody>
+      </p:sp>
+    </p:spTree>
+    <p:extLst>
+      <p:ext uri="{BB962C8B-B14F-4D97-AF65-F5344CB8AC3E}">
+        <p14:creationId xmlns:p14="http://schemas.microsoft.com/office/powerpoint/2010/main" val="762066554"/>
+      </p:ext>
+    </p:extLst>
+  </p:cSld>
+  <p:clrMapOvr>
+    <a:masterClrMapping/>
+  </p:clrMapOvr>
+</p:sld>
+</file>
+
+<file path=ppt/slides/slide5.xml><?xml version="1.0" encoding="utf-8"?>
+<p:sld xmlns:a="http://schemas.openxmlformats.org/drawingml/2006/main" xmlns:r="http://schemas.openxmlformats.org/officeDocument/2006/relationships" xmlns:p="http://schemas.openxmlformats.org/presentationml/2006/main">
+  <p:cSld>
+    <p:spTree>
+      <p:nvGrpSpPr>
+        <p:cNvPr id="1" name=""/>
+        <p:cNvGrpSpPr/>
+        <p:nvPr/>
+      </p:nvGrpSpPr>
+      <p:grpSpPr>
+        <a:xfrm>
+          <a:off x="0" y="0"/>
+          <a:ext cx="0" cy="0"/>
+          <a:chOff x="0" y="0"/>
+          <a:chExt cx="0" cy="0"/>
+        </a:xfrm>
+      </p:grpSpPr>
+      <p:sp>
+        <p:nvSpPr>
+          <p:cNvPr id="2" name="Title 1">
+            <a:extLst>
+              <a:ext uri="{FF2B5EF4-FFF2-40B4-BE49-F238E27FC236}">
+                <a16:creationId xmlns:a16="http://schemas.microsoft.com/office/drawing/2014/main" id="{9A6F4236-AC14-394A-A36C-F2BD8CED3237}"/>
+              </a:ext>
+            </a:extLst>
+          </p:cNvPr>
+          <p:cNvSpPr>
+            <a:spLocks noGrp="1"/>
+          </p:cNvSpPr>
+          <p:nvPr>
+            <p:ph type="title"/>
+          </p:nvPr>
+        </p:nvSpPr>
+        <p:spPr>
+          <a:xfrm>
+            <a:off x="228600" y="-8968"/>
+            <a:ext cx="8686800" cy="857250"/>
+          </a:xfrm>
+        </p:spPr>
+        <p:txBody>
+          <a:bodyPr/>
+          <a:lstStyle/>
+          <a:p>
+            <a:r>
+              <a:rPr lang="en-US" sz="3200" dirty="0">
+                <a:solidFill>
+                  <a:srgbClr val="0070C0"/>
+                </a:solidFill>
+                <a:latin typeface="Calibri Light" panose="020F0302020204030204" pitchFamily="34" charset="0"/>
+                <a:cs typeface="Calibri Light" panose="020F0302020204030204" pitchFamily="34" charset="0"/>
+              </a:rPr>
+              <a:t>STAMP Return Path TLV</a:t>
+            </a:r>
+          </a:p>
+        </p:txBody>
+      </p:sp>
+      <p:sp>
+        <p:nvSpPr>
+          <p:cNvPr id="4" name="Footer Placeholder 3">
+            <a:extLst>
+              <a:ext uri="{FF2B5EF4-FFF2-40B4-BE49-F238E27FC236}">
+                <a16:creationId xmlns:a16="http://schemas.microsoft.com/office/drawing/2014/main" id="{643D160E-CC3C-EB46-A6F1-43B8E2996F46}"/>
+              </a:ext>
+            </a:extLst>
+          </p:cNvPr>
+          <p:cNvSpPr>
+            <a:spLocks noGrp="1"/>
+          </p:cNvSpPr>
+          <p:nvPr>
+            <p:ph type="ftr" sz="quarter" idx="11"/>
+          </p:nvPr>
+        </p:nvSpPr>
+        <p:spPr>
+          <a:xfrm>
+            <a:off x="3124200" y="4805362"/>
+            <a:ext cx="2895600" cy="357188"/>
+          </a:xfrm>
+        </p:spPr>
+        <p:txBody>
+          <a:bodyPr/>
+          <a:lstStyle/>
+          <a:p>
+            <a:r>
+              <a:rPr lang="en-CA" dirty="0"/>
+              <a:t>110</a:t>
+            </a:r>
+            <a:r>
+              <a:rPr lang="en-CA" baseline="30000" dirty="0"/>
+              <a:t>th</a:t>
+            </a:r>
+            <a:r>
+              <a:rPr lang="en-CA" dirty="0"/>
+              <a:t> IETF Online</a:t>
+            </a:r>
+          </a:p>
+        </p:txBody>
+      </p:sp>
+      <p:sp>
+        <p:nvSpPr>
+          <p:cNvPr id="5" name="Slide Number Placeholder 4">
+            <a:extLst>
+              <a:ext uri="{FF2B5EF4-FFF2-40B4-BE49-F238E27FC236}">
+                <a16:creationId xmlns:a16="http://schemas.microsoft.com/office/drawing/2014/main" id="{A8B868AE-B105-7547-A646-14FCDF91C2DD}"/>
+              </a:ext>
+            </a:extLst>
+          </p:cNvPr>
+          <p:cNvSpPr>
+            <a:spLocks noGrp="1"/>
+          </p:cNvSpPr>
+          <p:nvPr>
+            <p:ph type="sldNum" sz="quarter" idx="12"/>
+          </p:nvPr>
+        </p:nvSpPr>
+        <p:spPr/>
+        <p:txBody>
+          <a:bodyPr/>
+          <a:lstStyle/>
+          <a:p>
+            <a:pPr>
+              <a:defRPr/>
+            </a:pPr>
+            <a:fld id="{BD6E0F59-1DD8-40FC-9C92-B6295CBA6CCA}" type="slidenum">
+              <a:rPr lang="en-US" altLang="zh-CN" smtClean="0"/>
+              <a:pPr>
+                <a:defRPr/>
+              </a:pPr>
+              <a:t>5</a:t>
+            </a:fld>
+            <a:endParaRPr lang="en-US" altLang="zh-CN"/>
+          </a:p>
+        </p:txBody>
+      </p:sp>
+      <p:sp>
+        <p:nvSpPr>
+          <p:cNvPr id="7" name="Rectangle 6">
+            <a:extLst>
+              <a:ext uri="{FF2B5EF4-FFF2-40B4-BE49-F238E27FC236}">
+                <a16:creationId xmlns:a16="http://schemas.microsoft.com/office/drawing/2014/main" id="{AA6E66CA-28BC-2C4A-BC04-4600D8FEBF3B}"/>
+              </a:ext>
+            </a:extLst>
+          </p:cNvPr>
+          <p:cNvSpPr/>
+          <p:nvPr/>
+        </p:nvSpPr>
+        <p:spPr>
+          <a:xfrm>
+            <a:off x="4343400" y="837063"/>
+            <a:ext cx="4419600" cy="1323439"/>
+          </a:xfrm>
+          <a:prstGeom prst="rect">
+            <a:avLst/>
+          </a:prstGeom>
+          <a:solidFill>
+            <a:schemeClr val="accent6">
+              <a:lumMod val="20000"/>
+              <a:lumOff val="80000"/>
+            </a:schemeClr>
+          </a:solidFill>
+        </p:spPr>
+        <p:txBody>
+          <a:bodyPr wrap="square">
+            <a:spAutoFit/>
+          </a:bodyPr>
+          <a:lstStyle/>
+          <a:p>
+            <a:r>
+              <a:rPr lang="en-CA" sz="800" dirty="0">
+                <a:latin typeface="Courier" pitchFamily="2" charset="0"/>
+              </a:rPr>
+              <a:t>    0                   1                   2                   3</a:t>
+            </a:r>
+          </a:p>
+          <a:p>
+            <a:r>
+              <a:rPr lang="en-CA" sz="800" dirty="0">
+                <a:latin typeface="Courier" pitchFamily="2" charset="0"/>
+              </a:rPr>
+              <a:t>    0 1 2 3 4 5 6 7 8 9 0 1 2 3 4 5 6 7 8 9 0 1 2 3 4 5 6 7 8 9 0 1</a:t>
+            </a:r>
+          </a:p>
+          <a:p>
+            <a:r>
+              <a:rPr lang="en-CA" sz="800" dirty="0">
+                <a:latin typeface="Courier" pitchFamily="2" charset="0"/>
+              </a:rPr>
+              <a:t>    +-+-+-+-+-+-+-+-+-+-+-+-+-+-+-+-+-+-+-+-+-+-+-+-+-+-+-+-+-+-+-+-+</a:t>
+            </a:r>
+          </a:p>
+          <a:p>
+            <a:r>
+              <a:rPr lang="en-CA" sz="800" dirty="0">
+                <a:latin typeface="Courier" pitchFamily="2" charset="0"/>
+              </a:rPr>
+              <a:t>    |STAMP TLV Flags|  Type = TBA2  |     Length                    |</a:t>
+            </a:r>
+          </a:p>
+          <a:p>
+            <a:r>
+              <a:rPr lang="en-CA" sz="800" dirty="0">
+                <a:latin typeface="Courier" pitchFamily="2" charset="0"/>
+              </a:rPr>
+              <a:t>    +-+-+-+-+-+-+-+-+-+-+-+-+-+-+-+-+-+-+-+-+-+-+-+-+-+-+-+-+-+-+-+-+</a:t>
+            </a:r>
+          </a:p>
+          <a:p>
+            <a:r>
+              <a:rPr lang="en-CA" sz="800" dirty="0">
+                <a:latin typeface="Courier" pitchFamily="2" charset="0"/>
+              </a:rPr>
+              <a:t>    |                    Return Path Sub-TLVs                       |</a:t>
+            </a:r>
+          </a:p>
+          <a:p>
+            <a:r>
+              <a:rPr lang="en-CA" sz="800" dirty="0">
+                <a:latin typeface="Courier" pitchFamily="2" charset="0"/>
+              </a:rPr>
+              <a:t>    .                                                               .</a:t>
+            </a:r>
+          </a:p>
+          <a:p>
+            <a:r>
+              <a:rPr lang="en-CA" sz="800" dirty="0">
+                <a:latin typeface="Courier" pitchFamily="2" charset="0"/>
+              </a:rPr>
+              <a:t>    +-+-+-+-+-+-+-+-+-+-+-+-+-+-+-+-+-+-+-+-+-+-+-+-+-+-+-+-+-+-+-+-+</a:t>
+            </a:r>
+          </a:p>
+          <a:p>
+            <a:endParaRPr lang="en-CA" sz="800" dirty="0">
+              <a:latin typeface="Courier" pitchFamily="2" charset="0"/>
+            </a:endParaRPr>
+          </a:p>
+          <a:p>
+            <a:r>
+              <a:rPr lang="en-CA" sz="800" dirty="0">
+                <a:latin typeface="Courier" pitchFamily="2" charset="0"/>
+              </a:rPr>
+              <a:t>                         Figure: Return Path TLV</a:t>
+            </a:r>
+          </a:p>
+        </p:txBody>
+      </p:sp>
+      <p:sp>
+        <p:nvSpPr>
+          <p:cNvPr id="6" name="Content Placeholder 2">
+            <a:extLst>
+              <a:ext uri="{FF2B5EF4-FFF2-40B4-BE49-F238E27FC236}">
+                <a16:creationId xmlns:a16="http://schemas.microsoft.com/office/drawing/2014/main" id="{23AC919A-376F-2044-ADF3-0CCFB1FD964A}"/>
+              </a:ext>
+            </a:extLst>
+          </p:cNvPr>
+          <p:cNvSpPr>
+            <a:spLocks noGrp="1"/>
+          </p:cNvSpPr>
+          <p:nvPr>
+            <p:ph idx="1"/>
+          </p:nvPr>
+        </p:nvSpPr>
+        <p:spPr>
+          <a:xfrm>
+            <a:off x="228600" y="819150"/>
+            <a:ext cx="3962400" cy="3986212"/>
+          </a:xfrm>
+        </p:spPr>
+        <p:txBody>
+          <a:bodyPr/>
+          <a:lstStyle/>
+          <a:p>
+            <a:pPr marL="0" indent="0">
+              <a:spcBef>
+                <a:spcPts val="600"/>
+              </a:spcBef>
+              <a:buNone/>
+            </a:pPr>
+            <a:r>
+              <a:rPr lang="en-CA" sz="1200" b="1" dirty="0">
+                <a:latin typeface="Calibri" panose="020F0502020204030204" pitchFamily="34" charset="0"/>
+                <a:ea typeface="Calibri" panose="020F0502020204030204" pitchFamily="34" charset="0"/>
+                <a:cs typeface="Consolas" panose="020B0609020204030204" pitchFamily="49" charset="0"/>
+              </a:rPr>
+              <a:t>Return Path TLV (value TBA2) to carry one Sub-TLV for return path:</a:t>
+            </a:r>
+            <a:endParaRPr lang="en-CA" sz="1200" b="1" dirty="0"/>
+          </a:p>
+          <a:p>
+            <a:pPr marL="0" indent="0">
+              <a:spcBef>
+                <a:spcPts val="600"/>
+              </a:spcBef>
+              <a:buNone/>
+            </a:pPr>
+            <a:r>
+              <a:rPr lang="en-CA" sz="1200" dirty="0"/>
+              <a:t>Sub-TLVs Types:</a:t>
+            </a:r>
+          </a:p>
+          <a:p>
+            <a:pPr>
+              <a:spcBef>
+                <a:spcPts val="600"/>
+              </a:spcBef>
+            </a:pPr>
+            <a:r>
+              <a:rPr lang="en-CA" sz="1200" dirty="0"/>
+              <a:t>Type (value 1): Return Path Control Code. Reply test packet based on the control code flags.</a:t>
+            </a:r>
+          </a:p>
+          <a:p>
+            <a:pPr lvl="1"/>
+            <a:r>
+              <a:rPr lang="en-US" sz="1200" dirty="0">
+                <a:latin typeface="Calibri" panose="020F0502020204030204" pitchFamily="34" charset="0"/>
+                <a:cs typeface="Calibri" panose="020F0502020204030204" pitchFamily="34" charset="0"/>
+              </a:rPr>
+              <a:t>0x0: No Reply Requested.</a:t>
+            </a:r>
+          </a:p>
+          <a:p>
+            <a:pPr lvl="1"/>
+            <a:r>
+              <a:rPr lang="en-US" sz="1200" dirty="0">
+                <a:latin typeface="Calibri" panose="020F0502020204030204" pitchFamily="34" charset="0"/>
+                <a:cs typeface="Calibri" panose="020F0502020204030204" pitchFamily="34" charset="0"/>
+              </a:rPr>
+              <a:t>0x1: In-band Reply Requested.  </a:t>
+            </a:r>
+            <a:endParaRPr lang="en-CA" sz="1200" dirty="0"/>
+          </a:p>
+          <a:p>
+            <a:pPr>
+              <a:spcBef>
+                <a:spcPts val="600"/>
+              </a:spcBef>
+            </a:pPr>
+            <a:r>
+              <a:rPr lang="en-CA" sz="1200" dirty="0"/>
+              <a:t>Type (value 2): Return Address. Destination node address for the reply; different than the Source Address in the test packet</a:t>
+            </a:r>
+          </a:p>
+          <a:p>
+            <a:pPr>
+              <a:spcBef>
+                <a:spcPts val="600"/>
+              </a:spcBef>
+            </a:pPr>
+            <a:r>
+              <a:rPr lang="en-CA" sz="1200" dirty="0"/>
+              <a:t>Type (value 3): SR-MPLS Label Stack of the Return SR Path</a:t>
+            </a:r>
+          </a:p>
+          <a:p>
+            <a:pPr>
+              <a:spcBef>
+                <a:spcPts val="600"/>
+              </a:spcBef>
+            </a:pPr>
+            <a:r>
+              <a:rPr lang="en-CA" sz="1200" dirty="0"/>
+              <a:t>Type (value 4): SR-MPLS Binding SID [draft-</a:t>
+            </a:r>
+            <a:r>
+              <a:rPr lang="en-CA" sz="1200" dirty="0" err="1"/>
+              <a:t>ietf</a:t>
+            </a:r>
+            <a:r>
+              <a:rPr lang="en-CA" sz="1200" dirty="0"/>
+              <a:t>-</a:t>
+            </a:r>
+            <a:r>
+              <a:rPr lang="en-CA" sz="1200" dirty="0" err="1"/>
+              <a:t>pce</a:t>
+            </a:r>
+            <a:r>
+              <a:rPr lang="en-CA" sz="1200" dirty="0"/>
+              <a:t>-binding-label-</a:t>
+            </a:r>
+            <a:r>
+              <a:rPr lang="en-CA" sz="1200" dirty="0" err="1"/>
+              <a:t>sid</a:t>
+            </a:r>
+            <a:r>
+              <a:rPr lang="en-CA" sz="1200" dirty="0"/>
+              <a:t>] of the Return SR Policy</a:t>
+            </a:r>
+          </a:p>
+          <a:p>
+            <a:pPr>
+              <a:spcBef>
+                <a:spcPts val="600"/>
+              </a:spcBef>
+            </a:pPr>
+            <a:r>
+              <a:rPr lang="en-CA" sz="1200" dirty="0"/>
+              <a:t>Type (value 5): SRv6 Segment List of the Return SR Path</a:t>
+            </a:r>
+          </a:p>
+          <a:p>
+            <a:pPr>
+              <a:spcBef>
+                <a:spcPts val="600"/>
+              </a:spcBef>
+            </a:pPr>
+            <a:r>
+              <a:rPr lang="en-CA" sz="1200" dirty="0"/>
+              <a:t>Type (value 6): SRv6 Binding SID [draft-</a:t>
+            </a:r>
+            <a:r>
+              <a:rPr lang="en-CA" sz="1200" dirty="0" err="1"/>
+              <a:t>ietf</a:t>
+            </a:r>
+            <a:r>
+              <a:rPr lang="en-CA" sz="1200" dirty="0"/>
+              <a:t>-</a:t>
+            </a:r>
+            <a:r>
+              <a:rPr lang="en-CA" sz="1200" dirty="0" err="1"/>
+              <a:t>pce</a:t>
+            </a:r>
+            <a:r>
+              <a:rPr lang="en-CA" sz="1200" dirty="0"/>
+              <a:t>-binding-label-</a:t>
+            </a:r>
+            <a:r>
+              <a:rPr lang="en-CA" sz="1200" dirty="0" err="1"/>
+              <a:t>sid</a:t>
+            </a:r>
+            <a:r>
+              <a:rPr lang="en-CA" sz="1200" dirty="0"/>
+              <a:t>] of the Return SR Policy</a:t>
+            </a:r>
+            <a:endParaRPr lang="en-US" sz="1200" dirty="0">
+              <a:latin typeface="Calibri" charset="0"/>
+              <a:ea typeface="Calibri" charset="0"/>
+              <a:cs typeface="Calibri" charset="0"/>
+            </a:endParaRPr>
+          </a:p>
+        </p:txBody>
+      </p:sp>
+      <p:sp>
+        <p:nvSpPr>
+          <p:cNvPr id="9" name="Rectangle 8">
+            <a:extLst>
+              <a:ext uri="{FF2B5EF4-FFF2-40B4-BE49-F238E27FC236}">
+                <a16:creationId xmlns:a16="http://schemas.microsoft.com/office/drawing/2014/main" id="{B04D7E52-9ADA-114D-877F-E1C7CA482275}"/>
+              </a:ext>
+            </a:extLst>
+          </p:cNvPr>
+          <p:cNvSpPr/>
+          <p:nvPr/>
+        </p:nvSpPr>
+        <p:spPr>
+          <a:xfrm>
+            <a:off x="4343400" y="2385355"/>
+            <a:ext cx="4419600" cy="2185214"/>
+          </a:xfrm>
+          <a:prstGeom prst="rect">
+            <a:avLst/>
+          </a:prstGeom>
+          <a:solidFill>
+            <a:schemeClr val="accent6">
+              <a:lumMod val="20000"/>
+              <a:lumOff val="80000"/>
+            </a:schemeClr>
+          </a:solidFill>
+        </p:spPr>
+        <p:txBody>
+          <a:bodyPr wrap="square">
+            <a:spAutoFit/>
+          </a:bodyPr>
+          <a:lstStyle/>
+          <a:p>
+            <a:r>
+              <a:rPr lang="en-CA" sz="800" dirty="0">
+                <a:latin typeface="Courier" pitchFamily="2" charset="0"/>
+              </a:rPr>
+              <a:t>    0                   1                   2                   3</a:t>
+            </a:r>
+          </a:p>
+          <a:p>
+            <a:r>
+              <a:rPr lang="en-CA" sz="800" dirty="0">
+                <a:latin typeface="Courier" pitchFamily="2" charset="0"/>
+              </a:rPr>
+              <a:t>    0 1 2 3 4 5 6 7 8 9 0 1 2 3 4 5 6 7 8 9 0 1 2 3 4 5 6 7 8 9 0 1</a:t>
+            </a:r>
+          </a:p>
+          <a:p>
+            <a:r>
+              <a:rPr lang="en-CA" sz="800" dirty="0">
+                <a:latin typeface="Courier" pitchFamily="2" charset="0"/>
+              </a:rPr>
+              <a:t>    +-+-+-+-+-+-+-+-+-+-+-+-+-+-+-+-+-+-+-+-+-+-+-+-+-+-+-+-+-+-+-+-+</a:t>
+            </a:r>
+          </a:p>
+          <a:p>
+            <a:r>
+              <a:rPr lang="en-CA" sz="800" dirty="0">
+                <a:latin typeface="Courier" pitchFamily="2" charset="0"/>
+              </a:rPr>
+              <a:t>    |STAMP TLV Flags|  Type         |     Length                    |</a:t>
+            </a:r>
+          </a:p>
+          <a:p>
+            <a:r>
+              <a:rPr lang="en-CA" sz="800" dirty="0">
+                <a:latin typeface="Courier" pitchFamily="2" charset="0"/>
+              </a:rPr>
+              <a:t>    +-+-+-+-+-+-+-+-+-+-+-+-+-+-+-+-+-+-+-+-+-+-+-+-+-+-+-+-+-+-+-+-+</a:t>
+            </a:r>
+          </a:p>
+          <a:p>
+            <a:r>
+              <a:rPr lang="en-CA" sz="800" dirty="0">
+                <a:latin typeface="Courier" pitchFamily="2" charset="0"/>
+              </a:rPr>
+              <a:t>    |                    Segment(1)                                 |</a:t>
+            </a:r>
+          </a:p>
+          <a:p>
+            <a:r>
+              <a:rPr lang="en-CA" sz="800" dirty="0">
+                <a:latin typeface="Courier" pitchFamily="2" charset="0"/>
+              </a:rPr>
+              <a:t>    .                                                               .</a:t>
+            </a:r>
+          </a:p>
+          <a:p>
+            <a:r>
+              <a:rPr lang="en-CA" sz="800" dirty="0">
+                <a:latin typeface="Courier" pitchFamily="2" charset="0"/>
+              </a:rPr>
+              <a:t>    +-+-+-+-+-+-+-+-+-+-+-+-+-+-+-+-+-+-+-+-+-+-+-+-+-+-+-+-+-+-+-+-+</a:t>
+            </a:r>
+          </a:p>
+          <a:p>
+            <a:r>
+              <a:rPr lang="en-CA" sz="800" dirty="0">
+                <a:latin typeface="Courier" pitchFamily="2" charset="0"/>
+              </a:rPr>
+              <a:t>    .                                                               .</a:t>
+            </a:r>
+          </a:p>
+          <a:p>
+            <a:r>
+              <a:rPr lang="en-CA" sz="800" dirty="0">
+                <a:latin typeface="Courier" pitchFamily="2" charset="0"/>
+              </a:rPr>
+              <a:t>    .                                                               .</a:t>
+            </a:r>
+          </a:p>
+          <a:p>
+            <a:r>
+              <a:rPr lang="en-CA" sz="800" dirty="0">
+                <a:latin typeface="Courier" pitchFamily="2" charset="0"/>
+              </a:rPr>
+              <a:t>    .                                                               .</a:t>
+            </a:r>
+          </a:p>
+          <a:p>
+            <a:r>
+              <a:rPr lang="en-CA" sz="800" dirty="0">
+                <a:latin typeface="Courier" pitchFamily="2" charset="0"/>
+              </a:rPr>
+              <a:t>    +-+-+-+-+-+-+-+-+-+-+-+-+-+-+-+-+-+-+-+-+-+-+-+-+-+-+-+-+-+-+-+-+</a:t>
+            </a:r>
+          </a:p>
+          <a:p>
+            <a:r>
+              <a:rPr lang="en-CA" sz="800" dirty="0">
+                <a:latin typeface="Courier" pitchFamily="2" charset="0"/>
+              </a:rPr>
+              <a:t>    |                    Segment(n)                                 |</a:t>
+            </a:r>
+          </a:p>
+          <a:p>
+            <a:r>
+              <a:rPr lang="en-CA" sz="800" dirty="0">
+                <a:latin typeface="Courier" pitchFamily="2" charset="0"/>
+              </a:rPr>
+              <a:t>    .                                                               .</a:t>
+            </a:r>
+          </a:p>
+          <a:p>
+            <a:r>
+              <a:rPr lang="en-CA" sz="800" dirty="0">
+                <a:latin typeface="Courier" pitchFamily="2" charset="0"/>
+              </a:rPr>
+              <a:t>    +-+-+-+-+-+-+-+-+-+-+-+-+-+-+-+-+-+-+-+-+-+-+-+-+-+-+-+-+-+-+-+-+</a:t>
+            </a:r>
+          </a:p>
+          <a:p>
+            <a:endParaRPr lang="en-CA" sz="800" dirty="0">
+              <a:latin typeface="Courier" pitchFamily="2" charset="0"/>
+            </a:endParaRPr>
+          </a:p>
+          <a:p>
+            <a:r>
+              <a:rPr lang="en-CA" sz="800" dirty="0">
+                <a:latin typeface="Courier" pitchFamily="2" charset="0"/>
+              </a:rPr>
+              <a:t>              Figure: Segment List Sub-TLV in Return Path TLV</a:t>
+            </a:r>
+            <a:endParaRPr lang="en-US" sz="800" dirty="0">
+              <a:latin typeface="Courier" pitchFamily="2" charset="0"/>
+              <a:cs typeface="Courier New" panose="02070309020205020404" pitchFamily="49" charset="0"/>
+            </a:endParaRPr>
+          </a:p>
+        </p:txBody>
+      </p:sp>
+    </p:spTree>
+    <p:extLst>
+      <p:ext uri="{BB962C8B-B14F-4D97-AF65-F5344CB8AC3E}">
+        <p14:creationId xmlns:p14="http://schemas.microsoft.com/office/powerpoint/2010/main" val="720098633"/>
+      </p:ext>
+    </p:extLst>
+  </p:cSld>
+  <p:clrMapOvr>
+    <a:masterClrMapping/>
+  </p:clrMapOvr>
+</p:sld>
+</file>
+
+<file path=ppt/slides/slide6.xml><?xml version="1.0" encoding="utf-8"?>
+<p:sld xmlns:a="http://schemas.openxmlformats.org/drawingml/2006/main" xmlns:r="http://schemas.openxmlformats.org/officeDocument/2006/relationships" xmlns:p="http://schemas.openxmlformats.org/presentationml/2006/main">
+  <p:cSld>
+    <p:spTree>
+      <p:nvGrpSpPr>
+        <p:cNvPr id="1" name=""/>
+        <p:cNvGrpSpPr/>
+        <p:nvPr/>
+      </p:nvGrpSpPr>
+      <p:grpSpPr>
+        <a:xfrm>
+          <a:off x="0" y="0"/>
+          <a:ext cx="0" cy="0"/>
+          <a:chOff x="0" y="0"/>
+          <a:chExt cx="0" cy="0"/>
+        </a:xfrm>
+      </p:grpSpPr>
+      <p:sp>
+        <p:nvSpPr>
+          <p:cNvPr id="2" name="Title 1">
+            <a:extLst>
+              <a:ext uri="{FF2B5EF4-FFF2-40B4-BE49-F238E27FC236}">
+                <a16:creationId xmlns:a16="http://schemas.microsoft.com/office/drawing/2014/main" id="{E196D926-6462-6147-8D6F-5C80A37CA43D}"/>
+              </a:ext>
+            </a:extLst>
+          </p:cNvPr>
+          <p:cNvSpPr>
+            <a:spLocks noGrp="1"/>
+          </p:cNvSpPr>
+          <p:nvPr>
+            <p:ph type="title"/>
+          </p:nvPr>
+        </p:nvSpPr>
+        <p:spPr>
+          <a:xfrm>
+            <a:off x="36968" y="21550"/>
+            <a:ext cx="9062545" cy="857250"/>
+          </a:xfrm>
+        </p:spPr>
+        <p:txBody>
+          <a:bodyPr/>
+          <a:lstStyle/>
+          <a:p>
+            <a:r>
+              <a:rPr lang="en-US" sz="3200" dirty="0">
+                <a:solidFill>
+                  <a:srgbClr val="0070C0"/>
+                </a:solidFill>
+                <a:latin typeface="Calibri Light" panose="020F0302020204030204" pitchFamily="34" charset="0"/>
+                <a:cs typeface="Calibri Light" panose="020F0302020204030204" pitchFamily="34" charset="0"/>
+              </a:rPr>
+              <a:t>Return Path Control Code Sub-TLV - Usage</a:t>
+            </a:r>
+            <a:endParaRPr lang="en-US" sz="3200" dirty="0"/>
+          </a:p>
+        </p:txBody>
+      </p:sp>
+      <p:sp>
+        <p:nvSpPr>
+          <p:cNvPr id="3" name="Content Placeholder 2">
+            <a:extLst>
+              <a:ext uri="{FF2B5EF4-FFF2-40B4-BE49-F238E27FC236}">
+                <a16:creationId xmlns:a16="http://schemas.microsoft.com/office/drawing/2014/main" id="{FAD97578-5975-5644-B374-459176F950CB}"/>
+              </a:ext>
+            </a:extLst>
+          </p:cNvPr>
+          <p:cNvSpPr>
+            <a:spLocks noGrp="1"/>
+          </p:cNvSpPr>
+          <p:nvPr>
+            <p:ph idx="1"/>
+          </p:nvPr>
+        </p:nvSpPr>
+        <p:spPr>
+          <a:xfrm>
+            <a:off x="457200" y="889870"/>
+            <a:ext cx="8229600" cy="3723638"/>
+          </a:xfrm>
+        </p:spPr>
+        <p:txBody>
+          <a:bodyPr/>
+          <a:lstStyle/>
+          <a:p>
+            <a:r>
+              <a:rPr lang="en-US" sz="1600" dirty="0"/>
+              <a:t>In-band Reply:</a:t>
+            </a:r>
+          </a:p>
+          <a:p>
+            <a:pPr lvl="1"/>
+            <a:r>
+              <a:rPr lang="en-US" sz="1600" dirty="0"/>
+              <a:t>For link delay measurement</a:t>
+            </a:r>
+          </a:p>
+          <a:p>
+            <a:pPr lvl="2"/>
+            <a:r>
+              <a:rPr lang="en-US" sz="1600" dirty="0"/>
+              <a:t>Session-Reflector sends reply on the same incoming link in the reverse direction</a:t>
+            </a:r>
+          </a:p>
+          <a:p>
+            <a:pPr lvl="2"/>
+            <a:r>
+              <a:rPr lang="en-US" sz="1600" dirty="0"/>
+              <a:t>Link can be Virtual, LAG or LAG member</a:t>
+            </a:r>
+          </a:p>
+          <a:p>
+            <a:pPr lvl="1"/>
+            <a:r>
+              <a:rPr lang="en-US" sz="1600" dirty="0"/>
+              <a:t>Avoid provisioning each test session (session id, source-address) on Session-Reflector (can have an order of 1K links) </a:t>
+            </a:r>
+          </a:p>
+          <a:p>
+            <a:pPr lvl="2"/>
+            <a:r>
+              <a:rPr lang="en-US" sz="1600" dirty="0"/>
+              <a:t>Stateless mode of STAMP Session-Reflector as defined in RFC 8762</a:t>
+            </a:r>
+          </a:p>
+          <a:p>
+            <a:r>
+              <a:rPr lang="en-US" sz="1600" dirty="0"/>
+              <a:t>No Reply:</a:t>
+            </a:r>
+          </a:p>
+          <a:p>
+            <a:pPr lvl="1"/>
+            <a:r>
+              <a:rPr lang="en-CA" sz="1600" dirty="0"/>
+              <a:t>The Session-Reflector does not transmit reply test packet back to the Session-Sender and terminates the test session. </a:t>
+            </a:r>
+          </a:p>
+          <a:p>
+            <a:pPr lvl="1"/>
+            <a:r>
+              <a:rPr lang="en-CA" sz="1600" dirty="0"/>
+              <a:t>The Session-Reflector sends performance metrics via streaming telemetry using the information from the received test packet.</a:t>
+            </a:r>
+          </a:p>
+          <a:p>
+            <a:pPr lvl="1"/>
+            <a:endParaRPr lang="en-US" sz="1600" dirty="0"/>
+          </a:p>
+          <a:p>
+            <a:pPr marL="457200" lvl="1" indent="0">
+              <a:buNone/>
+            </a:pPr>
+            <a:endParaRPr lang="en-US" sz="1600" dirty="0"/>
+          </a:p>
+        </p:txBody>
+      </p:sp>
+      <p:sp>
+        <p:nvSpPr>
+          <p:cNvPr id="4" name="Footer Placeholder 3">
+            <a:extLst>
+              <a:ext uri="{FF2B5EF4-FFF2-40B4-BE49-F238E27FC236}">
+                <a16:creationId xmlns:a16="http://schemas.microsoft.com/office/drawing/2014/main" id="{ED92B1FC-C461-8C49-AF5F-4F33A15BFAA9}"/>
+              </a:ext>
+            </a:extLst>
+          </p:cNvPr>
+          <p:cNvSpPr>
+            <a:spLocks noGrp="1"/>
+          </p:cNvSpPr>
+          <p:nvPr>
+            <p:ph type="ftr" sz="quarter" idx="11"/>
+          </p:nvPr>
+        </p:nvSpPr>
+        <p:spPr>
+          <a:xfrm>
+            <a:off x="3124200" y="4786312"/>
+            <a:ext cx="2895600" cy="357188"/>
+          </a:xfrm>
+        </p:spPr>
+        <p:txBody>
+          <a:bodyPr/>
+          <a:lstStyle/>
+          <a:p>
+            <a:pPr>
+              <a:defRPr/>
+            </a:pPr>
+            <a:r>
+              <a:rPr lang="en-US" altLang="zh-CN" dirty="0"/>
+              <a:t>110</a:t>
+            </a:r>
+            <a:r>
+              <a:rPr lang="en-US" altLang="zh-CN" baseline="30000" dirty="0"/>
+              <a:t>th</a:t>
+            </a:r>
+            <a:r>
+              <a:rPr lang="en-US" altLang="zh-CN" dirty="0"/>
+              <a:t> IETF Online</a:t>
+            </a:r>
+          </a:p>
+        </p:txBody>
+      </p:sp>
+      <p:sp>
+        <p:nvSpPr>
+          <p:cNvPr id="5" name="Slide Number Placeholder 4">
+            <a:extLst>
+              <a:ext uri="{FF2B5EF4-FFF2-40B4-BE49-F238E27FC236}">
+                <a16:creationId xmlns:a16="http://schemas.microsoft.com/office/drawing/2014/main" id="{BAF4415C-5D53-634A-99AA-27A073C5C9EA}"/>
+              </a:ext>
+            </a:extLst>
+          </p:cNvPr>
+          <p:cNvSpPr>
+            <a:spLocks noGrp="1"/>
+          </p:cNvSpPr>
+          <p:nvPr>
+            <p:ph type="sldNum" sz="quarter" idx="12"/>
+          </p:nvPr>
+        </p:nvSpPr>
+        <p:spPr/>
+        <p:txBody>
+          <a:bodyPr/>
+          <a:lstStyle/>
+          <a:p>
+            <a:pPr>
+              <a:defRPr/>
+            </a:pPr>
+            <a:fld id="{BD6E0F59-1DD8-40FC-9C92-B6295CBA6CCA}" type="slidenum">
+              <a:rPr lang="en-US" altLang="zh-CN" smtClean="0"/>
+              <a:pPr>
+                <a:defRPr/>
+              </a:pPr>
+              <a:t>6</a:t>
+            </a:fld>
+            <a:endParaRPr lang="en-US" altLang="zh-CN"/>
+          </a:p>
+        </p:txBody>
+      </p:sp>
+    </p:spTree>
+    <p:extLst>
+      <p:ext uri="{BB962C8B-B14F-4D97-AF65-F5344CB8AC3E}">
+        <p14:creationId xmlns:p14="http://schemas.microsoft.com/office/powerpoint/2010/main" val="2395505690"/>
+      </p:ext>
+    </p:extLst>
+  </p:cSld>
+  <p:clrMapOvr>
+    <a:masterClrMapping/>
+  </p:clrMapOvr>
+</p:sld>
+</file>
+
+<file path=ppt/slides/slide7.xml><?xml version="1.0" encoding="utf-8"?>
+<p:sld xmlns:a="http://schemas.openxmlformats.org/drawingml/2006/main" xmlns:r="http://schemas.openxmlformats.org/officeDocument/2006/relationships" xmlns:p="http://schemas.openxmlformats.org/presentationml/2006/main">
+  <p:cSld>
+    <p:spTree>
+      <p:nvGrpSpPr>
+        <p:cNvPr id="1" name=""/>
+        <p:cNvGrpSpPr/>
+        <p:nvPr/>
+      </p:nvGrpSpPr>
+      <p:grpSpPr>
+        <a:xfrm>
+          <a:off x="0" y="0"/>
+          <a:ext cx="0" cy="0"/>
+          <a:chOff x="0" y="0"/>
+          <a:chExt cx="0" cy="0"/>
+        </a:xfrm>
+      </p:grpSpPr>
+      <p:sp>
+        <p:nvSpPr>
+          <p:cNvPr id="2" name="Title 1">
+            <a:extLst>
+              <a:ext uri="{FF2B5EF4-FFF2-40B4-BE49-F238E27FC236}">
+                <a16:creationId xmlns:a16="http://schemas.microsoft.com/office/drawing/2014/main" id="{E196D926-6462-6147-8D6F-5C80A37CA43D}"/>
+              </a:ext>
+            </a:extLst>
+          </p:cNvPr>
+          <p:cNvSpPr>
+            <a:spLocks noGrp="1"/>
+          </p:cNvSpPr>
+          <p:nvPr>
+            <p:ph type="title"/>
+          </p:nvPr>
+        </p:nvSpPr>
+        <p:spPr>
+          <a:xfrm>
+            <a:off x="5254" y="103031"/>
+            <a:ext cx="9062545" cy="857250"/>
+          </a:xfrm>
+        </p:spPr>
+        <p:txBody>
+          <a:bodyPr/>
+          <a:lstStyle/>
+          <a:p>
+            <a:r>
+              <a:rPr lang="en-US" sz="3200" dirty="0">
+                <a:solidFill>
+                  <a:srgbClr val="0070C0"/>
+                </a:solidFill>
+                <a:latin typeface="Calibri Light" panose="020F0302020204030204" pitchFamily="34" charset="0"/>
+                <a:cs typeface="Calibri Light" panose="020F0302020204030204" pitchFamily="34" charset="0"/>
+              </a:rPr>
+              <a:t>Return Address Sub-TLV - Usage</a:t>
+            </a:r>
+            <a:endParaRPr lang="en-US" sz="3200" dirty="0"/>
+          </a:p>
+        </p:txBody>
+      </p:sp>
+      <p:sp>
+        <p:nvSpPr>
+          <p:cNvPr id="3" name="Content Placeholder 2">
+            <a:extLst>
+              <a:ext uri="{FF2B5EF4-FFF2-40B4-BE49-F238E27FC236}">
+                <a16:creationId xmlns:a16="http://schemas.microsoft.com/office/drawing/2014/main" id="{FAD97578-5975-5644-B374-459176F950CB}"/>
+              </a:ext>
+            </a:extLst>
+          </p:cNvPr>
+          <p:cNvSpPr>
+            <a:spLocks noGrp="1"/>
+          </p:cNvSpPr>
+          <p:nvPr>
+            <p:ph idx="1"/>
+          </p:nvPr>
+        </p:nvSpPr>
+        <p:spPr>
+          <a:xfrm>
+            <a:off x="533400" y="1123950"/>
+            <a:ext cx="8077200" cy="3025101"/>
+          </a:xfrm>
+        </p:spPr>
+        <p:txBody>
+          <a:bodyPr/>
+          <a:lstStyle/>
+          <a:p>
+            <a:r>
+              <a:rPr lang="en-CA" sz="2000" dirty="0"/>
+              <a:t>The STAMP reply test packet may be transmitted to a different node than the Session-Sender </a:t>
+            </a:r>
+          </a:p>
+          <a:p>
+            <a:pPr lvl="1"/>
+            <a:r>
+              <a:rPr lang="en-CA" sz="2000" dirty="0"/>
+              <a:t>e.g. to a controller for telemetry use- cases. </a:t>
+            </a:r>
+          </a:p>
+          <a:p>
+            <a:r>
+              <a:rPr lang="en-CA" sz="2000" dirty="0"/>
+              <a:t>For this, the Session-Sender can specify in the test packet the receiving destination node address for the Session-Reflector reply test packet.</a:t>
+            </a:r>
+          </a:p>
+        </p:txBody>
+      </p:sp>
+      <p:sp>
+        <p:nvSpPr>
+          <p:cNvPr id="4" name="Footer Placeholder 3">
+            <a:extLst>
+              <a:ext uri="{FF2B5EF4-FFF2-40B4-BE49-F238E27FC236}">
+                <a16:creationId xmlns:a16="http://schemas.microsoft.com/office/drawing/2014/main" id="{ED92B1FC-C461-8C49-AF5F-4F33A15BFAA9}"/>
+              </a:ext>
+            </a:extLst>
+          </p:cNvPr>
+          <p:cNvSpPr>
+            <a:spLocks noGrp="1"/>
+          </p:cNvSpPr>
+          <p:nvPr>
+            <p:ph type="ftr" sz="quarter" idx="11"/>
+          </p:nvPr>
+        </p:nvSpPr>
+        <p:spPr>
+          <a:xfrm>
+            <a:off x="3124200" y="4786312"/>
+            <a:ext cx="2895600" cy="357188"/>
+          </a:xfrm>
+        </p:spPr>
+        <p:txBody>
+          <a:bodyPr/>
+          <a:lstStyle/>
+          <a:p>
+            <a:pPr>
+              <a:defRPr/>
+            </a:pPr>
+            <a:r>
+              <a:rPr lang="en-US" altLang="zh-CN" dirty="0"/>
+              <a:t>110</a:t>
+            </a:r>
+            <a:r>
+              <a:rPr lang="en-US" altLang="zh-CN" baseline="30000" dirty="0"/>
+              <a:t>th</a:t>
+            </a:r>
+            <a:r>
+              <a:rPr lang="en-US" altLang="zh-CN" dirty="0"/>
+              <a:t> IETF Online</a:t>
+            </a:r>
+          </a:p>
+        </p:txBody>
+      </p:sp>
+      <p:sp>
+        <p:nvSpPr>
+          <p:cNvPr id="5" name="Slide Number Placeholder 4">
+            <a:extLst>
+              <a:ext uri="{FF2B5EF4-FFF2-40B4-BE49-F238E27FC236}">
+                <a16:creationId xmlns:a16="http://schemas.microsoft.com/office/drawing/2014/main" id="{BAF4415C-5D53-634A-99AA-27A073C5C9EA}"/>
+              </a:ext>
+            </a:extLst>
+          </p:cNvPr>
+          <p:cNvSpPr>
+            <a:spLocks noGrp="1"/>
+          </p:cNvSpPr>
+          <p:nvPr>
+            <p:ph type="sldNum" sz="quarter" idx="12"/>
+          </p:nvPr>
+        </p:nvSpPr>
+        <p:spPr/>
+        <p:txBody>
+          <a:bodyPr/>
+          <a:lstStyle/>
+          <a:p>
+            <a:pPr>
+              <a:defRPr/>
+            </a:pPr>
+            <a:fld id="{BD6E0F59-1DD8-40FC-9C92-B6295CBA6CCA}" type="slidenum">
+              <a:rPr lang="en-US" altLang="zh-CN" smtClean="0"/>
+              <a:pPr>
+                <a:defRPr/>
+              </a:pPr>
+              <a:t>7</a:t>
+            </a:fld>
+            <a:endParaRPr lang="en-US" altLang="zh-CN"/>
+          </a:p>
+        </p:txBody>
+      </p:sp>
+    </p:spTree>
+    <p:extLst>
+      <p:ext uri="{BB962C8B-B14F-4D97-AF65-F5344CB8AC3E}">
+        <p14:creationId xmlns:p14="http://schemas.microsoft.com/office/powerpoint/2010/main" val="448857647"/>
+      </p:ext>
+    </p:extLst>
+  </p:cSld>
+  <p:clrMapOvr>
+    <a:masterClrMapping/>
+  </p:clrMapOvr>
+</p:sld>
+</file>
+
+<file path=ppt/slides/slide8.xml><?xml version="1.0" encoding="utf-8"?>
+<p:sld xmlns:a="http://schemas.openxmlformats.org/drawingml/2006/main" xmlns:r="http://schemas.openxmlformats.org/officeDocument/2006/relationships" xmlns:p="http://schemas.openxmlformats.org/presentationml/2006/main">
+  <p:cSld>
+    <p:spTree>
+      <p:nvGrpSpPr>
+        <p:cNvPr id="1" name=""/>
+        <p:cNvGrpSpPr/>
+        <p:nvPr/>
+      </p:nvGrpSpPr>
+      <p:grpSpPr>
+        <a:xfrm>
+          <a:off x="0" y="0"/>
+          <a:ext cx="0" cy="0"/>
+          <a:chOff x="0" y="0"/>
+          <a:chExt cx="0" cy="0"/>
+        </a:xfrm>
+      </p:grpSpPr>
+      <p:sp>
+        <p:nvSpPr>
+          <p:cNvPr id="2" name="Title 1">
+            <a:extLst>
+              <a:ext uri="{FF2B5EF4-FFF2-40B4-BE49-F238E27FC236}">
+                <a16:creationId xmlns:a16="http://schemas.microsoft.com/office/drawing/2014/main" id="{E196D926-6462-6147-8D6F-5C80A37CA43D}"/>
+              </a:ext>
+            </a:extLst>
+          </p:cNvPr>
+          <p:cNvSpPr>
+            <a:spLocks noGrp="1"/>
+          </p:cNvSpPr>
+          <p:nvPr>
+            <p:ph type="title"/>
+          </p:nvPr>
+        </p:nvSpPr>
+        <p:spPr>
+          <a:xfrm>
+            <a:off x="228600" y="102393"/>
+            <a:ext cx="8610600" cy="857250"/>
+          </a:xfrm>
+        </p:spPr>
+        <p:txBody>
+          <a:bodyPr/>
+          <a:lstStyle/>
+          <a:p>
+            <a:r>
+              <a:rPr lang="en-US" sz="3200" dirty="0">
+                <a:solidFill>
+                  <a:srgbClr val="0070C0"/>
+                </a:solidFill>
+                <a:latin typeface="Calibri Light" panose="020F0302020204030204" pitchFamily="34" charset="0"/>
+                <a:cs typeface="Calibri Light" panose="020F0302020204030204" pitchFamily="34" charset="0"/>
+              </a:rPr>
+              <a:t>Return Path Segment List Sub-TLVs - Usage</a:t>
+            </a:r>
+            <a:endParaRPr lang="en-US" sz="3200" dirty="0"/>
+          </a:p>
+        </p:txBody>
+      </p:sp>
+      <p:sp>
+        <p:nvSpPr>
+          <p:cNvPr id="3" name="Content Placeholder 2">
+            <a:extLst>
+              <a:ext uri="{FF2B5EF4-FFF2-40B4-BE49-F238E27FC236}">
+                <a16:creationId xmlns:a16="http://schemas.microsoft.com/office/drawing/2014/main" id="{FAD97578-5975-5644-B374-459176F950CB}"/>
+              </a:ext>
+            </a:extLst>
+          </p:cNvPr>
+          <p:cNvSpPr>
+            <a:spLocks noGrp="1"/>
+          </p:cNvSpPr>
+          <p:nvPr>
+            <p:ph idx="1"/>
+          </p:nvPr>
+        </p:nvSpPr>
+        <p:spPr>
+          <a:xfrm>
+            <a:off x="533400" y="1047750"/>
+            <a:ext cx="8077200" cy="3230165"/>
+          </a:xfrm>
+        </p:spPr>
+        <p:txBody>
+          <a:bodyPr/>
+          <a:lstStyle/>
+          <a:p>
+            <a:r>
+              <a:rPr lang="en-US" sz="1800" dirty="0"/>
+              <a:t>For SR path, reply test packet may need to be sent on a specific return SR path</a:t>
+            </a:r>
+          </a:p>
+          <a:p>
+            <a:r>
+              <a:rPr lang="en-US" sz="1800" dirty="0"/>
+              <a:t>Bidirectional SR path (forward and reverse) dynamically computed using CSPF by the head-end node</a:t>
+            </a:r>
+          </a:p>
+          <a:p>
+            <a:pPr lvl="1"/>
+            <a:r>
+              <a:rPr lang="en-US" sz="1800" dirty="0"/>
+              <a:t>Path can change often based on topology change, link/node failure in the network, etc.</a:t>
+            </a:r>
+          </a:p>
+          <a:p>
+            <a:r>
+              <a:rPr lang="en-US" sz="1800" dirty="0"/>
+              <a:t>No signaling in SR (PCE can be used)</a:t>
+            </a:r>
+          </a:p>
+          <a:p>
+            <a:r>
+              <a:rPr lang="en-US" sz="1800" dirty="0"/>
+              <a:t>Avoid signaling and maintaining dynamic state on Session-Reflector to store return paths for each test session (each session-id, source-address) </a:t>
+            </a:r>
+          </a:p>
+          <a:p>
+            <a:pPr lvl="1"/>
+            <a:r>
+              <a:rPr lang="en-US" sz="1800" dirty="0"/>
+              <a:t>Order of 10K SR Policy (that can have active and standby candidate-path and each can have multiple segment-lists)</a:t>
+            </a:r>
+          </a:p>
+          <a:p>
+            <a:endParaRPr lang="en-US" sz="1800" dirty="0"/>
+          </a:p>
+          <a:p>
+            <a:endParaRPr lang="en-US" sz="1800" dirty="0"/>
+          </a:p>
+          <a:p>
+            <a:endParaRPr lang="en-US" sz="1800" dirty="0"/>
+          </a:p>
+        </p:txBody>
+      </p:sp>
+      <p:sp>
+        <p:nvSpPr>
+          <p:cNvPr id="4" name="Footer Placeholder 3">
+            <a:extLst>
+              <a:ext uri="{FF2B5EF4-FFF2-40B4-BE49-F238E27FC236}">
+                <a16:creationId xmlns:a16="http://schemas.microsoft.com/office/drawing/2014/main" id="{ED92B1FC-C461-8C49-AF5F-4F33A15BFAA9}"/>
+              </a:ext>
+            </a:extLst>
+          </p:cNvPr>
+          <p:cNvSpPr>
+            <a:spLocks noGrp="1"/>
+          </p:cNvSpPr>
+          <p:nvPr>
+            <p:ph type="ftr" sz="quarter" idx="11"/>
+          </p:nvPr>
+        </p:nvSpPr>
+        <p:spPr>
+          <a:xfrm>
+            <a:off x="3124200" y="4786312"/>
+            <a:ext cx="2895600" cy="357188"/>
+          </a:xfrm>
+        </p:spPr>
+        <p:txBody>
+          <a:bodyPr/>
+          <a:lstStyle/>
+          <a:p>
+            <a:pPr>
+              <a:defRPr/>
+            </a:pPr>
+            <a:r>
+              <a:rPr lang="en-US" altLang="zh-CN" dirty="0"/>
+              <a:t>110</a:t>
+            </a:r>
+            <a:r>
+              <a:rPr lang="en-US" altLang="zh-CN" baseline="30000" dirty="0"/>
+              <a:t>th</a:t>
+            </a:r>
+            <a:r>
+              <a:rPr lang="en-US" altLang="zh-CN" dirty="0"/>
+              <a:t> IETF Online</a:t>
+            </a:r>
+          </a:p>
+        </p:txBody>
+      </p:sp>
+      <p:sp>
+        <p:nvSpPr>
+          <p:cNvPr id="5" name="Slide Number Placeholder 4">
+            <a:extLst>
+              <a:ext uri="{FF2B5EF4-FFF2-40B4-BE49-F238E27FC236}">
+                <a16:creationId xmlns:a16="http://schemas.microsoft.com/office/drawing/2014/main" id="{BAF4415C-5D53-634A-99AA-27A073C5C9EA}"/>
+              </a:ext>
+            </a:extLst>
+          </p:cNvPr>
+          <p:cNvSpPr>
+            <a:spLocks noGrp="1"/>
+          </p:cNvSpPr>
+          <p:nvPr>
+            <p:ph type="sldNum" sz="quarter" idx="12"/>
+          </p:nvPr>
+        </p:nvSpPr>
+        <p:spPr/>
+        <p:txBody>
+          <a:bodyPr/>
+          <a:lstStyle/>
+          <a:p>
+            <a:pPr>
+              <a:defRPr/>
+            </a:pPr>
+            <a:fld id="{BD6E0F59-1DD8-40FC-9C92-B6295CBA6CCA}" type="slidenum">
+              <a:rPr lang="en-US" altLang="zh-CN" smtClean="0"/>
+              <a:pPr>
+                <a:defRPr/>
+              </a:pPr>
+              <a:t>8</a:t>
+            </a:fld>
+            <a:endParaRPr lang="en-US" altLang="zh-CN" dirty="0"/>
+          </a:p>
+        </p:txBody>
+      </p:sp>
+    </p:spTree>
+    <p:extLst>
+      <p:ext uri="{BB962C8B-B14F-4D97-AF65-F5344CB8AC3E}">
+        <p14:creationId xmlns:p14="http://schemas.microsoft.com/office/powerpoint/2010/main" val="2937341344"/>
+      </p:ext>
+    </p:extLst>
+  </p:cSld>
+  <p:clrMapOvr>
+    <a:masterClrMapping/>
+  </p:clrMapOvr>
+</p:sld>
+</file>
+
+<file path=ppt/slides/slide9.xml><?xml version="1.0" encoding="utf-8"?>
+<p:sld xmlns:a="http://schemas.openxmlformats.org/drawingml/2006/main" xmlns:r="http://schemas.openxmlformats.org/officeDocument/2006/relationships" xmlns:p="http://schemas.openxmlformats.org/presentationml/2006/main">
+  <p:cSld>
+    <p:spTree>
+      <p:nvGrpSpPr>
+        <p:cNvPr id="1" name=""/>
+        <p:cNvGrpSpPr/>
+        <p:nvPr/>
+      </p:nvGrpSpPr>
+      <p:grpSpPr>
+        <a:xfrm>
+          <a:off x="0" y="0"/>
+          <a:ext cx="0" cy="0"/>
+          <a:chOff x="0" y="0"/>
+          <a:chExt cx="0" cy="0"/>
+        </a:xfrm>
+      </p:grpSpPr>
+      <p:sp>
+        <p:nvSpPr>
+          <p:cNvPr id="2" name="Title 1"/>
+          <p:cNvSpPr>
+            <a:spLocks noGrp="1"/>
+          </p:cNvSpPr>
+          <p:nvPr>
+            <p:ph type="title"/>
+          </p:nvPr>
+        </p:nvSpPr>
+        <p:spPr>
+          <a:xfrm>
+            <a:off x="457200" y="0"/>
+            <a:ext cx="8229600" cy="857250"/>
+          </a:xfrm>
+        </p:spPr>
+        <p:txBody>
+          <a:bodyPr/>
+          <a:lstStyle/>
+          <a:p>
+            <a:r>
+              <a:rPr lang="en-US" sz="3600" dirty="0">
+                <a:solidFill>
+                  <a:srgbClr val="0070C0"/>
+                </a:solidFill>
+                <a:latin typeface="Calibri Light" panose="020F0302020204030204" pitchFamily="34" charset="0"/>
+                <a:cs typeface="Calibri Light" panose="020F0302020204030204" pitchFamily="34" charset="0"/>
+              </a:rPr>
+              <a:t>Next Steps</a:t>
+            </a:r>
+          </a:p>
+        </p:txBody>
+      </p:sp>
+      <p:sp>
+        <p:nvSpPr>
+          <p:cNvPr id="3" name="Content Placeholder 2"/>
+          <p:cNvSpPr>
+            <a:spLocks noGrp="1"/>
+          </p:cNvSpPr>
+          <p:nvPr>
+            <p:ph idx="1"/>
+          </p:nvPr>
+        </p:nvSpPr>
+        <p:spPr>
+          <a:xfrm>
+            <a:off x="685800" y="1123950"/>
+            <a:ext cx="8001000" cy="2514599"/>
+          </a:xfrm>
+        </p:spPr>
+        <p:txBody>
+          <a:bodyPr/>
+          <a:lstStyle/>
+          <a:p>
+            <a:pPr lvl="0"/>
+            <a:r>
+              <a:rPr lang="en-US" sz="2400" dirty="0">
+                <a:latin typeface="Calibri" charset="0"/>
+                <a:ea typeface="Calibri" charset="0"/>
+                <a:cs typeface="Calibri" charset="0"/>
+              </a:rPr>
+              <a:t>Welcome your comments and suggestions</a:t>
+            </a:r>
+          </a:p>
+          <a:p>
+            <a:pPr lvl="0"/>
+            <a:r>
+              <a:rPr lang="en-US" sz="2400" dirty="0"/>
+              <a:t>Requesting WG adoption</a:t>
+            </a:r>
+            <a:endParaRPr lang="en-US" sz="2400" dirty="0">
+              <a:latin typeface="Calibri" charset="0"/>
+              <a:ea typeface="Calibri" charset="0"/>
+              <a:cs typeface="Calibri" charset="0"/>
+            </a:endParaRPr>
+          </a:p>
+          <a:p>
+            <a:endParaRPr lang="en-US" sz="2400" dirty="0">
+              <a:latin typeface="Calibri" charset="0"/>
+              <a:ea typeface="Calibri" charset="0"/>
+              <a:cs typeface="Calibri" charset="0"/>
+            </a:endParaRPr>
+          </a:p>
+        </p:txBody>
+      </p:sp>
+      <p:sp>
+        <p:nvSpPr>
+          <p:cNvPr id="4" name="Footer Placeholder 3"/>
+          <p:cNvSpPr>
+            <a:spLocks noGrp="1"/>
+          </p:cNvSpPr>
+          <p:nvPr>
+            <p:ph type="ftr" sz="quarter" idx="11"/>
+          </p:nvPr>
+        </p:nvSpPr>
+        <p:spPr>
+          <a:xfrm>
+            <a:off x="3048000" y="4786312"/>
+            <a:ext cx="2895600" cy="357188"/>
+          </a:xfrm>
+        </p:spPr>
+        <p:txBody>
+          <a:bodyPr/>
+          <a:lstStyle/>
+          <a:p>
+            <a:r>
+              <a:rPr lang="en-CA" dirty="0"/>
+              <a:t>110</a:t>
+            </a:r>
+            <a:r>
+              <a:rPr lang="en-CA" baseline="30000" dirty="0"/>
+              <a:t>th</a:t>
+            </a:r>
+            <a:r>
+              <a:rPr lang="en-CA" dirty="0"/>
+              <a:t> IETF Online</a:t>
+            </a:r>
+          </a:p>
+        </p:txBody>
+      </p:sp>
+      <p:sp>
+        <p:nvSpPr>
+          <p:cNvPr id="5" name="Slide Number Placeholder 4"/>
+          <p:cNvSpPr>
+            <a:spLocks noGrp="1"/>
+          </p:cNvSpPr>
+          <p:nvPr>
+            <p:ph type="sldNum" sz="quarter" idx="12"/>
+          </p:nvPr>
+        </p:nvSpPr>
+        <p:spPr/>
+        <p:txBody>
+          <a:bodyPr/>
+          <a:lstStyle/>
+          <a:p>
+            <a:pPr>
+              <a:defRPr/>
+            </a:pPr>
+            <a:fld id="{BD6E0F59-1DD8-40FC-9C92-B6295CBA6CCA}" type="slidenum">
+              <a:rPr lang="en-US" altLang="zh-CN" smtClean="0"/>
+              <a:pPr>
+                <a:defRPr/>
+              </a:pPr>
+              <a:t>9</a:t>
+            </a:fld>
+            <a:endParaRPr lang="en-US" altLang="zh-CN" dirty="0"/>
+          </a:p>
+        </p:txBody>
+      </p:sp>
+    </p:spTree>
+    <p:extLst>
+      <p:ext uri="{BB962C8B-B14F-4D97-AF65-F5344CB8AC3E}">
+        <p14:creationId xmlns:p14="http://schemas.microsoft.com/office/powerpoint/2010/main" val="256002898"/>
       </p:ext>
     </p:extLst>
   </p:cSld>

--- a/draft-gandhi-ippm-stamp-srpm-02.pptx
+++ b/draft-gandhi-ippm-stamp-srpm-02.pptx
@@ -6710,15 +6710,20 @@
             <a:pPr lvl="1"/>
             <a:r>
               <a:rPr lang="en-CA" sz="1600" dirty="0"/>
-              <a:t>The Session-Reflector does not transmit reply test packet back to the Session-Sender and terminates the test session. </a:t>
+              <a:t>The Session-Reflector does not transmit reply test packet back to the Session-Sender and terminates the test session</a:t>
             </a:r>
           </a:p>
           <a:p>
             <a:pPr lvl="1"/>
             <a:r>
               <a:rPr lang="en-CA" sz="1600" dirty="0"/>
-              <a:t>The Session-Reflector sends performance metrics via streaming telemetry using the information from the received test packet.</a:t>
-            </a:r>
+              <a:t>The Session-Reflector sends performance metrics via streaming telemetry using the information from the received </a:t>
+            </a:r>
+            <a:r>
+              <a:rPr lang="en-CA" sz="1600"/>
+              <a:t>test packet</a:t>
+            </a:r>
+            <a:endParaRPr lang="en-CA" sz="1600" dirty="0"/>
           </a:p>
           <a:p>
             <a:pPr lvl="1"/>
@@ -6916,7 +6921,7 @@
             <a:pPr lvl="1"/>
             <a:r>
               <a:rPr lang="en-CA" sz="2000" dirty="0"/>
-              <a:t>e.g. to a controller for telemetry use- cases. </a:t>
+              <a:t>e.g. to a controller for telemetry use-cases. </a:t>
             </a:r>
           </a:p>
           <a:p>

--- a/draft-gandhi-ippm-stamp-srpm-02.pptx
+++ b/draft-gandhi-ippm-stamp-srpm-02.pptx
@@ -5795,7 +5795,7 @@
         <p:spPr>
           <a:xfrm>
             <a:off x="299357" y="1149180"/>
-            <a:ext cx="3924300" cy="3041538"/>
+            <a:ext cx="3924300" cy="3310843"/>
           </a:xfrm>
           <a:prstGeom prst="rect">
             <a:avLst/>
@@ -5868,7 +5868,7 @@
                 <a:ea typeface="Calibri" panose="020F0502020204030204" pitchFamily="34" charset="0"/>
                 <a:cs typeface="Consolas" panose="020B0609020204030204" pitchFamily="49" charset="0"/>
               </a:rPr>
-              <a:t>Indicates the address of the intended destination node of the Session-Sender test packet.  </a:t>
+              <a:t>Indicates the address of the intended destination of the Session-Sender test packet.  </a:t>
             </a:r>
           </a:p>
           <a:p>
@@ -5891,7 +5891,7 @@
                 <a:ea typeface="Calibri" panose="020F0502020204030204" pitchFamily="34" charset="0"/>
                 <a:cs typeface="Consolas" panose="020B0609020204030204" pitchFamily="49" charset="0"/>
               </a:rPr>
-              <a:t>The Session-Reflector node </a:t>
+              <a:t>The Session-Reflector that supports this TLV, </a:t>
             </a:r>
             <a:r>
               <a:rPr lang="en-CA" sz="1600" b="1" dirty="0">
@@ -5913,7 +5913,7 @@
                 <a:ea typeface="Calibri" panose="020F0502020204030204" pitchFamily="34" charset="0"/>
                 <a:cs typeface="Consolas" panose="020B0609020204030204" pitchFamily="49" charset="0"/>
               </a:rPr>
-              <a:t>send reply if it is not the intended destination node of the test packet.</a:t>
+              <a:t>send reply if it is not the intended destination of the Session-Sender test packet.</a:t>
             </a:r>
           </a:p>
           <a:p>
@@ -6291,7 +6291,7 @@
             </a:pPr>
             <a:r>
               <a:rPr lang="en-CA" sz="1200" dirty="0"/>
-              <a:t>Type (value 2): Return Address. Destination node address for the reply; different than the Source Address in the test packet</a:t>
+              <a:t>Type (value 2): Return Address. Destination address for the reply; different than the Source Address in the test packet</a:t>
             </a:r>
           </a:p>
           <a:p>
@@ -6927,7 +6927,7 @@
           <a:p>
             <a:r>
               <a:rPr lang="en-CA" sz="2000" dirty="0"/>
-              <a:t>For this, the Session-Sender can specify in the test packet the receiving destination node address for the Session-Reflector reply test packet.</a:t>
+              <a:t>For this, the Session-Sender can specify in the test packet the receiving destination address for the Session-Reflector reply test packet.</a:t>
             </a:r>
           </a:p>
         </p:txBody>

--- a/draft-gandhi-ippm-stamp-srpm-02.pptx
+++ b/draft-gandhi-ippm-stamp-srpm-02.pptx
@@ -5794,7 +5794,7 @@
         </p:nvSpPr>
         <p:spPr>
           <a:xfrm>
-            <a:off x="299357" y="1149180"/>
+            <a:off x="272143" y="916328"/>
             <a:ext cx="3924300" cy="3310843"/>
           </a:xfrm>
           <a:prstGeom prst="rect">
@@ -6291,7 +6291,7 @@
             </a:pPr>
             <a:r>
               <a:rPr lang="en-CA" sz="1200" dirty="0"/>
-              <a:t>Type (value 2): Return Address. Destination address for the reply; different than the Source Address in the test packet</a:t>
+              <a:t>Type (value 2): Return Address. Destination address for the reply; different than the Source Address in the Session-Sender test packet</a:t>
             </a:r>
           </a:p>
           <a:p>

--- a/draft-gandhi-ippm-stamp-srpm-02.pptx
+++ b/draft-gandhi-ippm-stamp-srpm-02.pptx
@@ -253,7 +253,7 @@
           <a:p>
             <a:fld id="{E8FA3DB5-7722-3F4F-947D-12B203669AD7}" type="datetimeFigureOut">
               <a:rPr lang="en-US" smtClean="0"/>
-              <a:t>2/5/21</a:t>
+              <a:t>2/9/21</a:t>
             </a:fld>
             <a:endParaRPr lang="en-US"/>
           </a:p>
@@ -5744,7 +5744,7 @@
                 <a:latin typeface="Courier" pitchFamily="2" charset="0"/>
                 <a:cs typeface="Courier New" panose="02070309020205020404" pitchFamily="49" charset="0"/>
               </a:rPr>
-              <a:t>~                           Address                             ~</a:t>
+              <a:t>.                           Address                             .</a:t>
             </a:r>
           </a:p>
           <a:p>
@@ -6676,7 +6676,7 @@
             <a:pPr lvl="2"/>
             <a:r>
               <a:rPr lang="en-US" sz="1600" dirty="0"/>
-              <a:t>Session-Reflector sends reply on the same incoming link in the reverse direction</a:t>
+              <a:t>Session-Reflector sends test packet in-band on the same incoming link in the reverse direction</a:t>
             </a:r>
           </a:p>
           <a:p>
@@ -6690,7 +6690,7 @@
             <a:pPr lvl="1"/>
             <a:r>
               <a:rPr lang="en-US" sz="1600" dirty="0"/>
-              <a:t>Avoid provisioning each test session (session id, source-address) on Session-Reflector (can have an order of 1K links) </a:t>
+              <a:t>Avoid maintaining each test session (session id, source-address) on Session-Reflector</a:t>
             </a:r>
           </a:p>
           <a:p>
@@ -6710,20 +6710,15 @@
             <a:pPr lvl="1"/>
             <a:r>
               <a:rPr lang="en-CA" sz="1600" dirty="0"/>
-              <a:t>The Session-Reflector does not transmit reply test packet back to the Session-Sender and terminates the test session</a:t>
+              <a:t>The Session-Reflector does not transmit test packet back to the Session-Sender and terminates the test packet</a:t>
             </a:r>
           </a:p>
           <a:p>
             <a:pPr lvl="1"/>
             <a:r>
               <a:rPr lang="en-CA" sz="1600" dirty="0"/>
-              <a:t>The Session-Reflector sends performance metrics via streaming telemetry using the information from the received </a:t>
-            </a:r>
-            <a:r>
-              <a:rPr lang="en-CA" sz="1600"/>
-              <a:t>test packet</a:t>
-            </a:r>
-            <a:endParaRPr lang="en-CA" sz="1600" dirty="0"/>
+              <a:t>Optionally, the Session-Reflector sends performance metrics via streaming telemetry using the information from the received test packet</a:t>
+            </a:r>
           </a:p>
           <a:p>
             <a:pPr lvl="1"/>
@@ -7108,50 +7103,44 @@
           <a:lstStyle/>
           <a:p>
             <a:r>
-              <a:rPr lang="en-US" sz="1800" dirty="0"/>
-              <a:t>For SR path, reply test packet may need to be sent on a specific return SR path</a:t>
-            </a:r>
-          </a:p>
-          <a:p>
-            <a:r>
-              <a:rPr lang="en-US" sz="1800" dirty="0"/>
-              <a:t>Bidirectional SR path (forward and reverse) dynamically computed using CSPF by the head-end node</a:t>
+              <a:rPr lang="en-US" sz="1600" dirty="0"/>
+              <a:t>For SR path, reply test packet may need to be sent in-band on a specific return SR path</a:t>
+            </a:r>
+          </a:p>
+          <a:p>
+            <a:r>
+              <a:rPr lang="en-US" sz="1600" dirty="0"/>
+              <a:t>For bidirectional SR path - dynamically computed forward and reverse paths using CSPF by the head-end node</a:t>
             </a:r>
           </a:p>
           <a:p>
             <a:pPr lvl="1"/>
             <a:r>
-              <a:rPr lang="en-US" sz="1800" dirty="0"/>
+              <a:rPr lang="en-US" sz="1600" dirty="0"/>
               <a:t>Path can change often based on topology change, link/node failure in the network, etc.</a:t>
             </a:r>
           </a:p>
           <a:p>
             <a:r>
-              <a:rPr lang="en-US" sz="1800" dirty="0"/>
+              <a:rPr lang="en-US" sz="1600" dirty="0"/>
               <a:t>No signaling in SR (PCE can be used)</a:t>
             </a:r>
           </a:p>
           <a:p>
             <a:r>
-              <a:rPr lang="en-US" sz="1800" dirty="0"/>
-              <a:t>Avoid signaling and maintaining dynamic state on Session-Reflector to store return paths for each test session (each session-id, source-address) </a:t>
+              <a:rPr lang="en-US" sz="1600" dirty="0"/>
+              <a:t>Avoid signaling and maintaining dynamic state on Session-Reflector the return path for each test session (each session-id, source-address) </a:t>
             </a:r>
           </a:p>
           <a:p>
             <a:pPr lvl="1"/>
             <a:r>
-              <a:rPr lang="en-US" sz="1800" dirty="0"/>
+              <a:rPr lang="en-US" sz="1600" dirty="0"/>
               <a:t>Order of 10K SR Policy (that can have active and standby candidate-path and each can have multiple segment-lists)</a:t>
             </a:r>
           </a:p>
           <a:p>
-            <a:endParaRPr lang="en-US" sz="1800" dirty="0"/>
-          </a:p>
-          <a:p>
-            <a:endParaRPr lang="en-US" sz="1800" dirty="0"/>
-          </a:p>
-          <a:p>
-            <a:endParaRPr lang="en-US" sz="1800" dirty="0"/>
+            <a:endParaRPr lang="en-US" sz="1600" dirty="0"/>
           </a:p>
         </p:txBody>
       </p:sp>

--- a/draft-gandhi-ippm-stamp-srpm-02.pptx
+++ b/draft-gandhi-ippm-stamp-srpm-02.pptx
@@ -5316,8 +5316,8 @@
         </p:nvSpPr>
         <p:spPr>
           <a:xfrm>
-            <a:off x="685800" y="971550"/>
-            <a:ext cx="7772400" cy="3581399"/>
+            <a:off x="533400" y="949625"/>
+            <a:ext cx="8077200" cy="3581399"/>
           </a:xfrm>
         </p:spPr>
         <p:txBody>
@@ -5358,7 +5358,7 @@
             </a:pPr>
             <a:r>
               <a:rPr lang="en-US" sz="1600" dirty="0"/>
-              <a:t>Avoid provisioning test sessions on Session-Reflector for stateless mode</a:t>
+              <a:t>Avoid provisioning and maintaining test sessions on Session-Reflector - stateless mode</a:t>
             </a:r>
           </a:p>
           <a:p>

--- a/draft-gandhi-ippm-stamp-srpm-02.pptx
+++ b/draft-gandhi-ippm-stamp-srpm-02.pptx
@@ -5,22 +5,23 @@
     <p:sldMasterId id="2147483648" r:id="rId1"/>
   </p:sldMasterIdLst>
   <p:notesMasterIdLst>
-    <p:notesMasterId r:id="rId12"/>
+    <p:notesMasterId r:id="rId13"/>
   </p:notesMasterIdLst>
   <p:handoutMasterIdLst>
-    <p:handoutMasterId r:id="rId13"/>
+    <p:handoutMasterId r:id="rId14"/>
   </p:handoutMasterIdLst>
   <p:sldIdLst>
     <p:sldId id="1661" r:id="rId2"/>
     <p:sldId id="1662" r:id="rId3"/>
     <p:sldId id="1663" r:id="rId4"/>
-    <p:sldId id="1668" r:id="rId5"/>
-    <p:sldId id="1669" r:id="rId6"/>
-    <p:sldId id="1675" r:id="rId7"/>
-    <p:sldId id="1673" r:id="rId8"/>
-    <p:sldId id="1674" r:id="rId9"/>
-    <p:sldId id="1670" r:id="rId10"/>
-    <p:sldId id="1671" r:id="rId11"/>
+    <p:sldId id="1676" r:id="rId5"/>
+    <p:sldId id="1668" r:id="rId6"/>
+    <p:sldId id="1669" r:id="rId7"/>
+    <p:sldId id="1675" r:id="rId8"/>
+    <p:sldId id="1673" r:id="rId9"/>
+    <p:sldId id="1674" r:id="rId10"/>
+    <p:sldId id="1670" r:id="rId11"/>
+    <p:sldId id="1671" r:id="rId12"/>
   </p:sldIdLst>
   <p:sldSz cx="9144000" cy="5143500" type="screen16x9"/>
   <p:notesSz cx="6858000" cy="9144000"/>
@@ -1121,7 +1122,7 @@
               <a:pPr>
                 <a:defRPr/>
               </a:pPr>
-              <a:t>9</a:t>
+              <a:t>4</a:t>
             </a:fld>
             <a:endParaRPr lang="en-US" altLang="zh-CN"/>
           </a:p>
@@ -1130,7 +1131,7 @@
     </p:spTree>
     <p:extLst>
       <p:ext uri="{BB962C8B-B14F-4D97-AF65-F5344CB8AC3E}">
-        <p14:creationId xmlns:p14="http://schemas.microsoft.com/office/powerpoint/2010/main" val="1250483859"/>
+        <p14:creationId xmlns:p14="http://schemas.microsoft.com/office/powerpoint/2010/main" val="865459602"/>
       </p:ext>
     </p:extLst>
   </p:cSld>
@@ -1184,7 +1185,7 @@
           <a:bodyPr/>
           <a:lstStyle/>
           <a:p>
-            <a:endParaRPr lang="en-US" dirty="0"/>
+            <a:endParaRPr lang="en-CA" dirty="0"/>
           </a:p>
         </p:txBody>
       </p:sp>
@@ -1212,6 +1213,96 @@
                 <a:defRPr/>
               </a:pPr>
               <a:t>10</a:t>
+            </a:fld>
+            <a:endParaRPr lang="en-US" altLang="zh-CN"/>
+          </a:p>
+        </p:txBody>
+      </p:sp>
+    </p:spTree>
+    <p:extLst>
+      <p:ext uri="{BB962C8B-B14F-4D97-AF65-F5344CB8AC3E}">
+        <p14:creationId xmlns:p14="http://schemas.microsoft.com/office/powerpoint/2010/main" val="1250483859"/>
+      </p:ext>
+    </p:extLst>
+  </p:cSld>
+  <p:clrMapOvr>
+    <a:masterClrMapping/>
+  </p:clrMapOvr>
+</p:notes>
+</file>
+
+<file path=ppt/notesSlides/notesSlide6.xml><?xml version="1.0" encoding="utf-8"?>
+<p:notes xmlns:a="http://schemas.openxmlformats.org/drawingml/2006/main" xmlns:r="http://schemas.openxmlformats.org/officeDocument/2006/relationships" xmlns:p="http://schemas.openxmlformats.org/presentationml/2006/main">
+  <p:cSld>
+    <p:spTree>
+      <p:nvGrpSpPr>
+        <p:cNvPr id="1" name=""/>
+        <p:cNvGrpSpPr/>
+        <p:nvPr/>
+      </p:nvGrpSpPr>
+      <p:grpSpPr>
+        <a:xfrm>
+          <a:off x="0" y="0"/>
+          <a:ext cx="0" cy="0"/>
+          <a:chOff x="0" y="0"/>
+          <a:chExt cx="0" cy="0"/>
+        </a:xfrm>
+      </p:grpSpPr>
+      <p:sp>
+        <p:nvSpPr>
+          <p:cNvPr id="2" name="Slide Image Placeholder 1"/>
+          <p:cNvSpPr>
+            <a:spLocks noGrp="1" noRot="1" noChangeAspect="1"/>
+          </p:cNvSpPr>
+          <p:nvPr>
+            <p:ph type="sldImg"/>
+          </p:nvPr>
+        </p:nvSpPr>
+        <p:spPr/>
+      </p:sp>
+      <p:sp>
+        <p:nvSpPr>
+          <p:cNvPr id="3" name="Notes Placeholder 2"/>
+          <p:cNvSpPr>
+            <a:spLocks noGrp="1"/>
+          </p:cNvSpPr>
+          <p:nvPr>
+            <p:ph type="body" idx="1"/>
+          </p:nvPr>
+        </p:nvSpPr>
+        <p:spPr/>
+        <p:txBody>
+          <a:bodyPr/>
+          <a:lstStyle/>
+          <a:p>
+            <a:endParaRPr lang="en-US" dirty="0"/>
+          </a:p>
+        </p:txBody>
+      </p:sp>
+      <p:sp>
+        <p:nvSpPr>
+          <p:cNvPr id="4" name="Slide Number Placeholder 3"/>
+          <p:cNvSpPr>
+            <a:spLocks noGrp="1"/>
+          </p:cNvSpPr>
+          <p:nvPr>
+            <p:ph type="sldNum" sz="quarter" idx="10"/>
+          </p:nvPr>
+        </p:nvSpPr>
+        <p:spPr/>
+        <p:txBody>
+          <a:bodyPr/>
+          <a:lstStyle/>
+          <a:p>
+            <a:pPr>
+              <a:defRPr/>
+            </a:pPr>
+            <a:fld id="{100938BD-FD70-4535-B0C2-13FC38CDF1BE}" type="slidenum">
+              <a:rPr lang="en-US" altLang="zh-CN" smtClean="0"/>
+              <a:pPr>
+                <a:defRPr/>
+              </a:pPr>
+              <a:t>11</a:t>
             </a:fld>
             <a:endParaRPr lang="en-US" altLang="zh-CN"/>
           </a:p>
@@ -4824,6 +4915,184 @@
       </p:grpSpPr>
       <p:sp>
         <p:nvSpPr>
+          <p:cNvPr id="2" name="Title 1"/>
+          <p:cNvSpPr>
+            <a:spLocks noGrp="1"/>
+          </p:cNvSpPr>
+          <p:nvPr>
+            <p:ph type="title"/>
+          </p:nvPr>
+        </p:nvSpPr>
+        <p:spPr>
+          <a:xfrm>
+            <a:off x="457200" y="0"/>
+            <a:ext cx="8229600" cy="857250"/>
+          </a:xfrm>
+        </p:spPr>
+        <p:txBody>
+          <a:bodyPr/>
+          <a:lstStyle/>
+          <a:p>
+            <a:r>
+              <a:rPr lang="en-US" sz="3600" dirty="0">
+                <a:solidFill>
+                  <a:srgbClr val="0070C0"/>
+                </a:solidFill>
+                <a:latin typeface="Calibri Light" panose="020F0302020204030204" pitchFamily="34" charset="0"/>
+                <a:cs typeface="Calibri Light" panose="020F0302020204030204" pitchFamily="34" charset="0"/>
+              </a:rPr>
+              <a:t>Next Steps</a:t>
+            </a:r>
+          </a:p>
+        </p:txBody>
+      </p:sp>
+      <p:sp>
+        <p:nvSpPr>
+          <p:cNvPr id="3" name="Content Placeholder 2"/>
+          <p:cNvSpPr>
+            <a:spLocks noGrp="1"/>
+          </p:cNvSpPr>
+          <p:nvPr>
+            <p:ph idx="1"/>
+          </p:nvPr>
+        </p:nvSpPr>
+        <p:spPr>
+          <a:xfrm>
+            <a:off x="685800" y="1123950"/>
+            <a:ext cx="8001000" cy="2514599"/>
+          </a:xfrm>
+        </p:spPr>
+        <p:txBody>
+          <a:bodyPr/>
+          <a:lstStyle/>
+          <a:p>
+            <a:pPr lvl="0"/>
+            <a:r>
+              <a:rPr lang="en-US" sz="2400" dirty="0">
+                <a:latin typeface="Calibri" charset="0"/>
+                <a:ea typeface="Calibri" charset="0"/>
+                <a:cs typeface="Calibri" charset="0"/>
+              </a:rPr>
+              <a:t>Welcome your comments and suggestions</a:t>
+            </a:r>
+          </a:p>
+          <a:p>
+            <a:pPr lvl="0"/>
+            <a:r>
+              <a:rPr lang="en-US" sz="2400" dirty="0"/>
+              <a:t>Requesting WG adoption</a:t>
+            </a:r>
+            <a:endParaRPr lang="en-US" sz="2400" dirty="0">
+              <a:latin typeface="Calibri" charset="0"/>
+              <a:ea typeface="Calibri" charset="0"/>
+              <a:cs typeface="Calibri" charset="0"/>
+            </a:endParaRPr>
+          </a:p>
+          <a:p>
+            <a:endParaRPr lang="en-US" sz="2400" dirty="0">
+              <a:latin typeface="Calibri" charset="0"/>
+              <a:ea typeface="Calibri" charset="0"/>
+              <a:cs typeface="Calibri" charset="0"/>
+            </a:endParaRPr>
+          </a:p>
+        </p:txBody>
+      </p:sp>
+      <p:sp>
+        <p:nvSpPr>
+          <p:cNvPr id="4" name="Footer Placeholder 3"/>
+          <p:cNvSpPr>
+            <a:spLocks noGrp="1"/>
+          </p:cNvSpPr>
+          <p:nvPr>
+            <p:ph type="ftr" sz="quarter" idx="11"/>
+          </p:nvPr>
+        </p:nvSpPr>
+        <p:spPr>
+          <a:xfrm>
+            <a:off x="3048000" y="4786312"/>
+            <a:ext cx="2895600" cy="357188"/>
+          </a:xfrm>
+        </p:spPr>
+        <p:txBody>
+          <a:bodyPr/>
+          <a:lstStyle/>
+          <a:p>
+            <a:r>
+              <a:rPr lang="en-CA" dirty="0"/>
+              <a:t>110</a:t>
+            </a:r>
+            <a:r>
+              <a:rPr lang="en-CA" baseline="30000" dirty="0"/>
+              <a:t>th</a:t>
+            </a:r>
+            <a:r>
+              <a:rPr lang="en-CA" dirty="0"/>
+              <a:t> IETF Online</a:t>
+            </a:r>
+          </a:p>
+        </p:txBody>
+      </p:sp>
+      <p:sp>
+        <p:nvSpPr>
+          <p:cNvPr id="5" name="Slide Number Placeholder 4"/>
+          <p:cNvSpPr>
+            <a:spLocks noGrp="1"/>
+          </p:cNvSpPr>
+          <p:nvPr>
+            <p:ph type="sldNum" sz="quarter" idx="12"/>
+          </p:nvPr>
+        </p:nvSpPr>
+        <p:spPr/>
+        <p:txBody>
+          <a:bodyPr/>
+          <a:lstStyle/>
+          <a:p>
+            <a:pPr>
+              <a:defRPr/>
+            </a:pPr>
+            <a:fld id="{BD6E0F59-1DD8-40FC-9C92-B6295CBA6CCA}" type="slidenum">
+              <a:rPr lang="en-US" altLang="zh-CN" smtClean="0"/>
+              <a:pPr>
+                <a:defRPr/>
+              </a:pPr>
+              <a:t>10</a:t>
+            </a:fld>
+            <a:endParaRPr lang="en-US" altLang="zh-CN" dirty="0"/>
+          </a:p>
+        </p:txBody>
+      </p:sp>
+    </p:spTree>
+    <p:extLst>
+      <p:ext uri="{BB962C8B-B14F-4D97-AF65-F5344CB8AC3E}">
+        <p14:creationId xmlns:p14="http://schemas.microsoft.com/office/powerpoint/2010/main" val="256002898"/>
+      </p:ext>
+    </p:extLst>
+  </p:cSld>
+  <p:clrMapOvr>
+    <a:masterClrMapping/>
+  </p:clrMapOvr>
+</p:sld>
+</file>
+
+<file path=ppt/slides/slide11.xml><?xml version="1.0" encoding="utf-8"?>
+<p:sld xmlns:a="http://schemas.openxmlformats.org/drawingml/2006/main" xmlns:r="http://schemas.openxmlformats.org/officeDocument/2006/relationships" xmlns:p="http://schemas.openxmlformats.org/presentationml/2006/main">
+  <p:cSld>
+    <p:spTree>
+      <p:nvGrpSpPr>
+        <p:cNvPr id="1" name=""/>
+        <p:cNvGrpSpPr/>
+        <p:nvPr/>
+      </p:nvGrpSpPr>
+      <p:grpSpPr>
+        <a:xfrm>
+          <a:off x="0" y="0"/>
+          <a:ext cx="0" cy="0"/>
+          <a:chOff x="0" y="0"/>
+          <a:chExt cx="0" cy="0"/>
+        </a:xfrm>
+      </p:grpSpPr>
+      <p:sp>
+        <p:nvSpPr>
           <p:cNvPr id="4" name="Footer Placeholder 3"/>
           <p:cNvSpPr>
             <a:spLocks noGrp="1"/>
@@ -5069,7 +5338,7 @@
               <a:pPr>
                 <a:defRPr/>
               </a:pPr>
-              <a:t>10</a:t>
+              <a:t>11</a:t>
             </a:fld>
             <a:endParaRPr lang="en-US" altLang="zh-CN" dirty="0"/>
           </a:p>
@@ -5531,13 +5800,7 @@
       </p:grpSpPr>
       <p:sp>
         <p:nvSpPr>
-          <p:cNvPr id="2" name="Title 1">
-            <a:extLst>
-              <a:ext uri="{FF2B5EF4-FFF2-40B4-BE49-F238E27FC236}">
-                <a16:creationId xmlns:a16="http://schemas.microsoft.com/office/drawing/2014/main" id="{9A6F4236-AC14-394A-A36C-F2BD8CED3237}"/>
-              </a:ext>
-            </a:extLst>
-          </p:cNvPr>
+          <p:cNvPr id="2" name="Title 1"/>
           <p:cNvSpPr>
             <a:spLocks noGrp="1"/>
           </p:cNvSpPr>
@@ -5547,8 +5810,8 @@
         </p:nvSpPr>
         <p:spPr>
           <a:xfrm>
-            <a:off x="228600" y="-20187"/>
-            <a:ext cx="8686800" cy="857250"/>
+            <a:off x="457200" y="0"/>
+            <a:ext cx="8229600" cy="857250"/>
           </a:xfrm>
         </p:spPr>
         <p:txBody>
@@ -5556,37 +5819,277 @@
           <a:lstStyle/>
           <a:p>
             <a:r>
-              <a:rPr lang="en-US" sz="3200" dirty="0">
+              <a:rPr lang="en-US" sz="3600" dirty="0">
                 <a:solidFill>
                   <a:srgbClr val="0070C0"/>
                 </a:solidFill>
                 <a:latin typeface="Calibri Light" panose="020F0302020204030204" pitchFamily="34" charset="0"/>
                 <a:cs typeface="Calibri Light" panose="020F0302020204030204" pitchFamily="34" charset="0"/>
               </a:rPr>
-              <a:t>STAMP Destination Node Address TLV</a:t>
-            </a:r>
-          </a:p>
-        </p:txBody>
-      </p:sp>
-      <p:sp>
-        <p:nvSpPr>
-          <p:cNvPr id="4" name="Footer Placeholder 3">
-            <a:extLst>
-              <a:ext uri="{FF2B5EF4-FFF2-40B4-BE49-F238E27FC236}">
-                <a16:creationId xmlns:a16="http://schemas.microsoft.com/office/drawing/2014/main" id="{643D160E-CC3C-EB46-A6F1-43B8E2996F46}"/>
-              </a:ext>
-            </a:extLst>
-          </p:cNvPr>
+              <a:t>Updates Since Version-00</a:t>
+            </a:r>
+          </a:p>
+        </p:txBody>
+      </p:sp>
+      <p:sp>
+        <p:nvSpPr>
+          <p:cNvPr id="3" name="Content Placeholder 2"/>
           <p:cNvSpPr>
             <a:spLocks noGrp="1"/>
           </p:cNvSpPr>
           <p:nvPr>
-            <p:ph type="ftr" sz="quarter" idx="11"/>
+            <p:ph idx="1"/>
           </p:nvPr>
         </p:nvSpPr>
         <p:spPr>
           <a:xfrm>
-            <a:off x="3124200" y="4805362"/>
+            <a:off x="685800" y="1047750"/>
+            <a:ext cx="7848600" cy="3428999"/>
+          </a:xfrm>
+        </p:spPr>
+        <p:txBody>
+          <a:bodyPr/>
+          <a:lstStyle/>
+          <a:p>
+            <a:pPr marL="0" indent="0">
+              <a:lnSpc>
+                <a:spcPts val="2160"/>
+              </a:lnSpc>
+              <a:spcBef>
+                <a:spcPts val="600"/>
+              </a:spcBef>
+              <a:spcAft>
+                <a:spcPts val="0"/>
+              </a:spcAft>
+              <a:buNone/>
+            </a:pPr>
+            <a:r>
+              <a:rPr lang="en-US" sz="1800" dirty="0"/>
+              <a:t>Updates:</a:t>
+            </a:r>
+          </a:p>
+          <a:p>
+            <a:pPr lvl="1">
+              <a:lnSpc>
+                <a:spcPts val="2160"/>
+              </a:lnSpc>
+              <a:spcBef>
+                <a:spcPts val="600"/>
+              </a:spcBef>
+              <a:spcAft>
+                <a:spcPts val="0"/>
+              </a:spcAft>
+              <a:buFont typeface="Wingdings" pitchFamily="2" charset="2"/>
+              <a:buChar char="ü"/>
+            </a:pPr>
+            <a:r>
+              <a:rPr lang="en-US" sz="1800" dirty="0"/>
+              <a:t>STAMP Extensions for SR moved from </a:t>
+            </a:r>
+            <a:r>
+              <a:rPr lang="en-US" sz="1800" dirty="0">
+                <a:solidFill>
+                  <a:srgbClr val="0070C0"/>
+                </a:solidFill>
+              </a:rPr>
+              <a:t>draft-</a:t>
+            </a:r>
+            <a:r>
+              <a:rPr lang="en-US" sz="1800" dirty="0" err="1">
+                <a:solidFill>
+                  <a:srgbClr val="0070C0"/>
+                </a:solidFill>
+              </a:rPr>
+              <a:t>gandhi</a:t>
+            </a:r>
+            <a:r>
+              <a:rPr lang="en-US" sz="1800" dirty="0">
+                <a:solidFill>
+                  <a:srgbClr val="0070C0"/>
+                </a:solidFill>
+              </a:rPr>
+              <a:t>-spring-stamp-</a:t>
+            </a:r>
+            <a:r>
+              <a:rPr lang="en-US" sz="1800" dirty="0" err="1">
+                <a:solidFill>
+                  <a:srgbClr val="0070C0"/>
+                </a:solidFill>
+              </a:rPr>
+              <a:t>srpm</a:t>
+            </a:r>
+            <a:endParaRPr lang="en-US" sz="1800" dirty="0">
+              <a:solidFill>
+                <a:srgbClr val="0070C0"/>
+              </a:solidFill>
+            </a:endParaRPr>
+          </a:p>
+          <a:p>
+            <a:pPr lvl="1">
+              <a:lnSpc>
+                <a:spcPts val="2160"/>
+              </a:lnSpc>
+              <a:spcBef>
+                <a:spcPts val="600"/>
+              </a:spcBef>
+              <a:spcAft>
+                <a:spcPts val="0"/>
+              </a:spcAft>
+              <a:buFont typeface="Wingdings" pitchFamily="2" charset="2"/>
+              <a:buChar char="ü"/>
+            </a:pPr>
+            <a:r>
+              <a:rPr lang="en-US" sz="1800" dirty="0"/>
+              <a:t>Replaced TWAMP Light with STAMP draft</a:t>
+            </a:r>
+          </a:p>
+          <a:p>
+            <a:pPr lvl="1">
+              <a:lnSpc>
+                <a:spcPts val="2160"/>
+              </a:lnSpc>
+              <a:spcBef>
+                <a:spcPts val="600"/>
+              </a:spcBef>
+              <a:spcAft>
+                <a:spcPts val="0"/>
+              </a:spcAft>
+              <a:buFont typeface="Wingdings" pitchFamily="2" charset="2"/>
+              <a:buChar char="ü"/>
+            </a:pPr>
+            <a:r>
+              <a:rPr lang="en-US" sz="1800" dirty="0"/>
+              <a:t>Updated terminology to align with STAMP</a:t>
+            </a:r>
+          </a:p>
+          <a:p>
+            <a:pPr lvl="1">
+              <a:lnSpc>
+                <a:spcPts val="2160"/>
+              </a:lnSpc>
+              <a:spcBef>
+                <a:spcPts val="600"/>
+              </a:spcBef>
+              <a:spcAft>
+                <a:spcPts val="0"/>
+              </a:spcAft>
+              <a:buFont typeface="Wingdings" pitchFamily="2" charset="2"/>
+              <a:buChar char="ü"/>
+            </a:pPr>
+            <a:r>
+              <a:rPr lang="en-US" sz="1800" dirty="0"/>
+              <a:t>Removed STAMP direct measurement stand-alone messages</a:t>
+            </a:r>
+          </a:p>
+          <a:p>
+            <a:pPr lvl="1">
+              <a:lnSpc>
+                <a:spcPts val="2160"/>
+              </a:lnSpc>
+              <a:spcBef>
+                <a:spcPts val="600"/>
+              </a:spcBef>
+              <a:spcAft>
+                <a:spcPts val="0"/>
+              </a:spcAft>
+              <a:buFont typeface="Wingdings" pitchFamily="2" charset="2"/>
+              <a:buChar char="ü"/>
+            </a:pPr>
+            <a:r>
+              <a:rPr lang="en-US" sz="1800" dirty="0"/>
+              <a:t>Moved Control Code to Return Path TLV</a:t>
+            </a:r>
+          </a:p>
+          <a:p>
+            <a:pPr lvl="1">
+              <a:lnSpc>
+                <a:spcPts val="2160"/>
+              </a:lnSpc>
+              <a:spcBef>
+                <a:spcPts val="600"/>
+              </a:spcBef>
+              <a:spcAft>
+                <a:spcPts val="0"/>
+              </a:spcAft>
+              <a:buFont typeface="Wingdings" pitchFamily="2" charset="2"/>
+              <a:buChar char="ü"/>
+            </a:pPr>
+            <a:r>
+              <a:rPr lang="en-US" sz="1800" dirty="0"/>
+              <a:t>Various editorial changes to address </a:t>
+            </a:r>
+            <a:r>
+              <a:rPr lang="en-US" sz="1800"/>
+              <a:t>review comments</a:t>
+            </a:r>
+            <a:endParaRPr lang="en-US" sz="1800" dirty="0"/>
+          </a:p>
+          <a:p>
+            <a:pPr marL="0" lvl="1" indent="0">
+              <a:lnSpc>
+                <a:spcPts val="2160"/>
+              </a:lnSpc>
+              <a:spcBef>
+                <a:spcPts val="600"/>
+              </a:spcBef>
+              <a:spcAft>
+                <a:spcPts val="0"/>
+              </a:spcAft>
+              <a:buNone/>
+            </a:pPr>
+            <a:r>
+              <a:rPr lang="en-US" sz="1800" dirty="0"/>
+              <a:t>Open Items:</a:t>
+            </a:r>
+          </a:p>
+          <a:p>
+            <a:pPr marL="742950" lvl="2" indent="-342900">
+              <a:lnSpc>
+                <a:spcPts val="2160"/>
+              </a:lnSpc>
+              <a:spcBef>
+                <a:spcPts val="600"/>
+              </a:spcBef>
+              <a:spcAft>
+                <a:spcPts val="0"/>
+              </a:spcAft>
+              <a:buFont typeface="Wingdings" pitchFamily="2" charset="2"/>
+              <a:buChar char="§"/>
+            </a:pPr>
+            <a:r>
+              <a:rPr lang="en-US" sz="1800" dirty="0"/>
+              <a:t>None</a:t>
+            </a:r>
+          </a:p>
+          <a:p>
+            <a:pPr>
+              <a:lnSpc>
+                <a:spcPts val="2160"/>
+              </a:lnSpc>
+              <a:spcBef>
+                <a:spcPts val="600"/>
+              </a:spcBef>
+              <a:spcAft>
+                <a:spcPts val="0"/>
+              </a:spcAft>
+            </a:pPr>
+            <a:endParaRPr lang="en-US" sz="1800" dirty="0"/>
+          </a:p>
+        </p:txBody>
+      </p:sp>
+      <p:sp>
+        <p:nvSpPr>
+          <p:cNvPr id="4" name="Footer Placeholder 3"/>
+          <p:cNvSpPr>
+            <a:spLocks noGrp="1"/>
+          </p:cNvSpPr>
+          <p:nvPr>
+            <p:ph type="ftr" sz="quarter" idx="11"/>
+          </p:nvPr>
+        </p:nvSpPr>
+        <p:spPr>
+          <a:xfrm>
+            <a:off x="3124200" y="4786312"/>
             <a:ext cx="2895600" cy="357188"/>
           </a:xfrm>
         </p:spPr>
@@ -5611,13 +6114,7 @@
       </p:sp>
       <p:sp>
         <p:nvSpPr>
-          <p:cNvPr id="5" name="Slide Number Placeholder 4">
-            <a:extLst>
-              <a:ext uri="{FF2B5EF4-FFF2-40B4-BE49-F238E27FC236}">
-                <a16:creationId xmlns:a16="http://schemas.microsoft.com/office/drawing/2014/main" id="{A8B868AE-B105-7547-A646-14FCDF91C2DD}"/>
-              </a:ext>
-            </a:extLst>
-          </p:cNvPr>
+          <p:cNvPr id="5" name="Slide Number Placeholder 4"/>
           <p:cNvSpPr>
             <a:spLocks noGrp="1"/>
           </p:cNvSpPr>
@@ -5640,311 +6137,14 @@
               </a:pPr>
               <a:t>4</a:t>
             </a:fld>
-            <a:endParaRPr lang="en-US" altLang="zh-CN"/>
-          </a:p>
-        </p:txBody>
-      </p:sp>
-      <p:sp>
-        <p:nvSpPr>
-          <p:cNvPr id="7" name="Rectangle 6">
-            <a:extLst>
-              <a:ext uri="{FF2B5EF4-FFF2-40B4-BE49-F238E27FC236}">
-                <a16:creationId xmlns:a16="http://schemas.microsoft.com/office/drawing/2014/main" id="{AA6E66CA-28BC-2C4A-BC04-4600D8FEBF3B}"/>
-              </a:ext>
-            </a:extLst>
-          </p:cNvPr>
-          <p:cNvSpPr/>
-          <p:nvPr/>
-        </p:nvSpPr>
-        <p:spPr>
-          <a:xfrm>
-            <a:off x="4223657" y="1712824"/>
-            <a:ext cx="4648200" cy="1615827"/>
-          </a:xfrm>
-          <a:prstGeom prst="rect">
-            <a:avLst/>
-          </a:prstGeom>
-          <a:solidFill>
-            <a:schemeClr val="accent6">
-              <a:lumMod val="20000"/>
-              <a:lumOff val="80000"/>
-            </a:schemeClr>
-          </a:solidFill>
-        </p:spPr>
-        <p:txBody>
-          <a:bodyPr wrap="square">
-            <a:spAutoFit/>
-          </a:bodyPr>
-          <a:lstStyle/>
-          <a:p>
-            <a:r>
-              <a:rPr lang="en-CA" sz="900" dirty="0">
-                <a:latin typeface="Courier" pitchFamily="2" charset="0"/>
-                <a:cs typeface="Courier New" panose="02070309020205020404" pitchFamily="49" charset="0"/>
-              </a:rPr>
-              <a:t>0                   1                   2                   3</a:t>
-            </a:r>
-          </a:p>
-          <a:p>
-            <a:r>
-              <a:rPr lang="en-CA" sz="900" dirty="0">
-                <a:latin typeface="Courier" pitchFamily="2" charset="0"/>
-                <a:cs typeface="Courier New" panose="02070309020205020404" pitchFamily="49" charset="0"/>
-              </a:rPr>
-              <a:t>0 1 2 3 4 5 6 7 8 9 0 1 2 3 4 5 6 7 8 9 0 1 2 3 4 5 6 7 8 9 0 1</a:t>
-            </a:r>
-          </a:p>
-          <a:p>
-            <a:r>
-              <a:rPr lang="en-CA" sz="900" dirty="0">
-                <a:latin typeface="Courier" pitchFamily="2" charset="0"/>
-                <a:cs typeface="Courier New" panose="02070309020205020404" pitchFamily="49" charset="0"/>
-              </a:rPr>
-              <a:t>+-+-+-+-+-+-+-+-+-+-+-+-+-+-+-+-+-+-+-+-+-+-+-+-+-+-+-+-+-+-+-+-+</a:t>
-            </a:r>
-          </a:p>
-          <a:p>
-            <a:r>
-              <a:rPr lang="en-CA" sz="900" dirty="0">
-                <a:latin typeface="Courier" pitchFamily="2" charset="0"/>
-              </a:rPr>
-              <a:t>|STAMP TLV Flags|  Type = TBA1  |     Length                    |</a:t>
-            </a:r>
-          </a:p>
-          <a:p>
-            <a:r>
-              <a:rPr lang="en-CA" sz="900" dirty="0">
-                <a:latin typeface="Courier" pitchFamily="2" charset="0"/>
-                <a:cs typeface="Courier New" panose="02070309020205020404" pitchFamily="49" charset="0"/>
-              </a:rPr>
-              <a:t>+-+-+-+-+-+-+-+-+-+-+-+-+-+-+-+-+-+-+-+-+-+-+-+-+-+-+-+-+-+-+-+-+</a:t>
-            </a:r>
-          </a:p>
-          <a:p>
-            <a:r>
-              <a:rPr lang="en-CA" sz="900" dirty="0">
-                <a:latin typeface="Courier" pitchFamily="2" charset="0"/>
-                <a:cs typeface="Courier New" panose="02070309020205020404" pitchFamily="49" charset="0"/>
-              </a:rPr>
-              <a:t>|     Reserved                  |        Address Family         |</a:t>
-            </a:r>
-          </a:p>
-          <a:p>
-            <a:r>
-              <a:rPr lang="en-CA" sz="900" dirty="0">
-                <a:latin typeface="Courier" pitchFamily="2" charset="0"/>
-                <a:cs typeface="Courier New" panose="02070309020205020404" pitchFamily="49" charset="0"/>
-              </a:rPr>
-              <a:t>+-+-+-+-+-+-+-+-+-+-+-+-+-+-+-+-+-+-+-+-+-+-+-+-+-+-+-+-+-+-+-+-+</a:t>
-            </a:r>
-          </a:p>
-          <a:p>
-            <a:r>
-              <a:rPr lang="en-CA" sz="900" dirty="0">
-                <a:latin typeface="Courier" pitchFamily="2" charset="0"/>
-                <a:cs typeface="Courier New" panose="02070309020205020404" pitchFamily="49" charset="0"/>
-              </a:rPr>
-              <a:t>.                           Address                             .</a:t>
-            </a:r>
-          </a:p>
-          <a:p>
-            <a:r>
-              <a:rPr lang="en-CA" sz="900" dirty="0">
-                <a:latin typeface="Courier" pitchFamily="2" charset="0"/>
-                <a:cs typeface="Courier New" panose="02070309020205020404" pitchFamily="49" charset="0"/>
-              </a:rPr>
-              <a:t>+-+-+-+-+-+-+-+-+-+-+-+-+-+-+-+-+-+-+-+-+-+-+-+-+-+-+-+-+-+-+-+-+</a:t>
-            </a:r>
-          </a:p>
-          <a:p>
-            <a:r>
-              <a:rPr lang="en-CA" sz="900" dirty="0">
-                <a:latin typeface="Courier" pitchFamily="2" charset="0"/>
-                <a:cs typeface="Courier New" panose="02070309020205020404" pitchFamily="49" charset="0"/>
-              </a:rPr>
-              <a:t> </a:t>
-            </a:r>
-          </a:p>
-          <a:p>
-            <a:r>
-              <a:rPr lang="en-CA" sz="900" dirty="0">
-                <a:latin typeface="Courier" pitchFamily="2" charset="0"/>
-                <a:cs typeface="Courier New" panose="02070309020205020404" pitchFamily="49" charset="0"/>
-              </a:rPr>
-              <a:t>            Figure: Destination Node Address TLV Format </a:t>
-            </a:r>
-            <a:endParaRPr lang="en-US" sz="900" dirty="0">
-              <a:latin typeface="Courier" pitchFamily="2" charset="0"/>
-              <a:cs typeface="Courier New" panose="02070309020205020404" pitchFamily="49" charset="0"/>
-            </a:endParaRPr>
-          </a:p>
-        </p:txBody>
-      </p:sp>
-      <p:sp>
-        <p:nvSpPr>
-          <p:cNvPr id="9" name="Rectangle 8">
-            <a:extLst>
-              <a:ext uri="{FF2B5EF4-FFF2-40B4-BE49-F238E27FC236}">
-                <a16:creationId xmlns:a16="http://schemas.microsoft.com/office/drawing/2014/main" id="{8BD4B8E2-831D-5C4C-9AA6-259F0AB5BE90}"/>
-              </a:ext>
-            </a:extLst>
-          </p:cNvPr>
-          <p:cNvSpPr/>
-          <p:nvPr/>
-        </p:nvSpPr>
-        <p:spPr>
-          <a:xfrm>
-            <a:off x="272143" y="916328"/>
-            <a:ext cx="3924300" cy="3310843"/>
-          </a:xfrm>
-          <a:prstGeom prst="rect">
-            <a:avLst/>
-          </a:prstGeom>
-        </p:spPr>
-        <p:txBody>
-          <a:bodyPr wrap="square">
-            <a:spAutoFit/>
-          </a:bodyPr>
-          <a:lstStyle/>
-          <a:p>
-            <a:pPr>
-              <a:lnSpc>
-                <a:spcPts val="2120"/>
-              </a:lnSpc>
-              <a:spcAft>
-                <a:spcPts val="0"/>
-              </a:spcAft>
-            </a:pPr>
-            <a:r>
-              <a:rPr lang="en-CA" sz="1600" b="1" dirty="0">
-                <a:solidFill>
-                  <a:schemeClr val="tx2"/>
-                </a:solidFill>
-                <a:latin typeface="Calibri" panose="020F0502020204030204" pitchFamily="34" charset="0"/>
-                <a:ea typeface="Calibri" panose="020F0502020204030204" pitchFamily="34" charset="0"/>
-                <a:cs typeface="Consolas" panose="020B0609020204030204" pitchFamily="49" charset="0"/>
-              </a:rPr>
-              <a:t>Destination Node Address TLV (value TBA1):</a:t>
-            </a:r>
-          </a:p>
-          <a:p>
-            <a:pPr>
-              <a:lnSpc>
-                <a:spcPts val="2120"/>
-              </a:lnSpc>
-              <a:spcAft>
-                <a:spcPts val="0"/>
-              </a:spcAft>
-            </a:pPr>
-            <a:r>
-              <a:rPr lang="en-CA" sz="1600" dirty="0">
-                <a:solidFill>
-                  <a:schemeClr val="tx2"/>
-                </a:solidFill>
-                <a:latin typeface="Calibri" panose="020F0502020204030204" pitchFamily="34" charset="0"/>
-                <a:ea typeface="Calibri" panose="020F0502020204030204" pitchFamily="34" charset="0"/>
-                <a:cs typeface="Consolas" panose="020B0609020204030204" pitchFamily="49" charset="0"/>
-              </a:rPr>
-              <a:t> </a:t>
-            </a:r>
-          </a:p>
-          <a:p>
-            <a:pPr marL="285750" indent="-285750">
-              <a:lnSpc>
-                <a:spcPts val="2120"/>
-              </a:lnSpc>
-              <a:spcAft>
-                <a:spcPts val="0"/>
-              </a:spcAft>
-              <a:buFont typeface="Arial" panose="020B0604020202020204" pitchFamily="34" charset="0"/>
-              <a:buChar char="•"/>
-            </a:pPr>
-            <a:r>
-              <a:rPr lang="en-CA" sz="1600" dirty="0">
-                <a:solidFill>
-                  <a:schemeClr val="tx2"/>
-                </a:solidFill>
-                <a:latin typeface="Calibri" panose="020F0502020204030204" pitchFamily="34" charset="0"/>
-                <a:ea typeface="Calibri" panose="020F0502020204030204" pitchFamily="34" charset="0"/>
-                <a:cs typeface="Consolas" panose="020B0609020204030204" pitchFamily="49" charset="0"/>
-              </a:rPr>
-              <a:t>Indicates the address of the intended destination of the Session-Sender test packet.  </a:t>
-            </a:r>
-          </a:p>
-          <a:p>
-            <a:pPr marL="285750" indent="-285750">
-              <a:lnSpc>
-                <a:spcPts val="2120"/>
-              </a:lnSpc>
-              <a:spcAft>
-                <a:spcPts val="0"/>
-              </a:spcAft>
-              <a:buFont typeface="Arial" panose="020B0604020202020204" pitchFamily="34" charset="0"/>
-              <a:buChar char="•"/>
-            </a:pPr>
-            <a:r>
-              <a:rPr lang="en-CA" sz="1600" dirty="0">
-                <a:solidFill>
-                  <a:schemeClr val="tx2"/>
-                </a:solidFill>
-                <a:latin typeface="Calibri" panose="020F0502020204030204" pitchFamily="34" charset="0"/>
-                <a:ea typeface="Calibri" panose="020F0502020204030204" pitchFamily="34" charset="0"/>
-                <a:cs typeface="Consolas" panose="020B0609020204030204" pitchFamily="49" charset="0"/>
-              </a:rPr>
-              <a:t>The Session-Reflector that supports this TLV, </a:t>
-            </a:r>
-            <a:r>
-              <a:rPr lang="en-CA" sz="1600" b="1" dirty="0">
-                <a:solidFill>
-                  <a:schemeClr val="tx2"/>
-                </a:solidFill>
-                <a:latin typeface="Calibri" panose="020F0502020204030204" pitchFamily="34" charset="0"/>
-                <a:ea typeface="Calibri" panose="020F0502020204030204" pitchFamily="34" charset="0"/>
-                <a:cs typeface="Consolas" panose="020B0609020204030204" pitchFamily="49" charset="0"/>
-              </a:rPr>
-              <a:t>MUST NOT </a:t>
-            </a:r>
-            <a:r>
-              <a:rPr lang="en-CA" sz="1600" dirty="0">
-                <a:solidFill>
-                  <a:schemeClr val="tx2"/>
-                </a:solidFill>
-                <a:latin typeface="Calibri" panose="020F0502020204030204" pitchFamily="34" charset="0"/>
-                <a:ea typeface="Calibri" panose="020F0502020204030204" pitchFamily="34" charset="0"/>
-                <a:cs typeface="Consolas" panose="020B0609020204030204" pitchFamily="49" charset="0"/>
-              </a:rPr>
-              <a:t>send reply if it is not the intended destination of the Session-Sender test packet.</a:t>
-            </a:r>
-          </a:p>
-          <a:p>
-            <a:pPr marL="285750" indent="-285750">
-              <a:lnSpc>
-                <a:spcPts val="2120"/>
-              </a:lnSpc>
-              <a:spcAft>
-                <a:spcPts val="0"/>
-              </a:spcAft>
-              <a:buFont typeface="Arial" panose="020B0604020202020204" pitchFamily="34" charset="0"/>
-              <a:buChar char="•"/>
-            </a:pPr>
-            <a:r>
-              <a:rPr lang="en-CA" sz="1600" dirty="0">
-                <a:solidFill>
-                  <a:schemeClr val="tx2"/>
-                </a:solidFill>
-                <a:latin typeface="Calibri" panose="020F0502020204030204" pitchFamily="34" charset="0"/>
-                <a:ea typeface="Calibri" panose="020F0502020204030204" pitchFamily="34" charset="0"/>
-                <a:cs typeface="Consolas" panose="020B0609020204030204" pitchFamily="49" charset="0"/>
-              </a:rPr>
-              <a:t>Useful when test packet is sent with 127/8 destination address (e.g. sweeping ECMP paths).</a:t>
-            </a:r>
+            <a:endParaRPr lang="en-US" altLang="zh-CN" dirty="0"/>
           </a:p>
         </p:txBody>
       </p:sp>
     </p:spTree>
     <p:extLst>
       <p:ext uri="{BB962C8B-B14F-4D97-AF65-F5344CB8AC3E}">
-        <p14:creationId xmlns:p14="http://schemas.microsoft.com/office/powerpoint/2010/main" val="762066554"/>
+        <p14:creationId xmlns:p14="http://schemas.microsoft.com/office/powerpoint/2010/main" val="1546287886"/>
       </p:ext>
     </p:extLst>
   </p:cSld>
@@ -5989,7 +6189,7 @@
         </p:nvSpPr>
         <p:spPr>
           <a:xfrm>
-            <a:off x="228600" y="-8968"/>
+            <a:off x="228600" y="-20187"/>
             <a:ext cx="8686800" cy="857250"/>
           </a:xfrm>
         </p:spPr>
@@ -6005,7 +6205,7 @@
                 <a:latin typeface="Calibri Light" panose="020F0302020204030204" pitchFamily="34" charset="0"/>
                 <a:cs typeface="Calibri Light" panose="020F0302020204030204" pitchFamily="34" charset="0"/>
               </a:rPr>
-              <a:t>STAMP Return Path TLV</a:t>
+              <a:t>STAMP Destination Node Address TLV</a:t>
             </a:r>
           </a:p>
         </p:txBody>
@@ -6100,8 +6300,8 @@
         </p:nvSpPr>
         <p:spPr>
           <a:xfrm>
-            <a:off x="4343400" y="837063"/>
-            <a:ext cx="4419600" cy="1323439"/>
+            <a:off x="4223657" y="1712824"/>
+            <a:ext cx="4648200" cy="1615827"/>
           </a:xfrm>
           <a:prstGeom prst="rect">
             <a:avLst/>
@@ -6120,275 +6320,104 @@
           <a:lstStyle/>
           <a:p>
             <a:r>
-              <a:rPr lang="en-CA" sz="800" dirty="0">
+              <a:rPr lang="en-CA" sz="900" dirty="0">
+                <a:latin typeface="Courier" pitchFamily="2" charset="0"/>
+                <a:cs typeface="Courier New" panose="02070309020205020404" pitchFamily="49" charset="0"/>
+              </a:rPr>
+              <a:t>0                   1                   2                   3</a:t>
+            </a:r>
+          </a:p>
+          <a:p>
+            <a:r>
+              <a:rPr lang="en-CA" sz="900" dirty="0">
+                <a:latin typeface="Courier" pitchFamily="2" charset="0"/>
+                <a:cs typeface="Courier New" panose="02070309020205020404" pitchFamily="49" charset="0"/>
+              </a:rPr>
+              <a:t>0 1 2 3 4 5 6 7 8 9 0 1 2 3 4 5 6 7 8 9 0 1 2 3 4 5 6 7 8 9 0 1</a:t>
+            </a:r>
+          </a:p>
+          <a:p>
+            <a:r>
+              <a:rPr lang="en-CA" sz="900" dirty="0">
+                <a:latin typeface="Courier" pitchFamily="2" charset="0"/>
+                <a:cs typeface="Courier New" panose="02070309020205020404" pitchFamily="49" charset="0"/>
+              </a:rPr>
+              <a:t>+-+-+-+-+-+-+-+-+-+-+-+-+-+-+-+-+-+-+-+-+-+-+-+-+-+-+-+-+-+-+-+-+</a:t>
+            </a:r>
+          </a:p>
+          <a:p>
+            <a:r>
+              <a:rPr lang="en-CA" sz="900" dirty="0">
                 <a:latin typeface="Courier" pitchFamily="2" charset="0"/>
               </a:rPr>
-              <a:t>    0                   1                   2                   3</a:t>
-            </a:r>
-          </a:p>
-          <a:p>
-            <a:r>
-              <a:rPr lang="en-CA" sz="800" dirty="0">
+              <a:t>|STAMP TLV Flags|  Type = TBA1  |     Length                    |</a:t>
+            </a:r>
+          </a:p>
+          <a:p>
+            <a:r>
+              <a:rPr lang="en-CA" sz="900" dirty="0">
                 <a:latin typeface="Courier" pitchFamily="2" charset="0"/>
+                <a:cs typeface="Courier New" panose="02070309020205020404" pitchFamily="49" charset="0"/>
               </a:rPr>
-              <a:t>    0 1 2 3 4 5 6 7 8 9 0 1 2 3 4 5 6 7 8 9 0 1 2 3 4 5 6 7 8 9 0 1</a:t>
-            </a:r>
-          </a:p>
-          <a:p>
-            <a:r>
-              <a:rPr lang="en-CA" sz="800" dirty="0">
+              <a:t>+-+-+-+-+-+-+-+-+-+-+-+-+-+-+-+-+-+-+-+-+-+-+-+-+-+-+-+-+-+-+-+-+</a:t>
+            </a:r>
+          </a:p>
+          <a:p>
+            <a:r>
+              <a:rPr lang="en-CA" sz="900" dirty="0">
                 <a:latin typeface="Courier" pitchFamily="2" charset="0"/>
+                <a:cs typeface="Courier New" panose="02070309020205020404" pitchFamily="49" charset="0"/>
               </a:rPr>
-              <a:t>    +-+-+-+-+-+-+-+-+-+-+-+-+-+-+-+-+-+-+-+-+-+-+-+-+-+-+-+-+-+-+-+-+</a:t>
-            </a:r>
-          </a:p>
-          <a:p>
-            <a:r>
-              <a:rPr lang="en-CA" sz="800" dirty="0">
+              <a:t>|     Reserved                  |        Address Family         |</a:t>
+            </a:r>
+          </a:p>
+          <a:p>
+            <a:r>
+              <a:rPr lang="en-CA" sz="900" dirty="0">
                 <a:latin typeface="Courier" pitchFamily="2" charset="0"/>
+                <a:cs typeface="Courier New" panose="02070309020205020404" pitchFamily="49" charset="0"/>
               </a:rPr>
-              <a:t>    |STAMP TLV Flags|  Type = TBA2  |     Length                    |</a:t>
-            </a:r>
-          </a:p>
-          <a:p>
-            <a:r>
-              <a:rPr lang="en-CA" sz="800" dirty="0">
+              <a:t>+-+-+-+-+-+-+-+-+-+-+-+-+-+-+-+-+-+-+-+-+-+-+-+-+-+-+-+-+-+-+-+-+</a:t>
+            </a:r>
+          </a:p>
+          <a:p>
+            <a:r>
+              <a:rPr lang="en-CA" sz="900" dirty="0">
                 <a:latin typeface="Courier" pitchFamily="2" charset="0"/>
+                <a:cs typeface="Courier New" panose="02070309020205020404" pitchFamily="49" charset="0"/>
               </a:rPr>
-              <a:t>    +-+-+-+-+-+-+-+-+-+-+-+-+-+-+-+-+-+-+-+-+-+-+-+-+-+-+-+-+-+-+-+-+</a:t>
-            </a:r>
-          </a:p>
-          <a:p>
-            <a:r>
-              <a:rPr lang="en-CA" sz="800" dirty="0">
+              <a:t>.                           Address                             .</a:t>
+            </a:r>
+          </a:p>
+          <a:p>
+            <a:r>
+              <a:rPr lang="en-CA" sz="900" dirty="0">
                 <a:latin typeface="Courier" pitchFamily="2" charset="0"/>
+                <a:cs typeface="Courier New" panose="02070309020205020404" pitchFamily="49" charset="0"/>
               </a:rPr>
-              <a:t>    |                    Return Path Sub-TLVs                       |</a:t>
-            </a:r>
-          </a:p>
-          <a:p>
-            <a:r>
-              <a:rPr lang="en-CA" sz="800" dirty="0">
+              <a:t>+-+-+-+-+-+-+-+-+-+-+-+-+-+-+-+-+-+-+-+-+-+-+-+-+-+-+-+-+-+-+-+-+</a:t>
+            </a:r>
+          </a:p>
+          <a:p>
+            <a:r>
+              <a:rPr lang="en-CA" sz="900" dirty="0">
                 <a:latin typeface="Courier" pitchFamily="2" charset="0"/>
+                <a:cs typeface="Courier New" panose="02070309020205020404" pitchFamily="49" charset="0"/>
               </a:rPr>
-              <a:t>    .                                                               .</a:t>
-            </a:r>
-          </a:p>
-          <a:p>
-            <a:r>
-              <a:rPr lang="en-CA" sz="800" dirty="0">
+              <a:t> </a:t>
+            </a:r>
+          </a:p>
+          <a:p>
+            <a:r>
+              <a:rPr lang="en-CA" sz="900" dirty="0">
                 <a:latin typeface="Courier" pitchFamily="2" charset="0"/>
+                <a:cs typeface="Courier New" panose="02070309020205020404" pitchFamily="49" charset="0"/>
               </a:rPr>
-              <a:t>    +-+-+-+-+-+-+-+-+-+-+-+-+-+-+-+-+-+-+-+-+-+-+-+-+-+-+-+-+-+-+-+-+</a:t>
-            </a:r>
-          </a:p>
-          <a:p>
-            <a:endParaRPr lang="en-CA" sz="800" dirty="0">
+              <a:t>            Figure: Destination Node Address TLV Format </a:t>
+            </a:r>
+            <a:endParaRPr lang="en-US" sz="900" dirty="0">
               <a:latin typeface="Courier" pitchFamily="2" charset="0"/>
-            </a:endParaRPr>
-          </a:p>
-          <a:p>
-            <a:r>
-              <a:rPr lang="en-CA" sz="800" dirty="0">
-                <a:latin typeface="Courier" pitchFamily="2" charset="0"/>
-              </a:rPr>
-              <a:t>                         Figure: Return Path TLV</a:t>
-            </a:r>
-          </a:p>
-        </p:txBody>
-      </p:sp>
-      <p:sp>
-        <p:nvSpPr>
-          <p:cNvPr id="6" name="Content Placeholder 2">
-            <a:extLst>
-              <a:ext uri="{FF2B5EF4-FFF2-40B4-BE49-F238E27FC236}">
-                <a16:creationId xmlns:a16="http://schemas.microsoft.com/office/drawing/2014/main" id="{23AC919A-376F-2044-ADF3-0CCFB1FD964A}"/>
-              </a:ext>
-            </a:extLst>
-          </p:cNvPr>
-          <p:cNvSpPr>
-            <a:spLocks noGrp="1"/>
-          </p:cNvSpPr>
-          <p:nvPr>
-            <p:ph idx="1"/>
-          </p:nvPr>
-        </p:nvSpPr>
-        <p:spPr>
-          <a:xfrm>
-            <a:off x="228600" y="819150"/>
-            <a:ext cx="3962400" cy="3986212"/>
-          </a:xfrm>
-        </p:spPr>
-        <p:txBody>
-          <a:bodyPr/>
-          <a:lstStyle/>
-          <a:p>
-            <a:pPr marL="0" indent="0">
-              <a:spcBef>
-                <a:spcPts val="600"/>
-              </a:spcBef>
-              <a:buNone/>
-            </a:pPr>
-            <a:r>
-              <a:rPr lang="en-CA" sz="1200" b="1" dirty="0">
-                <a:latin typeface="Calibri" panose="020F0502020204030204" pitchFamily="34" charset="0"/>
-                <a:ea typeface="Calibri" panose="020F0502020204030204" pitchFamily="34" charset="0"/>
-                <a:cs typeface="Consolas" panose="020B0609020204030204" pitchFamily="49" charset="0"/>
-              </a:rPr>
-              <a:t>Return Path TLV (value TBA2) to carry one Sub-TLV for return path:</a:t>
-            </a:r>
-            <a:endParaRPr lang="en-CA" sz="1200" b="1" dirty="0"/>
-          </a:p>
-          <a:p>
-            <a:pPr marL="0" indent="0">
-              <a:spcBef>
-                <a:spcPts val="600"/>
-              </a:spcBef>
-              <a:buNone/>
-            </a:pPr>
-            <a:r>
-              <a:rPr lang="en-CA" sz="1200" dirty="0"/>
-              <a:t>Sub-TLVs Types:</a:t>
-            </a:r>
-          </a:p>
-          <a:p>
-            <a:pPr>
-              <a:spcBef>
-                <a:spcPts val="600"/>
-              </a:spcBef>
-            </a:pPr>
-            <a:r>
-              <a:rPr lang="en-CA" sz="1200" dirty="0"/>
-              <a:t>Type (value 1): Return Path Control Code. Reply test packet based on the control code flags.</a:t>
-            </a:r>
-          </a:p>
-          <a:p>
-            <a:pPr lvl="1"/>
-            <a:r>
-              <a:rPr lang="en-US" sz="1200" dirty="0">
-                <a:latin typeface="Calibri" panose="020F0502020204030204" pitchFamily="34" charset="0"/>
-                <a:cs typeface="Calibri" panose="020F0502020204030204" pitchFamily="34" charset="0"/>
-              </a:rPr>
-              <a:t>0x0: No Reply Requested.</a:t>
-            </a:r>
-          </a:p>
-          <a:p>
-            <a:pPr lvl="1"/>
-            <a:r>
-              <a:rPr lang="en-US" sz="1200" dirty="0">
-                <a:latin typeface="Calibri" panose="020F0502020204030204" pitchFamily="34" charset="0"/>
-                <a:cs typeface="Calibri" panose="020F0502020204030204" pitchFamily="34" charset="0"/>
-              </a:rPr>
-              <a:t>0x1: In-band Reply Requested.  </a:t>
-            </a:r>
-            <a:endParaRPr lang="en-CA" sz="1200" dirty="0"/>
-          </a:p>
-          <a:p>
-            <a:pPr>
-              <a:spcBef>
-                <a:spcPts val="600"/>
-              </a:spcBef>
-            </a:pPr>
-            <a:r>
-              <a:rPr lang="en-CA" sz="1200" dirty="0"/>
-              <a:t>Type (value 2): Return Address. Destination address for the reply; different than the Source Address in the Session-Sender test packet</a:t>
-            </a:r>
-          </a:p>
-          <a:p>
-            <a:pPr>
-              <a:spcBef>
-                <a:spcPts val="600"/>
-              </a:spcBef>
-            </a:pPr>
-            <a:r>
-              <a:rPr lang="en-CA" sz="1200" dirty="0"/>
-              <a:t>Type (value 3): SR-MPLS Label Stack of the Return SR Path</a:t>
-            </a:r>
-          </a:p>
-          <a:p>
-            <a:pPr>
-              <a:spcBef>
-                <a:spcPts val="600"/>
-              </a:spcBef>
-            </a:pPr>
-            <a:r>
-              <a:rPr lang="en-CA" sz="1200" dirty="0"/>
-              <a:t>Type (value 4): SR-MPLS Binding SID [draft-</a:t>
-            </a:r>
-            <a:r>
-              <a:rPr lang="en-CA" sz="1200" dirty="0" err="1"/>
-              <a:t>ietf</a:t>
-            </a:r>
-            <a:r>
-              <a:rPr lang="en-CA" sz="1200" dirty="0"/>
-              <a:t>-</a:t>
-            </a:r>
-            <a:r>
-              <a:rPr lang="en-CA" sz="1200" dirty="0" err="1"/>
-              <a:t>pce</a:t>
-            </a:r>
-            <a:r>
-              <a:rPr lang="en-CA" sz="1200" dirty="0"/>
-              <a:t>-binding-label-</a:t>
-            </a:r>
-            <a:r>
-              <a:rPr lang="en-CA" sz="1200" dirty="0" err="1"/>
-              <a:t>sid</a:t>
-            </a:r>
-            <a:r>
-              <a:rPr lang="en-CA" sz="1200" dirty="0"/>
-              <a:t>] of the Return SR Policy</a:t>
-            </a:r>
-          </a:p>
-          <a:p>
-            <a:pPr>
-              <a:spcBef>
-                <a:spcPts val="600"/>
-              </a:spcBef>
-            </a:pPr>
-            <a:r>
-              <a:rPr lang="en-CA" sz="1200" dirty="0"/>
-              <a:t>Type (value 5): SRv6 Segment List of the Return SR Path</a:t>
-            </a:r>
-          </a:p>
-          <a:p>
-            <a:pPr>
-              <a:spcBef>
-                <a:spcPts val="600"/>
-              </a:spcBef>
-            </a:pPr>
-            <a:r>
-              <a:rPr lang="en-CA" sz="1200" dirty="0"/>
-              <a:t>Type (value 6): SRv6 Binding SID [draft-</a:t>
-            </a:r>
-            <a:r>
-              <a:rPr lang="en-CA" sz="1200" dirty="0" err="1"/>
-              <a:t>ietf</a:t>
-            </a:r>
-            <a:r>
-              <a:rPr lang="en-CA" sz="1200" dirty="0"/>
-              <a:t>-</a:t>
-            </a:r>
-            <a:r>
-              <a:rPr lang="en-CA" sz="1200" dirty="0" err="1"/>
-              <a:t>pce</a:t>
-            </a:r>
-            <a:r>
-              <a:rPr lang="en-CA" sz="1200" dirty="0"/>
-              <a:t>-binding-label-</a:t>
-            </a:r>
-            <a:r>
-              <a:rPr lang="en-CA" sz="1200" dirty="0" err="1"/>
-              <a:t>sid</a:t>
-            </a:r>
-            <a:r>
-              <a:rPr lang="en-CA" sz="1200" dirty="0"/>
-              <a:t>] of the Return SR Policy</a:t>
-            </a:r>
-            <a:endParaRPr lang="en-US" sz="1200" dirty="0">
-              <a:latin typeface="Calibri" charset="0"/>
-              <a:ea typeface="Calibri" charset="0"/>
-              <a:cs typeface="Calibri" charset="0"/>
+              <a:cs typeface="Courier New" panose="02070309020205020404" pitchFamily="49" charset="0"/>
             </a:endParaRPr>
           </a:p>
         </p:txBody>
@@ -6398,7 +6427,7 @@
           <p:cNvPr id="9" name="Rectangle 8">
             <a:extLst>
               <a:ext uri="{FF2B5EF4-FFF2-40B4-BE49-F238E27FC236}">
-                <a16:creationId xmlns:a16="http://schemas.microsoft.com/office/drawing/2014/main" id="{B04D7E52-9ADA-114D-877F-E1C7CA482275}"/>
+                <a16:creationId xmlns:a16="http://schemas.microsoft.com/office/drawing/2014/main" id="{8BD4B8E2-831D-5C4C-9AA6-259F0AB5BE90}"/>
               </a:ext>
             </a:extLst>
           </p:cNvPr>
@@ -6407,18 +6436,12 @@
         </p:nvSpPr>
         <p:spPr>
           <a:xfrm>
-            <a:off x="4343400" y="2385355"/>
-            <a:ext cx="4419600" cy="2185214"/>
+            <a:off x="272143" y="916328"/>
+            <a:ext cx="3924300" cy="3310843"/>
           </a:xfrm>
           <a:prstGeom prst="rect">
             <a:avLst/>
           </a:prstGeom>
-          <a:solidFill>
-            <a:schemeClr val="accent6">
-              <a:lumMod val="20000"/>
-              <a:lumOff val="80000"/>
-            </a:schemeClr>
-          </a:solidFill>
         </p:spPr>
         <p:txBody>
           <a:bodyPr wrap="square">
@@ -6426,148 +6449,144 @@
           </a:bodyPr>
           <a:lstStyle/>
           <a:p>
-            <a:r>
-              <a:rPr lang="en-CA" sz="800" dirty="0">
-                <a:latin typeface="Courier" pitchFamily="2" charset="0"/>
+            <a:pPr>
+              <a:lnSpc>
+                <a:spcPts val="2120"/>
+              </a:lnSpc>
+              <a:spcAft>
+                <a:spcPts val="0"/>
+              </a:spcAft>
+            </a:pPr>
+            <a:r>
+              <a:rPr lang="en-CA" sz="1600" b="1" dirty="0">
+                <a:solidFill>
+                  <a:schemeClr val="tx2"/>
+                </a:solidFill>
+                <a:latin typeface="Calibri" panose="020F0502020204030204" pitchFamily="34" charset="0"/>
+                <a:ea typeface="Calibri" panose="020F0502020204030204" pitchFamily="34" charset="0"/>
+                <a:cs typeface="Consolas" panose="020B0609020204030204" pitchFamily="49" charset="0"/>
               </a:rPr>
-              <a:t>    0                   1                   2                   3</a:t>
-            </a:r>
-          </a:p>
-          <a:p>
-            <a:r>
-              <a:rPr lang="en-CA" sz="800" dirty="0">
-                <a:latin typeface="Courier" pitchFamily="2" charset="0"/>
+              <a:t>Destination Node Address TLV (value TBA1):</a:t>
+            </a:r>
+          </a:p>
+          <a:p>
+            <a:pPr>
+              <a:lnSpc>
+                <a:spcPts val="2120"/>
+              </a:lnSpc>
+              <a:spcAft>
+                <a:spcPts val="0"/>
+              </a:spcAft>
+            </a:pPr>
+            <a:r>
+              <a:rPr lang="en-CA" sz="1600" dirty="0">
+                <a:solidFill>
+                  <a:schemeClr val="tx2"/>
+                </a:solidFill>
+                <a:latin typeface="Calibri" panose="020F0502020204030204" pitchFamily="34" charset="0"/>
+                <a:ea typeface="Calibri" panose="020F0502020204030204" pitchFamily="34" charset="0"/>
+                <a:cs typeface="Consolas" panose="020B0609020204030204" pitchFamily="49" charset="0"/>
               </a:rPr>
-              <a:t>    0 1 2 3 4 5 6 7 8 9 0 1 2 3 4 5 6 7 8 9 0 1 2 3 4 5 6 7 8 9 0 1</a:t>
-            </a:r>
-          </a:p>
-          <a:p>
-            <a:r>
-              <a:rPr lang="en-CA" sz="800" dirty="0">
-                <a:latin typeface="Courier" pitchFamily="2" charset="0"/>
+              <a:t> </a:t>
+            </a:r>
+          </a:p>
+          <a:p>
+            <a:pPr marL="285750" indent="-285750">
+              <a:lnSpc>
+                <a:spcPts val="2120"/>
+              </a:lnSpc>
+              <a:spcAft>
+                <a:spcPts val="0"/>
+              </a:spcAft>
+              <a:buFont typeface="Arial" panose="020B0604020202020204" pitchFamily="34" charset="0"/>
+              <a:buChar char="•"/>
+            </a:pPr>
+            <a:r>
+              <a:rPr lang="en-CA" sz="1600" dirty="0">
+                <a:solidFill>
+                  <a:schemeClr val="tx2"/>
+                </a:solidFill>
+                <a:latin typeface="Calibri" panose="020F0502020204030204" pitchFamily="34" charset="0"/>
+                <a:ea typeface="Calibri" panose="020F0502020204030204" pitchFamily="34" charset="0"/>
+                <a:cs typeface="Consolas" panose="020B0609020204030204" pitchFamily="49" charset="0"/>
               </a:rPr>
-              <a:t>    +-+-+-+-+-+-+-+-+-+-+-+-+-+-+-+-+-+-+-+-+-+-+-+-+-+-+-+-+-+-+-+-+</a:t>
-            </a:r>
-          </a:p>
-          <a:p>
-            <a:r>
-              <a:rPr lang="en-CA" sz="800" dirty="0">
-                <a:latin typeface="Courier" pitchFamily="2" charset="0"/>
+              <a:t>Indicates the address of the intended destination of the Session-Sender test packet.  </a:t>
+            </a:r>
+          </a:p>
+          <a:p>
+            <a:pPr marL="285750" indent="-285750">
+              <a:lnSpc>
+                <a:spcPts val="2120"/>
+              </a:lnSpc>
+              <a:spcAft>
+                <a:spcPts val="0"/>
+              </a:spcAft>
+              <a:buFont typeface="Arial" panose="020B0604020202020204" pitchFamily="34" charset="0"/>
+              <a:buChar char="•"/>
+            </a:pPr>
+            <a:r>
+              <a:rPr lang="en-CA" sz="1600" dirty="0">
+                <a:solidFill>
+                  <a:schemeClr val="tx2"/>
+                </a:solidFill>
+                <a:latin typeface="Calibri" panose="020F0502020204030204" pitchFamily="34" charset="0"/>
+                <a:ea typeface="Calibri" panose="020F0502020204030204" pitchFamily="34" charset="0"/>
+                <a:cs typeface="Consolas" panose="020B0609020204030204" pitchFamily="49" charset="0"/>
               </a:rPr>
-              <a:t>    |STAMP TLV Flags|  Type         |     Length                    |</a:t>
-            </a:r>
-          </a:p>
-          <a:p>
-            <a:r>
-              <a:rPr lang="en-CA" sz="800" dirty="0">
-                <a:latin typeface="Courier" pitchFamily="2" charset="0"/>
+              <a:t>The Session-Reflector that supports this TLV, </a:t>
+            </a:r>
+            <a:r>
+              <a:rPr lang="en-CA" sz="1600" b="1" dirty="0">
+                <a:solidFill>
+                  <a:schemeClr val="tx2"/>
+                </a:solidFill>
+                <a:latin typeface="Calibri" panose="020F0502020204030204" pitchFamily="34" charset="0"/>
+                <a:ea typeface="Calibri" panose="020F0502020204030204" pitchFamily="34" charset="0"/>
+                <a:cs typeface="Consolas" panose="020B0609020204030204" pitchFamily="49" charset="0"/>
               </a:rPr>
-              <a:t>    +-+-+-+-+-+-+-+-+-+-+-+-+-+-+-+-+-+-+-+-+-+-+-+-+-+-+-+-+-+-+-+-+</a:t>
-            </a:r>
-          </a:p>
-          <a:p>
-            <a:r>
-              <a:rPr lang="en-CA" sz="800" dirty="0">
-                <a:latin typeface="Courier" pitchFamily="2" charset="0"/>
+              <a:t>MUST NOT </a:t>
+            </a:r>
+            <a:r>
+              <a:rPr lang="en-CA" sz="1600" dirty="0">
+                <a:solidFill>
+                  <a:schemeClr val="tx2"/>
+                </a:solidFill>
+                <a:latin typeface="Calibri" panose="020F0502020204030204" pitchFamily="34" charset="0"/>
+                <a:ea typeface="Calibri" panose="020F0502020204030204" pitchFamily="34" charset="0"/>
+                <a:cs typeface="Consolas" panose="020B0609020204030204" pitchFamily="49" charset="0"/>
               </a:rPr>
-              <a:t>    |                    Segment(1)                                 |</a:t>
-            </a:r>
-          </a:p>
-          <a:p>
-            <a:r>
-              <a:rPr lang="en-CA" sz="800" dirty="0">
-                <a:latin typeface="Courier" pitchFamily="2" charset="0"/>
+              <a:t>send reply if it is not the intended destination of the Session-Sender test packet.</a:t>
+            </a:r>
+          </a:p>
+          <a:p>
+            <a:pPr marL="285750" indent="-285750">
+              <a:lnSpc>
+                <a:spcPts val="2120"/>
+              </a:lnSpc>
+              <a:spcAft>
+                <a:spcPts val="0"/>
+              </a:spcAft>
+              <a:buFont typeface="Arial" panose="020B0604020202020204" pitchFamily="34" charset="0"/>
+              <a:buChar char="•"/>
+            </a:pPr>
+            <a:r>
+              <a:rPr lang="en-CA" sz="1600" dirty="0">
+                <a:solidFill>
+                  <a:schemeClr val="tx2"/>
+                </a:solidFill>
+                <a:latin typeface="Calibri" panose="020F0502020204030204" pitchFamily="34" charset="0"/>
+                <a:ea typeface="Calibri" panose="020F0502020204030204" pitchFamily="34" charset="0"/>
+                <a:cs typeface="Consolas" panose="020B0609020204030204" pitchFamily="49" charset="0"/>
               </a:rPr>
-              <a:t>    .                                                               .</a:t>
-            </a:r>
-          </a:p>
-          <a:p>
-            <a:r>
-              <a:rPr lang="en-CA" sz="800" dirty="0">
-                <a:latin typeface="Courier" pitchFamily="2" charset="0"/>
-              </a:rPr>
-              <a:t>    +-+-+-+-+-+-+-+-+-+-+-+-+-+-+-+-+-+-+-+-+-+-+-+-+-+-+-+-+-+-+-+-+</a:t>
-            </a:r>
-          </a:p>
-          <a:p>
-            <a:r>
-              <a:rPr lang="en-CA" sz="800" dirty="0">
-                <a:latin typeface="Courier" pitchFamily="2" charset="0"/>
-              </a:rPr>
-              <a:t>    .                                                               .</a:t>
-            </a:r>
-          </a:p>
-          <a:p>
-            <a:r>
-              <a:rPr lang="en-CA" sz="800" dirty="0">
-                <a:latin typeface="Courier" pitchFamily="2" charset="0"/>
-              </a:rPr>
-              <a:t>    .                                                               .</a:t>
-            </a:r>
-          </a:p>
-          <a:p>
-            <a:r>
-              <a:rPr lang="en-CA" sz="800" dirty="0">
-                <a:latin typeface="Courier" pitchFamily="2" charset="0"/>
-              </a:rPr>
-              <a:t>    .                                                               .</a:t>
-            </a:r>
-          </a:p>
-          <a:p>
-            <a:r>
-              <a:rPr lang="en-CA" sz="800" dirty="0">
-                <a:latin typeface="Courier" pitchFamily="2" charset="0"/>
-              </a:rPr>
-              <a:t>    +-+-+-+-+-+-+-+-+-+-+-+-+-+-+-+-+-+-+-+-+-+-+-+-+-+-+-+-+-+-+-+-+</a:t>
-            </a:r>
-          </a:p>
-          <a:p>
-            <a:r>
-              <a:rPr lang="en-CA" sz="800" dirty="0">
-                <a:latin typeface="Courier" pitchFamily="2" charset="0"/>
-              </a:rPr>
-              <a:t>    |                    Segment(n)                                 |</a:t>
-            </a:r>
-          </a:p>
-          <a:p>
-            <a:r>
-              <a:rPr lang="en-CA" sz="800" dirty="0">
-                <a:latin typeface="Courier" pitchFamily="2" charset="0"/>
-              </a:rPr>
-              <a:t>    .                                                               .</a:t>
-            </a:r>
-          </a:p>
-          <a:p>
-            <a:r>
-              <a:rPr lang="en-CA" sz="800" dirty="0">
-                <a:latin typeface="Courier" pitchFamily="2" charset="0"/>
-              </a:rPr>
-              <a:t>    +-+-+-+-+-+-+-+-+-+-+-+-+-+-+-+-+-+-+-+-+-+-+-+-+-+-+-+-+-+-+-+-+</a:t>
-            </a:r>
-          </a:p>
-          <a:p>
-            <a:endParaRPr lang="en-CA" sz="800" dirty="0">
-              <a:latin typeface="Courier" pitchFamily="2" charset="0"/>
-            </a:endParaRPr>
-          </a:p>
-          <a:p>
-            <a:r>
-              <a:rPr lang="en-CA" sz="800" dirty="0">
-                <a:latin typeface="Courier" pitchFamily="2" charset="0"/>
-              </a:rPr>
-              <a:t>              Figure: Segment List Sub-TLV in Return Path TLV</a:t>
-            </a:r>
-            <a:endParaRPr lang="en-US" sz="800" dirty="0">
-              <a:latin typeface="Courier" pitchFamily="2" charset="0"/>
-              <a:cs typeface="Courier New" panose="02070309020205020404" pitchFamily="49" charset="0"/>
-            </a:endParaRPr>
+              <a:t>Useful when test packet is sent with 127/8 destination address (e.g. sweeping ECMP paths).</a:t>
+            </a:r>
           </a:p>
         </p:txBody>
       </p:sp>
     </p:spTree>
     <p:extLst>
       <p:ext uri="{BB962C8B-B14F-4D97-AF65-F5344CB8AC3E}">
-        <p14:creationId xmlns:p14="http://schemas.microsoft.com/office/powerpoint/2010/main" val="720098633"/>
+        <p14:creationId xmlns:p14="http://schemas.microsoft.com/office/powerpoint/2010/main" val="762066554"/>
       </p:ext>
     </p:extLst>
   </p:cSld>
@@ -6599,7 +6618,7 @@
           <p:cNvPr id="2" name="Title 1">
             <a:extLst>
               <a:ext uri="{FF2B5EF4-FFF2-40B4-BE49-F238E27FC236}">
-                <a16:creationId xmlns:a16="http://schemas.microsoft.com/office/drawing/2014/main" id="{E196D926-6462-6147-8D6F-5C80A37CA43D}"/>
+                <a16:creationId xmlns:a16="http://schemas.microsoft.com/office/drawing/2014/main" id="{9A6F4236-AC14-394A-A36C-F2BD8CED3237}"/>
               </a:ext>
             </a:extLst>
           </p:cNvPr>
@@ -6612,8 +6631,8 @@
         </p:nvSpPr>
         <p:spPr>
           <a:xfrm>
-            <a:off x="36968" y="21550"/>
-            <a:ext cx="9062545" cy="857250"/>
+            <a:off x="228600" y="-8968"/>
+            <a:ext cx="8686800" cy="857250"/>
           </a:xfrm>
         </p:spPr>
         <p:txBody>
@@ -6628,18 +6647,17 @@
                 <a:latin typeface="Calibri Light" panose="020F0302020204030204" pitchFamily="34" charset="0"/>
                 <a:cs typeface="Calibri Light" panose="020F0302020204030204" pitchFamily="34" charset="0"/>
               </a:rPr>
-              <a:t>Return Path Control Code Sub-TLV - Usage</a:t>
-            </a:r>
-            <a:endParaRPr lang="en-US" sz="3200" dirty="0"/>
-          </a:p>
-        </p:txBody>
-      </p:sp>
-      <p:sp>
-        <p:nvSpPr>
-          <p:cNvPr id="3" name="Content Placeholder 2">
+              <a:t>STAMP Return Path TLV</a:t>
+            </a:r>
+          </a:p>
+        </p:txBody>
+      </p:sp>
+      <p:sp>
+        <p:nvSpPr>
+          <p:cNvPr id="4" name="Footer Placeholder 3">
             <a:extLst>
               <a:ext uri="{FF2B5EF4-FFF2-40B4-BE49-F238E27FC236}">
-                <a16:creationId xmlns:a16="http://schemas.microsoft.com/office/drawing/2014/main" id="{FAD97578-5975-5644-B374-459176F950CB}"/>
+                <a16:creationId xmlns:a16="http://schemas.microsoft.com/office/drawing/2014/main" id="{643D160E-CC3C-EB46-A6F1-43B8E2996F46}"/>
               </a:ext>
             </a:extLst>
           </p:cNvPr>
@@ -6647,110 +6665,12 @@
             <a:spLocks noGrp="1"/>
           </p:cNvSpPr>
           <p:nvPr>
-            <p:ph idx="1"/>
+            <p:ph type="ftr" sz="quarter" idx="11"/>
           </p:nvPr>
         </p:nvSpPr>
         <p:spPr>
           <a:xfrm>
-            <a:off x="457200" y="889870"/>
-            <a:ext cx="8229600" cy="3723638"/>
-          </a:xfrm>
-        </p:spPr>
-        <p:txBody>
-          <a:bodyPr/>
-          <a:lstStyle/>
-          <a:p>
-            <a:r>
-              <a:rPr lang="en-US" sz="1600" dirty="0"/>
-              <a:t>In-band Reply:</a:t>
-            </a:r>
-          </a:p>
-          <a:p>
-            <a:pPr lvl="1"/>
-            <a:r>
-              <a:rPr lang="en-US" sz="1600" dirty="0"/>
-              <a:t>For link delay measurement</a:t>
-            </a:r>
-          </a:p>
-          <a:p>
-            <a:pPr lvl="2"/>
-            <a:r>
-              <a:rPr lang="en-US" sz="1600" dirty="0"/>
-              <a:t>Session-Reflector sends test packet in-band on the same incoming link in the reverse direction</a:t>
-            </a:r>
-          </a:p>
-          <a:p>
-            <a:pPr lvl="2"/>
-            <a:r>
-              <a:rPr lang="en-US" sz="1600" dirty="0"/>
-              <a:t>Link can be Virtual, LAG or LAG member</a:t>
-            </a:r>
-          </a:p>
-          <a:p>
-            <a:pPr lvl="1"/>
-            <a:r>
-              <a:rPr lang="en-US" sz="1600" dirty="0"/>
-              <a:t>Avoid maintaining each test session (session id, source-address) on Session-Reflector</a:t>
-            </a:r>
-          </a:p>
-          <a:p>
-            <a:pPr lvl="2"/>
-            <a:r>
-              <a:rPr lang="en-US" sz="1600" dirty="0"/>
-              <a:t>Stateless mode of STAMP Session-Reflector as defined in RFC 8762</a:t>
-            </a:r>
-          </a:p>
-          <a:p>
-            <a:r>
-              <a:rPr lang="en-US" sz="1600" dirty="0"/>
-              <a:t>No Reply:</a:t>
-            </a:r>
-          </a:p>
-          <a:p>
-            <a:pPr lvl="1"/>
-            <a:r>
-              <a:rPr lang="en-CA" sz="1600" dirty="0"/>
-              <a:t>The Session-Reflector does not transmit test packet back to the Session-Sender and terminates the test packet</a:t>
-            </a:r>
-          </a:p>
-          <a:p>
-            <a:pPr lvl="1"/>
-            <a:r>
-              <a:rPr lang="en-CA" sz="1600" dirty="0"/>
-              <a:t>Optionally, the Session-Reflector sends performance metrics via streaming telemetry using the information from the received test packet</a:t>
-            </a:r>
-          </a:p>
-          <a:p>
-            <a:pPr lvl="1"/>
-            <a:endParaRPr lang="en-US" sz="1600" dirty="0"/>
-          </a:p>
-          <a:p>
-            <a:pPr marL="457200" lvl="1" indent="0">
-              <a:buNone/>
-            </a:pPr>
-            <a:endParaRPr lang="en-US" sz="1600" dirty="0"/>
-          </a:p>
-        </p:txBody>
-      </p:sp>
-      <p:sp>
-        <p:nvSpPr>
-          <p:cNvPr id="4" name="Footer Placeholder 3">
-            <a:extLst>
-              <a:ext uri="{FF2B5EF4-FFF2-40B4-BE49-F238E27FC236}">
-                <a16:creationId xmlns:a16="http://schemas.microsoft.com/office/drawing/2014/main" id="{ED92B1FC-C461-8C49-AF5F-4F33A15BFAA9}"/>
-              </a:ext>
-            </a:extLst>
-          </p:cNvPr>
-          <p:cNvSpPr>
-            <a:spLocks noGrp="1"/>
-          </p:cNvSpPr>
-          <p:nvPr>
-            <p:ph type="ftr" sz="quarter" idx="11"/>
-          </p:nvPr>
-        </p:nvSpPr>
-        <p:spPr>
-          <a:xfrm>
-            <a:off x="3124200" y="4786312"/>
+            <a:off x="3124200" y="4805362"/>
             <a:ext cx="2895600" cy="357188"/>
           </a:xfrm>
         </p:spPr>
@@ -6758,19 +6678,16 @@
           <a:bodyPr/>
           <a:lstStyle/>
           <a:p>
-            <a:pPr>
-              <a:defRPr/>
-            </a:pPr>
-            <a:r>
-              <a:rPr lang="en-US" altLang="zh-CN" dirty="0"/>
+            <a:r>
+              <a:rPr lang="en-CA" dirty="0"/>
               <a:t>110</a:t>
             </a:r>
             <a:r>
-              <a:rPr lang="en-US" altLang="zh-CN" baseline="30000" dirty="0"/>
+              <a:rPr lang="en-CA" baseline="30000" dirty="0"/>
               <a:t>th</a:t>
             </a:r>
             <a:r>
-              <a:rPr lang="en-US" altLang="zh-CN" dirty="0"/>
+              <a:rPr lang="en-CA" dirty="0"/>
               <a:t> IETF Online</a:t>
             </a:r>
           </a:p>
@@ -6781,7 +6698,7 @@
           <p:cNvPr id="5" name="Slide Number Placeholder 4">
             <a:extLst>
               <a:ext uri="{FF2B5EF4-FFF2-40B4-BE49-F238E27FC236}">
-                <a16:creationId xmlns:a16="http://schemas.microsoft.com/office/drawing/2014/main" id="{BAF4415C-5D53-634A-99AA-27A073C5C9EA}"/>
+                <a16:creationId xmlns:a16="http://schemas.microsoft.com/office/drawing/2014/main" id="{A8B868AE-B105-7547-A646-14FCDF91C2DD}"/>
               </a:ext>
             </a:extLst>
           </p:cNvPr>
@@ -6811,10 +6728,488 @@
           </a:p>
         </p:txBody>
       </p:sp>
+      <p:sp>
+        <p:nvSpPr>
+          <p:cNvPr id="7" name="Rectangle 6">
+            <a:extLst>
+              <a:ext uri="{FF2B5EF4-FFF2-40B4-BE49-F238E27FC236}">
+                <a16:creationId xmlns:a16="http://schemas.microsoft.com/office/drawing/2014/main" id="{AA6E66CA-28BC-2C4A-BC04-4600D8FEBF3B}"/>
+              </a:ext>
+            </a:extLst>
+          </p:cNvPr>
+          <p:cNvSpPr/>
+          <p:nvPr/>
+        </p:nvSpPr>
+        <p:spPr>
+          <a:xfrm>
+            <a:off x="4343400" y="837063"/>
+            <a:ext cx="4419600" cy="1323439"/>
+          </a:xfrm>
+          <a:prstGeom prst="rect">
+            <a:avLst/>
+          </a:prstGeom>
+          <a:solidFill>
+            <a:schemeClr val="accent6">
+              <a:lumMod val="20000"/>
+              <a:lumOff val="80000"/>
+            </a:schemeClr>
+          </a:solidFill>
+        </p:spPr>
+        <p:txBody>
+          <a:bodyPr wrap="square">
+            <a:spAutoFit/>
+          </a:bodyPr>
+          <a:lstStyle/>
+          <a:p>
+            <a:r>
+              <a:rPr lang="en-CA" sz="800" dirty="0">
+                <a:latin typeface="Courier" pitchFamily="2" charset="0"/>
+              </a:rPr>
+              <a:t>    0                   1                   2                   3</a:t>
+            </a:r>
+          </a:p>
+          <a:p>
+            <a:r>
+              <a:rPr lang="en-CA" sz="800" dirty="0">
+                <a:latin typeface="Courier" pitchFamily="2" charset="0"/>
+              </a:rPr>
+              <a:t>    0 1 2 3 4 5 6 7 8 9 0 1 2 3 4 5 6 7 8 9 0 1 2 3 4 5 6 7 8 9 0 1</a:t>
+            </a:r>
+          </a:p>
+          <a:p>
+            <a:r>
+              <a:rPr lang="en-CA" sz="800" dirty="0">
+                <a:latin typeface="Courier" pitchFamily="2" charset="0"/>
+              </a:rPr>
+              <a:t>    +-+-+-+-+-+-+-+-+-+-+-+-+-+-+-+-+-+-+-+-+-+-+-+-+-+-+-+-+-+-+-+-+</a:t>
+            </a:r>
+          </a:p>
+          <a:p>
+            <a:r>
+              <a:rPr lang="en-CA" sz="800" dirty="0">
+                <a:latin typeface="Courier" pitchFamily="2" charset="0"/>
+              </a:rPr>
+              <a:t>    |STAMP TLV Flags|  Type = TBA2  |     Length                    |</a:t>
+            </a:r>
+          </a:p>
+          <a:p>
+            <a:r>
+              <a:rPr lang="en-CA" sz="800" dirty="0">
+                <a:latin typeface="Courier" pitchFamily="2" charset="0"/>
+              </a:rPr>
+              <a:t>    +-+-+-+-+-+-+-+-+-+-+-+-+-+-+-+-+-+-+-+-+-+-+-+-+-+-+-+-+-+-+-+-+</a:t>
+            </a:r>
+          </a:p>
+          <a:p>
+            <a:r>
+              <a:rPr lang="en-CA" sz="800" dirty="0">
+                <a:latin typeface="Courier" pitchFamily="2" charset="0"/>
+              </a:rPr>
+              <a:t>    |                    Return Path Sub-TLVs                       |</a:t>
+            </a:r>
+          </a:p>
+          <a:p>
+            <a:r>
+              <a:rPr lang="en-CA" sz="800" dirty="0">
+                <a:latin typeface="Courier" pitchFamily="2" charset="0"/>
+              </a:rPr>
+              <a:t>    .                                                               .</a:t>
+            </a:r>
+          </a:p>
+          <a:p>
+            <a:r>
+              <a:rPr lang="en-CA" sz="800" dirty="0">
+                <a:latin typeface="Courier" pitchFamily="2" charset="0"/>
+              </a:rPr>
+              <a:t>    +-+-+-+-+-+-+-+-+-+-+-+-+-+-+-+-+-+-+-+-+-+-+-+-+-+-+-+-+-+-+-+-+</a:t>
+            </a:r>
+          </a:p>
+          <a:p>
+            <a:endParaRPr lang="en-CA" sz="800" dirty="0">
+              <a:latin typeface="Courier" pitchFamily="2" charset="0"/>
+            </a:endParaRPr>
+          </a:p>
+          <a:p>
+            <a:r>
+              <a:rPr lang="en-CA" sz="800" dirty="0">
+                <a:latin typeface="Courier" pitchFamily="2" charset="0"/>
+              </a:rPr>
+              <a:t>                         Figure: Return Path TLV</a:t>
+            </a:r>
+          </a:p>
+        </p:txBody>
+      </p:sp>
+      <p:sp>
+        <p:nvSpPr>
+          <p:cNvPr id="6" name="Content Placeholder 2">
+            <a:extLst>
+              <a:ext uri="{FF2B5EF4-FFF2-40B4-BE49-F238E27FC236}">
+                <a16:creationId xmlns:a16="http://schemas.microsoft.com/office/drawing/2014/main" id="{23AC919A-376F-2044-ADF3-0CCFB1FD964A}"/>
+              </a:ext>
+            </a:extLst>
+          </p:cNvPr>
+          <p:cNvSpPr>
+            <a:spLocks noGrp="1"/>
+          </p:cNvSpPr>
+          <p:nvPr>
+            <p:ph idx="1"/>
+          </p:nvPr>
+        </p:nvSpPr>
+        <p:spPr>
+          <a:xfrm>
+            <a:off x="228600" y="819150"/>
+            <a:ext cx="3962400" cy="3986212"/>
+          </a:xfrm>
+        </p:spPr>
+        <p:txBody>
+          <a:bodyPr/>
+          <a:lstStyle/>
+          <a:p>
+            <a:pPr marL="0" indent="0">
+              <a:spcBef>
+                <a:spcPts val="600"/>
+              </a:spcBef>
+              <a:buNone/>
+            </a:pPr>
+            <a:r>
+              <a:rPr lang="en-CA" sz="1200" b="1" dirty="0">
+                <a:latin typeface="Calibri" panose="020F0502020204030204" pitchFamily="34" charset="0"/>
+                <a:ea typeface="Calibri" panose="020F0502020204030204" pitchFamily="34" charset="0"/>
+                <a:cs typeface="Consolas" panose="020B0609020204030204" pitchFamily="49" charset="0"/>
+              </a:rPr>
+              <a:t>Return Path TLV (value TBA2) to carry one Sub-TLV for return path:</a:t>
+            </a:r>
+            <a:endParaRPr lang="en-CA" sz="1200" b="1" dirty="0"/>
+          </a:p>
+          <a:p>
+            <a:pPr marL="0" indent="0">
+              <a:spcBef>
+                <a:spcPts val="600"/>
+              </a:spcBef>
+              <a:buNone/>
+            </a:pPr>
+            <a:r>
+              <a:rPr lang="en-CA" sz="1200" dirty="0"/>
+              <a:t>Sub-TLVs Types:</a:t>
+            </a:r>
+          </a:p>
+          <a:p>
+            <a:pPr>
+              <a:spcBef>
+                <a:spcPts val="600"/>
+              </a:spcBef>
+            </a:pPr>
+            <a:r>
+              <a:rPr lang="en-CA" sz="1200" dirty="0"/>
+              <a:t>Type (value 1): Return Path Control Code. Reply test packet based on the control code flags.</a:t>
+            </a:r>
+          </a:p>
+          <a:p>
+            <a:pPr lvl="1"/>
+            <a:r>
+              <a:rPr lang="en-US" sz="1200" dirty="0">
+                <a:latin typeface="Calibri" panose="020F0502020204030204" pitchFamily="34" charset="0"/>
+                <a:cs typeface="Calibri" panose="020F0502020204030204" pitchFamily="34" charset="0"/>
+              </a:rPr>
+              <a:t>0x0: No Reply Requested.</a:t>
+            </a:r>
+          </a:p>
+          <a:p>
+            <a:pPr lvl="1"/>
+            <a:r>
+              <a:rPr lang="en-US" sz="1200" dirty="0">
+                <a:latin typeface="Calibri" panose="020F0502020204030204" pitchFamily="34" charset="0"/>
+                <a:cs typeface="Calibri" panose="020F0502020204030204" pitchFamily="34" charset="0"/>
+              </a:rPr>
+              <a:t>0x1: In-band Reply Requested.  </a:t>
+            </a:r>
+            <a:endParaRPr lang="en-CA" sz="1200" dirty="0"/>
+          </a:p>
+          <a:p>
+            <a:pPr>
+              <a:spcBef>
+                <a:spcPts val="600"/>
+              </a:spcBef>
+            </a:pPr>
+            <a:r>
+              <a:rPr lang="en-CA" sz="1200" dirty="0"/>
+              <a:t>Type (value 2): Return Address. Destination address for the reply; different than the Source Address in the Session-Sender test packet</a:t>
+            </a:r>
+          </a:p>
+          <a:p>
+            <a:pPr>
+              <a:spcBef>
+                <a:spcPts val="600"/>
+              </a:spcBef>
+            </a:pPr>
+            <a:r>
+              <a:rPr lang="en-CA" sz="1200" dirty="0"/>
+              <a:t>Type (value 3): SR-MPLS Label Stack of the Return SR Path</a:t>
+            </a:r>
+          </a:p>
+          <a:p>
+            <a:pPr>
+              <a:spcBef>
+                <a:spcPts val="600"/>
+              </a:spcBef>
+            </a:pPr>
+            <a:r>
+              <a:rPr lang="en-CA" sz="1200" dirty="0"/>
+              <a:t>Type (value 4): SR-MPLS Binding SID [draft-</a:t>
+            </a:r>
+            <a:r>
+              <a:rPr lang="en-CA" sz="1200" dirty="0" err="1"/>
+              <a:t>ietf</a:t>
+            </a:r>
+            <a:r>
+              <a:rPr lang="en-CA" sz="1200" dirty="0"/>
+              <a:t>-</a:t>
+            </a:r>
+            <a:r>
+              <a:rPr lang="en-CA" sz="1200" dirty="0" err="1"/>
+              <a:t>pce</a:t>
+            </a:r>
+            <a:r>
+              <a:rPr lang="en-CA" sz="1200" dirty="0"/>
+              <a:t>-binding-label-</a:t>
+            </a:r>
+            <a:r>
+              <a:rPr lang="en-CA" sz="1200" dirty="0" err="1"/>
+              <a:t>sid</a:t>
+            </a:r>
+            <a:r>
+              <a:rPr lang="en-CA" sz="1200" dirty="0"/>
+              <a:t>] of the Return SR Policy</a:t>
+            </a:r>
+          </a:p>
+          <a:p>
+            <a:pPr>
+              <a:spcBef>
+                <a:spcPts val="600"/>
+              </a:spcBef>
+            </a:pPr>
+            <a:r>
+              <a:rPr lang="en-CA" sz="1200" dirty="0"/>
+              <a:t>Type (value 5): SRv6 Segment List of the Return SR Path</a:t>
+            </a:r>
+          </a:p>
+          <a:p>
+            <a:pPr>
+              <a:spcBef>
+                <a:spcPts val="600"/>
+              </a:spcBef>
+            </a:pPr>
+            <a:r>
+              <a:rPr lang="en-CA" sz="1200" dirty="0"/>
+              <a:t>Type (value 6): SRv6 Binding SID [draft-</a:t>
+            </a:r>
+            <a:r>
+              <a:rPr lang="en-CA" sz="1200" dirty="0" err="1"/>
+              <a:t>ietf</a:t>
+            </a:r>
+            <a:r>
+              <a:rPr lang="en-CA" sz="1200" dirty="0"/>
+              <a:t>-</a:t>
+            </a:r>
+            <a:r>
+              <a:rPr lang="en-CA" sz="1200" dirty="0" err="1"/>
+              <a:t>pce</a:t>
+            </a:r>
+            <a:r>
+              <a:rPr lang="en-CA" sz="1200" dirty="0"/>
+              <a:t>-binding-label-</a:t>
+            </a:r>
+            <a:r>
+              <a:rPr lang="en-CA" sz="1200" dirty="0" err="1"/>
+              <a:t>sid</a:t>
+            </a:r>
+            <a:r>
+              <a:rPr lang="en-CA" sz="1200" dirty="0"/>
+              <a:t>] of the Return SR Policy</a:t>
+            </a:r>
+            <a:endParaRPr lang="en-US" sz="1200" dirty="0">
+              <a:latin typeface="Calibri" charset="0"/>
+              <a:ea typeface="Calibri" charset="0"/>
+              <a:cs typeface="Calibri" charset="0"/>
+            </a:endParaRPr>
+          </a:p>
+        </p:txBody>
+      </p:sp>
+      <p:sp>
+        <p:nvSpPr>
+          <p:cNvPr id="9" name="Rectangle 8">
+            <a:extLst>
+              <a:ext uri="{FF2B5EF4-FFF2-40B4-BE49-F238E27FC236}">
+                <a16:creationId xmlns:a16="http://schemas.microsoft.com/office/drawing/2014/main" id="{B04D7E52-9ADA-114D-877F-E1C7CA482275}"/>
+              </a:ext>
+            </a:extLst>
+          </p:cNvPr>
+          <p:cNvSpPr/>
+          <p:nvPr/>
+        </p:nvSpPr>
+        <p:spPr>
+          <a:xfrm>
+            <a:off x="4343400" y="2385355"/>
+            <a:ext cx="4419600" cy="2185214"/>
+          </a:xfrm>
+          <a:prstGeom prst="rect">
+            <a:avLst/>
+          </a:prstGeom>
+          <a:solidFill>
+            <a:schemeClr val="accent6">
+              <a:lumMod val="20000"/>
+              <a:lumOff val="80000"/>
+            </a:schemeClr>
+          </a:solidFill>
+        </p:spPr>
+        <p:txBody>
+          <a:bodyPr wrap="square">
+            <a:spAutoFit/>
+          </a:bodyPr>
+          <a:lstStyle/>
+          <a:p>
+            <a:r>
+              <a:rPr lang="en-CA" sz="800" dirty="0">
+                <a:latin typeface="Courier" pitchFamily="2" charset="0"/>
+              </a:rPr>
+              <a:t>    0                   1                   2                   3</a:t>
+            </a:r>
+          </a:p>
+          <a:p>
+            <a:r>
+              <a:rPr lang="en-CA" sz="800" dirty="0">
+                <a:latin typeface="Courier" pitchFamily="2" charset="0"/>
+              </a:rPr>
+              <a:t>    0 1 2 3 4 5 6 7 8 9 0 1 2 3 4 5 6 7 8 9 0 1 2 3 4 5 6 7 8 9 0 1</a:t>
+            </a:r>
+          </a:p>
+          <a:p>
+            <a:r>
+              <a:rPr lang="en-CA" sz="800" dirty="0">
+                <a:latin typeface="Courier" pitchFamily="2" charset="0"/>
+              </a:rPr>
+              <a:t>    +-+-+-+-+-+-+-+-+-+-+-+-+-+-+-+-+-+-+-+-+-+-+-+-+-+-+-+-+-+-+-+-+</a:t>
+            </a:r>
+          </a:p>
+          <a:p>
+            <a:r>
+              <a:rPr lang="en-CA" sz="800" dirty="0">
+                <a:latin typeface="Courier" pitchFamily="2" charset="0"/>
+              </a:rPr>
+              <a:t>    |STAMP TLV Flags|  Type         |     Length                    |</a:t>
+            </a:r>
+          </a:p>
+          <a:p>
+            <a:r>
+              <a:rPr lang="en-CA" sz="800" dirty="0">
+                <a:latin typeface="Courier" pitchFamily="2" charset="0"/>
+              </a:rPr>
+              <a:t>    +-+-+-+-+-+-+-+-+-+-+-+-+-+-+-+-+-+-+-+-+-+-+-+-+-+-+-+-+-+-+-+-+</a:t>
+            </a:r>
+          </a:p>
+          <a:p>
+            <a:r>
+              <a:rPr lang="en-CA" sz="800" dirty="0">
+                <a:latin typeface="Courier" pitchFamily="2" charset="0"/>
+              </a:rPr>
+              <a:t>    |                    Segment(1)                                 |</a:t>
+            </a:r>
+          </a:p>
+          <a:p>
+            <a:r>
+              <a:rPr lang="en-CA" sz="800" dirty="0">
+                <a:latin typeface="Courier" pitchFamily="2" charset="0"/>
+              </a:rPr>
+              <a:t>    .                                                               .</a:t>
+            </a:r>
+          </a:p>
+          <a:p>
+            <a:r>
+              <a:rPr lang="en-CA" sz="800" dirty="0">
+                <a:latin typeface="Courier" pitchFamily="2" charset="0"/>
+              </a:rPr>
+              <a:t>    +-+-+-+-+-+-+-+-+-+-+-+-+-+-+-+-+-+-+-+-+-+-+-+-+-+-+-+-+-+-+-+-+</a:t>
+            </a:r>
+          </a:p>
+          <a:p>
+            <a:r>
+              <a:rPr lang="en-CA" sz="800" dirty="0">
+                <a:latin typeface="Courier" pitchFamily="2" charset="0"/>
+              </a:rPr>
+              <a:t>    .                                                               .</a:t>
+            </a:r>
+          </a:p>
+          <a:p>
+            <a:r>
+              <a:rPr lang="en-CA" sz="800" dirty="0">
+                <a:latin typeface="Courier" pitchFamily="2" charset="0"/>
+              </a:rPr>
+              <a:t>    .                                                               .</a:t>
+            </a:r>
+          </a:p>
+          <a:p>
+            <a:r>
+              <a:rPr lang="en-CA" sz="800" dirty="0">
+                <a:latin typeface="Courier" pitchFamily="2" charset="0"/>
+              </a:rPr>
+              <a:t>    .                                                               .</a:t>
+            </a:r>
+          </a:p>
+          <a:p>
+            <a:r>
+              <a:rPr lang="en-CA" sz="800" dirty="0">
+                <a:latin typeface="Courier" pitchFamily="2" charset="0"/>
+              </a:rPr>
+              <a:t>    +-+-+-+-+-+-+-+-+-+-+-+-+-+-+-+-+-+-+-+-+-+-+-+-+-+-+-+-+-+-+-+-+</a:t>
+            </a:r>
+          </a:p>
+          <a:p>
+            <a:r>
+              <a:rPr lang="en-CA" sz="800" dirty="0">
+                <a:latin typeface="Courier" pitchFamily="2" charset="0"/>
+              </a:rPr>
+              <a:t>    |                    Segment(n)                                 |</a:t>
+            </a:r>
+          </a:p>
+          <a:p>
+            <a:r>
+              <a:rPr lang="en-CA" sz="800" dirty="0">
+                <a:latin typeface="Courier" pitchFamily="2" charset="0"/>
+              </a:rPr>
+              <a:t>    .                                                               .</a:t>
+            </a:r>
+          </a:p>
+          <a:p>
+            <a:r>
+              <a:rPr lang="en-CA" sz="800" dirty="0">
+                <a:latin typeface="Courier" pitchFamily="2" charset="0"/>
+              </a:rPr>
+              <a:t>    +-+-+-+-+-+-+-+-+-+-+-+-+-+-+-+-+-+-+-+-+-+-+-+-+-+-+-+-+-+-+-+-+</a:t>
+            </a:r>
+          </a:p>
+          <a:p>
+            <a:endParaRPr lang="en-CA" sz="800" dirty="0">
+              <a:latin typeface="Courier" pitchFamily="2" charset="0"/>
+            </a:endParaRPr>
+          </a:p>
+          <a:p>
+            <a:r>
+              <a:rPr lang="en-CA" sz="800" dirty="0">
+                <a:latin typeface="Courier" pitchFamily="2" charset="0"/>
+              </a:rPr>
+              <a:t>              Figure: Segment List Sub-TLV in Return Path TLV</a:t>
+            </a:r>
+            <a:endParaRPr lang="en-US" sz="800" dirty="0">
+              <a:latin typeface="Courier" pitchFamily="2" charset="0"/>
+              <a:cs typeface="Courier New" panose="02070309020205020404" pitchFamily="49" charset="0"/>
+            </a:endParaRPr>
+          </a:p>
+        </p:txBody>
+      </p:sp>
     </p:spTree>
     <p:extLst>
       <p:ext uri="{BB962C8B-B14F-4D97-AF65-F5344CB8AC3E}">
-        <p14:creationId xmlns:p14="http://schemas.microsoft.com/office/powerpoint/2010/main" val="2395505690"/>
+        <p14:creationId xmlns:p14="http://schemas.microsoft.com/office/powerpoint/2010/main" val="720098633"/>
       </p:ext>
     </p:extLst>
   </p:cSld>
@@ -6859,7 +7254,7 @@
         </p:nvSpPr>
         <p:spPr>
           <a:xfrm>
-            <a:off x="5254" y="103031"/>
+            <a:off x="36968" y="21550"/>
             <a:ext cx="9062545" cy="857250"/>
           </a:xfrm>
         </p:spPr>
@@ -6875,7 +7270,7 @@
                 <a:latin typeface="Calibri Light" panose="020F0302020204030204" pitchFamily="34" charset="0"/>
                 <a:cs typeface="Calibri Light" panose="020F0302020204030204" pitchFamily="34" charset="0"/>
               </a:rPr>
-              <a:t>Return Address Sub-TLV - Usage</a:t>
+              <a:t>Return Path Control Code Sub-TLV - Usage</a:t>
             </a:r>
             <a:endParaRPr lang="en-US" sz="3200" dirty="0"/>
           </a:p>
@@ -6899,8 +7294,8 @@
         </p:nvSpPr>
         <p:spPr>
           <a:xfrm>
-            <a:off x="533400" y="1123950"/>
-            <a:ext cx="8077200" cy="3025101"/>
+            <a:off x="457200" y="889870"/>
+            <a:ext cx="8229600" cy="3723638"/>
           </a:xfrm>
         </p:spPr>
         <p:txBody>
@@ -6908,22 +7303,74 @@
           <a:lstStyle/>
           <a:p>
             <a:r>
-              <a:rPr lang="en-CA" sz="2000" dirty="0"/>
-              <a:t>The STAMP reply test packet may be transmitted to a different node than the Session-Sender </a:t>
+              <a:rPr lang="en-US" sz="1600" dirty="0"/>
+              <a:t>In-band Reply:</a:t>
             </a:r>
           </a:p>
           <a:p>
             <a:pPr lvl="1"/>
             <a:r>
-              <a:rPr lang="en-CA" sz="2000" dirty="0"/>
-              <a:t>e.g. to a controller for telemetry use-cases. </a:t>
-            </a:r>
-          </a:p>
-          <a:p>
-            <a:r>
-              <a:rPr lang="en-CA" sz="2000" dirty="0"/>
-              <a:t>For this, the Session-Sender can specify in the test packet the receiving destination address for the Session-Reflector reply test packet.</a:t>
-            </a:r>
+              <a:rPr lang="en-US" sz="1600" dirty="0"/>
+              <a:t>For link delay measurement</a:t>
+            </a:r>
+          </a:p>
+          <a:p>
+            <a:pPr lvl="2"/>
+            <a:r>
+              <a:rPr lang="en-US" sz="1600" dirty="0"/>
+              <a:t>Session-Reflector sends test packet in-band on the same incoming link in the reverse direction</a:t>
+            </a:r>
+          </a:p>
+          <a:p>
+            <a:pPr lvl="2"/>
+            <a:r>
+              <a:rPr lang="en-US" sz="1600" dirty="0"/>
+              <a:t>Link can be Virtual, LAG or LAG member</a:t>
+            </a:r>
+          </a:p>
+          <a:p>
+            <a:pPr lvl="1"/>
+            <a:r>
+              <a:rPr lang="en-US" sz="1600" dirty="0"/>
+              <a:t>Avoid maintaining each test session (session id, source-address) on Session-Reflector</a:t>
+            </a:r>
+          </a:p>
+          <a:p>
+            <a:pPr lvl="2"/>
+            <a:r>
+              <a:rPr lang="en-US" sz="1600" dirty="0"/>
+              <a:t>Stateless mode of STAMP Session-Reflector as defined in RFC 8762</a:t>
+            </a:r>
+          </a:p>
+          <a:p>
+            <a:r>
+              <a:rPr lang="en-US" sz="1600" dirty="0"/>
+              <a:t>No Reply:</a:t>
+            </a:r>
+          </a:p>
+          <a:p>
+            <a:pPr lvl="1"/>
+            <a:r>
+              <a:rPr lang="en-CA" sz="1600" dirty="0"/>
+              <a:t>The Session-Reflector does not transmit test packet back to the Session-Sender and terminates the test packet</a:t>
+            </a:r>
+          </a:p>
+          <a:p>
+            <a:pPr lvl="1"/>
+            <a:r>
+              <a:rPr lang="en-CA" sz="1600" dirty="0"/>
+              <a:t>Optionally, the Session-Reflector sends performance metrics via streaming telemetry using the information from the received test packet</a:t>
+            </a:r>
+          </a:p>
+          <a:p>
+            <a:pPr lvl="1"/>
+            <a:endParaRPr lang="en-US" sz="1600" dirty="0"/>
+          </a:p>
+          <a:p>
+            <a:pPr marL="457200" lvl="1" indent="0">
+              <a:buNone/>
+            </a:pPr>
+            <a:endParaRPr lang="en-US" sz="1600" dirty="0"/>
           </a:p>
         </p:txBody>
       </p:sp>
@@ -7009,7 +7456,7 @@
     </p:spTree>
     <p:extLst>
       <p:ext uri="{BB962C8B-B14F-4D97-AF65-F5344CB8AC3E}">
-        <p14:creationId xmlns:p14="http://schemas.microsoft.com/office/powerpoint/2010/main" val="448857647"/>
+        <p14:creationId xmlns:p14="http://schemas.microsoft.com/office/powerpoint/2010/main" val="2395505690"/>
       </p:ext>
     </p:extLst>
   </p:cSld>
@@ -7054,8 +7501,8 @@
         </p:nvSpPr>
         <p:spPr>
           <a:xfrm>
-            <a:off x="228600" y="102393"/>
-            <a:ext cx="8610600" cy="857250"/>
+            <a:off x="5254" y="103031"/>
+            <a:ext cx="9062545" cy="857250"/>
           </a:xfrm>
         </p:spPr>
         <p:txBody>
@@ -7070,7 +7517,7 @@
                 <a:latin typeface="Calibri Light" panose="020F0302020204030204" pitchFamily="34" charset="0"/>
                 <a:cs typeface="Calibri Light" panose="020F0302020204030204" pitchFamily="34" charset="0"/>
               </a:rPr>
-              <a:t>Return Path Segment List Sub-TLVs - Usage</a:t>
+              <a:t>Return Address Sub-TLV - Usage</a:t>
             </a:r>
             <a:endParaRPr lang="en-US" sz="3200" dirty="0"/>
           </a:p>
@@ -7094,8 +7541,8 @@
         </p:nvSpPr>
         <p:spPr>
           <a:xfrm>
-            <a:off x="533400" y="1047750"/>
-            <a:ext cx="8077200" cy="3230165"/>
+            <a:off x="533400" y="1123950"/>
+            <a:ext cx="8077200" cy="3025101"/>
           </a:xfrm>
         </p:spPr>
         <p:txBody>
@@ -7103,44 +7550,22 @@
           <a:lstStyle/>
           <a:p>
             <a:r>
-              <a:rPr lang="en-US" sz="1600" dirty="0"/>
-              <a:t>For SR path, reply test packet may need to be sent in-band on a specific return SR path</a:t>
-            </a:r>
-          </a:p>
-          <a:p>
-            <a:r>
-              <a:rPr lang="en-US" sz="1600" dirty="0"/>
-              <a:t>For bidirectional SR path - dynamically computed forward and reverse paths using CSPF by the head-end node</a:t>
+              <a:rPr lang="en-CA" sz="2000" dirty="0"/>
+              <a:t>The STAMP reply test packet may be transmitted to a different node than the Session-Sender </a:t>
             </a:r>
           </a:p>
           <a:p>
             <a:pPr lvl="1"/>
             <a:r>
-              <a:rPr lang="en-US" sz="1600" dirty="0"/>
-              <a:t>Path can change often based on topology change, link/node failure in the network, etc.</a:t>
-            </a:r>
-          </a:p>
-          <a:p>
-            <a:r>
-              <a:rPr lang="en-US" sz="1600" dirty="0"/>
-              <a:t>No signaling in SR (PCE can be used)</a:t>
-            </a:r>
-          </a:p>
-          <a:p>
-            <a:r>
-              <a:rPr lang="en-US" sz="1600" dirty="0"/>
-              <a:t>Avoid signaling and maintaining dynamic state on Session-Reflector the return path for each test session (each session-id, source-address) </a:t>
-            </a:r>
-          </a:p>
-          <a:p>
-            <a:pPr lvl="1"/>
-            <a:r>
-              <a:rPr lang="en-US" sz="1600" dirty="0"/>
-              <a:t>Order of 10K SR Policy (that can have active and standby candidate-path and each can have multiple segment-lists)</a:t>
-            </a:r>
-          </a:p>
-          <a:p>
-            <a:endParaRPr lang="en-US" sz="1600" dirty="0"/>
+              <a:rPr lang="en-CA" sz="2000" dirty="0"/>
+              <a:t>e.g. to a controller for telemetry use-cases. </a:t>
+            </a:r>
+          </a:p>
+          <a:p>
+            <a:r>
+              <a:rPr lang="en-CA" sz="2000" dirty="0"/>
+              <a:t>For this, the Session-Sender can specify in the test packet the receiving destination address for the Session-Reflector reply test packet.</a:t>
+            </a:r>
           </a:p>
         </p:txBody>
       </p:sp>
@@ -7219,14 +7644,14 @@
               </a:pPr>
               <a:t>8</a:t>
             </a:fld>
-            <a:endParaRPr lang="en-US" altLang="zh-CN" dirty="0"/>
+            <a:endParaRPr lang="en-US" altLang="zh-CN"/>
           </a:p>
         </p:txBody>
       </p:sp>
     </p:spTree>
     <p:extLst>
       <p:ext uri="{BB962C8B-B14F-4D97-AF65-F5344CB8AC3E}">
-        <p14:creationId xmlns:p14="http://schemas.microsoft.com/office/powerpoint/2010/main" val="2937341344"/>
+        <p14:creationId xmlns:p14="http://schemas.microsoft.com/office/powerpoint/2010/main" val="448857647"/>
       </p:ext>
     </p:extLst>
   </p:cSld>
@@ -7255,7 +7680,13 @@
       </p:grpSpPr>
       <p:sp>
         <p:nvSpPr>
-          <p:cNvPr id="2" name="Title 1"/>
+          <p:cNvPr id="2" name="Title 1">
+            <a:extLst>
+              <a:ext uri="{FF2B5EF4-FFF2-40B4-BE49-F238E27FC236}">
+                <a16:creationId xmlns:a16="http://schemas.microsoft.com/office/drawing/2014/main" id="{E196D926-6462-6147-8D6F-5C80A37CA43D}"/>
+              </a:ext>
+            </a:extLst>
+          </p:cNvPr>
           <p:cNvSpPr>
             <a:spLocks noGrp="1"/>
           </p:cNvSpPr>
@@ -7265,8 +7696,8 @@
         </p:nvSpPr>
         <p:spPr>
           <a:xfrm>
-            <a:off x="457200" y="0"/>
-            <a:ext cx="8229600" cy="857250"/>
+            <a:off x="228600" y="102393"/>
+            <a:ext cx="8610600" cy="857250"/>
           </a:xfrm>
         </p:spPr>
         <p:txBody>
@@ -7274,21 +7705,28 @@
           <a:lstStyle/>
           <a:p>
             <a:r>
-              <a:rPr lang="en-US" sz="3600" dirty="0">
+              <a:rPr lang="en-US" sz="3200" dirty="0">
                 <a:solidFill>
                   <a:srgbClr val="0070C0"/>
                 </a:solidFill>
                 <a:latin typeface="Calibri Light" panose="020F0302020204030204" pitchFamily="34" charset="0"/>
                 <a:cs typeface="Calibri Light" panose="020F0302020204030204" pitchFamily="34" charset="0"/>
               </a:rPr>
-              <a:t>Next Steps</a:t>
-            </a:r>
-          </a:p>
-        </p:txBody>
-      </p:sp>
-      <p:sp>
-        <p:nvSpPr>
-          <p:cNvPr id="3" name="Content Placeholder 2"/>
+              <a:t>Return Path Segment List Sub-TLVs - Usage</a:t>
+            </a:r>
+            <a:endParaRPr lang="en-US" sz="3200" dirty="0"/>
+          </a:p>
+        </p:txBody>
+      </p:sp>
+      <p:sp>
+        <p:nvSpPr>
+          <p:cNvPr id="3" name="Content Placeholder 2">
+            <a:extLst>
+              <a:ext uri="{FF2B5EF4-FFF2-40B4-BE49-F238E27FC236}">
+                <a16:creationId xmlns:a16="http://schemas.microsoft.com/office/drawing/2014/main" id="{FAD97578-5975-5644-B374-459176F950CB}"/>
+              </a:ext>
+            </a:extLst>
+          </p:cNvPr>
           <p:cNvSpPr>
             <a:spLocks noGrp="1"/>
           </p:cNvSpPr>
@@ -7298,48 +7736,65 @@
         </p:nvSpPr>
         <p:spPr>
           <a:xfrm>
-            <a:off x="685800" y="1123950"/>
-            <a:ext cx="8001000" cy="2514599"/>
+            <a:off x="533400" y="1047750"/>
+            <a:ext cx="8077200" cy="3230165"/>
           </a:xfrm>
         </p:spPr>
         <p:txBody>
           <a:bodyPr/>
           <a:lstStyle/>
           <a:p>
-            <a:pPr lvl="0"/>
-            <a:r>
-              <a:rPr lang="en-US" sz="2400" dirty="0">
-                <a:latin typeface="Calibri" charset="0"/>
-                <a:ea typeface="Calibri" charset="0"/>
-                <a:cs typeface="Calibri" charset="0"/>
-              </a:rPr>
-              <a:t>Welcome your comments and suggestions</a:t>
-            </a:r>
-          </a:p>
-          <a:p>
-            <a:pPr lvl="0"/>
-            <a:r>
-              <a:rPr lang="en-US" sz="2400" dirty="0"/>
-              <a:t>Requesting WG adoption</a:t>
-            </a:r>
-            <a:endParaRPr lang="en-US" sz="2400" dirty="0">
-              <a:latin typeface="Calibri" charset="0"/>
-              <a:ea typeface="Calibri" charset="0"/>
-              <a:cs typeface="Calibri" charset="0"/>
-            </a:endParaRPr>
-          </a:p>
-          <a:p>
-            <a:endParaRPr lang="en-US" sz="2400" dirty="0">
-              <a:latin typeface="Calibri" charset="0"/>
-              <a:ea typeface="Calibri" charset="0"/>
-              <a:cs typeface="Calibri" charset="0"/>
-            </a:endParaRPr>
-          </a:p>
-        </p:txBody>
-      </p:sp>
-      <p:sp>
-        <p:nvSpPr>
-          <p:cNvPr id="4" name="Footer Placeholder 3"/>
+            <a:r>
+              <a:rPr lang="en-US" sz="1600" dirty="0"/>
+              <a:t>For SR path, reply test packet may need to be sent in-band on a specific return SR path</a:t>
+            </a:r>
+          </a:p>
+          <a:p>
+            <a:r>
+              <a:rPr lang="en-US" sz="1600" dirty="0"/>
+              <a:t>For bidirectional SR path - dynamically computed forward and reverse paths using CSPF by the head-end node</a:t>
+            </a:r>
+          </a:p>
+          <a:p>
+            <a:pPr lvl="1"/>
+            <a:r>
+              <a:rPr lang="en-US" sz="1600" dirty="0"/>
+              <a:t>Path can change often based on topology change, link/node failure in the network, etc.</a:t>
+            </a:r>
+          </a:p>
+          <a:p>
+            <a:r>
+              <a:rPr lang="en-US" sz="1600" dirty="0"/>
+              <a:t>No signaling in SR (PCE can be used)</a:t>
+            </a:r>
+          </a:p>
+          <a:p>
+            <a:r>
+              <a:rPr lang="en-US" sz="1600" dirty="0"/>
+              <a:t>Avoid signaling and maintaining dynamic state on Session-Reflector the return path for each test session (each session-id, source-address) </a:t>
+            </a:r>
+          </a:p>
+          <a:p>
+            <a:pPr lvl="1"/>
+            <a:r>
+              <a:rPr lang="en-US" sz="1600" dirty="0"/>
+              <a:t>Order of 10K SR Policy (that can have active and standby candidate-path and each can have multiple segment-lists)</a:t>
+            </a:r>
+          </a:p>
+          <a:p>
+            <a:endParaRPr lang="en-US" sz="1600" dirty="0"/>
+          </a:p>
+        </p:txBody>
+      </p:sp>
+      <p:sp>
+        <p:nvSpPr>
+          <p:cNvPr id="4" name="Footer Placeholder 3">
+            <a:extLst>
+              <a:ext uri="{FF2B5EF4-FFF2-40B4-BE49-F238E27FC236}">
+                <a16:creationId xmlns:a16="http://schemas.microsoft.com/office/drawing/2014/main" id="{ED92B1FC-C461-8C49-AF5F-4F33A15BFAA9}"/>
+              </a:ext>
+            </a:extLst>
+          </p:cNvPr>
           <p:cNvSpPr>
             <a:spLocks noGrp="1"/>
           </p:cNvSpPr>
@@ -7349,7 +7804,7 @@
         </p:nvSpPr>
         <p:spPr>
           <a:xfrm>
-            <a:off x="3048000" y="4786312"/>
+            <a:off x="3124200" y="4786312"/>
             <a:ext cx="2895600" cy="357188"/>
           </a:xfrm>
         </p:spPr>
@@ -7357,16 +7812,19 @@
           <a:bodyPr/>
           <a:lstStyle/>
           <a:p>
-            <a:r>
-              <a:rPr lang="en-CA" dirty="0"/>
+            <a:pPr>
+              <a:defRPr/>
+            </a:pPr>
+            <a:r>
+              <a:rPr lang="en-US" altLang="zh-CN" dirty="0"/>
               <a:t>110</a:t>
             </a:r>
             <a:r>
-              <a:rPr lang="en-CA" baseline="30000" dirty="0"/>
+              <a:rPr lang="en-US" altLang="zh-CN" baseline="30000" dirty="0"/>
               <a:t>th</a:t>
             </a:r>
             <a:r>
-              <a:rPr lang="en-CA" dirty="0"/>
+              <a:rPr lang="en-US" altLang="zh-CN" dirty="0"/>
               <a:t> IETF Online</a:t>
             </a:r>
           </a:p>
@@ -7374,7 +7832,13 @@
       </p:sp>
       <p:sp>
         <p:nvSpPr>
-          <p:cNvPr id="5" name="Slide Number Placeholder 4"/>
+          <p:cNvPr id="5" name="Slide Number Placeholder 4">
+            <a:extLst>
+              <a:ext uri="{FF2B5EF4-FFF2-40B4-BE49-F238E27FC236}">
+                <a16:creationId xmlns:a16="http://schemas.microsoft.com/office/drawing/2014/main" id="{BAF4415C-5D53-634A-99AA-27A073C5C9EA}"/>
+              </a:ext>
+            </a:extLst>
+          </p:cNvPr>
           <p:cNvSpPr>
             <a:spLocks noGrp="1"/>
           </p:cNvSpPr>
@@ -7404,7 +7868,7 @@
     </p:spTree>
     <p:extLst>
       <p:ext uri="{BB962C8B-B14F-4D97-AF65-F5344CB8AC3E}">
-        <p14:creationId xmlns:p14="http://schemas.microsoft.com/office/powerpoint/2010/main" val="256002898"/>
+        <p14:creationId xmlns:p14="http://schemas.microsoft.com/office/powerpoint/2010/main" val="2937341344"/>
       </p:ext>
     </p:extLst>
   </p:cSld>

--- a/draft-gandhi-ippm-stamp-srpm-02.pptx
+++ b/draft-gandhi-ippm-stamp-srpm-02.pptx
@@ -6908,6 +6908,9 @@
             <a:pPr lvl="1"/>
             <a:r>
               <a:rPr lang="en-US" sz="1200" dirty="0">
+                <a:solidFill>
+                  <a:srgbClr val="7030A0"/>
+                </a:solidFill>
                 <a:latin typeface="Calibri" panose="020F0502020204030204" pitchFamily="34" charset="0"/>
                 <a:cs typeface="Calibri" panose="020F0502020204030204" pitchFamily="34" charset="0"/>
               </a:rPr>
@@ -7302,75 +7305,107 @@
           <a:bodyPr/>
           <a:lstStyle/>
           <a:p>
+            <a:pPr>
+              <a:spcBef>
+                <a:spcPts val="600"/>
+              </a:spcBef>
+            </a:pPr>
             <a:r>
               <a:rPr lang="en-US" sz="1600" dirty="0"/>
               <a:t>In-band Reply:</a:t>
             </a:r>
           </a:p>
           <a:p>
-            <a:pPr lvl="1"/>
+            <a:pPr lvl="1">
+              <a:spcBef>
+                <a:spcPts val="600"/>
+              </a:spcBef>
+            </a:pPr>
             <a:r>
               <a:rPr lang="en-US" sz="1600" dirty="0"/>
               <a:t>For link delay measurement</a:t>
             </a:r>
           </a:p>
           <a:p>
-            <a:pPr lvl="2"/>
+            <a:pPr lvl="2">
+              <a:spcBef>
+                <a:spcPts val="600"/>
+              </a:spcBef>
+            </a:pPr>
             <a:r>
               <a:rPr lang="en-US" sz="1600" dirty="0"/>
               <a:t>Session-Reflector sends test packet in-band on the same incoming link in the reverse direction</a:t>
             </a:r>
           </a:p>
           <a:p>
-            <a:pPr lvl="2"/>
+            <a:pPr lvl="2">
+              <a:spcBef>
+                <a:spcPts val="600"/>
+              </a:spcBef>
+            </a:pPr>
             <a:r>
               <a:rPr lang="en-US" sz="1600" dirty="0"/>
               <a:t>Link can be Virtual, LAG or LAG member</a:t>
             </a:r>
           </a:p>
           <a:p>
-            <a:pPr lvl="1"/>
+            <a:pPr lvl="1">
+              <a:spcBef>
+                <a:spcPts val="600"/>
+              </a:spcBef>
+            </a:pPr>
             <a:r>
               <a:rPr lang="en-US" sz="1600" dirty="0"/>
               <a:t>Avoid maintaining each test session (session id, source-address) on Session-Reflector</a:t>
             </a:r>
           </a:p>
           <a:p>
-            <a:pPr lvl="2"/>
+            <a:pPr lvl="2">
+              <a:spcBef>
+                <a:spcPts val="600"/>
+              </a:spcBef>
+            </a:pPr>
             <a:r>
               <a:rPr lang="en-US" sz="1600" dirty="0"/>
               <a:t>Stateless mode of STAMP Session-Reflector as defined in RFC 8762</a:t>
             </a:r>
           </a:p>
           <a:p>
+            <a:pPr>
+              <a:spcBef>
+                <a:spcPts val="600"/>
+              </a:spcBef>
+            </a:pPr>
             <a:r>
               <a:rPr lang="en-US" sz="1600" dirty="0"/>
               <a:t>No Reply:</a:t>
             </a:r>
           </a:p>
           <a:p>
-            <a:pPr lvl="1"/>
+            <a:pPr lvl="1">
+              <a:spcBef>
+                <a:spcPts val="600"/>
+              </a:spcBef>
+            </a:pPr>
             <a:r>
               <a:rPr lang="en-CA" sz="1600" dirty="0"/>
               <a:t>The Session-Reflector does not transmit test packet back to the Session-Sender and terminates the test packet</a:t>
             </a:r>
           </a:p>
           <a:p>
-            <a:pPr lvl="1"/>
-            <a:r>
-              <a:rPr lang="en-CA" sz="1600" dirty="0"/>
-              <a:t>Optionally, the Session-Reflector sends performance metrics via streaming telemetry using the information from the received test packet</a:t>
-            </a:r>
-          </a:p>
-          <a:p>
-            <a:pPr lvl="1"/>
-            <a:endParaRPr lang="en-US" sz="1600" dirty="0"/>
-          </a:p>
-          <a:p>
-            <a:pPr marL="457200" lvl="1" indent="0">
-              <a:buNone/>
-            </a:pPr>
-            <a:endParaRPr lang="en-US" sz="1600" dirty="0"/>
+            <a:pPr lvl="1">
+              <a:spcBef>
+                <a:spcPts val="600"/>
+              </a:spcBef>
+            </a:pPr>
+            <a:r>
+              <a:rPr lang="en-CA" sz="1600" dirty="0">
+                <a:solidFill>
+                  <a:srgbClr val="7030A0"/>
+                </a:solidFill>
+              </a:rPr>
+              <a:t>Optionally, the Session-Reflector can send the performance metrics via streaming telemetry using the information from the received test packet</a:t>
+            </a:r>
           </a:p>
         </p:txBody>
       </p:sp>
@@ -7549,22 +7584,40 @@
           <a:bodyPr/>
           <a:lstStyle/>
           <a:p>
+            <a:pPr>
+              <a:spcBef>
+                <a:spcPts val="600"/>
+              </a:spcBef>
+            </a:pPr>
             <a:r>
               <a:rPr lang="en-CA" sz="2000" dirty="0"/>
               <a:t>The STAMP reply test packet may be transmitted to a different node than the Session-Sender </a:t>
             </a:r>
           </a:p>
           <a:p>
-            <a:pPr lvl="1"/>
+            <a:pPr lvl="1">
+              <a:spcBef>
+                <a:spcPts val="600"/>
+              </a:spcBef>
+            </a:pPr>
+            <a:r>
+              <a:rPr lang="en-CA" sz="2000" dirty="0">
+                <a:solidFill>
+                  <a:srgbClr val="7030A0"/>
+                </a:solidFill>
+              </a:rPr>
+              <a:t>E.g. to a controller for telemetry use-cases</a:t>
+            </a:r>
+          </a:p>
+          <a:p>
+            <a:pPr>
+              <a:spcBef>
+                <a:spcPts val="600"/>
+              </a:spcBef>
+            </a:pPr>
             <a:r>
               <a:rPr lang="en-CA" sz="2000" dirty="0"/>
-              <a:t>e.g. to a controller for telemetry use-cases. </a:t>
-            </a:r>
-          </a:p>
-          <a:p>
-            <a:r>
-              <a:rPr lang="en-CA" sz="2000" dirty="0"/>
-              <a:t>For this, the Session-Sender can specify in the test packet the receiving destination address for the Session-Reflector reply test packet.</a:t>
+              <a:t>For this, the Session-Sender can specify in the test packet the receiving destination address for the Session-Reflector reply test packet</a:t>
             </a:r>
           </a:p>
         </p:txBody>
@@ -7744,44 +7797,77 @@
           <a:bodyPr/>
           <a:lstStyle/>
           <a:p>
+            <a:pPr>
+              <a:spcBef>
+                <a:spcPts val="600"/>
+              </a:spcBef>
+            </a:pPr>
             <a:r>
               <a:rPr lang="en-US" sz="1600" dirty="0"/>
               <a:t>For SR path, reply test packet may need to be sent in-band on a specific return SR path</a:t>
             </a:r>
           </a:p>
           <a:p>
+            <a:pPr>
+              <a:spcBef>
+                <a:spcPts val="600"/>
+              </a:spcBef>
+            </a:pPr>
             <a:r>
               <a:rPr lang="en-US" sz="1600" dirty="0"/>
               <a:t>For bidirectional SR path - dynamically computed forward and reverse paths using CSPF by the head-end node</a:t>
             </a:r>
           </a:p>
           <a:p>
-            <a:pPr lvl="1"/>
+            <a:pPr lvl="1">
+              <a:spcBef>
+                <a:spcPts val="600"/>
+              </a:spcBef>
+            </a:pPr>
             <a:r>
               <a:rPr lang="en-US" sz="1600" dirty="0"/>
               <a:t>Path can change often based on topology change, link/node failure in the network, etc.</a:t>
             </a:r>
           </a:p>
           <a:p>
+            <a:pPr>
+              <a:spcBef>
+                <a:spcPts val="600"/>
+              </a:spcBef>
+            </a:pPr>
             <a:r>
               <a:rPr lang="en-US" sz="1600" dirty="0"/>
               <a:t>No signaling in SR (PCE can be used)</a:t>
             </a:r>
           </a:p>
           <a:p>
+            <a:pPr>
+              <a:spcBef>
+                <a:spcPts val="600"/>
+              </a:spcBef>
+            </a:pPr>
             <a:r>
               <a:rPr lang="en-US" sz="1600" dirty="0"/>
               <a:t>Avoid signaling and maintaining dynamic state on Session-Reflector the return path for each test session (each session-id, source-address) </a:t>
             </a:r>
           </a:p>
           <a:p>
-            <a:pPr lvl="1"/>
+            <a:pPr lvl="1">
+              <a:spcBef>
+                <a:spcPts val="600"/>
+              </a:spcBef>
+            </a:pPr>
             <a:r>
               <a:rPr lang="en-US" sz="1600" dirty="0"/>
               <a:t>Order of 10K SR Policy (that can have active and standby candidate-path and each can have multiple segment-lists)</a:t>
             </a:r>
           </a:p>
           <a:p>
+            <a:pPr>
+              <a:spcBef>
+                <a:spcPts val="600"/>
+              </a:spcBef>
+            </a:pPr>
             <a:endParaRPr lang="en-US" sz="1600" dirty="0"/>
           </a:p>
         </p:txBody>

--- a/draft-gandhi-ippm-stamp-srpm-02.pptx
+++ b/draft-gandhi-ippm-stamp-srpm-02.pptx
@@ -5568,7 +5568,7 @@
                 <a:latin typeface="Calibri Light" panose="020F0302020204030204" pitchFamily="34" charset="0"/>
                 <a:cs typeface="Calibri Light" panose="020F0302020204030204" pitchFamily="34" charset="0"/>
               </a:rPr>
-              <a:t>Requirements and Scope</a:t>
+              <a:t>Requirements, Goals and Scope</a:t>
             </a:r>
           </a:p>
         </p:txBody>
@@ -5844,7 +5844,7 @@
         <p:spPr>
           <a:xfrm>
             <a:off x="685800" y="1047750"/>
-            <a:ext cx="7848600" cy="3428999"/>
+            <a:ext cx="8001000" cy="3428999"/>
           </a:xfrm>
         </p:spPr>
         <p:txBody>
@@ -5884,7 +5884,7 @@
             </a:pPr>
             <a:r>
               <a:rPr lang="en-US" sz="1800" dirty="0"/>
-              <a:t>STAMP Extensions for SR moved from </a:t>
+              <a:t>STAMP Extensions for SR was moved from </a:t>
             </a:r>
             <a:r>
               <a:rPr lang="en-US" sz="1800" dirty="0">
@@ -5940,7 +5940,7 @@
             </a:pPr>
             <a:r>
               <a:rPr lang="en-US" sz="1800" dirty="0"/>
-              <a:t>Replaced TWAMP Light with STAMP draft</a:t>
+              <a:t>Replaced TWAMP Light draft with STAMP draft</a:t>
             </a:r>
           </a:p>
           <a:p>
@@ -6016,13 +6016,8 @@
             </a:pPr>
             <a:r>
               <a:rPr lang="en-US" sz="1800" dirty="0"/>
-              <a:t>Various editorial changes to address </a:t>
-            </a:r>
-            <a:r>
-              <a:rPr lang="en-US" sz="1800"/>
-              <a:t>review comments</a:t>
-            </a:r>
-            <a:endParaRPr lang="en-US" sz="1800" dirty="0"/>
+              <a:t>Various editorial changes to address review comments</a:t>
+            </a:r>
           </a:p>
           <a:p>
             <a:pPr marL="0" lvl="1" indent="0">

--- a/draft-gandhi-ippm-stamp-srpm-02.pptx
+++ b/draft-gandhi-ippm-stamp-srpm-02.pptx
@@ -254,7 +254,7 @@
           <a:p>
             <a:fld id="{E8FA3DB5-7722-3F4F-947D-12B203669AD7}" type="datetimeFigureOut">
               <a:rPr lang="en-US" smtClean="0"/>
-              <a:t>2/9/21</a:t>
+              <a:t>2/10/21</a:t>
             </a:fld>
             <a:endParaRPr lang="en-US"/>
           </a:p>
@@ -5608,7 +5608,7 @@
             </a:pPr>
             <a:r>
               <a:rPr lang="en-US" sz="1600" dirty="0"/>
-              <a:t>Support in-band Performance Measurement for links and SR paths</a:t>
+              <a:t>In-band Performance Measurement for links and SR paths</a:t>
             </a:r>
           </a:p>
           <a:p>

--- a/draft-gandhi-ippm-stamp-srpm-02.pptx
+++ b/draft-gandhi-ippm-stamp-srpm-02.pptx
@@ -7307,7 +7307,7 @@
             </a:pPr>
             <a:r>
               <a:rPr lang="en-US" sz="1600" dirty="0"/>
-              <a:t>In-band Reply:</a:t>
+              <a:t>In-band Reply Requested:</a:t>
             </a:r>
           </a:p>
           <a:p>
@@ -7373,7 +7373,7 @@
             </a:pPr>
             <a:r>
               <a:rPr lang="en-US" sz="1600" dirty="0"/>
-              <a:t>No Reply:</a:t>
+              <a:t>No Reply Requested:</a:t>
             </a:r>
           </a:p>
           <a:p>
@@ -7843,7 +7843,7 @@
             </a:pPr>
             <a:r>
               <a:rPr lang="en-US" sz="1600" dirty="0"/>
-              <a:t>Avoid signaling and maintaining dynamic state on Session-Reflector the return path for each test session (each session-id, source-address) </a:t>
+              <a:t>Avoid signaling and maintaining dynamic state on Session-Reflector for the return path for each test session (each session-id, source-address) </a:t>
             </a:r>
           </a:p>
           <a:p>

--- a/draft-gandhi-ippm-stamp-srpm-02.pptx
+++ b/draft-gandhi-ippm-stamp-srpm-02.pptx
@@ -5641,26 +5641,6 @@
             </a:r>
           </a:p>
           <a:p>
-            <a:pPr lvl="1">
-              <a:buFont typeface="Wingdings" charset="2"/>
-              <a:buChar char="§"/>
-            </a:pPr>
-            <a:r>
-              <a:rPr lang="en-US" sz="1600" dirty="0"/>
-              <a:t>High scale for number of test sessions and faster detection interval</a:t>
-            </a:r>
-          </a:p>
-          <a:p>
-            <a:pPr lvl="2">
-              <a:buFont typeface="Wingdings" charset="2"/>
-              <a:buChar char="§"/>
-            </a:pPr>
-            <a:r>
-              <a:rPr lang="en-US" sz="1600" dirty="0"/>
-              <a:t>Support hardware implementation</a:t>
-            </a:r>
-          </a:p>
-          <a:p>
             <a:pPr marL="0" lvl="1" indent="0">
               <a:buNone/>
             </a:pPr>
@@ -7329,7 +7309,7 @@
             </a:pPr>
             <a:r>
               <a:rPr lang="en-US" sz="1600" dirty="0"/>
-              <a:t>Session-Reflector sends test packet in-band on the same incoming link in the reverse direction</a:t>
+              <a:t>Session-Reflector transmits test packet in-band on the same incoming link in the reverse direction</a:t>
             </a:r>
           </a:p>
           <a:p>

--- a/draft-gandhi-ippm-stamp-srpm-02.pptx
+++ b/draft-gandhi-ippm-stamp-srpm-02.pptx
@@ -6865,7 +6865,7 @@
             </a:pPr>
             <a:r>
               <a:rPr lang="en-CA" sz="1200" dirty="0"/>
-              <a:t>Sub-TLVs Types:</a:t>
+              <a:t>Return Path Sub-TLVs Types:</a:t>
             </a:r>
           </a:p>
           <a:p>
@@ -7364,7 +7364,7 @@
             </a:pPr>
             <a:r>
               <a:rPr lang="en-CA" sz="1600" dirty="0"/>
-              <a:t>The Session-Reflector does not transmit test packet back to the Session-Sender and terminates the test packet</a:t>
+              <a:t>The Session-Reflector does not transmit reply test packet to the Session-Sender and terminates the Session-Sender test packet</a:t>
             </a:r>
           </a:p>
           <a:p>
@@ -7379,7 +7379,7 @@
                   <a:srgbClr val="7030A0"/>
                 </a:solidFill>
               </a:rPr>
-              <a:t>Optionally, the Session-Reflector can send the performance metrics via streaming telemetry using the information from the received test packet</a:t>
+              <a:t>Optionally, the Session-Reflector can send the performance metrics via streaming telemetry using the information from the received Session-Sender test packet</a:t>
             </a:r>
           </a:p>
         </p:txBody>
@@ -7566,7 +7566,7 @@
             </a:pPr>
             <a:r>
               <a:rPr lang="en-CA" sz="2000" dirty="0"/>
-              <a:t>The STAMP reply test packet may be transmitted to a different node than the Session-Sender </a:t>
+              <a:t>The STAMP Session-Reflector reply test packet may be transmitted to a different node than the Session-Sender </a:t>
             </a:r>
           </a:p>
           <a:p>
@@ -7779,7 +7779,7 @@
             </a:pPr>
             <a:r>
               <a:rPr lang="en-US" sz="1600" dirty="0"/>
-              <a:t>For SR path, reply test packet may need to be sent in-band on a specific return SR path</a:t>
+              <a:t>For SR path, Session-Reflector reply test packet may need to be sent in-band on a specific return SR path</a:t>
             </a:r>
           </a:p>
           <a:p>
@@ -7823,7 +7823,7 @@
             </a:pPr>
             <a:r>
               <a:rPr lang="en-US" sz="1600" dirty="0"/>
-              <a:t>Avoid signaling and maintaining dynamic state on Session-Reflector for the return path for each test session (each session-id, source-address) </a:t>
+              <a:t>Avoid signaling and maintaining dynamic state on Session-Reflector for the return path for each STAMP test session (each session-id, source-address) </a:t>
             </a:r>
           </a:p>
           <a:p>

--- a/draft-gandhi-ippm-stamp-srpm-02.pptx
+++ b/draft-gandhi-ippm-stamp-srpm-02.pptx
@@ -5864,45 +5864,8 @@
             </a:pPr>
             <a:r>
               <a:rPr lang="en-US" sz="1800" dirty="0"/>
-              <a:t>STAMP Extensions for SR was moved from </a:t>
-            </a:r>
-            <a:r>
-              <a:rPr lang="en-US" sz="1800" dirty="0">
-                <a:solidFill>
-                  <a:srgbClr val="0070C0"/>
-                </a:solidFill>
-              </a:rPr>
-              <a:t>draft-</a:t>
-            </a:r>
-            <a:r>
-              <a:rPr lang="en-US" sz="1800" dirty="0" err="1">
-                <a:solidFill>
-                  <a:srgbClr val="0070C0"/>
-                </a:solidFill>
-              </a:rPr>
-              <a:t>gandhi</a:t>
-            </a:r>
-            <a:r>
-              <a:rPr lang="en-US" sz="1800" dirty="0">
-                <a:solidFill>
-                  <a:srgbClr val="0070C0"/>
-                </a:solidFill>
-              </a:rPr>
-              <a:t>-spring-stamp-</a:t>
-            </a:r>
-            <a:r>
-              <a:rPr lang="en-US" sz="1800" dirty="0" err="1">
-                <a:solidFill>
-                  <a:srgbClr val="0070C0"/>
-                </a:solidFill>
-              </a:rPr>
-              <a:t>srpm</a:t>
-            </a:r>
-            <a:endParaRPr lang="en-US" sz="1800" dirty="0">
-              <a:solidFill>
-                <a:srgbClr val="0070C0"/>
-              </a:solidFill>
-            </a:endParaRPr>
+              <a:t>Replaced TWAMP Light draft with STAMP draft</a:t>
+            </a:r>
           </a:p>
           <a:p>
             <a:pPr lvl="1">
@@ -5920,7 +5883,7 @@
             </a:pPr>
             <a:r>
               <a:rPr lang="en-US" sz="1800" dirty="0"/>
-              <a:t>Replaced TWAMP Light draft with STAMP draft</a:t>
+              <a:t>Updated terminology to align with STAMP</a:t>
             </a:r>
           </a:p>
           <a:p>
@@ -5939,26 +5902,7 @@
             </a:pPr>
             <a:r>
               <a:rPr lang="en-US" sz="1800" dirty="0"/>
-              <a:t>Updated terminology to align with STAMP</a:t>
-            </a:r>
-          </a:p>
-          <a:p>
-            <a:pPr lvl="1">
-              <a:lnSpc>
-                <a:spcPts val="2160"/>
-              </a:lnSpc>
-              <a:spcBef>
-                <a:spcPts val="600"/>
-              </a:spcBef>
-              <a:spcAft>
-                <a:spcPts val="0"/>
-              </a:spcAft>
-              <a:buFont typeface="Wingdings" pitchFamily="2" charset="2"/>
-              <a:buChar char="ü"/>
-            </a:pPr>
-            <a:r>
-              <a:rPr lang="en-US" sz="1800" dirty="0"/>
-              <a:t>Removed STAMP direct measurement stand-alone messages</a:t>
+              <a:t>Removed stand-alone direct measurement messages</a:t>
             </a:r>
           </a:p>
           <a:p>

--- a/draft-gandhi-ippm-stamp-srpm-02.pptx
+++ b/draft-gandhi-ippm-stamp-srpm-02.pptx
@@ -254,7 +254,7 @@
           <a:p>
             <a:fld id="{E8FA3DB5-7722-3F4F-947D-12B203669AD7}" type="datetimeFigureOut">
               <a:rPr lang="en-US" smtClean="0"/>
-              <a:t>2/10/21</a:t>
+              <a:t>2/17/21</a:t>
             </a:fld>
             <a:endParaRPr lang="en-US"/>
           </a:p>
@@ -5823,8 +5823,8 @@
         </p:nvSpPr>
         <p:spPr>
           <a:xfrm>
-            <a:off x="685800" y="1047750"/>
-            <a:ext cx="8001000" cy="3428999"/>
+            <a:off x="438338" y="980558"/>
+            <a:ext cx="8229599" cy="3428999"/>
           </a:xfrm>
         </p:spPr>
         <p:txBody>
@@ -5902,8 +5902,29 @@
             </a:pPr>
             <a:r>
               <a:rPr lang="en-US" sz="1800" dirty="0"/>
-              <a:t>Removed stand-alone direct measurement messages</a:t>
-            </a:r>
+              <a:t>Moved direct measurement messages to </a:t>
+            </a:r>
+            <a:r>
+              <a:rPr lang="en-CA" sz="1800" i="1" dirty="0"/>
+              <a:t>draft-</a:t>
+            </a:r>
+            <a:r>
+              <a:rPr lang="en-CA" sz="1800" i="1" dirty="0" err="1"/>
+              <a:t>gandhi</a:t>
+            </a:r>
+            <a:r>
+              <a:rPr lang="en-CA" sz="1800" i="1" dirty="0"/>
+              <a:t>-</a:t>
+            </a:r>
+            <a:r>
+              <a:rPr lang="en-CA" sz="1800" i="1" dirty="0" err="1"/>
+              <a:t>ippm</a:t>
+            </a:r>
+            <a:r>
+              <a:rPr lang="en-CA" sz="1800" i="1" dirty="0"/>
+              <a:t>-simple-direct-loss</a:t>
+            </a:r>
+            <a:endParaRPr lang="en-US" sz="1800" i="1" dirty="0"/>
           </a:p>
           <a:p>
             <a:pPr lvl="1">
@@ -7511,21 +7532,6 @@
             <a:r>
               <a:rPr lang="en-CA" sz="2000" dirty="0"/>
               <a:t>The STAMP Session-Reflector reply test packet may be transmitted to a different node than the Session-Sender </a:t>
-            </a:r>
-          </a:p>
-          <a:p>
-            <a:pPr lvl="1">
-              <a:spcBef>
-                <a:spcPts val="600"/>
-              </a:spcBef>
-            </a:pPr>
-            <a:r>
-              <a:rPr lang="en-CA" sz="2000" dirty="0">
-                <a:solidFill>
-                  <a:srgbClr val="7030A0"/>
-                </a:solidFill>
-              </a:rPr>
-              <a:t>E.g. to a controller for telemetry use-cases</a:t>
             </a:r>
           </a:p>
           <a:p>

--- a/draft-gandhi-ippm-stamp-srpm-02.pptx
+++ b/draft-gandhi-ippm-stamp-srpm-02.pptx
@@ -254,7 +254,7 @@
           <a:p>
             <a:fld id="{E8FA3DB5-7722-3F4F-947D-12B203669AD7}" type="datetimeFigureOut">
               <a:rPr lang="en-US" smtClean="0"/>
-              <a:t>2/17/21</a:t>
+              <a:t>2/18/21</a:t>
             </a:fld>
             <a:endParaRPr lang="en-US"/>
           </a:p>

--- a/draft-gandhi-ippm-stamp-srpm-02.pptx
+++ b/draft-gandhi-ippm-stamp-srpm-02.pptx
@@ -254,7 +254,7 @@
           <a:p>
             <a:fld id="{E8FA3DB5-7722-3F4F-947D-12B203669AD7}" type="datetimeFigureOut">
               <a:rPr lang="en-US" smtClean="0"/>
-              <a:t>2/18/21</a:t>
+              <a:t>2/22/21</a:t>
             </a:fld>
             <a:endParaRPr lang="en-US"/>
           </a:p>
@@ -6848,9 +6848,6 @@
             <a:pPr lvl="1"/>
             <a:r>
               <a:rPr lang="en-US" sz="1200" dirty="0">
-                <a:solidFill>
-                  <a:srgbClr val="7030A0"/>
-                </a:solidFill>
                 <a:latin typeface="Calibri" panose="020F0502020204030204" pitchFamily="34" charset="0"/>
                 <a:cs typeface="Calibri" panose="020F0502020204030204" pitchFamily="34" charset="0"/>
               </a:rPr>
@@ -7263,6 +7260,17 @@
             </a:pPr>
             <a:r>
               <a:rPr lang="en-US" sz="1600" dirty="0"/>
+              <a:t>Stateless mode of STAMP Session-Reflector as defined in RFC 8762</a:t>
+            </a:r>
+          </a:p>
+          <a:p>
+            <a:pPr lvl="1">
+              <a:spcBef>
+                <a:spcPts val="600"/>
+              </a:spcBef>
+            </a:pPr>
+            <a:r>
+              <a:rPr lang="en-US" sz="1600" dirty="0"/>
               <a:t>For link delay measurement</a:t>
             </a:r>
           </a:p>
@@ -7300,17 +7308,6 @@
             </a:r>
           </a:p>
           <a:p>
-            <a:pPr lvl="2">
-              <a:spcBef>
-                <a:spcPts val="600"/>
-              </a:spcBef>
-            </a:pPr>
-            <a:r>
-              <a:rPr lang="en-US" sz="1600" dirty="0"/>
-              <a:t>Stateless mode of STAMP Session-Reflector as defined in RFC 8762</a:t>
-            </a:r>
-          </a:p>
-          <a:p>
             <a:pPr>
               <a:spcBef>
                 <a:spcPts val="600"/>
@@ -7330,21 +7327,6 @@
             <a:r>
               <a:rPr lang="en-CA" sz="1600" dirty="0"/>
               <a:t>The Session-Reflector does not transmit reply test packet to the Session-Sender and terminates the Session-Sender test packet</a:t>
-            </a:r>
-          </a:p>
-          <a:p>
-            <a:pPr lvl="1">
-              <a:spcBef>
-                <a:spcPts val="600"/>
-              </a:spcBef>
-            </a:pPr>
-            <a:r>
-              <a:rPr lang="en-CA" sz="1600" dirty="0">
-                <a:solidFill>
-                  <a:srgbClr val="7030A0"/>
-                </a:solidFill>
-              </a:rPr>
-              <a:t>Optionally, the Session-Reflector can send the performance metrics via streaming telemetry using the information from the received Session-Sender test packet</a:t>
             </a:r>
           </a:p>
         </p:txBody>

--- a/draft-gandhi-ippm-stamp-srpm-02.pptx
+++ b/draft-gandhi-ippm-stamp-srpm-02.pptx
@@ -7249,18 +7249,18 @@
             </a:pPr>
             <a:r>
               <a:rPr lang="en-US" sz="1600" dirty="0"/>
-              <a:t>In-band Reply Requested:</a:t>
-            </a:r>
-          </a:p>
-          <a:p>
-            <a:pPr lvl="1">
+              <a:t>Stateless mode of STAMP Session-Reflector as defined in RFC 8762</a:t>
+            </a:r>
+          </a:p>
+          <a:p>
+            <a:pPr>
               <a:spcBef>
                 <a:spcPts val="600"/>
               </a:spcBef>
             </a:pPr>
             <a:r>
               <a:rPr lang="en-US" sz="1600" dirty="0"/>
-              <a:t>Stateless mode of STAMP Session-Reflector as defined in RFC 8762</a:t>
+              <a:t>In-band Reply Requested:</a:t>
             </a:r>
           </a:p>
           <a:p>
@@ -7512,6 +7512,17 @@
               </a:spcBef>
             </a:pPr>
             <a:r>
+              <a:rPr lang="en-US" sz="2000" dirty="0"/>
+              <a:t>Stateless mode of STAMP Session-Reflector as defined in RFC 8762</a:t>
+            </a:r>
+          </a:p>
+          <a:p>
+            <a:pPr>
+              <a:spcBef>
+                <a:spcPts val="600"/>
+              </a:spcBef>
+            </a:pPr>
+            <a:r>
               <a:rPr lang="en-CA" sz="2000" dirty="0"/>
               <a:t>The STAMP Session-Reflector reply test packet may be transmitted to a different node than the Session-Sender </a:t>
             </a:r>
@@ -7711,7 +7722,7 @@
             </a:pPr>
             <a:r>
               <a:rPr lang="en-US" sz="1600" dirty="0"/>
-              <a:t>For SR path, Session-Reflector reply test packet may need to be sent in-band on a specific return SR path</a:t>
+              <a:t>Stateless mode of STAMP Session-Reflector as defined in RFC 8762</a:t>
             </a:r>
           </a:p>
           <a:p>
@@ -7722,7 +7733,29 @@
             </a:pPr>
             <a:r>
               <a:rPr lang="en-US" sz="1600" dirty="0"/>
-              <a:t>For bidirectional SR path - dynamically computed forward and reverse paths using CSPF by the head-end node</a:t>
+              <a:t>For SR path, Session-Reflector reply test packet may need to be sent in-band on a specific return SR path</a:t>
+            </a:r>
+          </a:p>
+          <a:p>
+            <a:pPr>
+              <a:spcBef>
+                <a:spcPts val="600"/>
+              </a:spcBef>
+            </a:pPr>
+            <a:r>
+              <a:rPr lang="en-US" sz="1600" dirty="0"/>
+              <a:t>Dynamically computed SR Path can change based on topology change, link/node failure, etc. in the network</a:t>
+            </a:r>
+          </a:p>
+          <a:p>
+            <a:pPr>
+              <a:spcBef>
+                <a:spcPts val="600"/>
+              </a:spcBef>
+            </a:pPr>
+            <a:r>
+              <a:rPr lang="en-US" sz="1600" dirty="0"/>
+              <a:t>Avoid signaling and maintaining dynamic state on Session-Reflector for the return path for each STAMP test session (each session-id, source-address) </a:t>
             </a:r>
           </a:p>
           <a:p>
@@ -7733,40 +7766,7 @@
             </a:pPr>
             <a:r>
               <a:rPr lang="en-US" sz="1600" dirty="0"/>
-              <a:t>Path can change often based on topology change, link/node failure in the network, etc.</a:t>
-            </a:r>
-          </a:p>
-          <a:p>
-            <a:pPr>
-              <a:spcBef>
-                <a:spcPts val="600"/>
-              </a:spcBef>
-            </a:pPr>
-            <a:r>
-              <a:rPr lang="en-US" sz="1600" dirty="0"/>
-              <a:t>No signaling in SR (PCE can be used)</a:t>
-            </a:r>
-          </a:p>
-          <a:p>
-            <a:pPr>
-              <a:spcBef>
-                <a:spcPts val="600"/>
-              </a:spcBef>
-            </a:pPr>
-            <a:r>
-              <a:rPr lang="en-US" sz="1600" dirty="0"/>
-              <a:t>Avoid signaling and maintaining dynamic state on Session-Reflector for the return path for each STAMP test session (each session-id, source-address) </a:t>
-            </a:r>
-          </a:p>
-          <a:p>
-            <a:pPr lvl="1">
-              <a:spcBef>
-                <a:spcPts val="600"/>
-              </a:spcBef>
-            </a:pPr>
-            <a:r>
-              <a:rPr lang="en-US" sz="1600" dirty="0"/>
-              <a:t>Order of 10K SR Policy (that can have active and standby candidate-path and each can have multiple segment-lists)</a:t>
+              <a:t>Order of 10K SR Policy (that can have multiple candidate-paths and each candidate-path can have multiple segment-lists)</a:t>
             </a:r>
           </a:p>
           <a:p>

--- a/draft-gandhi-ippm-stamp-srpm-02.pptx
+++ b/draft-gandhi-ippm-stamp-srpm-02.pptx
@@ -254,7 +254,7 @@
           <a:p>
             <a:fld id="{E8FA3DB5-7722-3F4F-947D-12B203669AD7}" type="datetimeFigureOut">
               <a:rPr lang="en-US" smtClean="0"/>
-              <a:t>2/22/21</a:t>
+              <a:t>2/23/21</a:t>
             </a:fld>
             <a:endParaRPr lang="en-US"/>
           </a:p>
@@ -5597,7 +5597,7 @@
               <a:buNone/>
             </a:pPr>
             <a:r>
-              <a:rPr lang="en-US" sz="1600" dirty="0"/>
+              <a:rPr lang="en-US" sz="1800" dirty="0"/>
               <a:t>Requirements:</a:t>
             </a:r>
           </a:p>
@@ -5607,7 +5607,7 @@
               <a:buChar char="§"/>
             </a:pPr>
             <a:r>
-              <a:rPr lang="en-US" sz="1600" dirty="0"/>
+              <a:rPr lang="en-US" sz="1800" dirty="0"/>
               <a:t>In-band Performance Measurement for links and SR paths</a:t>
             </a:r>
           </a:p>
@@ -5616,7 +5616,7 @@
               <a:buNone/>
             </a:pPr>
             <a:r>
-              <a:rPr lang="en-US" sz="1600" dirty="0"/>
+              <a:rPr lang="en-US" sz="1800" dirty="0"/>
               <a:t>Goals: </a:t>
             </a:r>
           </a:p>
@@ -5626,8 +5626,8 @@
               <a:buChar char="§"/>
             </a:pPr>
             <a:r>
-              <a:rPr lang="en-US" sz="1600" dirty="0"/>
-              <a:t>Avoid provisioning and maintaining test sessions on Session-Reflector - stateless mode</a:t>
+              <a:rPr lang="en-US" sz="1800" dirty="0"/>
+              <a:t>Avoid provisioning and maintaining test sessions on Session-Reflector - Stateless mode</a:t>
             </a:r>
           </a:p>
           <a:p>
@@ -5636,7 +5636,7 @@
               <a:buChar char="§"/>
             </a:pPr>
             <a:r>
-              <a:rPr lang="en-US" sz="1600" dirty="0"/>
+              <a:rPr lang="en-US" sz="1800" dirty="0"/>
               <a:t>Avoid control protocol for signaling dynamic parameters</a:t>
             </a:r>
           </a:p>
@@ -5645,7 +5645,7 @@
               <a:buNone/>
             </a:pPr>
             <a:r>
-              <a:rPr lang="en-US" sz="1600" dirty="0"/>
+              <a:rPr lang="en-US" sz="1800" dirty="0"/>
               <a:t>Scope:</a:t>
             </a:r>
           </a:p>
@@ -5655,15 +5655,15 @@
               <a:buChar char="§"/>
             </a:pPr>
             <a:r>
-              <a:rPr lang="en-US" sz="1600" dirty="0"/>
+              <a:rPr lang="en-US" sz="1800" dirty="0"/>
               <a:t>STAMP [</a:t>
             </a:r>
             <a:r>
-              <a:rPr lang="en-CA" sz="1600" dirty="0"/>
+              <a:rPr lang="en-CA" sz="1800" dirty="0"/>
               <a:t>RFC 8762</a:t>
             </a:r>
             <a:r>
-              <a:rPr lang="en-US" sz="1600" dirty="0"/>
+              <a:rPr lang="en-US" sz="1800" dirty="0"/>
               <a:t>]</a:t>
             </a:r>
           </a:p>
@@ -5673,14 +5673,14 @@
               <a:buChar char="§"/>
             </a:pPr>
             <a:r>
-              <a:rPr lang="en-US" sz="1600" dirty="0"/>
+              <a:rPr lang="en-US" sz="1800" dirty="0"/>
               <a:t>STAMP Extensions [</a:t>
             </a:r>
             <a:r>
-              <a:rPr lang="en-CA" sz="1600" dirty="0"/>
+              <a:rPr lang="en-CA" sz="1800" dirty="0"/>
               <a:t>RFC 8972]</a:t>
             </a:r>
-            <a:endParaRPr lang="en-US" sz="1600" dirty="0"/>
+            <a:endParaRPr lang="en-US" sz="1800" dirty="0"/>
           </a:p>
         </p:txBody>
       </p:sp>
@@ -6450,7 +6450,7 @@
                 <a:ea typeface="Calibri" panose="020F0502020204030204" pitchFamily="34" charset="0"/>
                 <a:cs typeface="Consolas" panose="020B0609020204030204" pitchFamily="49" charset="0"/>
               </a:rPr>
-              <a:t>Indicates the address of the intended destination of the Session-Sender test packet.  </a:t>
+              <a:t>Indicates the address of the intended destination of the Session-Sender test packet</a:t>
             </a:r>
           </a:p>
           <a:p>
@@ -6473,7 +6473,7 @@
                 <a:ea typeface="Calibri" panose="020F0502020204030204" pitchFamily="34" charset="0"/>
                 <a:cs typeface="Consolas" panose="020B0609020204030204" pitchFamily="49" charset="0"/>
               </a:rPr>
-              <a:t>The Session-Reflector that supports this TLV, </a:t>
+              <a:t>Session-Reflector that supports this TLV, </a:t>
             </a:r>
             <a:r>
               <a:rPr lang="en-CA" sz="1600" b="1" dirty="0">
@@ -6495,7 +6495,7 @@
                 <a:ea typeface="Calibri" panose="020F0502020204030204" pitchFamily="34" charset="0"/>
                 <a:cs typeface="Consolas" panose="020B0609020204030204" pitchFamily="49" charset="0"/>
               </a:rPr>
-              <a:t>send reply if it is not the intended destination of the Session-Sender test packet.</a:t>
+              <a:t>send reply if it is not the intended destination of the Session-Sender test packet</a:t>
             </a:r>
           </a:p>
           <a:p>
@@ -6518,7 +6518,7 @@
                 <a:ea typeface="Calibri" panose="020F0502020204030204" pitchFamily="34" charset="0"/>
                 <a:cs typeface="Consolas" panose="020B0609020204030204" pitchFamily="49" charset="0"/>
               </a:rPr>
-              <a:t>Useful when test packet is sent with 127/8 destination address (e.g. sweeping ECMP paths).</a:t>
+              <a:t>Useful when test packet is sent with 127/8 destination address (e.g. sweeping ECMP paths)</a:t>
             </a:r>
           </a:p>
         </p:txBody>
@@ -6817,7 +6817,7 @@
                 <a:ea typeface="Calibri" panose="020F0502020204030204" pitchFamily="34" charset="0"/>
                 <a:cs typeface="Consolas" panose="020B0609020204030204" pitchFamily="49" charset="0"/>
               </a:rPr>
-              <a:t>Return Path TLV (value TBA2) to carry one Sub-TLV for return path:</a:t>
+              <a:t>Return Path TLV (value TBA2) to carry Sub-TLV for return path:</a:t>
             </a:r>
             <a:endParaRPr lang="en-CA" sz="1200" b="1" dirty="0"/>
           </a:p>
@@ -6841,7 +6841,7 @@
             </a:pPr>
             <a:r>
               <a:rPr lang="en-CA" sz="1200" dirty="0"/>
-              <a:t>Type (value 1): Return Path Control Code. Reply test packet based on the control code flags.</a:t>
+              <a:t>Type (value 1): Return Path Control Code. Reply test packet based on the control code flags</a:t>
             </a:r>
           </a:p>
           <a:p>
@@ -6851,7 +6851,7 @@
                 <a:latin typeface="Calibri" panose="020F0502020204030204" pitchFamily="34" charset="0"/>
                 <a:cs typeface="Calibri" panose="020F0502020204030204" pitchFamily="34" charset="0"/>
               </a:rPr>
-              <a:t>0x0: No Reply Requested.</a:t>
+              <a:t>0x0: No Reply Requested</a:t>
             </a:r>
           </a:p>
           <a:p>
@@ -6861,7 +6861,7 @@
                 <a:latin typeface="Calibri" panose="020F0502020204030204" pitchFamily="34" charset="0"/>
                 <a:cs typeface="Calibri" panose="020F0502020204030204" pitchFamily="34" charset="0"/>
               </a:rPr>
-              <a:t>0x1: In-band Reply Requested.  </a:t>
+              <a:t>0x1: In-band Reply Requested</a:t>
             </a:r>
             <a:endParaRPr lang="en-CA" sz="1200" dirty="0"/>
           </a:p>
@@ -7524,7 +7524,7 @@
             </a:pPr>
             <a:r>
               <a:rPr lang="en-CA" sz="2000" dirty="0"/>
-              <a:t>The STAMP Session-Reflector reply test packet may be transmitted to a different node than the Session-Sender </a:t>
+              <a:t>STAMP Session-Reflector reply test packet may be transmitted to a different node than the Session-Sender </a:t>
             </a:r>
           </a:p>
           <a:p>
@@ -7721,7 +7721,7 @@
               </a:spcBef>
             </a:pPr>
             <a:r>
-              <a:rPr lang="en-US" sz="1600" dirty="0"/>
+              <a:rPr lang="en-US" sz="1800" dirty="0"/>
               <a:t>Stateless mode of STAMP Session-Reflector as defined in RFC 8762</a:t>
             </a:r>
           </a:p>
@@ -7732,7 +7732,7 @@
               </a:spcBef>
             </a:pPr>
             <a:r>
-              <a:rPr lang="en-US" sz="1600" dirty="0"/>
+              <a:rPr lang="en-US" sz="1800" dirty="0"/>
               <a:t>For SR path, Session-Reflector reply test packet may need to be sent in-band on a specific return SR path</a:t>
             </a:r>
           </a:p>
@@ -7743,8 +7743,8 @@
               </a:spcBef>
             </a:pPr>
             <a:r>
-              <a:rPr lang="en-US" sz="1600" dirty="0"/>
-              <a:t>Dynamically computed SR Path can change based on topology change, link/node failure, etc. in the network</a:t>
+              <a:rPr lang="en-US" sz="1800" dirty="0"/>
+              <a:t>Dynamically computed SR paths can change based on topology change, link/node failure, etc. in the network</a:t>
             </a:r>
           </a:p>
           <a:p>
@@ -7754,7 +7754,7 @@
               </a:spcBef>
             </a:pPr>
             <a:r>
-              <a:rPr lang="en-US" sz="1600" dirty="0"/>
+              <a:rPr lang="en-US" sz="1800" dirty="0"/>
               <a:t>Avoid signaling and maintaining dynamic state on Session-Reflector for the return path for each STAMP test session (each session-id, source-address) </a:t>
             </a:r>
           </a:p>
@@ -7765,7 +7765,7 @@
               </a:spcBef>
             </a:pPr>
             <a:r>
-              <a:rPr lang="en-US" sz="1600" dirty="0"/>
+              <a:rPr lang="en-US" sz="1800" dirty="0"/>
               <a:t>Order of 10K SR Policy (that can have multiple candidate-paths and each candidate-path can have multiple segment-lists)</a:t>
             </a:r>
           </a:p>
@@ -7775,7 +7775,7 @@
                 <a:spcPts val="600"/>
               </a:spcBef>
             </a:pPr>
-            <a:endParaRPr lang="en-US" sz="1600" dirty="0"/>
+            <a:endParaRPr lang="en-US" sz="1800" dirty="0"/>
           </a:p>
         </p:txBody>
       </p:sp>

--- a/draft-gandhi-ippm-stamp-srpm-02.pptx
+++ b/draft-gandhi-ippm-stamp-srpm-02.pptx
@@ -254,7 +254,7 @@
           <a:p>
             <a:fld id="{E8FA3DB5-7722-3F4F-947D-12B203669AD7}" type="datetimeFigureOut">
               <a:rPr lang="en-US" smtClean="0"/>
-              <a:t>2/23/21</a:t>
+              <a:t>2/24/21</a:t>
             </a:fld>
             <a:endParaRPr lang="en-US"/>
           </a:p>
@@ -7210,7 +7210,7 @@
                 <a:latin typeface="Calibri Light" panose="020F0302020204030204" pitchFamily="34" charset="0"/>
                 <a:cs typeface="Calibri Light" panose="020F0302020204030204" pitchFamily="34" charset="0"/>
               </a:rPr>
-              <a:t>Return Path Control Code Sub-TLV - Usage</a:t>
+              <a:t>STAMP Return Path Control Code Sub-TLV - Usage</a:t>
             </a:r>
             <a:endParaRPr lang="en-US" sz="3200" dirty="0"/>
           </a:p>
@@ -7474,7 +7474,7 @@
                 <a:latin typeface="Calibri Light" panose="020F0302020204030204" pitchFamily="34" charset="0"/>
                 <a:cs typeface="Calibri Light" panose="020F0302020204030204" pitchFamily="34" charset="0"/>
               </a:rPr>
-              <a:t>Return Address Sub-TLV - Usage</a:t>
+              <a:t>STAMP Return Address Sub-TLV - Usage</a:t>
             </a:r>
             <a:endParaRPr lang="en-US" sz="3200" dirty="0"/>
           </a:p>
@@ -7683,7 +7683,7 @@
                 <a:latin typeface="Calibri Light" panose="020F0302020204030204" pitchFamily="34" charset="0"/>
                 <a:cs typeface="Calibri Light" panose="020F0302020204030204" pitchFamily="34" charset="0"/>
               </a:rPr>
-              <a:t>Return Path Segment List Sub-TLVs - Usage</a:t>
+              <a:t>STAMP Return Path Segment List Sub-TLVs - Usage</a:t>
             </a:r>
             <a:endParaRPr lang="en-US" sz="3200" dirty="0"/>
           </a:p>

--- a/draft-gandhi-ippm-stamp-srpm-02.pptx
+++ b/draft-gandhi-ippm-stamp-srpm-02.pptx
@@ -254,7 +254,7 @@
           <a:p>
             <a:fld id="{E8FA3DB5-7722-3F4F-947D-12B203669AD7}" type="datetimeFigureOut">
               <a:rPr lang="en-US" smtClean="0"/>
-              <a:t>2/24/21</a:t>
+              <a:t>2/28/21</a:t>
             </a:fld>
             <a:endParaRPr lang="en-US"/>
           </a:p>
@@ -5627,7 +5627,7 @@
             </a:pPr>
             <a:r>
               <a:rPr lang="en-US" sz="1800" dirty="0"/>
-              <a:t>Avoid provisioning and maintaining test sessions on Session-Reflector - Stateless mode</a:t>
+              <a:t>Avoid provisioning and maintaining each test session on Session-Reflector - Stateless mode</a:t>
             </a:r>
           </a:p>
           <a:p>
@@ -7249,7 +7249,7 @@
             </a:pPr>
             <a:r>
               <a:rPr lang="en-US" sz="1600" dirty="0"/>
-              <a:t>Stateless mode of STAMP Session-Reflector as defined in RFC 8762</a:t>
+              <a:t>Stateless mode of STAMP Session-Reflector as defined in RFC 8762 – per each test session</a:t>
             </a:r>
           </a:p>
           <a:p>
@@ -7513,7 +7513,7 @@
             </a:pPr>
             <a:r>
               <a:rPr lang="en-US" sz="2000" dirty="0"/>
-              <a:t>Stateless mode of STAMP Session-Reflector as defined in RFC 8762</a:t>
+              <a:t>Stateless mode of STAMP Session-Reflector as defined in RFC 8762 - per each test session</a:t>
             </a:r>
           </a:p>
           <a:p>
@@ -7722,7 +7722,7 @@
             </a:pPr>
             <a:r>
               <a:rPr lang="en-US" sz="1800" dirty="0"/>
-              <a:t>Stateless mode of STAMP Session-Reflector as defined in RFC 8762</a:t>
+              <a:t>Stateless mode of STAMP Session-Reflector as defined in RFC 8762 – per each test session</a:t>
             </a:r>
           </a:p>
           <a:p>

--- a/draft-gandhi-ippm-stamp-srpm-02.pptx
+++ b/draft-gandhi-ippm-stamp-srpm-02.pptx
@@ -254,7 +254,7 @@
           <a:p>
             <a:fld id="{E8FA3DB5-7722-3F4F-947D-12B203669AD7}" type="datetimeFigureOut">
               <a:rPr lang="en-US" smtClean="0"/>
-              <a:t>2/28/21</a:t>
+              <a:t>3/2/21</a:t>
             </a:fld>
             <a:endParaRPr lang="en-US"/>
           </a:p>
@@ -5863,27 +5863,12 @@
               <a:buChar char="ü"/>
             </a:pPr>
             <a:r>
+              <a:rPr lang="en-US" sz="1800"/>
+              <a:t>Updated </a:t>
+            </a:r>
+            <a:r>
               <a:rPr lang="en-US" sz="1800" dirty="0"/>
-              <a:t>Replaced TWAMP Light draft with STAMP draft</a:t>
-            </a:r>
-          </a:p>
-          <a:p>
-            <a:pPr lvl="1">
-              <a:lnSpc>
-                <a:spcPts val="2160"/>
-              </a:lnSpc>
-              <a:spcBef>
-                <a:spcPts val="600"/>
-              </a:spcBef>
-              <a:spcAft>
-                <a:spcPts val="0"/>
-              </a:spcAft>
-              <a:buFont typeface="Wingdings" pitchFamily="2" charset="2"/>
-              <a:buChar char="ü"/>
-            </a:pPr>
-            <a:r>
-              <a:rPr lang="en-US" sz="1800" dirty="0"/>
-              <a:t>Updated terminology to align with STAMP</a:t>
+              <a:t>terminology to align with STAMP</a:t>
             </a:r>
           </a:p>
           <a:p>

--- a/draft-gandhi-ippm-stamp-srpm-02.pptx
+++ b/draft-gandhi-ippm-stamp-srpm-02.pptx
@@ -5627,7 +5627,7 @@
             </a:pPr>
             <a:r>
               <a:rPr lang="en-US" sz="1800" dirty="0"/>
-              <a:t>Avoid provisioning and maintaining each test session on Session-Reflector - Stateless mode</a:t>
+              <a:t>Avoid provisioning and maintaining each test session on Session-Reflector</a:t>
             </a:r>
           </a:p>
           <a:p>
@@ -7234,7 +7234,7 @@
             </a:pPr>
             <a:r>
               <a:rPr lang="en-US" sz="1600" dirty="0"/>
-              <a:t>Stateless mode of STAMP Session-Reflector as defined in RFC 8762 – per each test session</a:t>
+              <a:t>Avoid maintaining each test session (session id, source-address) on Session-Reflector</a:t>
             </a:r>
           </a:p>
           <a:p>
@@ -7279,17 +7279,6 @@
             <a:r>
               <a:rPr lang="en-US" sz="1600" dirty="0"/>
               <a:t>Link can be Virtual, LAG or LAG member</a:t>
-            </a:r>
-          </a:p>
-          <a:p>
-            <a:pPr lvl="1">
-              <a:spcBef>
-                <a:spcPts val="600"/>
-              </a:spcBef>
-            </a:pPr>
-            <a:r>
-              <a:rPr lang="en-US" sz="1600" dirty="0"/>
-              <a:t>Avoid maintaining each test session (session id, source-address) on Session-Reflector</a:t>
             </a:r>
           </a:p>
           <a:p>
@@ -7498,7 +7487,7 @@
             </a:pPr>
             <a:r>
               <a:rPr lang="en-US" sz="2000" dirty="0"/>
-              <a:t>Stateless mode of STAMP Session-Reflector as defined in RFC 8762 - per each test session</a:t>
+              <a:t>Avoid maintaining each test session (session id, source-address) on Session-Reflector</a:t>
             </a:r>
           </a:p>
           <a:p>
@@ -7699,17 +7688,6 @@
         <p:txBody>
           <a:bodyPr/>
           <a:lstStyle/>
-          <a:p>
-            <a:pPr>
-              <a:spcBef>
-                <a:spcPts val="600"/>
-              </a:spcBef>
-            </a:pPr>
-            <a:r>
-              <a:rPr lang="en-US" sz="1800" dirty="0"/>
-              <a:t>Stateless mode of STAMP Session-Reflector as defined in RFC 8762 – per each test session</a:t>
-            </a:r>
-          </a:p>
           <a:p>
             <a:pPr>
               <a:spcBef>

--- a/draft-gandhi-ippm-stamp-srpm-02.pptx
+++ b/draft-gandhi-ippm-stamp-srpm-02.pptx
@@ -6458,7 +6458,7 @@
                 <a:ea typeface="Calibri" panose="020F0502020204030204" pitchFamily="34" charset="0"/>
                 <a:cs typeface="Consolas" panose="020B0609020204030204" pitchFamily="49" charset="0"/>
               </a:rPr>
-              <a:t>Session-Reflector that supports this TLV, </a:t>
+              <a:t>STAMP Session-Reflector that supports this TLV, </a:t>
             </a:r>
             <a:r>
               <a:rPr lang="en-CA" sz="1600" b="1" dirty="0">
@@ -7267,7 +7267,7 @@
             </a:pPr>
             <a:r>
               <a:rPr lang="en-US" sz="1600" dirty="0"/>
-              <a:t>Session-Reflector transmits test packet in-band on the same incoming link in the reverse direction</a:t>
+              <a:t>STAMP Session-Reflector transmits test packet in-band on the same incoming link in the reverse direction</a:t>
             </a:r>
           </a:p>
           <a:p>
@@ -7300,7 +7300,7 @@
             </a:pPr>
             <a:r>
               <a:rPr lang="en-CA" sz="1600" dirty="0"/>
-              <a:t>The Session-Reflector does not transmit reply test packet to the Session-Sender and terminates the Session-Sender test packet</a:t>
+              <a:t>STAMP Session-Reflector does not transmit reply test packet to the STAMP Session-Sender and terminates the Session-Sender test packet</a:t>
             </a:r>
           </a:p>
         </p:txBody>
@@ -7509,7 +7509,7 @@
             </a:pPr>
             <a:r>
               <a:rPr lang="en-CA" sz="2000" dirty="0"/>
-              <a:t>For this, the Session-Sender can specify in the test packet the receiving destination address for the Session-Reflector reply test packet</a:t>
+              <a:t>STAMP Session-Sender can specify in the test packet the receiving destination address for the STAMP Session-Reflector reply test packet</a:t>
             </a:r>
           </a:p>
         </p:txBody>
@@ -7696,7 +7696,7 @@
             </a:pPr>
             <a:r>
               <a:rPr lang="en-US" sz="1800" dirty="0"/>
-              <a:t>For SR path, Session-Reflector reply test packet may need to be sent in-band on a specific return SR path</a:t>
+              <a:t>For an SR path, STAMP Session-Reflector reply test packet may need to be sent in-band on a specific return SR path</a:t>
             </a:r>
           </a:p>
           <a:p>
@@ -7718,7 +7718,7 @@
             </a:pPr>
             <a:r>
               <a:rPr lang="en-US" sz="1800" dirty="0"/>
-              <a:t>Avoid signaling and maintaining dynamic state on Session-Reflector for the return path for each STAMP test session (each session-id, source-address) </a:t>
+              <a:t>Avoid signaling and maintaining dynamic state on STAMP Session-Reflector for the return path for each STAMP test session (each session-id, source-address) </a:t>
             </a:r>
           </a:p>
           <a:p>
@@ -7729,7 +7729,7 @@
             </a:pPr>
             <a:r>
               <a:rPr lang="en-US" sz="1800" dirty="0"/>
-              <a:t>Order of 10K SR Policy (that can have multiple candidate-paths and each candidate-path can have multiple segment-lists)</a:t>
+              <a:t>Can be order of 10K SR Policy (that can also have ECMPs)</a:t>
             </a:r>
           </a:p>
           <a:p>
